--- a/Database/DB-lab-2.pptx
+++ b/Database/DB-lab-2.pptx
@@ -9,8 +9,12 @@
     <p:sldId id="264" r:id="rId3"/>
     <p:sldId id="258" r:id="rId4"/>
     <p:sldId id="260" r:id="rId5"/>
-    <p:sldId id="261" r:id="rId6"/>
-    <p:sldId id="263" r:id="rId7"/>
+    <p:sldId id="268" r:id="rId6"/>
+    <p:sldId id="261" r:id="rId7"/>
+    <p:sldId id="263" r:id="rId8"/>
+    <p:sldId id="265" r:id="rId9"/>
+    <p:sldId id="266" r:id="rId10"/>
+    <p:sldId id="267" r:id="rId11"/>
   </p:sldIdLst>
   <p:sldSz cx="9144000" cy="6858000" type="screen4x3"/>
   <p:notesSz cx="6858000" cy="9144000"/>
@@ -246,7 +250,7 @@
           <a:p>
             <a:fld id="{96A2CDCC-FA82-48F6-8EC7-B59FF0CBF349}" type="datetimeFigureOut">
               <a:rPr lang="en-US" smtClean="0"/>
-              <a:t>11/21/2023</a:t>
+              <a:t>11/28/2023</a:t>
             </a:fld>
             <a:endParaRPr lang="en-US"/>
           </a:p>
@@ -559,7 +563,7 @@
           <a:p>
             <a:fld id="{96A2CDCC-FA82-48F6-8EC7-B59FF0CBF349}" type="datetimeFigureOut">
               <a:rPr lang="en-US" smtClean="0"/>
-              <a:t>11/21/2023</a:t>
+              <a:t>11/28/2023</a:t>
             </a:fld>
             <a:endParaRPr lang="en-US"/>
           </a:p>
@@ -744,7 +748,7 @@
           <a:p>
             <a:fld id="{96A2CDCC-FA82-48F6-8EC7-B59FF0CBF349}" type="datetimeFigureOut">
               <a:rPr lang="en-US" smtClean="0"/>
-              <a:t>11/21/2023</a:t>
+              <a:t>11/28/2023</a:t>
             </a:fld>
             <a:endParaRPr lang="en-US"/>
           </a:p>
@@ -919,7 +923,7 @@
           <a:p>
             <a:fld id="{96A2CDCC-FA82-48F6-8EC7-B59FF0CBF349}" type="datetimeFigureOut">
               <a:rPr lang="en-US" smtClean="0"/>
-              <a:t>11/21/2023</a:t>
+              <a:t>11/28/2023</a:t>
             </a:fld>
             <a:endParaRPr lang="en-US"/>
           </a:p>
@@ -1187,7 +1191,7 @@
           <a:p>
             <a:fld id="{96A2CDCC-FA82-48F6-8EC7-B59FF0CBF349}" type="datetimeFigureOut">
               <a:rPr lang="en-US" smtClean="0"/>
-              <a:t>11/21/2023</a:t>
+              <a:t>11/28/2023</a:t>
             </a:fld>
             <a:endParaRPr lang="en-US"/>
           </a:p>
@@ -1655,7 +1659,7 @@
           <a:p>
             <a:fld id="{96A2CDCC-FA82-48F6-8EC7-B59FF0CBF349}" type="datetimeFigureOut">
               <a:rPr lang="en-US" smtClean="0"/>
-              <a:t>11/21/2023</a:t>
+              <a:t>11/28/2023</a:t>
             </a:fld>
             <a:endParaRPr lang="en-US"/>
           </a:p>
@@ -2144,7 +2148,7 @@
           <a:p>
             <a:fld id="{96A2CDCC-FA82-48F6-8EC7-B59FF0CBF349}" type="datetimeFigureOut">
               <a:rPr lang="en-US" smtClean="0"/>
-              <a:t>11/21/2023</a:t>
+              <a:t>11/28/2023</a:t>
             </a:fld>
             <a:endParaRPr lang="en-US"/>
           </a:p>
@@ -2270,7 +2274,7 @@
           <a:p>
             <a:fld id="{96A2CDCC-FA82-48F6-8EC7-B59FF0CBF349}" type="datetimeFigureOut">
               <a:rPr lang="en-US" smtClean="0"/>
-              <a:t>11/21/2023</a:t>
+              <a:t>11/28/2023</a:t>
             </a:fld>
             <a:endParaRPr lang="en-US"/>
           </a:p>
@@ -2414,7 +2418,7 @@
           <a:p>
             <a:fld id="{96A2CDCC-FA82-48F6-8EC7-B59FF0CBF349}" type="datetimeFigureOut">
               <a:rPr lang="en-US" smtClean="0"/>
-              <a:t>11/21/2023</a:t>
+              <a:t>11/28/2023</a:t>
             </a:fld>
             <a:endParaRPr lang="en-US"/>
           </a:p>
@@ -2736,7 +2740,7 @@
           <a:p>
             <a:fld id="{96A2CDCC-FA82-48F6-8EC7-B59FF0CBF349}" type="datetimeFigureOut">
               <a:rPr lang="en-US" smtClean="0"/>
-              <a:t>11/21/2023</a:t>
+              <a:t>11/28/2023</a:t>
             </a:fld>
             <a:endParaRPr lang="en-US"/>
           </a:p>
@@ -2870,7 +2874,7 @@
           <a:p>
             <a:fld id="{96A2CDCC-FA82-48F6-8EC7-B59FF0CBF349}" type="datetimeFigureOut">
               <a:rPr lang="en-US" smtClean="0"/>
-              <a:t>11/21/2023</a:t>
+              <a:t>11/28/2023</a:t>
             </a:fld>
             <a:endParaRPr lang="en-US"/>
           </a:p>
@@ -3651,7 +3655,7 @@
           <a:p>
             <a:fld id="{96A2CDCC-FA82-48F6-8EC7-B59FF0CBF349}" type="datetimeFigureOut">
               <a:rPr lang="en-US" smtClean="0"/>
-              <a:t>11/21/2023</a:t>
+              <a:t>11/28/2023</a:t>
             </a:fld>
             <a:endParaRPr lang="en-US"/>
           </a:p>
@@ -4325,6 +4329,198 @@
 </p:sld>
 </file>
 
+<file path=ppt/slides/slide10.xml><?xml version="1.0" encoding="utf-8"?>
+<p:sld xmlns:a="http://schemas.openxmlformats.org/drawingml/2006/main" xmlns:r="http://schemas.openxmlformats.org/officeDocument/2006/relationships" xmlns:p="http://schemas.openxmlformats.org/presentationml/2006/main">
+  <p:cSld>
+    <p:spTree>
+      <p:nvGrpSpPr>
+        <p:cNvPr id="1" name=""/>
+        <p:cNvGrpSpPr/>
+        <p:nvPr/>
+      </p:nvGrpSpPr>
+      <p:grpSpPr>
+        <a:xfrm>
+          <a:off x="0" y="0"/>
+          <a:ext cx="0" cy="0"/>
+          <a:chOff x="0" y="0"/>
+          <a:chExt cx="0" cy="0"/>
+        </a:xfrm>
+      </p:grpSpPr>
+      <p:pic>
+        <p:nvPicPr>
+          <p:cNvPr id="4098" name="Picture 2"/>
+          <p:cNvPicPr>
+            <a:picLocks noChangeAspect="1" noChangeArrowheads="1"/>
+          </p:cNvPicPr>
+          <p:nvPr/>
+        </p:nvPicPr>
+        <p:blipFill>
+          <a:blip r:embed="rId2">
+            <a:extLst>
+              <a:ext uri="{28A0092B-C50C-407E-A947-70E740481C1C}">
+                <a14:useLocalDpi xmlns:a14="http://schemas.microsoft.com/office/drawing/2010/main" val="0"/>
+              </a:ext>
+            </a:extLst>
+          </a:blip>
+          <a:srcRect/>
+          <a:stretch>
+            <a:fillRect/>
+          </a:stretch>
+        </p:blipFill>
+        <p:spPr bwMode="auto">
+          <a:xfrm>
+            <a:off x="1460499" y="1447800"/>
+            <a:ext cx="6505575" cy="3657600"/>
+          </a:xfrm>
+          <a:prstGeom prst="rect">
+            <a:avLst/>
+          </a:prstGeom>
+          <a:noFill/>
+          <a:ln>
+            <a:noFill/>
+          </a:ln>
+          <a:extLst>
+            <a:ext uri="{909E8E84-426E-40DD-AFC4-6F175D3DCCD1}">
+              <a14:hiddenFill xmlns:a14="http://schemas.microsoft.com/office/drawing/2010/main">
+                <a:solidFill>
+                  <a:schemeClr val="accent1"/>
+                </a:solidFill>
+              </a14:hiddenFill>
+            </a:ext>
+            <a:ext uri="{91240B29-F687-4F45-9708-019B960494DF}">
+              <a14:hiddenLine xmlns:a14="http://schemas.microsoft.com/office/drawing/2010/main" w="9525">
+                <a:solidFill>
+                  <a:schemeClr val="tx1"/>
+                </a:solidFill>
+                <a:miter lim="800000"/>
+                <a:headEnd/>
+                <a:tailEnd/>
+              </a14:hiddenLine>
+            </a:ext>
+          </a:extLst>
+        </p:spPr>
+      </p:pic>
+      <p:cxnSp>
+        <p:nvCxnSpPr>
+          <p:cNvPr id="3" name="Straight Connector 2"/>
+          <p:cNvCxnSpPr/>
+          <p:nvPr/>
+        </p:nvCxnSpPr>
+        <p:spPr>
+          <a:xfrm>
+            <a:off x="990600" y="685800"/>
+            <a:ext cx="7772400" cy="0"/>
+          </a:xfrm>
+          <a:prstGeom prst="line">
+            <a:avLst/>
+          </a:prstGeom>
+          <a:ln>
+            <a:solidFill>
+              <a:schemeClr val="accent2">
+                <a:lumMod val="75000"/>
+              </a:schemeClr>
+            </a:solidFill>
+          </a:ln>
+        </p:spPr>
+        <p:style>
+          <a:lnRef idx="1">
+            <a:schemeClr val="accent2"/>
+          </a:lnRef>
+          <a:fillRef idx="0">
+            <a:schemeClr val="accent2"/>
+          </a:fillRef>
+          <a:effectRef idx="0">
+            <a:schemeClr val="accent2"/>
+          </a:effectRef>
+          <a:fontRef idx="minor">
+            <a:schemeClr val="tx1"/>
+          </a:fontRef>
+        </p:style>
+      </p:cxnSp>
+      <p:sp>
+        <p:nvSpPr>
+          <p:cNvPr id="4" name="Rectangle 3"/>
+          <p:cNvSpPr/>
+          <p:nvPr/>
+        </p:nvSpPr>
+        <p:spPr>
+          <a:xfrm>
+            <a:off x="1070331" y="309602"/>
+            <a:ext cx="3089307" cy="369332"/>
+          </a:xfrm>
+          <a:prstGeom prst="rect">
+            <a:avLst/>
+          </a:prstGeom>
+        </p:spPr>
+        <p:txBody>
+          <a:bodyPr wrap="none">
+            <a:spAutoFit/>
+          </a:bodyPr>
+          <a:lstStyle/>
+          <a:p>
+            <a:r>
+              <a:rPr lang="en-US" b="1" dirty="0" smtClean="0">
+                <a:solidFill>
+                  <a:schemeClr val="accent2">
+                    <a:lumMod val="75000"/>
+                  </a:schemeClr>
+                </a:solidFill>
+              </a:rPr>
+              <a:t>MySQL-Student case study</a:t>
+            </a:r>
+            <a:endParaRPr lang="en-US" b="1" dirty="0">
+              <a:solidFill>
+                <a:schemeClr val="accent2">
+                  <a:lumMod val="75000"/>
+                </a:schemeClr>
+              </a:solidFill>
+            </a:endParaRPr>
+          </a:p>
+        </p:txBody>
+      </p:sp>
+      <p:sp>
+        <p:nvSpPr>
+          <p:cNvPr id="2" name="TextBox 1"/>
+          <p:cNvSpPr txBox="1"/>
+          <p:nvPr/>
+        </p:nvSpPr>
+        <p:spPr>
+          <a:xfrm>
+            <a:off x="1219200" y="838200"/>
+            <a:ext cx="3657600" cy="369332"/>
+          </a:xfrm>
+          <a:prstGeom prst="rect">
+            <a:avLst/>
+          </a:prstGeom>
+          <a:noFill/>
+        </p:spPr>
+        <p:txBody>
+          <a:bodyPr wrap="square" rtlCol="0">
+            <a:spAutoFit/>
+          </a:bodyPr>
+          <a:lstStyle/>
+          <a:p>
+            <a:r>
+              <a:rPr lang="en-US" dirty="0" smtClean="0"/>
+              <a:t>Edit table codes : </a:t>
+            </a:r>
+            <a:endParaRPr lang="en-US" dirty="0"/>
+          </a:p>
+        </p:txBody>
+      </p:sp>
+    </p:spTree>
+    <p:extLst>
+      <p:ext uri="{BB962C8B-B14F-4D97-AF65-F5344CB8AC3E}">
+        <p14:creationId xmlns:p14="http://schemas.microsoft.com/office/powerpoint/2010/main" val="2367929150"/>
+      </p:ext>
+    </p:extLst>
+  </p:cSld>
+  <p:clrMapOvr>
+    <a:masterClrMapping/>
+  </p:clrMapOvr>
+</p:sld>
+</file>
+
 <file path=ppt/slides/slide2.xml><?xml version="1.0" encoding="utf-8"?>
 <p:sld xmlns:a="http://schemas.openxmlformats.org/drawingml/2006/main" xmlns:r="http://schemas.openxmlformats.org/officeDocument/2006/relationships" xmlns:p="http://schemas.openxmlformats.org/presentationml/2006/main">
   <p:cSld>
@@ -5462,8 +5658,8 @@
         </p:blipFill>
         <p:spPr bwMode="auto">
           <a:xfrm>
-            <a:off x="1146532" y="914400"/>
-            <a:ext cx="3772498" cy="2438400"/>
+            <a:off x="1347788" y="1524000"/>
+            <a:ext cx="6448425" cy="3067050"/>
           </a:xfrm>
           <a:prstGeom prst="rect">
             <a:avLst/>
@@ -5539,7 +5735,7 @@
         <p:spPr>
           <a:xfrm>
             <a:off x="1070331" y="309602"/>
-            <a:ext cx="3089307" cy="369332"/>
+            <a:ext cx="2068195" cy="369332"/>
           </a:xfrm>
           <a:prstGeom prst="rect">
             <a:avLst/>
@@ -5559,7 +5755,7 @@
                   </a:schemeClr>
                 </a:solidFill>
               </a:rPr>
-              <a:t>MySQL-Student case study</a:t>
+              <a:t>Database schema</a:t>
             </a:r>
             <a:endParaRPr lang="en-US" b="1" dirty="0">
               <a:solidFill>
@@ -5571,16 +5767,46 @@
           </a:p>
         </p:txBody>
       </p:sp>
+    </p:spTree>
+    <p:extLst>
+      <p:ext uri="{BB962C8B-B14F-4D97-AF65-F5344CB8AC3E}">
+        <p14:creationId xmlns:p14="http://schemas.microsoft.com/office/powerpoint/2010/main" val="2367929150"/>
+      </p:ext>
+    </p:extLst>
+  </p:cSld>
+  <p:clrMapOvr>
+    <a:masterClrMapping/>
+  </p:clrMapOvr>
+</p:sld>
+</file>
+
+<file path=ppt/slides/slide6.xml><?xml version="1.0" encoding="utf-8"?>
+<p:sld xmlns:a="http://schemas.openxmlformats.org/drawingml/2006/main" xmlns:r="http://schemas.openxmlformats.org/officeDocument/2006/relationships" xmlns:p="http://schemas.openxmlformats.org/presentationml/2006/main">
+  <p:cSld>
+    <p:spTree>
+      <p:nvGrpSpPr>
+        <p:cNvPr id="1" name=""/>
+        <p:cNvGrpSpPr/>
+        <p:nvPr/>
+      </p:nvGrpSpPr>
+      <p:grpSpPr>
+        <a:xfrm>
+          <a:off x="0" y="0"/>
+          <a:ext cx="0" cy="0"/>
+          <a:chOff x="0" y="0"/>
+          <a:chExt cx="0" cy="0"/>
+        </a:xfrm>
+      </p:grpSpPr>
       <p:pic>
         <p:nvPicPr>
-          <p:cNvPr id="5" name="Picture 2"/>
+          <p:cNvPr id="5122" name="Picture 2"/>
           <p:cNvPicPr>
             <a:picLocks noChangeAspect="1" noChangeArrowheads="1"/>
           </p:cNvPicPr>
           <p:nvPr/>
         </p:nvPicPr>
         <p:blipFill>
-          <a:blip r:embed="rId3">
+          <a:blip r:embed="rId2">
             <a:extLst>
               <a:ext uri="{28A0092B-C50C-407E-A947-70E740481C1C}">
                 <a14:useLocalDpi xmlns:a14="http://schemas.microsoft.com/office/drawing/2010/main" val="0"/>
@@ -5594,8 +5820,8 @@
         </p:blipFill>
         <p:spPr bwMode="auto">
           <a:xfrm>
-            <a:off x="1104949" y="3429000"/>
-            <a:ext cx="4610051" cy="1064334"/>
+            <a:off x="1146532" y="914400"/>
+            <a:ext cx="3772498" cy="2438400"/>
           </a:xfrm>
           <a:prstGeom prst="rect">
             <a:avLst/>
@@ -5625,16 +5851,94 @@
           </a:extLst>
         </p:spPr>
       </p:pic>
+      <p:cxnSp>
+        <p:nvCxnSpPr>
+          <p:cNvPr id="3" name="Straight Connector 2"/>
+          <p:cNvCxnSpPr/>
+          <p:nvPr/>
+        </p:nvCxnSpPr>
+        <p:spPr>
+          <a:xfrm>
+            <a:off x="990600" y="685800"/>
+            <a:ext cx="7772400" cy="0"/>
+          </a:xfrm>
+          <a:prstGeom prst="line">
+            <a:avLst/>
+          </a:prstGeom>
+          <a:ln>
+            <a:solidFill>
+              <a:schemeClr val="accent2">
+                <a:lumMod val="75000"/>
+              </a:schemeClr>
+            </a:solidFill>
+          </a:ln>
+        </p:spPr>
+        <p:style>
+          <a:lnRef idx="1">
+            <a:schemeClr val="accent2"/>
+          </a:lnRef>
+          <a:fillRef idx="0">
+            <a:schemeClr val="accent2"/>
+          </a:fillRef>
+          <a:effectRef idx="0">
+            <a:schemeClr val="accent2"/>
+          </a:effectRef>
+          <a:fontRef idx="minor">
+            <a:schemeClr val="tx1"/>
+          </a:fontRef>
+        </p:style>
+      </p:cxnSp>
+      <p:sp>
+        <p:nvSpPr>
+          <p:cNvPr id="4" name="Rectangle 3"/>
+          <p:cNvSpPr/>
+          <p:nvPr/>
+        </p:nvSpPr>
+        <p:spPr>
+          <a:xfrm>
+            <a:off x="1070331" y="309602"/>
+            <a:ext cx="3089307" cy="369332"/>
+          </a:xfrm>
+          <a:prstGeom prst="rect">
+            <a:avLst/>
+          </a:prstGeom>
+        </p:spPr>
+        <p:txBody>
+          <a:bodyPr wrap="none">
+            <a:spAutoFit/>
+          </a:bodyPr>
+          <a:lstStyle/>
+          <a:p>
+            <a:r>
+              <a:rPr lang="en-US" b="1" dirty="0" smtClean="0">
+                <a:solidFill>
+                  <a:schemeClr val="accent2">
+                    <a:lumMod val="75000"/>
+                  </a:schemeClr>
+                </a:solidFill>
+              </a:rPr>
+              <a:t>MySQL-Student case study</a:t>
+            </a:r>
+            <a:endParaRPr lang="en-US" b="1" dirty="0">
+              <a:solidFill>
+                <a:schemeClr val="accent2">
+                  <a:lumMod val="75000"/>
+                </a:schemeClr>
+              </a:solidFill>
+            </a:endParaRPr>
+          </a:p>
+        </p:txBody>
+      </p:sp>
       <p:pic>
         <p:nvPicPr>
-          <p:cNvPr id="6" name="Picture 3"/>
+          <p:cNvPr id="5" name="Picture 2"/>
           <p:cNvPicPr>
             <a:picLocks noChangeAspect="1" noChangeArrowheads="1"/>
           </p:cNvPicPr>
           <p:nvPr/>
         </p:nvPicPr>
         <p:blipFill>
-          <a:blip r:embed="rId4">
+          <a:blip r:embed="rId3">
             <a:extLst>
               <a:ext uri="{28A0092B-C50C-407E-A947-70E740481C1C}">
                 <a14:useLocalDpi xmlns:a14="http://schemas.microsoft.com/office/drawing/2010/main" val="0"/>
@@ -5648,8 +5952,8 @@
         </p:blipFill>
         <p:spPr bwMode="auto">
           <a:xfrm>
-            <a:off x="1102469" y="4572000"/>
-            <a:ext cx="4917331" cy="997353"/>
+            <a:off x="1104949" y="3429000"/>
+            <a:ext cx="4610051" cy="1064334"/>
           </a:xfrm>
           <a:prstGeom prst="rect">
             <a:avLst/>
@@ -5679,6 +5983,60 @@
           </a:extLst>
         </p:spPr>
       </p:pic>
+      <p:pic>
+        <p:nvPicPr>
+          <p:cNvPr id="6" name="Picture 3"/>
+          <p:cNvPicPr>
+            <a:picLocks noChangeAspect="1" noChangeArrowheads="1"/>
+          </p:cNvPicPr>
+          <p:nvPr/>
+        </p:nvPicPr>
+        <p:blipFill>
+          <a:blip r:embed="rId4">
+            <a:extLst>
+              <a:ext uri="{28A0092B-C50C-407E-A947-70E740481C1C}">
+                <a14:useLocalDpi xmlns:a14="http://schemas.microsoft.com/office/drawing/2010/main" val="0"/>
+              </a:ext>
+            </a:extLst>
+          </a:blip>
+          <a:srcRect/>
+          <a:stretch>
+            <a:fillRect/>
+          </a:stretch>
+        </p:blipFill>
+        <p:spPr bwMode="auto">
+          <a:xfrm>
+            <a:off x="1102469" y="4572000"/>
+            <a:ext cx="4917331" cy="997353"/>
+          </a:xfrm>
+          <a:prstGeom prst="rect">
+            <a:avLst/>
+          </a:prstGeom>
+          <a:noFill/>
+          <a:ln>
+            <a:noFill/>
+          </a:ln>
+          <a:extLst>
+            <a:ext uri="{909E8E84-426E-40DD-AFC4-6F175D3DCCD1}">
+              <a14:hiddenFill xmlns:a14="http://schemas.microsoft.com/office/drawing/2010/main">
+                <a:solidFill>
+                  <a:schemeClr val="accent1"/>
+                </a:solidFill>
+              </a14:hiddenFill>
+            </a:ext>
+            <a:ext uri="{91240B29-F687-4F45-9708-019B960494DF}">
+              <a14:hiddenLine xmlns:a14="http://schemas.microsoft.com/office/drawing/2010/main" w="9525">
+                <a:solidFill>
+                  <a:schemeClr val="tx1"/>
+                </a:solidFill>
+                <a:miter lim="800000"/>
+                <a:headEnd/>
+                <a:tailEnd/>
+              </a14:hiddenLine>
+            </a:ext>
+          </a:extLst>
+        </p:spPr>
+      </p:pic>
     </p:spTree>
     <p:extLst>
       <p:ext uri="{BB962C8B-B14F-4D97-AF65-F5344CB8AC3E}">
@@ -5692,7 +6050,7 @@
 </p:sld>
 </file>
 
-<file path=ppt/slides/slide6.xml><?xml version="1.0" encoding="utf-8"?>
+<file path=ppt/slides/slide7.xml><?xml version="1.0" encoding="utf-8"?>
 <p:sld xmlns:a="http://schemas.openxmlformats.org/drawingml/2006/main" xmlns:r="http://schemas.openxmlformats.org/officeDocument/2006/relationships" xmlns:p="http://schemas.openxmlformats.org/presentationml/2006/main">
   <p:cSld>
     <p:spTree>
@@ -5709,64 +6067,135 @@
           <a:chExt cx="0" cy="0"/>
         </a:xfrm>
       </p:grpSpPr>
-      <p:sp>
-        <p:nvSpPr>
-          <p:cNvPr id="4" name="Rectangle 3"/>
-          <p:cNvSpPr/>
+      <p:pic>
+        <p:nvPicPr>
+          <p:cNvPr id="3074" name="Picture 2"/>
+          <p:cNvPicPr>
+            <a:picLocks noChangeAspect="1" noChangeArrowheads="1"/>
+          </p:cNvPicPr>
           <p:nvPr/>
-        </p:nvSpPr>
-        <p:spPr>
-          <a:xfrm>
-            <a:off x="1155700" y="457200"/>
-            <a:ext cx="4572000" cy="923330"/>
+        </p:nvPicPr>
+        <p:blipFill>
+          <a:blip r:embed="rId2">
+            <a:extLst>
+              <a:ext uri="{28A0092B-C50C-407E-A947-70E740481C1C}">
+                <a14:useLocalDpi xmlns:a14="http://schemas.microsoft.com/office/drawing/2010/main" val="0"/>
+              </a:ext>
+            </a:extLst>
+          </a:blip>
+          <a:srcRect/>
+          <a:stretch>
+            <a:fillRect/>
+          </a:stretch>
+        </p:blipFill>
+        <p:spPr bwMode="auto">
+          <a:xfrm>
+            <a:off x="1108868" y="1143000"/>
+            <a:ext cx="7535863" cy="2774236"/>
           </a:xfrm>
           <a:prstGeom prst="rect">
             <a:avLst/>
           </a:prstGeom>
-        </p:spPr>
-        <p:txBody>
-          <a:bodyPr>
+          <a:noFill/>
+          <a:ln>
+            <a:noFill/>
+          </a:ln>
+          <a:extLst>
+            <a:ext uri="{909E8E84-426E-40DD-AFC4-6F175D3DCCD1}">
+              <a14:hiddenFill xmlns:a14="http://schemas.microsoft.com/office/drawing/2010/main">
+                <a:solidFill>
+                  <a:schemeClr val="accent1"/>
+                </a:solidFill>
+              </a14:hiddenFill>
+            </a:ext>
+            <a:ext uri="{91240B29-F687-4F45-9708-019B960494DF}">
+              <a14:hiddenLine xmlns:a14="http://schemas.microsoft.com/office/drawing/2010/main" w="9525">
+                <a:solidFill>
+                  <a:schemeClr val="tx1"/>
+                </a:solidFill>
+                <a:miter lim="800000"/>
+                <a:headEnd/>
+                <a:tailEnd/>
+              </a14:hiddenLine>
+            </a:ext>
+          </a:extLst>
+        </p:spPr>
+      </p:pic>
+      <p:cxnSp>
+        <p:nvCxnSpPr>
+          <p:cNvPr id="5" name="Straight Connector 4"/>
+          <p:cNvCxnSpPr/>
+          <p:nvPr/>
+        </p:nvCxnSpPr>
+        <p:spPr>
+          <a:xfrm>
+            <a:off x="990600" y="685800"/>
+            <a:ext cx="7772400" cy="0"/>
+          </a:xfrm>
+          <a:prstGeom prst="line">
+            <a:avLst/>
+          </a:prstGeom>
+          <a:ln>
+            <a:solidFill>
+              <a:schemeClr val="accent2">
+                <a:lumMod val="75000"/>
+              </a:schemeClr>
+            </a:solidFill>
+          </a:ln>
+        </p:spPr>
+        <p:style>
+          <a:lnRef idx="1">
+            <a:schemeClr val="accent2"/>
+          </a:lnRef>
+          <a:fillRef idx="0">
+            <a:schemeClr val="accent2"/>
+          </a:fillRef>
+          <a:effectRef idx="0">
+            <a:schemeClr val="accent2"/>
+          </a:effectRef>
+          <a:fontRef idx="minor">
+            <a:schemeClr val="tx1"/>
+          </a:fontRef>
+        </p:style>
+      </p:cxnSp>
+      <p:sp>
+        <p:nvSpPr>
+          <p:cNvPr id="6" name="Rectangle 5"/>
+          <p:cNvSpPr/>
+          <p:nvPr/>
+        </p:nvSpPr>
+        <p:spPr>
+          <a:xfrm>
+            <a:off x="1070331" y="309602"/>
+            <a:ext cx="3089307" cy="369332"/>
+          </a:xfrm>
+          <a:prstGeom prst="rect">
+            <a:avLst/>
+          </a:prstGeom>
+        </p:spPr>
+        <p:txBody>
+          <a:bodyPr wrap="none">
             <a:spAutoFit/>
           </a:bodyPr>
           <a:lstStyle/>
           <a:p>
             <a:r>
-              <a:rPr lang="en-US" dirty="0" smtClean="0"/>
-              <a:t>select </a:t>
-            </a:r>
-            <a:r>
-              <a:rPr lang="en-US" dirty="0" smtClean="0"/>
-              <a:t>* from student left outer join field on </a:t>
-            </a:r>
-            <a:r>
-              <a:rPr lang="en-US" dirty="0" err="1" smtClean="0"/>
-              <a:t>student.fId</a:t>
-            </a:r>
-            <a:r>
-              <a:rPr lang="en-US" dirty="0" smtClean="0"/>
-              <a:t>=</a:t>
-            </a:r>
-            <a:r>
-              <a:rPr lang="en-US" dirty="0" err="1" smtClean="0"/>
-              <a:t>field.fId</a:t>
-            </a:r>
-            <a:r>
-              <a:rPr lang="en-US" dirty="0" smtClean="0"/>
-              <a:t>	left outer join province on </a:t>
-            </a:r>
-            <a:r>
-              <a:rPr lang="en-US" dirty="0" err="1" smtClean="0"/>
-              <a:t>student.pId</a:t>
-            </a:r>
-            <a:r>
-              <a:rPr lang="en-US" dirty="0" smtClean="0"/>
-              <a:t>=</a:t>
-            </a:r>
-            <a:r>
-              <a:rPr lang="en-US" dirty="0" err="1" smtClean="0"/>
-              <a:t>province.pId</a:t>
-            </a:r>
-            <a:endParaRPr lang="en-US" dirty="0"/>
+              <a:rPr lang="en-US" b="1" dirty="0" smtClean="0">
+                <a:solidFill>
+                  <a:schemeClr val="accent2">
+                    <a:lumMod val="75000"/>
+                  </a:schemeClr>
+                </a:solidFill>
+              </a:rPr>
+              <a:t>MySQL-Student case study</a:t>
+            </a:r>
+            <a:endParaRPr lang="en-US" b="1" dirty="0">
+              <a:solidFill>
+                <a:schemeClr val="accent2">
+                  <a:lumMod val="75000"/>
+                </a:schemeClr>
+              </a:solidFill>
+            </a:endParaRPr>
           </a:p>
         </p:txBody>
       </p:sp>
@@ -5774,6 +6203,438 @@
     <p:extLst>
       <p:ext uri="{BB962C8B-B14F-4D97-AF65-F5344CB8AC3E}">
         <p14:creationId xmlns:p14="http://schemas.microsoft.com/office/powerpoint/2010/main" val="2839174559"/>
+      </p:ext>
+    </p:extLst>
+  </p:cSld>
+  <p:clrMapOvr>
+    <a:masterClrMapping/>
+  </p:clrMapOvr>
+</p:sld>
+</file>
+
+<file path=ppt/slides/slide8.xml><?xml version="1.0" encoding="utf-8"?>
+<p:sld xmlns:a="http://schemas.openxmlformats.org/drawingml/2006/main" xmlns:r="http://schemas.openxmlformats.org/officeDocument/2006/relationships" xmlns:p="http://schemas.openxmlformats.org/presentationml/2006/main">
+  <p:cSld>
+    <p:spTree>
+      <p:nvGrpSpPr>
+        <p:cNvPr id="1" name=""/>
+        <p:cNvGrpSpPr/>
+        <p:nvPr/>
+      </p:nvGrpSpPr>
+      <p:grpSpPr>
+        <a:xfrm>
+          <a:off x="0" y="0"/>
+          <a:ext cx="0" cy="0"/>
+          <a:chOff x="0" y="0"/>
+          <a:chExt cx="0" cy="0"/>
+        </a:xfrm>
+      </p:grpSpPr>
+      <p:pic>
+        <p:nvPicPr>
+          <p:cNvPr id="1027" name="Picture 3"/>
+          <p:cNvPicPr>
+            <a:picLocks noChangeAspect="1" noChangeArrowheads="1"/>
+          </p:cNvPicPr>
+          <p:nvPr/>
+        </p:nvPicPr>
+        <p:blipFill>
+          <a:blip r:embed="rId2">
+            <a:extLst>
+              <a:ext uri="{28A0092B-C50C-407E-A947-70E740481C1C}">
+                <a14:useLocalDpi xmlns:a14="http://schemas.microsoft.com/office/drawing/2010/main" val="0"/>
+              </a:ext>
+            </a:extLst>
+          </a:blip>
+          <a:srcRect/>
+          <a:stretch>
+            <a:fillRect/>
+          </a:stretch>
+        </p:blipFill>
+        <p:spPr bwMode="auto">
+          <a:xfrm>
+            <a:off x="1131887" y="3886200"/>
+            <a:ext cx="5314950" cy="2143125"/>
+          </a:xfrm>
+          <a:prstGeom prst="rect">
+            <a:avLst/>
+          </a:prstGeom>
+          <a:noFill/>
+          <a:ln>
+            <a:noFill/>
+          </a:ln>
+          <a:extLst>
+            <a:ext uri="{909E8E84-426E-40DD-AFC4-6F175D3DCCD1}">
+              <a14:hiddenFill xmlns:a14="http://schemas.microsoft.com/office/drawing/2010/main">
+                <a:solidFill>
+                  <a:schemeClr val="accent1"/>
+                </a:solidFill>
+              </a14:hiddenFill>
+            </a:ext>
+            <a:ext uri="{91240B29-F687-4F45-9708-019B960494DF}">
+              <a14:hiddenLine xmlns:a14="http://schemas.microsoft.com/office/drawing/2010/main" w="9525">
+                <a:solidFill>
+                  <a:schemeClr val="tx1"/>
+                </a:solidFill>
+                <a:miter lim="800000"/>
+                <a:headEnd/>
+                <a:tailEnd/>
+              </a14:hiddenLine>
+            </a:ext>
+          </a:extLst>
+        </p:spPr>
+      </p:pic>
+      <p:pic>
+        <p:nvPicPr>
+          <p:cNvPr id="1028" name="Picture 4"/>
+          <p:cNvPicPr>
+            <a:picLocks noChangeAspect="1" noChangeArrowheads="1"/>
+          </p:cNvPicPr>
+          <p:nvPr/>
+        </p:nvPicPr>
+        <p:blipFill>
+          <a:blip r:embed="rId3">
+            <a:extLst>
+              <a:ext uri="{28A0092B-C50C-407E-A947-70E740481C1C}">
+                <a14:useLocalDpi xmlns:a14="http://schemas.microsoft.com/office/drawing/2010/main" val="0"/>
+              </a:ext>
+            </a:extLst>
+          </a:blip>
+          <a:srcRect/>
+          <a:stretch>
+            <a:fillRect/>
+          </a:stretch>
+        </p:blipFill>
+        <p:spPr bwMode="auto">
+          <a:xfrm>
+            <a:off x="1119187" y="858877"/>
+            <a:ext cx="5210175" cy="2886075"/>
+          </a:xfrm>
+          <a:prstGeom prst="rect">
+            <a:avLst/>
+          </a:prstGeom>
+          <a:noFill/>
+          <a:ln>
+            <a:noFill/>
+          </a:ln>
+          <a:extLst>
+            <a:ext uri="{909E8E84-426E-40DD-AFC4-6F175D3DCCD1}">
+              <a14:hiddenFill xmlns:a14="http://schemas.microsoft.com/office/drawing/2010/main">
+                <a:solidFill>
+                  <a:schemeClr val="accent1"/>
+                </a:solidFill>
+              </a14:hiddenFill>
+            </a:ext>
+            <a:ext uri="{91240B29-F687-4F45-9708-019B960494DF}">
+              <a14:hiddenLine xmlns:a14="http://schemas.microsoft.com/office/drawing/2010/main" w="9525">
+                <a:solidFill>
+                  <a:schemeClr val="tx1"/>
+                </a:solidFill>
+                <a:miter lim="800000"/>
+                <a:headEnd/>
+                <a:tailEnd/>
+              </a14:hiddenLine>
+            </a:ext>
+          </a:extLst>
+        </p:spPr>
+      </p:pic>
+      <p:cxnSp>
+        <p:nvCxnSpPr>
+          <p:cNvPr id="7" name="Straight Connector 6"/>
+          <p:cNvCxnSpPr/>
+          <p:nvPr/>
+        </p:nvCxnSpPr>
+        <p:spPr>
+          <a:xfrm>
+            <a:off x="990600" y="685800"/>
+            <a:ext cx="7772400" cy="0"/>
+          </a:xfrm>
+          <a:prstGeom prst="line">
+            <a:avLst/>
+          </a:prstGeom>
+          <a:ln>
+            <a:solidFill>
+              <a:schemeClr val="accent2">
+                <a:lumMod val="75000"/>
+              </a:schemeClr>
+            </a:solidFill>
+          </a:ln>
+        </p:spPr>
+        <p:style>
+          <a:lnRef idx="1">
+            <a:schemeClr val="accent2"/>
+          </a:lnRef>
+          <a:fillRef idx="0">
+            <a:schemeClr val="accent2"/>
+          </a:fillRef>
+          <a:effectRef idx="0">
+            <a:schemeClr val="accent2"/>
+          </a:effectRef>
+          <a:fontRef idx="minor">
+            <a:schemeClr val="tx1"/>
+          </a:fontRef>
+        </p:style>
+      </p:cxnSp>
+      <p:sp>
+        <p:nvSpPr>
+          <p:cNvPr id="8" name="Rectangle 7"/>
+          <p:cNvSpPr/>
+          <p:nvPr/>
+        </p:nvSpPr>
+        <p:spPr>
+          <a:xfrm>
+            <a:off x="1070331" y="309602"/>
+            <a:ext cx="3089307" cy="369332"/>
+          </a:xfrm>
+          <a:prstGeom prst="rect">
+            <a:avLst/>
+          </a:prstGeom>
+        </p:spPr>
+        <p:txBody>
+          <a:bodyPr wrap="none">
+            <a:spAutoFit/>
+          </a:bodyPr>
+          <a:lstStyle/>
+          <a:p>
+            <a:r>
+              <a:rPr lang="en-US" b="1" dirty="0" smtClean="0">
+                <a:solidFill>
+                  <a:schemeClr val="accent2">
+                    <a:lumMod val="75000"/>
+                  </a:schemeClr>
+                </a:solidFill>
+              </a:rPr>
+              <a:t>MySQL-Student case study</a:t>
+            </a:r>
+            <a:endParaRPr lang="en-US" b="1" dirty="0">
+              <a:solidFill>
+                <a:schemeClr val="accent2">
+                  <a:lumMod val="75000"/>
+                </a:schemeClr>
+              </a:solidFill>
+            </a:endParaRPr>
+          </a:p>
+        </p:txBody>
+      </p:sp>
+    </p:spTree>
+    <p:extLst>
+      <p:ext uri="{BB962C8B-B14F-4D97-AF65-F5344CB8AC3E}">
+        <p14:creationId xmlns:p14="http://schemas.microsoft.com/office/powerpoint/2010/main" val="2000441011"/>
+      </p:ext>
+    </p:extLst>
+  </p:cSld>
+  <p:clrMapOvr>
+    <a:masterClrMapping/>
+  </p:clrMapOvr>
+</p:sld>
+</file>
+
+<file path=ppt/slides/slide9.xml><?xml version="1.0" encoding="utf-8"?>
+<p:sld xmlns:a="http://schemas.openxmlformats.org/drawingml/2006/main" xmlns:r="http://schemas.openxmlformats.org/officeDocument/2006/relationships" xmlns:p="http://schemas.openxmlformats.org/presentationml/2006/main">
+  <p:cSld>
+    <p:spTree>
+      <p:nvGrpSpPr>
+        <p:cNvPr id="1" name=""/>
+        <p:cNvGrpSpPr/>
+        <p:nvPr/>
+      </p:nvGrpSpPr>
+      <p:grpSpPr>
+        <a:xfrm>
+          <a:off x="0" y="0"/>
+          <a:ext cx="0" cy="0"/>
+          <a:chOff x="0" y="0"/>
+          <a:chExt cx="0" cy="0"/>
+        </a:xfrm>
+      </p:grpSpPr>
+      <p:pic>
+        <p:nvPicPr>
+          <p:cNvPr id="2051" name="Picture 3"/>
+          <p:cNvPicPr>
+            <a:picLocks noChangeAspect="1" noChangeArrowheads="1"/>
+          </p:cNvPicPr>
+          <p:nvPr/>
+        </p:nvPicPr>
+        <p:blipFill>
+          <a:blip r:embed="rId2">
+            <a:extLst>
+              <a:ext uri="{28A0092B-C50C-407E-A947-70E740481C1C}">
+                <a14:useLocalDpi xmlns:a14="http://schemas.microsoft.com/office/drawing/2010/main" val="0"/>
+              </a:ext>
+            </a:extLst>
+          </a:blip>
+          <a:srcRect/>
+          <a:stretch>
+            <a:fillRect/>
+          </a:stretch>
+        </p:blipFill>
+        <p:spPr bwMode="auto">
+          <a:xfrm>
+            <a:off x="1066799" y="787565"/>
+            <a:ext cx="7924801" cy="2933537"/>
+          </a:xfrm>
+          <a:prstGeom prst="rect">
+            <a:avLst/>
+          </a:prstGeom>
+          <a:noFill/>
+          <a:ln>
+            <a:noFill/>
+          </a:ln>
+          <a:extLst>
+            <a:ext uri="{909E8E84-426E-40DD-AFC4-6F175D3DCCD1}">
+              <a14:hiddenFill xmlns:a14="http://schemas.microsoft.com/office/drawing/2010/main">
+                <a:solidFill>
+                  <a:schemeClr val="accent1"/>
+                </a:solidFill>
+              </a14:hiddenFill>
+            </a:ext>
+            <a:ext uri="{91240B29-F687-4F45-9708-019B960494DF}">
+              <a14:hiddenLine xmlns:a14="http://schemas.microsoft.com/office/drawing/2010/main" w="9525">
+                <a:solidFill>
+                  <a:schemeClr val="tx1"/>
+                </a:solidFill>
+                <a:miter lim="800000"/>
+                <a:headEnd/>
+                <a:tailEnd/>
+              </a14:hiddenLine>
+            </a:ext>
+          </a:extLst>
+        </p:spPr>
+      </p:pic>
+      <p:pic>
+        <p:nvPicPr>
+          <p:cNvPr id="2052" name="Picture 4"/>
+          <p:cNvPicPr>
+            <a:picLocks noChangeAspect="1" noChangeArrowheads="1"/>
+          </p:cNvPicPr>
+          <p:nvPr/>
+        </p:nvPicPr>
+        <p:blipFill>
+          <a:blip r:embed="rId3">
+            <a:extLst>
+              <a:ext uri="{28A0092B-C50C-407E-A947-70E740481C1C}">
+                <a14:useLocalDpi xmlns:a14="http://schemas.microsoft.com/office/drawing/2010/main" val="0"/>
+              </a:ext>
+            </a:extLst>
+          </a:blip>
+          <a:srcRect/>
+          <a:stretch>
+            <a:fillRect/>
+          </a:stretch>
+        </p:blipFill>
+        <p:spPr bwMode="auto">
+          <a:xfrm>
+            <a:off x="1104899" y="3810287"/>
+            <a:ext cx="7400924" cy="2971513"/>
+          </a:xfrm>
+          <a:prstGeom prst="rect">
+            <a:avLst/>
+          </a:prstGeom>
+          <a:noFill/>
+          <a:ln>
+            <a:noFill/>
+          </a:ln>
+          <a:extLst>
+            <a:ext uri="{909E8E84-426E-40DD-AFC4-6F175D3DCCD1}">
+              <a14:hiddenFill xmlns:a14="http://schemas.microsoft.com/office/drawing/2010/main">
+                <a:solidFill>
+                  <a:schemeClr val="accent1"/>
+                </a:solidFill>
+              </a14:hiddenFill>
+            </a:ext>
+            <a:ext uri="{91240B29-F687-4F45-9708-019B960494DF}">
+              <a14:hiddenLine xmlns:a14="http://schemas.microsoft.com/office/drawing/2010/main" w="9525">
+                <a:solidFill>
+                  <a:schemeClr val="tx1"/>
+                </a:solidFill>
+                <a:miter lim="800000"/>
+                <a:headEnd/>
+                <a:tailEnd/>
+              </a14:hiddenLine>
+            </a:ext>
+          </a:extLst>
+        </p:spPr>
+      </p:pic>
+      <p:cxnSp>
+        <p:nvCxnSpPr>
+          <p:cNvPr id="5" name="Straight Connector 4"/>
+          <p:cNvCxnSpPr/>
+          <p:nvPr/>
+        </p:nvCxnSpPr>
+        <p:spPr>
+          <a:xfrm>
+            <a:off x="990600" y="685800"/>
+            <a:ext cx="7772400" cy="0"/>
+          </a:xfrm>
+          <a:prstGeom prst="line">
+            <a:avLst/>
+          </a:prstGeom>
+          <a:ln>
+            <a:solidFill>
+              <a:schemeClr val="accent2">
+                <a:lumMod val="75000"/>
+              </a:schemeClr>
+            </a:solidFill>
+          </a:ln>
+        </p:spPr>
+        <p:style>
+          <a:lnRef idx="1">
+            <a:schemeClr val="accent2"/>
+          </a:lnRef>
+          <a:fillRef idx="0">
+            <a:schemeClr val="accent2"/>
+          </a:fillRef>
+          <a:effectRef idx="0">
+            <a:schemeClr val="accent2"/>
+          </a:effectRef>
+          <a:fontRef idx="minor">
+            <a:schemeClr val="tx1"/>
+          </a:fontRef>
+        </p:style>
+      </p:cxnSp>
+      <p:sp>
+        <p:nvSpPr>
+          <p:cNvPr id="6" name="Rectangle 5"/>
+          <p:cNvSpPr/>
+          <p:nvPr/>
+        </p:nvSpPr>
+        <p:spPr>
+          <a:xfrm>
+            <a:off x="1070331" y="309602"/>
+            <a:ext cx="3089307" cy="369332"/>
+          </a:xfrm>
+          <a:prstGeom prst="rect">
+            <a:avLst/>
+          </a:prstGeom>
+        </p:spPr>
+        <p:txBody>
+          <a:bodyPr wrap="none">
+            <a:spAutoFit/>
+          </a:bodyPr>
+          <a:lstStyle/>
+          <a:p>
+            <a:r>
+              <a:rPr lang="en-US" b="1" dirty="0" smtClean="0">
+                <a:solidFill>
+                  <a:schemeClr val="accent2">
+                    <a:lumMod val="75000"/>
+                  </a:schemeClr>
+                </a:solidFill>
+              </a:rPr>
+              <a:t>MySQL-Student case study</a:t>
+            </a:r>
+            <a:endParaRPr lang="en-US" b="1" dirty="0">
+              <a:solidFill>
+                <a:schemeClr val="accent2">
+                  <a:lumMod val="75000"/>
+                </a:schemeClr>
+              </a:solidFill>
+            </a:endParaRPr>
+          </a:p>
+        </p:txBody>
+      </p:sp>
+    </p:spTree>
+    <p:extLst>
+      <p:ext uri="{BB962C8B-B14F-4D97-AF65-F5344CB8AC3E}">
+        <p14:creationId xmlns:p14="http://schemas.microsoft.com/office/powerpoint/2010/main" val="2367929150"/>
       </p:ext>
     </p:extLst>
   </p:cSld>

--- a/Database/DB-lab-2.pptx
+++ b/Database/DB-lab-2.pptx
@@ -15,6 +15,10 @@
     <p:sldId id="265" r:id="rId9"/>
     <p:sldId id="266" r:id="rId10"/>
     <p:sldId id="267" r:id="rId11"/>
+    <p:sldId id="270" r:id="rId12"/>
+    <p:sldId id="271" r:id="rId13"/>
+    <p:sldId id="272" r:id="rId14"/>
+    <p:sldId id="273" r:id="rId15"/>
   </p:sldIdLst>
   <p:sldSz cx="9144000" cy="6858000" type="screen4x3"/>
   <p:notesSz cx="6858000" cy="9144000"/>
@@ -250,7 +254,7 @@
           <a:p>
             <a:fld id="{96A2CDCC-FA82-48F6-8EC7-B59FF0CBF349}" type="datetimeFigureOut">
               <a:rPr lang="en-US" smtClean="0"/>
-              <a:t>11/28/2023</a:t>
+              <a:t>12/4/2023</a:t>
             </a:fld>
             <a:endParaRPr lang="en-US"/>
           </a:p>
@@ -563,7 +567,7 @@
           <a:p>
             <a:fld id="{96A2CDCC-FA82-48F6-8EC7-B59FF0CBF349}" type="datetimeFigureOut">
               <a:rPr lang="en-US" smtClean="0"/>
-              <a:t>11/28/2023</a:t>
+              <a:t>12/4/2023</a:t>
             </a:fld>
             <a:endParaRPr lang="en-US"/>
           </a:p>
@@ -748,7 +752,7 @@
           <a:p>
             <a:fld id="{96A2CDCC-FA82-48F6-8EC7-B59FF0CBF349}" type="datetimeFigureOut">
               <a:rPr lang="en-US" smtClean="0"/>
-              <a:t>11/28/2023</a:t>
+              <a:t>12/4/2023</a:t>
             </a:fld>
             <a:endParaRPr lang="en-US"/>
           </a:p>
@@ -923,7 +927,7 @@
           <a:p>
             <a:fld id="{96A2CDCC-FA82-48F6-8EC7-B59FF0CBF349}" type="datetimeFigureOut">
               <a:rPr lang="en-US" smtClean="0"/>
-              <a:t>11/28/2023</a:t>
+              <a:t>12/4/2023</a:t>
             </a:fld>
             <a:endParaRPr lang="en-US"/>
           </a:p>
@@ -1191,7 +1195,7 @@
           <a:p>
             <a:fld id="{96A2CDCC-FA82-48F6-8EC7-B59FF0CBF349}" type="datetimeFigureOut">
               <a:rPr lang="en-US" smtClean="0"/>
-              <a:t>11/28/2023</a:t>
+              <a:t>12/4/2023</a:t>
             </a:fld>
             <a:endParaRPr lang="en-US"/>
           </a:p>
@@ -1659,7 +1663,7 @@
           <a:p>
             <a:fld id="{96A2CDCC-FA82-48F6-8EC7-B59FF0CBF349}" type="datetimeFigureOut">
               <a:rPr lang="en-US" smtClean="0"/>
-              <a:t>11/28/2023</a:t>
+              <a:t>12/4/2023</a:t>
             </a:fld>
             <a:endParaRPr lang="en-US"/>
           </a:p>
@@ -2148,7 +2152,7 @@
           <a:p>
             <a:fld id="{96A2CDCC-FA82-48F6-8EC7-B59FF0CBF349}" type="datetimeFigureOut">
               <a:rPr lang="en-US" smtClean="0"/>
-              <a:t>11/28/2023</a:t>
+              <a:t>12/4/2023</a:t>
             </a:fld>
             <a:endParaRPr lang="en-US"/>
           </a:p>
@@ -2274,7 +2278,7 @@
           <a:p>
             <a:fld id="{96A2CDCC-FA82-48F6-8EC7-B59FF0CBF349}" type="datetimeFigureOut">
               <a:rPr lang="en-US" smtClean="0"/>
-              <a:t>11/28/2023</a:t>
+              <a:t>12/4/2023</a:t>
             </a:fld>
             <a:endParaRPr lang="en-US"/>
           </a:p>
@@ -2418,7 +2422,7 @@
           <a:p>
             <a:fld id="{96A2CDCC-FA82-48F6-8EC7-B59FF0CBF349}" type="datetimeFigureOut">
               <a:rPr lang="en-US" smtClean="0"/>
-              <a:t>11/28/2023</a:t>
+              <a:t>12/4/2023</a:t>
             </a:fld>
             <a:endParaRPr lang="en-US"/>
           </a:p>
@@ -2740,7 +2744,7 @@
           <a:p>
             <a:fld id="{96A2CDCC-FA82-48F6-8EC7-B59FF0CBF349}" type="datetimeFigureOut">
               <a:rPr lang="en-US" smtClean="0"/>
-              <a:t>11/28/2023</a:t>
+              <a:t>12/4/2023</a:t>
             </a:fld>
             <a:endParaRPr lang="en-US"/>
           </a:p>
@@ -2874,7 +2878,7 @@
           <a:p>
             <a:fld id="{96A2CDCC-FA82-48F6-8EC7-B59FF0CBF349}" type="datetimeFigureOut">
               <a:rPr lang="en-US" smtClean="0"/>
-              <a:t>11/28/2023</a:t>
+              <a:t>12/4/2023</a:t>
             </a:fld>
             <a:endParaRPr lang="en-US"/>
           </a:p>
@@ -3655,7 +3659,7 @@
           <a:p>
             <a:fld id="{96A2CDCC-FA82-48F6-8EC7-B59FF0CBF349}" type="datetimeFigureOut">
               <a:rPr lang="en-US" smtClean="0"/>
-              <a:t>11/28/2023</a:t>
+              <a:t>12/4/2023</a:t>
             </a:fld>
             <a:endParaRPr lang="en-US"/>
           </a:p>
@@ -4521,6 +4525,928 @@
 </p:sld>
 </file>
 
+<file path=ppt/slides/slide11.xml><?xml version="1.0" encoding="utf-8"?>
+<p:sld xmlns:a="http://schemas.openxmlformats.org/drawingml/2006/main" xmlns:r="http://schemas.openxmlformats.org/officeDocument/2006/relationships" xmlns:p="http://schemas.openxmlformats.org/presentationml/2006/main">
+  <p:cSld>
+    <p:spTree>
+      <p:nvGrpSpPr>
+        <p:cNvPr id="1" name=""/>
+        <p:cNvGrpSpPr/>
+        <p:nvPr/>
+      </p:nvGrpSpPr>
+      <p:grpSpPr>
+        <a:xfrm>
+          <a:off x="0" y="0"/>
+          <a:ext cx="0" cy="0"/>
+          <a:chOff x="0" y="0"/>
+          <a:chExt cx="0" cy="0"/>
+        </a:xfrm>
+      </p:grpSpPr>
+      <p:pic>
+        <p:nvPicPr>
+          <p:cNvPr id="2050" name="Picture 2"/>
+          <p:cNvPicPr>
+            <a:picLocks noChangeAspect="1" noChangeArrowheads="1"/>
+          </p:cNvPicPr>
+          <p:nvPr/>
+        </p:nvPicPr>
+        <p:blipFill>
+          <a:blip r:embed="rId2">
+            <a:extLst>
+              <a:ext uri="{28A0092B-C50C-407E-A947-70E740481C1C}">
+                <a14:useLocalDpi xmlns:a14="http://schemas.microsoft.com/office/drawing/2010/main" val="0"/>
+              </a:ext>
+            </a:extLst>
+          </a:blip>
+          <a:srcRect/>
+          <a:stretch>
+            <a:fillRect/>
+          </a:stretch>
+        </p:blipFill>
+        <p:spPr bwMode="auto">
+          <a:xfrm>
+            <a:off x="1143000" y="685800"/>
+            <a:ext cx="6372225" cy="361950"/>
+          </a:xfrm>
+          <a:prstGeom prst="rect">
+            <a:avLst/>
+          </a:prstGeom>
+          <a:noFill/>
+          <a:ln>
+            <a:noFill/>
+          </a:ln>
+          <a:extLst>
+            <a:ext uri="{909E8E84-426E-40DD-AFC4-6F175D3DCCD1}">
+              <a14:hiddenFill xmlns:a14="http://schemas.microsoft.com/office/drawing/2010/main">
+                <a:solidFill>
+                  <a:schemeClr val="accent1"/>
+                </a:solidFill>
+              </a14:hiddenFill>
+            </a:ext>
+            <a:ext uri="{91240B29-F687-4F45-9708-019B960494DF}">
+              <a14:hiddenLine xmlns:a14="http://schemas.microsoft.com/office/drawing/2010/main" w="9525">
+                <a:solidFill>
+                  <a:schemeClr val="tx1"/>
+                </a:solidFill>
+                <a:miter lim="800000"/>
+                <a:headEnd/>
+                <a:tailEnd/>
+              </a14:hiddenLine>
+            </a:ext>
+          </a:extLst>
+        </p:spPr>
+      </p:pic>
+      <p:cxnSp>
+        <p:nvCxnSpPr>
+          <p:cNvPr id="5" name="Straight Connector 4"/>
+          <p:cNvCxnSpPr/>
+          <p:nvPr/>
+        </p:nvCxnSpPr>
+        <p:spPr>
+          <a:xfrm>
+            <a:off x="1066800" y="533400"/>
+            <a:ext cx="7620000" cy="0"/>
+          </a:xfrm>
+          <a:prstGeom prst="line">
+            <a:avLst/>
+          </a:prstGeom>
+          <a:ln>
+            <a:solidFill>
+              <a:schemeClr val="accent2">
+                <a:lumMod val="75000"/>
+              </a:schemeClr>
+            </a:solidFill>
+          </a:ln>
+        </p:spPr>
+        <p:style>
+          <a:lnRef idx="1">
+            <a:schemeClr val="accent3"/>
+          </a:lnRef>
+          <a:fillRef idx="0">
+            <a:schemeClr val="accent3"/>
+          </a:fillRef>
+          <a:effectRef idx="0">
+            <a:schemeClr val="accent3"/>
+          </a:effectRef>
+          <a:fontRef idx="minor">
+            <a:schemeClr val="tx1"/>
+          </a:fontRef>
+        </p:style>
+      </p:cxnSp>
+      <p:sp>
+        <p:nvSpPr>
+          <p:cNvPr id="6" name="TextBox 5"/>
+          <p:cNvSpPr txBox="1"/>
+          <p:nvPr/>
+        </p:nvSpPr>
+        <p:spPr>
+          <a:xfrm>
+            <a:off x="990600" y="194846"/>
+            <a:ext cx="2743200" cy="338554"/>
+          </a:xfrm>
+          <a:prstGeom prst="rect">
+            <a:avLst/>
+          </a:prstGeom>
+          <a:noFill/>
+        </p:spPr>
+        <p:txBody>
+          <a:bodyPr wrap="square" rtlCol="0">
+            <a:spAutoFit/>
+          </a:bodyPr>
+          <a:lstStyle/>
+          <a:p>
+            <a:r>
+              <a:rPr lang="en-US" sz="1600" b="1" dirty="0" smtClean="0">
+                <a:solidFill>
+                  <a:schemeClr val="accent2">
+                    <a:lumMod val="75000"/>
+                  </a:schemeClr>
+                </a:solidFill>
+              </a:rPr>
+              <a:t>Index</a:t>
+            </a:r>
+            <a:endParaRPr lang="en-US" sz="1600" b="1" dirty="0">
+              <a:solidFill>
+                <a:schemeClr val="accent2">
+                  <a:lumMod val="75000"/>
+                </a:schemeClr>
+              </a:solidFill>
+            </a:endParaRPr>
+          </a:p>
+        </p:txBody>
+      </p:sp>
+    </p:spTree>
+    <p:extLst>
+      <p:ext uri="{BB962C8B-B14F-4D97-AF65-F5344CB8AC3E}">
+        <p14:creationId xmlns:p14="http://schemas.microsoft.com/office/powerpoint/2010/main" val="4122740550"/>
+      </p:ext>
+    </p:extLst>
+  </p:cSld>
+  <p:clrMapOvr>
+    <a:masterClrMapping/>
+  </p:clrMapOvr>
+</p:sld>
+</file>
+
+<file path=ppt/slides/slide12.xml><?xml version="1.0" encoding="utf-8"?>
+<p:sld xmlns:a="http://schemas.openxmlformats.org/drawingml/2006/main" xmlns:r="http://schemas.openxmlformats.org/officeDocument/2006/relationships" xmlns:p="http://schemas.openxmlformats.org/presentationml/2006/main">
+  <p:cSld>
+    <p:spTree>
+      <p:nvGrpSpPr>
+        <p:cNvPr id="1" name=""/>
+        <p:cNvGrpSpPr/>
+        <p:nvPr/>
+      </p:nvGrpSpPr>
+      <p:grpSpPr>
+        <a:xfrm>
+          <a:off x="0" y="0"/>
+          <a:ext cx="0" cy="0"/>
+          <a:chOff x="0" y="0"/>
+          <a:chExt cx="0" cy="0"/>
+        </a:xfrm>
+      </p:grpSpPr>
+      <p:pic>
+        <p:nvPicPr>
+          <p:cNvPr id="1026" name="Picture 2"/>
+          <p:cNvPicPr>
+            <a:picLocks noChangeAspect="1" noChangeArrowheads="1"/>
+          </p:cNvPicPr>
+          <p:nvPr/>
+        </p:nvPicPr>
+        <p:blipFill>
+          <a:blip r:embed="rId2">
+            <a:extLst>
+              <a:ext uri="{28A0092B-C50C-407E-A947-70E740481C1C}">
+                <a14:useLocalDpi xmlns:a14="http://schemas.microsoft.com/office/drawing/2010/main" val="0"/>
+              </a:ext>
+            </a:extLst>
+          </a:blip>
+          <a:srcRect/>
+          <a:stretch>
+            <a:fillRect/>
+          </a:stretch>
+        </p:blipFill>
+        <p:spPr bwMode="auto">
+          <a:xfrm>
+            <a:off x="1143000" y="704850"/>
+            <a:ext cx="7368363" cy="2027697"/>
+          </a:xfrm>
+          <a:prstGeom prst="rect">
+            <a:avLst/>
+          </a:prstGeom>
+          <a:noFill/>
+          <a:ln>
+            <a:noFill/>
+          </a:ln>
+          <a:extLst>
+            <a:ext uri="{909E8E84-426E-40DD-AFC4-6F175D3DCCD1}">
+              <a14:hiddenFill xmlns:a14="http://schemas.microsoft.com/office/drawing/2010/main">
+                <a:solidFill>
+                  <a:schemeClr val="accent1"/>
+                </a:solidFill>
+              </a14:hiddenFill>
+            </a:ext>
+            <a:ext uri="{91240B29-F687-4F45-9708-019B960494DF}">
+              <a14:hiddenLine xmlns:a14="http://schemas.microsoft.com/office/drawing/2010/main" w="9525">
+                <a:solidFill>
+                  <a:schemeClr val="tx1"/>
+                </a:solidFill>
+                <a:miter lim="800000"/>
+                <a:headEnd/>
+                <a:tailEnd/>
+              </a14:hiddenLine>
+            </a:ext>
+          </a:extLst>
+        </p:spPr>
+      </p:pic>
+      <p:pic>
+        <p:nvPicPr>
+          <p:cNvPr id="1027" name="Picture 3"/>
+          <p:cNvPicPr>
+            <a:picLocks noChangeAspect="1" noChangeArrowheads="1"/>
+          </p:cNvPicPr>
+          <p:nvPr/>
+        </p:nvPicPr>
+        <p:blipFill>
+          <a:blip r:embed="rId3">
+            <a:extLst>
+              <a:ext uri="{28A0092B-C50C-407E-A947-70E740481C1C}">
+                <a14:useLocalDpi xmlns:a14="http://schemas.microsoft.com/office/drawing/2010/main" val="0"/>
+              </a:ext>
+            </a:extLst>
+          </a:blip>
+          <a:srcRect/>
+          <a:stretch>
+            <a:fillRect/>
+          </a:stretch>
+        </p:blipFill>
+        <p:spPr bwMode="auto">
+          <a:xfrm>
+            <a:off x="1143000" y="2914650"/>
+            <a:ext cx="4267200" cy="438150"/>
+          </a:xfrm>
+          <a:prstGeom prst="rect">
+            <a:avLst/>
+          </a:prstGeom>
+          <a:noFill/>
+          <a:ln>
+            <a:noFill/>
+          </a:ln>
+          <a:extLst>
+            <a:ext uri="{909E8E84-426E-40DD-AFC4-6F175D3DCCD1}">
+              <a14:hiddenFill xmlns:a14="http://schemas.microsoft.com/office/drawing/2010/main">
+                <a:solidFill>
+                  <a:schemeClr val="accent1"/>
+                </a:solidFill>
+              </a14:hiddenFill>
+            </a:ext>
+            <a:ext uri="{91240B29-F687-4F45-9708-019B960494DF}">
+              <a14:hiddenLine xmlns:a14="http://schemas.microsoft.com/office/drawing/2010/main" w="9525">
+                <a:solidFill>
+                  <a:schemeClr val="tx1"/>
+                </a:solidFill>
+                <a:miter lim="800000"/>
+                <a:headEnd/>
+                <a:tailEnd/>
+              </a14:hiddenLine>
+            </a:ext>
+          </a:extLst>
+        </p:spPr>
+      </p:pic>
+      <p:cxnSp>
+        <p:nvCxnSpPr>
+          <p:cNvPr id="6" name="Straight Connector 5"/>
+          <p:cNvCxnSpPr/>
+          <p:nvPr/>
+        </p:nvCxnSpPr>
+        <p:spPr>
+          <a:xfrm>
+            <a:off x="1066800" y="533400"/>
+            <a:ext cx="7620000" cy="0"/>
+          </a:xfrm>
+          <a:prstGeom prst="line">
+            <a:avLst/>
+          </a:prstGeom>
+          <a:ln>
+            <a:solidFill>
+              <a:schemeClr val="accent2">
+                <a:lumMod val="75000"/>
+              </a:schemeClr>
+            </a:solidFill>
+          </a:ln>
+        </p:spPr>
+        <p:style>
+          <a:lnRef idx="1">
+            <a:schemeClr val="accent3"/>
+          </a:lnRef>
+          <a:fillRef idx="0">
+            <a:schemeClr val="accent3"/>
+          </a:fillRef>
+          <a:effectRef idx="0">
+            <a:schemeClr val="accent3"/>
+          </a:effectRef>
+          <a:fontRef idx="minor">
+            <a:schemeClr val="tx1"/>
+          </a:fontRef>
+        </p:style>
+      </p:cxnSp>
+      <p:sp>
+        <p:nvSpPr>
+          <p:cNvPr id="7" name="TextBox 6"/>
+          <p:cNvSpPr txBox="1"/>
+          <p:nvPr/>
+        </p:nvSpPr>
+        <p:spPr>
+          <a:xfrm>
+            <a:off x="990600" y="194846"/>
+            <a:ext cx="2743200" cy="338554"/>
+          </a:xfrm>
+          <a:prstGeom prst="rect">
+            <a:avLst/>
+          </a:prstGeom>
+          <a:noFill/>
+        </p:spPr>
+        <p:txBody>
+          <a:bodyPr wrap="square" rtlCol="0">
+            <a:spAutoFit/>
+          </a:bodyPr>
+          <a:lstStyle/>
+          <a:p>
+            <a:r>
+              <a:rPr lang="en-US" sz="1600" b="1" dirty="0" smtClean="0">
+                <a:solidFill>
+                  <a:schemeClr val="accent2">
+                    <a:lumMod val="75000"/>
+                  </a:schemeClr>
+                </a:solidFill>
+              </a:rPr>
+              <a:t>View</a:t>
+            </a:r>
+            <a:endParaRPr lang="en-US" sz="1600" b="1" dirty="0">
+              <a:solidFill>
+                <a:schemeClr val="accent2">
+                  <a:lumMod val="75000"/>
+                </a:schemeClr>
+              </a:solidFill>
+            </a:endParaRPr>
+          </a:p>
+        </p:txBody>
+      </p:sp>
+    </p:spTree>
+    <p:extLst>
+      <p:ext uri="{BB962C8B-B14F-4D97-AF65-F5344CB8AC3E}">
+        <p14:creationId xmlns:p14="http://schemas.microsoft.com/office/powerpoint/2010/main" val="1572985472"/>
+      </p:ext>
+    </p:extLst>
+  </p:cSld>
+  <p:clrMapOvr>
+    <a:masterClrMapping/>
+  </p:clrMapOvr>
+</p:sld>
+</file>
+
+<file path=ppt/slides/slide13.xml><?xml version="1.0" encoding="utf-8"?>
+<p:sld xmlns:a="http://schemas.openxmlformats.org/drawingml/2006/main" xmlns:r="http://schemas.openxmlformats.org/officeDocument/2006/relationships" xmlns:p="http://schemas.openxmlformats.org/presentationml/2006/main">
+  <p:cSld>
+    <p:spTree>
+      <p:nvGrpSpPr>
+        <p:cNvPr id="1" name=""/>
+        <p:cNvGrpSpPr/>
+        <p:nvPr/>
+      </p:nvGrpSpPr>
+      <p:grpSpPr>
+        <a:xfrm>
+          <a:off x="0" y="0"/>
+          <a:ext cx="0" cy="0"/>
+          <a:chOff x="0" y="0"/>
+          <a:chExt cx="0" cy="0"/>
+        </a:xfrm>
+      </p:grpSpPr>
+      <p:pic>
+        <p:nvPicPr>
+          <p:cNvPr id="3074" name="Picture 2"/>
+          <p:cNvPicPr>
+            <a:picLocks noChangeAspect="1" noChangeArrowheads="1"/>
+          </p:cNvPicPr>
+          <p:nvPr/>
+        </p:nvPicPr>
+        <p:blipFill>
+          <a:blip r:embed="rId2">
+            <a:extLst>
+              <a:ext uri="{28A0092B-C50C-407E-A947-70E740481C1C}">
+                <a14:useLocalDpi xmlns:a14="http://schemas.microsoft.com/office/drawing/2010/main" val="0"/>
+              </a:ext>
+            </a:extLst>
+          </a:blip>
+          <a:srcRect/>
+          <a:stretch>
+            <a:fillRect/>
+          </a:stretch>
+        </p:blipFill>
+        <p:spPr bwMode="auto">
+          <a:xfrm>
+            <a:off x="1155294" y="809625"/>
+            <a:ext cx="2295525" cy="3467100"/>
+          </a:xfrm>
+          <a:prstGeom prst="rect">
+            <a:avLst/>
+          </a:prstGeom>
+          <a:noFill/>
+          <a:ln>
+            <a:noFill/>
+          </a:ln>
+          <a:extLst>
+            <a:ext uri="{909E8E84-426E-40DD-AFC4-6F175D3DCCD1}">
+              <a14:hiddenFill xmlns:a14="http://schemas.microsoft.com/office/drawing/2010/main">
+                <a:solidFill>
+                  <a:schemeClr val="accent1"/>
+                </a:solidFill>
+              </a14:hiddenFill>
+            </a:ext>
+            <a:ext uri="{91240B29-F687-4F45-9708-019B960494DF}">
+              <a14:hiddenLine xmlns:a14="http://schemas.microsoft.com/office/drawing/2010/main" w="9525">
+                <a:solidFill>
+                  <a:schemeClr val="tx1"/>
+                </a:solidFill>
+                <a:miter lim="800000"/>
+                <a:headEnd/>
+                <a:tailEnd/>
+              </a14:hiddenLine>
+            </a:ext>
+          </a:extLst>
+        </p:spPr>
+      </p:pic>
+      <p:pic>
+        <p:nvPicPr>
+          <p:cNvPr id="3075" name="Picture 3"/>
+          <p:cNvPicPr>
+            <a:picLocks noChangeAspect="1" noChangeArrowheads="1"/>
+          </p:cNvPicPr>
+          <p:nvPr/>
+        </p:nvPicPr>
+        <p:blipFill>
+          <a:blip r:embed="rId3">
+            <a:extLst>
+              <a:ext uri="{28A0092B-C50C-407E-A947-70E740481C1C}">
+                <a14:useLocalDpi xmlns:a14="http://schemas.microsoft.com/office/drawing/2010/main" val="0"/>
+              </a:ext>
+            </a:extLst>
+          </a:blip>
+          <a:srcRect/>
+          <a:stretch>
+            <a:fillRect/>
+          </a:stretch>
+        </p:blipFill>
+        <p:spPr bwMode="auto">
+          <a:xfrm>
+            <a:off x="2971800" y="809625"/>
+            <a:ext cx="5564333" cy="2057400"/>
+          </a:xfrm>
+          <a:prstGeom prst="rect">
+            <a:avLst/>
+          </a:prstGeom>
+          <a:noFill/>
+          <a:ln>
+            <a:noFill/>
+          </a:ln>
+          <a:extLst>
+            <a:ext uri="{909E8E84-426E-40DD-AFC4-6F175D3DCCD1}">
+              <a14:hiddenFill xmlns:a14="http://schemas.microsoft.com/office/drawing/2010/main">
+                <a:solidFill>
+                  <a:schemeClr val="accent1"/>
+                </a:solidFill>
+              </a14:hiddenFill>
+            </a:ext>
+            <a:ext uri="{91240B29-F687-4F45-9708-019B960494DF}">
+              <a14:hiddenLine xmlns:a14="http://schemas.microsoft.com/office/drawing/2010/main" w="9525">
+                <a:solidFill>
+                  <a:schemeClr val="tx1"/>
+                </a:solidFill>
+                <a:miter lim="800000"/>
+                <a:headEnd/>
+                <a:tailEnd/>
+              </a14:hiddenLine>
+            </a:ext>
+          </a:extLst>
+        </p:spPr>
+      </p:pic>
+      <p:pic>
+        <p:nvPicPr>
+          <p:cNvPr id="3076" name="Picture 4"/>
+          <p:cNvPicPr>
+            <a:picLocks noChangeAspect="1" noChangeArrowheads="1"/>
+          </p:cNvPicPr>
+          <p:nvPr/>
+        </p:nvPicPr>
+        <p:blipFill>
+          <a:blip r:embed="rId4">
+            <a:extLst>
+              <a:ext uri="{28A0092B-C50C-407E-A947-70E740481C1C}">
+                <a14:useLocalDpi xmlns:a14="http://schemas.microsoft.com/office/drawing/2010/main" val="0"/>
+              </a:ext>
+            </a:extLst>
+          </a:blip>
+          <a:srcRect/>
+          <a:stretch>
+            <a:fillRect/>
+          </a:stretch>
+        </p:blipFill>
+        <p:spPr bwMode="auto">
+          <a:xfrm>
+            <a:off x="3450819" y="3219450"/>
+            <a:ext cx="4581525" cy="1733550"/>
+          </a:xfrm>
+          <a:prstGeom prst="rect">
+            <a:avLst/>
+          </a:prstGeom>
+          <a:noFill/>
+          <a:ln>
+            <a:noFill/>
+          </a:ln>
+          <a:extLst>
+            <a:ext uri="{909E8E84-426E-40DD-AFC4-6F175D3DCCD1}">
+              <a14:hiddenFill xmlns:a14="http://schemas.microsoft.com/office/drawing/2010/main">
+                <a:solidFill>
+                  <a:schemeClr val="accent1"/>
+                </a:solidFill>
+              </a14:hiddenFill>
+            </a:ext>
+            <a:ext uri="{91240B29-F687-4F45-9708-019B960494DF}">
+              <a14:hiddenLine xmlns:a14="http://schemas.microsoft.com/office/drawing/2010/main" w="9525">
+                <a:solidFill>
+                  <a:schemeClr val="tx1"/>
+                </a:solidFill>
+                <a:miter lim="800000"/>
+                <a:headEnd/>
+                <a:tailEnd/>
+              </a14:hiddenLine>
+            </a:ext>
+          </a:extLst>
+        </p:spPr>
+      </p:pic>
+      <p:cxnSp>
+        <p:nvCxnSpPr>
+          <p:cNvPr id="7" name="Straight Connector 6"/>
+          <p:cNvCxnSpPr/>
+          <p:nvPr/>
+        </p:nvCxnSpPr>
+        <p:spPr>
+          <a:xfrm>
+            <a:off x="1066800" y="533400"/>
+            <a:ext cx="7620000" cy="0"/>
+          </a:xfrm>
+          <a:prstGeom prst="line">
+            <a:avLst/>
+          </a:prstGeom>
+          <a:ln>
+            <a:solidFill>
+              <a:schemeClr val="accent2">
+                <a:lumMod val="75000"/>
+              </a:schemeClr>
+            </a:solidFill>
+          </a:ln>
+        </p:spPr>
+        <p:style>
+          <a:lnRef idx="1">
+            <a:schemeClr val="accent3"/>
+          </a:lnRef>
+          <a:fillRef idx="0">
+            <a:schemeClr val="accent3"/>
+          </a:fillRef>
+          <a:effectRef idx="0">
+            <a:schemeClr val="accent3"/>
+          </a:effectRef>
+          <a:fontRef idx="minor">
+            <a:schemeClr val="tx1"/>
+          </a:fontRef>
+        </p:style>
+      </p:cxnSp>
+      <p:sp>
+        <p:nvSpPr>
+          <p:cNvPr id="8" name="TextBox 7"/>
+          <p:cNvSpPr txBox="1"/>
+          <p:nvPr/>
+        </p:nvSpPr>
+        <p:spPr>
+          <a:xfrm>
+            <a:off x="990600" y="194846"/>
+            <a:ext cx="2743200" cy="338554"/>
+          </a:xfrm>
+          <a:prstGeom prst="rect">
+            <a:avLst/>
+          </a:prstGeom>
+          <a:noFill/>
+        </p:spPr>
+        <p:txBody>
+          <a:bodyPr wrap="square" rtlCol="0">
+            <a:spAutoFit/>
+          </a:bodyPr>
+          <a:lstStyle/>
+          <a:p>
+            <a:r>
+              <a:rPr lang="en-US" sz="1600" b="1" dirty="0" smtClean="0">
+                <a:solidFill>
+                  <a:schemeClr val="accent2">
+                    <a:lumMod val="75000"/>
+                  </a:schemeClr>
+                </a:solidFill>
+              </a:rPr>
+              <a:t>Function</a:t>
+            </a:r>
+            <a:endParaRPr lang="en-US" sz="1600" b="1" dirty="0">
+              <a:solidFill>
+                <a:schemeClr val="accent2">
+                  <a:lumMod val="75000"/>
+                </a:schemeClr>
+              </a:solidFill>
+            </a:endParaRPr>
+          </a:p>
+        </p:txBody>
+      </p:sp>
+    </p:spTree>
+    <p:extLst>
+      <p:ext uri="{BB962C8B-B14F-4D97-AF65-F5344CB8AC3E}">
+        <p14:creationId xmlns:p14="http://schemas.microsoft.com/office/powerpoint/2010/main" val="445752417"/>
+      </p:ext>
+    </p:extLst>
+  </p:cSld>
+  <p:clrMapOvr>
+    <a:masterClrMapping/>
+  </p:clrMapOvr>
+</p:sld>
+</file>
+
+<file path=ppt/slides/slide14.xml><?xml version="1.0" encoding="utf-8"?>
+<p:sld xmlns:a="http://schemas.openxmlformats.org/drawingml/2006/main" xmlns:r="http://schemas.openxmlformats.org/officeDocument/2006/relationships" xmlns:p="http://schemas.openxmlformats.org/presentationml/2006/main">
+  <p:cSld>
+    <p:spTree>
+      <p:nvGrpSpPr>
+        <p:cNvPr id="1" name=""/>
+        <p:cNvGrpSpPr/>
+        <p:nvPr/>
+      </p:nvGrpSpPr>
+      <p:grpSpPr>
+        <a:xfrm>
+          <a:off x="0" y="0"/>
+          <a:ext cx="0" cy="0"/>
+          <a:chOff x="0" y="0"/>
+          <a:chExt cx="0" cy="0"/>
+        </a:xfrm>
+      </p:grpSpPr>
+      <p:pic>
+        <p:nvPicPr>
+          <p:cNvPr id="4098" name="Picture 2"/>
+          <p:cNvPicPr>
+            <a:picLocks noChangeAspect="1" noChangeArrowheads="1"/>
+          </p:cNvPicPr>
+          <p:nvPr/>
+        </p:nvPicPr>
+        <p:blipFill>
+          <a:blip r:embed="rId2">
+            <a:extLst>
+              <a:ext uri="{28A0092B-C50C-407E-A947-70E740481C1C}">
+                <a14:useLocalDpi xmlns:a14="http://schemas.microsoft.com/office/drawing/2010/main" val="0"/>
+              </a:ext>
+            </a:extLst>
+          </a:blip>
+          <a:srcRect/>
+          <a:stretch>
+            <a:fillRect/>
+          </a:stretch>
+        </p:blipFill>
+        <p:spPr bwMode="auto">
+          <a:xfrm>
+            <a:off x="990600" y="648012"/>
+            <a:ext cx="2209800" cy="2927985"/>
+          </a:xfrm>
+          <a:prstGeom prst="rect">
+            <a:avLst/>
+          </a:prstGeom>
+          <a:noFill/>
+          <a:ln>
+            <a:noFill/>
+          </a:ln>
+          <a:extLst>
+            <a:ext uri="{909E8E84-426E-40DD-AFC4-6F175D3DCCD1}">
+              <a14:hiddenFill xmlns:a14="http://schemas.microsoft.com/office/drawing/2010/main">
+                <a:solidFill>
+                  <a:schemeClr val="accent1"/>
+                </a:solidFill>
+              </a14:hiddenFill>
+            </a:ext>
+            <a:ext uri="{91240B29-F687-4F45-9708-019B960494DF}">
+              <a14:hiddenLine xmlns:a14="http://schemas.microsoft.com/office/drawing/2010/main" w="9525">
+                <a:solidFill>
+                  <a:schemeClr val="tx1"/>
+                </a:solidFill>
+                <a:miter lim="800000"/>
+                <a:headEnd/>
+                <a:tailEnd/>
+              </a14:hiddenLine>
+            </a:ext>
+          </a:extLst>
+        </p:spPr>
+      </p:pic>
+      <p:pic>
+        <p:nvPicPr>
+          <p:cNvPr id="4099" name="Picture 3"/>
+          <p:cNvPicPr>
+            <a:picLocks noChangeAspect="1" noChangeArrowheads="1"/>
+          </p:cNvPicPr>
+          <p:nvPr/>
+        </p:nvPicPr>
+        <p:blipFill>
+          <a:blip r:embed="rId3">
+            <a:extLst>
+              <a:ext uri="{28A0092B-C50C-407E-A947-70E740481C1C}">
+                <a14:useLocalDpi xmlns:a14="http://schemas.microsoft.com/office/drawing/2010/main" val="0"/>
+              </a:ext>
+            </a:extLst>
+          </a:blip>
+          <a:srcRect/>
+          <a:stretch>
+            <a:fillRect/>
+          </a:stretch>
+        </p:blipFill>
+        <p:spPr bwMode="auto">
+          <a:xfrm>
+            <a:off x="2514600" y="656872"/>
+            <a:ext cx="5876925" cy="2305460"/>
+          </a:xfrm>
+          <a:prstGeom prst="rect">
+            <a:avLst/>
+          </a:prstGeom>
+          <a:noFill/>
+          <a:ln>
+            <a:noFill/>
+          </a:ln>
+          <a:extLst>
+            <a:ext uri="{909E8E84-426E-40DD-AFC4-6F175D3DCCD1}">
+              <a14:hiddenFill xmlns:a14="http://schemas.microsoft.com/office/drawing/2010/main">
+                <a:solidFill>
+                  <a:schemeClr val="accent1"/>
+                </a:solidFill>
+              </a14:hiddenFill>
+            </a:ext>
+            <a:ext uri="{91240B29-F687-4F45-9708-019B960494DF}">
+              <a14:hiddenLine xmlns:a14="http://schemas.microsoft.com/office/drawing/2010/main" w="9525">
+                <a:solidFill>
+                  <a:schemeClr val="tx1"/>
+                </a:solidFill>
+                <a:miter lim="800000"/>
+                <a:headEnd/>
+                <a:tailEnd/>
+              </a14:hiddenLine>
+            </a:ext>
+          </a:extLst>
+        </p:spPr>
+      </p:pic>
+      <p:pic>
+        <p:nvPicPr>
+          <p:cNvPr id="4100" name="Picture 4"/>
+          <p:cNvPicPr>
+            <a:picLocks noChangeAspect="1" noChangeArrowheads="1"/>
+          </p:cNvPicPr>
+          <p:nvPr/>
+        </p:nvPicPr>
+        <p:blipFill>
+          <a:blip r:embed="rId4">
+            <a:extLst>
+              <a:ext uri="{28A0092B-C50C-407E-A947-70E740481C1C}">
+                <a14:useLocalDpi xmlns:a14="http://schemas.microsoft.com/office/drawing/2010/main" val="0"/>
+              </a:ext>
+            </a:extLst>
+          </a:blip>
+          <a:srcRect/>
+          <a:stretch>
+            <a:fillRect/>
+          </a:stretch>
+        </p:blipFill>
+        <p:spPr bwMode="auto">
+          <a:xfrm>
+            <a:off x="3482162" y="3086412"/>
+            <a:ext cx="3895725" cy="2171388"/>
+          </a:xfrm>
+          <a:prstGeom prst="rect">
+            <a:avLst/>
+          </a:prstGeom>
+          <a:noFill/>
+          <a:ln>
+            <a:noFill/>
+          </a:ln>
+          <a:extLst>
+            <a:ext uri="{909E8E84-426E-40DD-AFC4-6F175D3DCCD1}">
+              <a14:hiddenFill xmlns:a14="http://schemas.microsoft.com/office/drawing/2010/main">
+                <a:solidFill>
+                  <a:schemeClr val="accent1"/>
+                </a:solidFill>
+              </a14:hiddenFill>
+            </a:ext>
+            <a:ext uri="{91240B29-F687-4F45-9708-019B960494DF}">
+              <a14:hiddenLine xmlns:a14="http://schemas.microsoft.com/office/drawing/2010/main" w="9525">
+                <a:solidFill>
+                  <a:schemeClr val="tx1"/>
+                </a:solidFill>
+                <a:miter lim="800000"/>
+                <a:headEnd/>
+                <a:tailEnd/>
+              </a14:hiddenLine>
+            </a:ext>
+          </a:extLst>
+        </p:spPr>
+      </p:pic>
+      <p:cxnSp>
+        <p:nvCxnSpPr>
+          <p:cNvPr id="5" name="Straight Connector 4"/>
+          <p:cNvCxnSpPr/>
+          <p:nvPr/>
+        </p:nvCxnSpPr>
+        <p:spPr>
+          <a:xfrm>
+            <a:off x="1066800" y="533400"/>
+            <a:ext cx="7620000" cy="0"/>
+          </a:xfrm>
+          <a:prstGeom prst="line">
+            <a:avLst/>
+          </a:prstGeom>
+          <a:ln>
+            <a:solidFill>
+              <a:schemeClr val="accent2">
+                <a:lumMod val="75000"/>
+              </a:schemeClr>
+            </a:solidFill>
+          </a:ln>
+        </p:spPr>
+        <p:style>
+          <a:lnRef idx="1">
+            <a:schemeClr val="accent3"/>
+          </a:lnRef>
+          <a:fillRef idx="0">
+            <a:schemeClr val="accent3"/>
+          </a:fillRef>
+          <a:effectRef idx="0">
+            <a:schemeClr val="accent3"/>
+          </a:effectRef>
+          <a:fontRef idx="minor">
+            <a:schemeClr val="tx1"/>
+          </a:fontRef>
+        </p:style>
+      </p:cxnSp>
+      <p:sp>
+        <p:nvSpPr>
+          <p:cNvPr id="7" name="TextBox 6"/>
+          <p:cNvSpPr txBox="1"/>
+          <p:nvPr/>
+        </p:nvSpPr>
+        <p:spPr>
+          <a:xfrm>
+            <a:off x="990600" y="194846"/>
+            <a:ext cx="2743200" cy="338554"/>
+          </a:xfrm>
+          <a:prstGeom prst="rect">
+            <a:avLst/>
+          </a:prstGeom>
+          <a:noFill/>
+        </p:spPr>
+        <p:txBody>
+          <a:bodyPr wrap="square" rtlCol="0">
+            <a:spAutoFit/>
+          </a:bodyPr>
+          <a:lstStyle/>
+          <a:p>
+            <a:r>
+              <a:rPr lang="en-US" sz="1600" b="1" dirty="0" smtClean="0">
+                <a:solidFill>
+                  <a:schemeClr val="accent2">
+                    <a:lumMod val="75000"/>
+                  </a:schemeClr>
+                </a:solidFill>
+              </a:rPr>
+              <a:t>Store Procedure</a:t>
+            </a:r>
+            <a:endParaRPr lang="en-US" sz="1600" b="1" dirty="0">
+              <a:solidFill>
+                <a:schemeClr val="accent2">
+                  <a:lumMod val="75000"/>
+                </a:schemeClr>
+              </a:solidFill>
+            </a:endParaRPr>
+          </a:p>
+        </p:txBody>
+      </p:sp>
+    </p:spTree>
+    <p:extLst>
+      <p:ext uri="{BB962C8B-B14F-4D97-AF65-F5344CB8AC3E}">
+        <p14:creationId xmlns:p14="http://schemas.microsoft.com/office/powerpoint/2010/main" val="2426627036"/>
+      </p:ext>
+    </p:extLst>
+  </p:cSld>
+  <p:clrMapOvr>
+    <a:masterClrMapping/>
+  </p:clrMapOvr>
+</p:sld>
+</file>
+
 <file path=ppt/slides/slide2.xml><?xml version="1.0" encoding="utf-8"?>
 <p:sld xmlns:a="http://schemas.openxmlformats.org/drawingml/2006/main" xmlns:r="http://schemas.openxmlformats.org/officeDocument/2006/relationships" xmlns:p="http://schemas.openxmlformats.org/presentationml/2006/main">
   <p:cSld>
@@ -5820,7 +6746,7 @@
         </p:blipFill>
         <p:spPr bwMode="auto">
           <a:xfrm>
-            <a:off x="1146532" y="914400"/>
+            <a:off x="1104949" y="959922"/>
             <a:ext cx="3772498" cy="2438400"/>
           </a:xfrm>
           <a:prstGeom prst="rect">

--- a/Database/DB-lab-2.pptx
+++ b/Database/DB-lab-2.pptx
@@ -6,19 +6,44 @@
   </p:sldMasterIdLst>
   <p:sldIdLst>
     <p:sldId id="256" r:id="rId2"/>
-    <p:sldId id="264" r:id="rId3"/>
-    <p:sldId id="258" r:id="rId4"/>
+    <p:sldId id="258" r:id="rId3"/>
+    <p:sldId id="259" r:id="rId4"/>
     <p:sldId id="260" r:id="rId5"/>
-    <p:sldId id="268" r:id="rId6"/>
+    <p:sldId id="257" r:id="rId6"/>
     <p:sldId id="261" r:id="rId7"/>
-    <p:sldId id="263" r:id="rId8"/>
-    <p:sldId id="265" r:id="rId9"/>
+    <p:sldId id="262" r:id="rId8"/>
+    <p:sldId id="287" r:id="rId9"/>
     <p:sldId id="266" r:id="rId10"/>
-    <p:sldId id="267" r:id="rId11"/>
-    <p:sldId id="270" r:id="rId12"/>
-    <p:sldId id="271" r:id="rId13"/>
-    <p:sldId id="272" r:id="rId14"/>
-    <p:sldId id="273" r:id="rId15"/>
+    <p:sldId id="265" r:id="rId11"/>
+    <p:sldId id="267" r:id="rId12"/>
+    <p:sldId id="268" r:id="rId13"/>
+    <p:sldId id="269" r:id="rId14"/>
+    <p:sldId id="288" r:id="rId15"/>
+    <p:sldId id="289" r:id="rId16"/>
+    <p:sldId id="270" r:id="rId17"/>
+    <p:sldId id="290" r:id="rId18"/>
+    <p:sldId id="271" r:id="rId19"/>
+    <p:sldId id="286" r:id="rId20"/>
+    <p:sldId id="284" r:id="rId21"/>
+    <p:sldId id="285" r:id="rId22"/>
+    <p:sldId id="272" r:id="rId23"/>
+    <p:sldId id="273" r:id="rId24"/>
+    <p:sldId id="274" r:id="rId25"/>
+    <p:sldId id="275" r:id="rId26"/>
+    <p:sldId id="276" r:id="rId27"/>
+    <p:sldId id="277" r:id="rId28"/>
+    <p:sldId id="278" r:id="rId29"/>
+    <p:sldId id="279" r:id="rId30"/>
+    <p:sldId id="280" r:id="rId31"/>
+    <p:sldId id="281" r:id="rId32"/>
+    <p:sldId id="282" r:id="rId33"/>
+    <p:sldId id="283" r:id="rId34"/>
+    <p:sldId id="291" r:id="rId35"/>
+    <p:sldId id="292" r:id="rId36"/>
+    <p:sldId id="293" r:id="rId37"/>
+    <p:sldId id="294" r:id="rId38"/>
+    <p:sldId id="295" r:id="rId39"/>
+    <p:sldId id="296" r:id="rId40"/>
   </p:sldIdLst>
   <p:sldSz cx="9144000" cy="6858000" type="screen4x3"/>
   <p:notesSz cx="6858000" cy="9144000"/>
@@ -252,9 +277,9 @@
             <a:extLst/>
           </a:lstStyle>
           <a:p>
-            <a:fld id="{96A2CDCC-FA82-48F6-8EC7-B59FF0CBF349}" type="datetimeFigureOut">
+            <a:fld id="{3C131DD0-B1AE-4A57-8507-7166551C13D6}" type="datetimeFigureOut">
               <a:rPr lang="en-US" smtClean="0"/>
-              <a:t>12/4/2023</a:t>
+              <a:t>12/5/2023</a:t>
             </a:fld>
             <a:endParaRPr lang="en-US"/>
           </a:p>
@@ -298,7 +323,7 @@
             <a:extLst/>
           </a:lstStyle>
           <a:p>
-            <a:fld id="{C1666861-0EA9-4DF3-9E85-07BD7FB95F46}" type="slidenum">
+            <a:fld id="{E998C442-0E6A-4F89-93D6-82901E7C12A1}" type="slidenum">
               <a:rPr lang="en-US" smtClean="0"/>
               <a:t>‹#›</a:t>
             </a:fld>
@@ -565,9 +590,9 @@
             <a:extLst/>
           </a:lstStyle>
           <a:p>
-            <a:fld id="{96A2CDCC-FA82-48F6-8EC7-B59FF0CBF349}" type="datetimeFigureOut">
+            <a:fld id="{3C131DD0-B1AE-4A57-8507-7166551C13D6}" type="datetimeFigureOut">
               <a:rPr lang="en-US" smtClean="0"/>
-              <a:t>12/4/2023</a:t>
+              <a:t>12/5/2023</a:t>
             </a:fld>
             <a:endParaRPr lang="en-US"/>
           </a:p>
@@ -611,7 +636,7 @@
             <a:extLst/>
           </a:lstStyle>
           <a:p>
-            <a:fld id="{C1666861-0EA9-4DF3-9E85-07BD7FB95F46}" type="slidenum">
+            <a:fld id="{E998C442-0E6A-4F89-93D6-82901E7C12A1}" type="slidenum">
               <a:rPr lang="en-US" smtClean="0"/>
               <a:t>‹#›</a:t>
             </a:fld>
@@ -750,9 +775,9 @@
             <a:extLst/>
           </a:lstStyle>
           <a:p>
-            <a:fld id="{96A2CDCC-FA82-48F6-8EC7-B59FF0CBF349}" type="datetimeFigureOut">
+            <a:fld id="{3C131DD0-B1AE-4A57-8507-7166551C13D6}" type="datetimeFigureOut">
               <a:rPr lang="en-US" smtClean="0"/>
-              <a:t>12/4/2023</a:t>
+              <a:t>12/5/2023</a:t>
             </a:fld>
             <a:endParaRPr lang="en-US"/>
           </a:p>
@@ -796,7 +821,7 @@
             <a:extLst/>
           </a:lstStyle>
           <a:p>
-            <a:fld id="{C1666861-0EA9-4DF3-9E85-07BD7FB95F46}" type="slidenum">
+            <a:fld id="{E998C442-0E6A-4F89-93D6-82901E7C12A1}" type="slidenum">
               <a:rPr lang="en-US" smtClean="0"/>
               <a:t>‹#›</a:t>
             </a:fld>
@@ -925,9 +950,9 @@
             <a:extLst/>
           </a:lstStyle>
           <a:p>
-            <a:fld id="{96A2CDCC-FA82-48F6-8EC7-B59FF0CBF349}" type="datetimeFigureOut">
+            <a:fld id="{3C131DD0-B1AE-4A57-8507-7166551C13D6}" type="datetimeFigureOut">
               <a:rPr lang="en-US" smtClean="0"/>
-              <a:t>12/4/2023</a:t>
+              <a:t>12/5/2023</a:t>
             </a:fld>
             <a:endParaRPr lang="en-US"/>
           </a:p>
@@ -971,7 +996,7 @@
             <a:extLst/>
           </a:lstStyle>
           <a:p>
-            <a:fld id="{C1666861-0EA9-4DF3-9E85-07BD7FB95F46}" type="slidenum">
+            <a:fld id="{E998C442-0E6A-4F89-93D6-82901E7C12A1}" type="slidenum">
               <a:rPr lang="en-US" smtClean="0"/>
               <a:t>‹#›</a:t>
             </a:fld>
@@ -1193,9 +1218,9 @@
             <a:extLst/>
           </a:lstStyle>
           <a:p>
-            <a:fld id="{96A2CDCC-FA82-48F6-8EC7-B59FF0CBF349}" type="datetimeFigureOut">
+            <a:fld id="{3C131DD0-B1AE-4A57-8507-7166551C13D6}" type="datetimeFigureOut">
               <a:rPr lang="en-US" smtClean="0"/>
-              <a:t>12/4/2023</a:t>
+              <a:t>12/5/2023</a:t>
             </a:fld>
             <a:endParaRPr lang="en-US"/>
           </a:p>
@@ -1239,7 +1264,7 @@
             <a:extLst/>
           </a:lstStyle>
           <a:p>
-            <a:fld id="{C1666861-0EA9-4DF3-9E85-07BD7FB95F46}" type="slidenum">
+            <a:fld id="{E998C442-0E6A-4F89-93D6-82901E7C12A1}" type="slidenum">
               <a:rPr lang="en-US" smtClean="0"/>
               <a:t>‹#›</a:t>
             </a:fld>
@@ -1661,9 +1686,9 @@
             <a:extLst/>
           </a:lstStyle>
           <a:p>
-            <a:fld id="{96A2CDCC-FA82-48F6-8EC7-B59FF0CBF349}" type="datetimeFigureOut">
+            <a:fld id="{3C131DD0-B1AE-4A57-8507-7166551C13D6}" type="datetimeFigureOut">
               <a:rPr lang="en-US" smtClean="0"/>
-              <a:t>12/4/2023</a:t>
+              <a:t>12/5/2023</a:t>
             </a:fld>
             <a:endParaRPr lang="en-US"/>
           </a:p>
@@ -1707,7 +1732,7 @@
             <a:extLst/>
           </a:lstStyle>
           <a:p>
-            <a:fld id="{C1666861-0EA9-4DF3-9E85-07BD7FB95F46}" type="slidenum">
+            <a:fld id="{E998C442-0E6A-4F89-93D6-82901E7C12A1}" type="slidenum">
               <a:rPr lang="en-US" smtClean="0"/>
               <a:t>‹#›</a:t>
             </a:fld>
@@ -2150,9 +2175,9 @@
             <a:extLst/>
           </a:lstStyle>
           <a:p>
-            <a:fld id="{96A2CDCC-FA82-48F6-8EC7-B59FF0CBF349}" type="datetimeFigureOut">
+            <a:fld id="{3C131DD0-B1AE-4A57-8507-7166551C13D6}" type="datetimeFigureOut">
               <a:rPr lang="en-US" smtClean="0"/>
-              <a:t>12/4/2023</a:t>
+              <a:t>12/5/2023</a:t>
             </a:fld>
             <a:endParaRPr lang="en-US"/>
           </a:p>
@@ -2196,7 +2221,7 @@
             <a:extLst/>
           </a:lstStyle>
           <a:p>
-            <a:fld id="{C1666861-0EA9-4DF3-9E85-07BD7FB95F46}" type="slidenum">
+            <a:fld id="{E998C442-0E6A-4F89-93D6-82901E7C12A1}" type="slidenum">
               <a:rPr lang="en-US" smtClean="0"/>
               <a:t>‹#›</a:t>
             </a:fld>
@@ -2276,9 +2301,9 @@
             <a:extLst/>
           </a:lstStyle>
           <a:p>
-            <a:fld id="{96A2CDCC-FA82-48F6-8EC7-B59FF0CBF349}" type="datetimeFigureOut">
+            <a:fld id="{3C131DD0-B1AE-4A57-8507-7166551C13D6}" type="datetimeFigureOut">
               <a:rPr lang="en-US" smtClean="0"/>
-              <a:t>12/4/2023</a:t>
+              <a:t>12/5/2023</a:t>
             </a:fld>
             <a:endParaRPr lang="en-US"/>
           </a:p>
@@ -2322,7 +2347,7 @@
             <a:extLst/>
           </a:lstStyle>
           <a:p>
-            <a:fld id="{C1666861-0EA9-4DF3-9E85-07BD7FB95F46}" type="slidenum">
+            <a:fld id="{E998C442-0E6A-4F89-93D6-82901E7C12A1}" type="slidenum">
               <a:rPr lang="en-US" smtClean="0"/>
               <a:t>‹#›</a:t>
             </a:fld>
@@ -2420,9 +2445,9 @@
             <a:extLst/>
           </a:lstStyle>
           <a:p>
-            <a:fld id="{96A2CDCC-FA82-48F6-8EC7-B59FF0CBF349}" type="datetimeFigureOut">
+            <a:fld id="{3C131DD0-B1AE-4A57-8507-7166551C13D6}" type="datetimeFigureOut">
               <a:rPr lang="en-US" smtClean="0"/>
-              <a:t>12/4/2023</a:t>
+              <a:t>12/5/2023</a:t>
             </a:fld>
             <a:endParaRPr lang="en-US"/>
           </a:p>
@@ -2466,7 +2491,7 @@
             <a:extLst/>
           </a:lstStyle>
           <a:p>
-            <a:fld id="{C1666861-0EA9-4DF3-9E85-07BD7FB95F46}" type="slidenum">
+            <a:fld id="{E998C442-0E6A-4F89-93D6-82901E7C12A1}" type="slidenum">
               <a:rPr lang="en-US" smtClean="0"/>
               <a:t>‹#›</a:t>
             </a:fld>
@@ -2742,9 +2767,9 @@
             <a:extLst/>
           </a:lstStyle>
           <a:p>
-            <a:fld id="{96A2CDCC-FA82-48F6-8EC7-B59FF0CBF349}" type="datetimeFigureOut">
+            <a:fld id="{3C131DD0-B1AE-4A57-8507-7166551C13D6}" type="datetimeFigureOut">
               <a:rPr lang="en-US" smtClean="0"/>
-              <a:t>12/4/2023</a:t>
+              <a:t>12/5/2023</a:t>
             </a:fld>
             <a:endParaRPr lang="en-US"/>
           </a:p>
@@ -2788,7 +2813,7 @@
             <a:extLst/>
           </a:lstStyle>
           <a:p>
-            <a:fld id="{C1666861-0EA9-4DF3-9E85-07BD7FB95F46}" type="slidenum">
+            <a:fld id="{E998C442-0E6A-4F89-93D6-82901E7C12A1}" type="slidenum">
               <a:rPr lang="en-US" smtClean="0"/>
               <a:t>‹#›</a:t>
             </a:fld>
@@ -2876,9 +2901,9 @@
             <a:extLst/>
           </a:lstStyle>
           <a:p>
-            <a:fld id="{96A2CDCC-FA82-48F6-8EC7-B59FF0CBF349}" type="datetimeFigureOut">
+            <a:fld id="{3C131DD0-B1AE-4A57-8507-7166551C13D6}" type="datetimeFigureOut">
               <a:rPr lang="en-US" smtClean="0"/>
-              <a:t>12/4/2023</a:t>
+              <a:t>12/5/2023</a:t>
             </a:fld>
             <a:endParaRPr lang="en-US"/>
           </a:p>
@@ -2922,7 +2947,7 @@
             <a:extLst/>
           </a:lstStyle>
           <a:p>
-            <a:fld id="{C1666861-0EA9-4DF3-9E85-07BD7FB95F46}" type="slidenum">
+            <a:fld id="{E998C442-0E6A-4F89-93D6-82901E7C12A1}" type="slidenum">
               <a:rPr lang="en-US" smtClean="0"/>
               <a:t>‹#›</a:t>
             </a:fld>
@@ -3657,9 +3682,9 @@
             <a:extLst/>
           </a:lstStyle>
           <a:p>
-            <a:fld id="{96A2CDCC-FA82-48F6-8EC7-B59FF0CBF349}" type="datetimeFigureOut">
+            <a:fld id="{3C131DD0-B1AE-4A57-8507-7166551C13D6}" type="datetimeFigureOut">
               <a:rPr lang="en-US" smtClean="0"/>
-              <a:t>12/4/2023</a:t>
+              <a:t>12/5/2023</a:t>
             </a:fld>
             <a:endParaRPr lang="en-US"/>
           </a:p>
@@ -3741,7 +3766,7 @@
             <a:extLst/>
           </a:lstStyle>
           <a:p>
-            <a:fld id="{C1666861-0EA9-4DF3-9E85-07BD7FB95F46}" type="slidenum">
+            <a:fld id="{E998C442-0E6A-4F89-93D6-82901E7C12A1}" type="slidenum">
               <a:rPr lang="en-US" smtClean="0"/>
               <a:t>‹#›</a:t>
             </a:fld>
@@ -4157,14 +4182,14 @@
       </p:grpSpPr>
       <p:sp>
         <p:nvSpPr>
-          <p:cNvPr id="2" name="Rectangle 1"/>
+          <p:cNvPr id="4" name="Rectangle 3"/>
           <p:cNvSpPr/>
           <p:nvPr/>
         </p:nvSpPr>
         <p:spPr>
           <a:xfrm>
-            <a:off x="2584758" y="685800"/>
-            <a:ext cx="3974486" cy="1754326"/>
+            <a:off x="2362200" y="1752600"/>
+            <a:ext cx="4591321" cy="923330"/>
           </a:xfrm>
           <a:prstGeom prst="rect">
             <a:avLst/>
@@ -4213,47 +4238,7 @@
                   </a:innerShdw>
                 </a:effectLst>
               </a:rPr>
-              <a:t>MySQL </a:t>
-            </a:r>
-          </a:p>
-          <a:p>
-            <a:pPr algn="ctr"/>
-            <a:r>
-              <a:rPr lang="en-US" sz="5400" b="1" dirty="0" smtClean="0">
-                <a:ln w="1905"/>
-                <a:gradFill>
-                  <a:gsLst>
-                    <a:gs pos="0">
-                      <a:schemeClr val="accent6">
-                        <a:shade val="20000"/>
-                        <a:satMod val="200000"/>
-                      </a:schemeClr>
-                    </a:gs>
-                    <a:gs pos="78000">
-                      <a:schemeClr val="accent6">
-                        <a:tint val="90000"/>
-                        <a:shade val="89000"/>
-                        <a:satMod val="220000"/>
-                      </a:schemeClr>
-                    </a:gs>
-                    <a:gs pos="100000">
-                      <a:schemeClr val="accent6">
-                        <a:tint val="12000"/>
-                        <a:satMod val="255000"/>
-                      </a:schemeClr>
-                    </a:gs>
-                  </a:gsLst>
-                  <a:lin ang="5400000"/>
-                </a:gradFill>
-                <a:effectLst>
-                  <a:innerShdw blurRad="69850" dist="43180" dir="5400000">
-                    <a:srgbClr val="000000">
-                      <a:alpha val="65000"/>
-                    </a:srgbClr>
-                  </a:innerShdw>
-                </a:effectLst>
-              </a:rPr>
-              <a:t>Workbench</a:t>
+              <a:t>Database Lab</a:t>
             </a:r>
             <a:endParaRPr lang="en-US" sz="5400" b="1" cap="none" spc="0" dirty="0">
               <a:ln w="1905"/>
@@ -4294,36 +4279,51 @@
       </p:sp>
       <p:sp>
         <p:nvSpPr>
-          <p:cNvPr id="4" name="Rectangle 3"/>
-          <p:cNvSpPr/>
+          <p:cNvPr id="2" name="TextBox 1"/>
+          <p:cNvSpPr txBox="1"/>
           <p:nvPr/>
         </p:nvSpPr>
         <p:spPr>
           <a:xfrm>
-            <a:off x="3032957" y="3657600"/>
-            <a:ext cx="3078087" cy="369332"/>
+            <a:off x="2714760" y="2675930"/>
+            <a:ext cx="3886200" cy="369332"/>
           </a:xfrm>
           <a:prstGeom prst="rect">
             <a:avLst/>
           </a:prstGeom>
+          <a:noFill/>
         </p:spPr>
         <p:txBody>
-          <a:bodyPr wrap="none">
+          <a:bodyPr wrap="square" rtlCol="0">
             <a:spAutoFit/>
           </a:bodyPr>
           <a:lstStyle/>
           <a:p>
-            <a:r>
-              <a:rPr lang="en-US" dirty="0"/>
-              <a:t>mohammadbtc100@gmail.com</a:t>
-            </a:r>
+            <a:pPr algn="ctr"/>
+            <a:r>
+              <a:rPr lang="en-US" b="1" dirty="0" smtClean="0">
+                <a:solidFill>
+                  <a:schemeClr val="accent2">
+                    <a:lumMod val="75000"/>
+                  </a:schemeClr>
+                </a:solidFill>
+              </a:rPr>
+              <a:t>MySQL, Workbench, Python</a:t>
+            </a:r>
+            <a:endParaRPr lang="en-US" b="1" dirty="0">
+              <a:solidFill>
+                <a:schemeClr val="accent2">
+                  <a:lumMod val="75000"/>
+                </a:schemeClr>
+              </a:solidFill>
+            </a:endParaRPr>
           </a:p>
         </p:txBody>
       </p:sp>
     </p:spTree>
     <p:extLst>
       <p:ext uri="{BB962C8B-B14F-4D97-AF65-F5344CB8AC3E}">
-        <p14:creationId xmlns:p14="http://schemas.microsoft.com/office/powerpoint/2010/main" val="99330632"/>
+        <p14:creationId xmlns:p14="http://schemas.microsoft.com/office/powerpoint/2010/main" val="693291873"/>
       </p:ext>
     </p:extLst>
   </p:cSld>
@@ -4352,7 +4352,7 @@
       </p:grpSpPr>
       <p:pic>
         <p:nvPicPr>
-          <p:cNvPr id="4098" name="Picture 2"/>
+          <p:cNvPr id="1026" name="Picture 2"/>
           <p:cNvPicPr>
             <a:picLocks noChangeAspect="1" noChangeArrowheads="1"/>
           </p:cNvPicPr>
@@ -4373,8 +4373,8 @@
         </p:blipFill>
         <p:spPr bwMode="auto">
           <a:xfrm>
-            <a:off x="1460499" y="1447800"/>
-            <a:ext cx="6505575" cy="3657600"/>
+            <a:off x="1089837" y="1664401"/>
+            <a:ext cx="7368363" cy="2027697"/>
           </a:xfrm>
           <a:prstGeom prst="rect">
             <a:avLst/>
@@ -4404,16 +4404,70 @@
           </a:extLst>
         </p:spPr>
       </p:pic>
+      <p:pic>
+        <p:nvPicPr>
+          <p:cNvPr id="1027" name="Picture 3"/>
+          <p:cNvPicPr>
+            <a:picLocks noChangeAspect="1" noChangeArrowheads="1"/>
+          </p:cNvPicPr>
+          <p:nvPr/>
+        </p:nvPicPr>
+        <p:blipFill>
+          <a:blip r:embed="rId3">
+            <a:extLst>
+              <a:ext uri="{28A0092B-C50C-407E-A947-70E740481C1C}">
+                <a14:useLocalDpi xmlns:a14="http://schemas.microsoft.com/office/drawing/2010/main" val="0"/>
+              </a:ext>
+            </a:extLst>
+          </a:blip>
+          <a:srcRect/>
+          <a:stretch>
+            <a:fillRect/>
+          </a:stretch>
+        </p:blipFill>
+        <p:spPr bwMode="auto">
+          <a:xfrm>
+            <a:off x="1089837" y="3874201"/>
+            <a:ext cx="4267200" cy="438150"/>
+          </a:xfrm>
+          <a:prstGeom prst="rect">
+            <a:avLst/>
+          </a:prstGeom>
+          <a:noFill/>
+          <a:ln>
+            <a:noFill/>
+          </a:ln>
+          <a:extLst>
+            <a:ext uri="{909E8E84-426E-40DD-AFC4-6F175D3DCCD1}">
+              <a14:hiddenFill xmlns:a14="http://schemas.microsoft.com/office/drawing/2010/main">
+                <a:solidFill>
+                  <a:schemeClr val="accent1"/>
+                </a:solidFill>
+              </a14:hiddenFill>
+            </a:ext>
+            <a:ext uri="{91240B29-F687-4F45-9708-019B960494DF}">
+              <a14:hiddenLine xmlns:a14="http://schemas.microsoft.com/office/drawing/2010/main" w="9525">
+                <a:solidFill>
+                  <a:schemeClr val="tx1"/>
+                </a:solidFill>
+                <a:miter lim="800000"/>
+                <a:headEnd/>
+                <a:tailEnd/>
+              </a14:hiddenLine>
+            </a:ext>
+          </a:extLst>
+        </p:spPr>
+      </p:pic>
       <p:cxnSp>
         <p:nvCxnSpPr>
-          <p:cNvPr id="3" name="Straight Connector 2"/>
+          <p:cNvPr id="6" name="Straight Connector 5"/>
           <p:cNvCxnSpPr/>
           <p:nvPr/>
         </p:nvCxnSpPr>
         <p:spPr>
           <a:xfrm>
-            <a:off x="990600" y="685800"/>
-            <a:ext cx="7772400" cy="0"/>
+            <a:off x="1066800" y="533400"/>
+            <a:ext cx="7620000" cy="0"/>
           </a:xfrm>
           <a:prstGeom prst="line">
             <a:avLst/>
@@ -4428,13 +4482,13 @@
         </p:spPr>
         <p:style>
           <a:lnRef idx="1">
-            <a:schemeClr val="accent2"/>
+            <a:schemeClr val="accent3"/>
           </a:lnRef>
           <a:fillRef idx="0">
-            <a:schemeClr val="accent2"/>
+            <a:schemeClr val="accent3"/>
           </a:fillRef>
           <a:effectRef idx="0">
-            <a:schemeClr val="accent2"/>
+            <a:schemeClr val="accent3"/>
           </a:effectRef>
           <a:fontRef idx="minor">
             <a:schemeClr val="tx1"/>
@@ -4443,36 +4497,37 @@
       </p:cxnSp>
       <p:sp>
         <p:nvSpPr>
-          <p:cNvPr id="4" name="Rectangle 3"/>
-          <p:cNvSpPr/>
+          <p:cNvPr id="7" name="TextBox 6"/>
+          <p:cNvSpPr txBox="1"/>
           <p:nvPr/>
         </p:nvSpPr>
         <p:spPr>
           <a:xfrm>
-            <a:off x="1070331" y="309602"/>
-            <a:ext cx="3089307" cy="369332"/>
+            <a:off x="990600" y="194846"/>
+            <a:ext cx="2743200" cy="338554"/>
           </a:xfrm>
           <a:prstGeom prst="rect">
             <a:avLst/>
           </a:prstGeom>
+          <a:noFill/>
         </p:spPr>
         <p:txBody>
-          <a:bodyPr wrap="none">
+          <a:bodyPr wrap="square" rtlCol="0">
             <a:spAutoFit/>
           </a:bodyPr>
           <a:lstStyle/>
           <a:p>
             <a:r>
-              <a:rPr lang="en-US" b="1" dirty="0" smtClean="0">
+              <a:rPr lang="en-US" sz="1600" b="1" dirty="0" smtClean="0">
                 <a:solidFill>
                   <a:schemeClr val="accent2">
                     <a:lumMod val="75000"/>
                   </a:schemeClr>
                 </a:solidFill>
               </a:rPr>
-              <a:t>MySQL-Student case study</a:t>
-            </a:r>
-            <a:endParaRPr lang="en-US" b="1" dirty="0">
+              <a:t>View</a:t>
+            </a:r>
+            <a:endParaRPr lang="en-US" sz="1600" b="1" dirty="0">
               <a:solidFill>
                 <a:schemeClr val="accent2">
                   <a:lumMod val="75000"/>
@@ -4484,38 +4539,114 @@
       </p:sp>
       <p:sp>
         <p:nvSpPr>
-          <p:cNvPr id="2" name="TextBox 1"/>
-          <p:cNvSpPr txBox="1"/>
+          <p:cNvPr id="2" name="Rectangle 1"/>
+          <p:cNvSpPr/>
           <p:nvPr/>
         </p:nvSpPr>
         <p:spPr>
           <a:xfrm>
-            <a:off x="1219200" y="838200"/>
-            <a:ext cx="3657600" cy="369332"/>
+            <a:off x="1169581" y="685800"/>
+            <a:ext cx="7554433" cy="830997"/>
           </a:xfrm>
           <a:prstGeom prst="rect">
             <a:avLst/>
           </a:prstGeom>
-          <a:noFill/>
         </p:spPr>
         <p:txBody>
-          <a:bodyPr wrap="square" rtlCol="0">
+          <a:bodyPr wrap="square">
             <a:spAutoFit/>
           </a:bodyPr>
           <a:lstStyle/>
           <a:p>
-            <a:r>
-              <a:rPr lang="en-US" dirty="0" smtClean="0"/>
-              <a:t>Edit table codes : </a:t>
-            </a:r>
-            <a:endParaRPr lang="en-US" dirty="0"/>
+            <a:pPr marL="285750" indent="-285750" algn="just" rtl="1">
+              <a:buFont typeface="Wingdings" panose="05000000000000000000" pitchFamily="2" charset="2"/>
+              <a:buChar char="q"/>
+            </a:pPr>
+            <a:r>
+              <a:rPr lang="fa-IR" sz="1600" dirty="0">
+                <a:cs typeface="B Nazanin" panose="00000400000000000000" pitchFamily="2" charset="-78"/>
+              </a:rPr>
+              <a:t>یک </a:t>
+            </a:r>
+            <a:r>
+              <a:rPr lang="en-US" sz="1600" dirty="0">
+                <a:cs typeface="B Nazanin" panose="00000400000000000000" pitchFamily="2" charset="-78"/>
+              </a:rPr>
+              <a:t>View </a:t>
+            </a:r>
+            <a:r>
+              <a:rPr lang="fa-IR" sz="1600" dirty="0">
+                <a:cs typeface="B Nazanin" panose="00000400000000000000" pitchFamily="2" charset="-78"/>
+              </a:rPr>
+              <a:t>یک جدول مجازی است که نتیجه حاصل از عبارات و دستورات </a:t>
+            </a:r>
+            <a:r>
+              <a:rPr lang="en-US" sz="1600" dirty="0">
+                <a:cs typeface="B Nazanin" panose="00000400000000000000" pitchFamily="2" charset="-78"/>
+              </a:rPr>
+              <a:t>SQL </a:t>
+            </a:r>
+            <a:r>
+              <a:rPr lang="fa-IR" sz="1600" dirty="0">
+                <a:cs typeface="B Nazanin" panose="00000400000000000000" pitchFamily="2" charset="-78"/>
+              </a:rPr>
+              <a:t>می باشد</a:t>
+            </a:r>
+            <a:r>
+              <a:rPr lang="fa-IR" sz="1600" dirty="0" smtClean="0">
+                <a:cs typeface="B Nazanin" panose="00000400000000000000" pitchFamily="2" charset="-78"/>
+              </a:rPr>
+              <a:t>.</a:t>
+            </a:r>
+            <a:endParaRPr lang="fa-IR" sz="1600" dirty="0">
+              <a:cs typeface="B Nazanin" panose="00000400000000000000" pitchFamily="2" charset="-78"/>
+            </a:endParaRPr>
+          </a:p>
+          <a:p>
+            <a:pPr marL="285750" indent="-285750" algn="just" rtl="1">
+              <a:buFont typeface="Wingdings" panose="05000000000000000000" pitchFamily="2" charset="2"/>
+              <a:buChar char="q"/>
+            </a:pPr>
+            <a:r>
+              <a:rPr lang="fa-IR" sz="1600" dirty="0">
+                <a:cs typeface="B Nazanin" panose="00000400000000000000" pitchFamily="2" charset="-78"/>
+              </a:rPr>
+              <a:t>یک </a:t>
+            </a:r>
+            <a:r>
+              <a:rPr lang="en-US" sz="1600" dirty="0">
+                <a:cs typeface="B Nazanin" panose="00000400000000000000" pitchFamily="2" charset="-78"/>
+              </a:rPr>
+              <a:t>view </a:t>
+            </a:r>
+            <a:r>
+              <a:rPr lang="fa-IR" sz="1600" dirty="0">
+                <a:cs typeface="B Nazanin" panose="00000400000000000000" pitchFamily="2" charset="-78"/>
+              </a:rPr>
+              <a:t>شامل سطر و ستونهایی دقیقا شبیه یک جدول واقعی است. فیلدها در یک </a:t>
+            </a:r>
+            <a:r>
+              <a:rPr lang="en-US" sz="1600" dirty="0">
+                <a:cs typeface="B Nazanin" panose="00000400000000000000" pitchFamily="2" charset="-78"/>
+              </a:rPr>
+              <a:t>View </a:t>
+            </a:r>
+            <a:r>
+              <a:rPr lang="fa-IR" sz="1600" dirty="0">
+                <a:cs typeface="B Nazanin" panose="00000400000000000000" pitchFamily="2" charset="-78"/>
+              </a:rPr>
+              <a:t>فیلدهایی هستند که از یک یا چند جدول واقعی در پایگاه داده گرفته شده اند.</a:t>
+            </a:r>
+            <a:endParaRPr lang="en-US" sz="1600" dirty="0">
+              <a:cs typeface="B Nazanin" panose="00000400000000000000" pitchFamily="2" charset="-78"/>
+            </a:endParaRPr>
           </a:p>
         </p:txBody>
       </p:sp>
     </p:spTree>
     <p:extLst>
       <p:ext uri="{BB962C8B-B14F-4D97-AF65-F5344CB8AC3E}">
-        <p14:creationId xmlns:p14="http://schemas.microsoft.com/office/powerpoint/2010/main" val="2367929150"/>
+        <p14:creationId xmlns:p14="http://schemas.microsoft.com/office/powerpoint/2010/main" val="1390020644"/>
       </p:ext>
     </p:extLst>
   </p:cSld>
@@ -4544,7 +4675,7 @@
       </p:grpSpPr>
       <p:pic>
         <p:nvPicPr>
-          <p:cNvPr id="2050" name="Picture 2"/>
+          <p:cNvPr id="3074" name="Picture 2"/>
           <p:cNvPicPr>
             <a:picLocks noChangeAspect="1" noChangeArrowheads="1"/>
           </p:cNvPicPr>
@@ -4565,8 +4696,8 @@
         </p:blipFill>
         <p:spPr bwMode="auto">
           <a:xfrm>
-            <a:off x="1143000" y="685800"/>
-            <a:ext cx="6372225" cy="361950"/>
+            <a:off x="1155294" y="809625"/>
+            <a:ext cx="2295525" cy="3467100"/>
           </a:xfrm>
           <a:prstGeom prst="rect">
             <a:avLst/>
@@ -4596,9 +4727,117 @@
           </a:extLst>
         </p:spPr>
       </p:pic>
+      <p:pic>
+        <p:nvPicPr>
+          <p:cNvPr id="3075" name="Picture 3"/>
+          <p:cNvPicPr>
+            <a:picLocks noChangeAspect="1" noChangeArrowheads="1"/>
+          </p:cNvPicPr>
+          <p:nvPr/>
+        </p:nvPicPr>
+        <p:blipFill>
+          <a:blip r:embed="rId3">
+            <a:extLst>
+              <a:ext uri="{28A0092B-C50C-407E-A947-70E740481C1C}">
+                <a14:useLocalDpi xmlns:a14="http://schemas.microsoft.com/office/drawing/2010/main" val="0"/>
+              </a:ext>
+            </a:extLst>
+          </a:blip>
+          <a:srcRect/>
+          <a:stretch>
+            <a:fillRect/>
+          </a:stretch>
+        </p:blipFill>
+        <p:spPr bwMode="auto">
+          <a:xfrm>
+            <a:off x="2971800" y="809625"/>
+            <a:ext cx="5564333" cy="2057400"/>
+          </a:xfrm>
+          <a:prstGeom prst="rect">
+            <a:avLst/>
+          </a:prstGeom>
+          <a:noFill/>
+          <a:ln>
+            <a:noFill/>
+          </a:ln>
+          <a:extLst>
+            <a:ext uri="{909E8E84-426E-40DD-AFC4-6F175D3DCCD1}">
+              <a14:hiddenFill xmlns:a14="http://schemas.microsoft.com/office/drawing/2010/main">
+                <a:solidFill>
+                  <a:schemeClr val="accent1"/>
+                </a:solidFill>
+              </a14:hiddenFill>
+            </a:ext>
+            <a:ext uri="{91240B29-F687-4F45-9708-019B960494DF}">
+              <a14:hiddenLine xmlns:a14="http://schemas.microsoft.com/office/drawing/2010/main" w="9525">
+                <a:solidFill>
+                  <a:schemeClr val="tx1"/>
+                </a:solidFill>
+                <a:miter lim="800000"/>
+                <a:headEnd/>
+                <a:tailEnd/>
+              </a14:hiddenLine>
+            </a:ext>
+          </a:extLst>
+        </p:spPr>
+      </p:pic>
+      <p:pic>
+        <p:nvPicPr>
+          <p:cNvPr id="3076" name="Picture 4"/>
+          <p:cNvPicPr>
+            <a:picLocks noChangeAspect="1" noChangeArrowheads="1"/>
+          </p:cNvPicPr>
+          <p:nvPr/>
+        </p:nvPicPr>
+        <p:blipFill>
+          <a:blip r:embed="rId4">
+            <a:extLst>
+              <a:ext uri="{28A0092B-C50C-407E-A947-70E740481C1C}">
+                <a14:useLocalDpi xmlns:a14="http://schemas.microsoft.com/office/drawing/2010/main" val="0"/>
+              </a:ext>
+            </a:extLst>
+          </a:blip>
+          <a:srcRect/>
+          <a:stretch>
+            <a:fillRect/>
+          </a:stretch>
+        </p:blipFill>
+        <p:spPr bwMode="auto">
+          <a:xfrm>
+            <a:off x="3450819" y="3219450"/>
+            <a:ext cx="4581525" cy="1733550"/>
+          </a:xfrm>
+          <a:prstGeom prst="rect">
+            <a:avLst/>
+          </a:prstGeom>
+          <a:noFill/>
+          <a:ln>
+            <a:noFill/>
+          </a:ln>
+          <a:extLst>
+            <a:ext uri="{909E8E84-426E-40DD-AFC4-6F175D3DCCD1}">
+              <a14:hiddenFill xmlns:a14="http://schemas.microsoft.com/office/drawing/2010/main">
+                <a:solidFill>
+                  <a:schemeClr val="accent1"/>
+                </a:solidFill>
+              </a14:hiddenFill>
+            </a:ext>
+            <a:ext uri="{91240B29-F687-4F45-9708-019B960494DF}">
+              <a14:hiddenLine xmlns:a14="http://schemas.microsoft.com/office/drawing/2010/main" w="9525">
+                <a:solidFill>
+                  <a:schemeClr val="tx1"/>
+                </a:solidFill>
+                <a:miter lim="800000"/>
+                <a:headEnd/>
+                <a:tailEnd/>
+              </a14:hiddenLine>
+            </a:ext>
+          </a:extLst>
+        </p:spPr>
+      </p:pic>
       <p:cxnSp>
         <p:nvCxnSpPr>
-          <p:cNvPr id="5" name="Straight Connector 4"/>
+          <p:cNvPr id="7" name="Straight Connector 6"/>
           <p:cNvCxnSpPr/>
           <p:nvPr/>
         </p:nvCxnSpPr>
@@ -4635,7 +4874,7 @@
       </p:cxnSp>
       <p:sp>
         <p:nvSpPr>
-          <p:cNvPr id="6" name="TextBox 5"/>
+          <p:cNvPr id="8" name="TextBox 7"/>
           <p:cNvSpPr txBox="1"/>
           <p:nvPr/>
         </p:nvSpPr>
@@ -4663,7 +4902,7 @@
                   </a:schemeClr>
                 </a:solidFill>
               </a:rPr>
-              <a:t>Index</a:t>
+              <a:t>Function</a:t>
             </a:r>
             <a:endParaRPr lang="en-US" sz="1600" b="1" dirty="0">
               <a:solidFill>
@@ -4678,7 +4917,7 @@
     </p:spTree>
     <p:extLst>
       <p:ext uri="{BB962C8B-B14F-4D97-AF65-F5344CB8AC3E}">
-        <p14:creationId xmlns:p14="http://schemas.microsoft.com/office/powerpoint/2010/main" val="4122740550"/>
+        <p14:creationId xmlns:p14="http://schemas.microsoft.com/office/powerpoint/2010/main" val="494177419"/>
       </p:ext>
     </p:extLst>
   </p:cSld>
@@ -4707,7 +4946,7 @@
       </p:grpSpPr>
       <p:pic>
         <p:nvPicPr>
-          <p:cNvPr id="1026" name="Picture 2"/>
+          <p:cNvPr id="4098" name="Picture 2"/>
           <p:cNvPicPr>
             <a:picLocks noChangeAspect="1" noChangeArrowheads="1"/>
           </p:cNvPicPr>
@@ -4728,8 +4967,8 @@
         </p:blipFill>
         <p:spPr bwMode="auto">
           <a:xfrm>
-            <a:off x="1143000" y="704850"/>
-            <a:ext cx="7368363" cy="2027697"/>
+            <a:off x="990600" y="648012"/>
+            <a:ext cx="2209800" cy="2927985"/>
           </a:xfrm>
           <a:prstGeom prst="rect">
             <a:avLst/>
@@ -4761,7 +5000,7 @@
       </p:pic>
       <p:pic>
         <p:nvPicPr>
-          <p:cNvPr id="1027" name="Picture 3"/>
+          <p:cNvPr id="4099" name="Picture 3"/>
           <p:cNvPicPr>
             <a:picLocks noChangeAspect="1" noChangeArrowheads="1"/>
           </p:cNvPicPr>
@@ -4782,8 +5021,8 @@
         </p:blipFill>
         <p:spPr bwMode="auto">
           <a:xfrm>
-            <a:off x="1143000" y="2914650"/>
-            <a:ext cx="4267200" cy="438150"/>
+            <a:off x="2514600" y="656872"/>
+            <a:ext cx="5876925" cy="2305460"/>
           </a:xfrm>
           <a:prstGeom prst="rect">
             <a:avLst/>
@@ -4813,9 +5052,63 @@
           </a:extLst>
         </p:spPr>
       </p:pic>
+      <p:pic>
+        <p:nvPicPr>
+          <p:cNvPr id="4100" name="Picture 4"/>
+          <p:cNvPicPr>
+            <a:picLocks noChangeAspect="1" noChangeArrowheads="1"/>
+          </p:cNvPicPr>
+          <p:nvPr/>
+        </p:nvPicPr>
+        <p:blipFill>
+          <a:blip r:embed="rId4">
+            <a:extLst>
+              <a:ext uri="{28A0092B-C50C-407E-A947-70E740481C1C}">
+                <a14:useLocalDpi xmlns:a14="http://schemas.microsoft.com/office/drawing/2010/main" val="0"/>
+              </a:ext>
+            </a:extLst>
+          </a:blip>
+          <a:srcRect/>
+          <a:stretch>
+            <a:fillRect/>
+          </a:stretch>
+        </p:blipFill>
+        <p:spPr bwMode="auto">
+          <a:xfrm>
+            <a:off x="3482162" y="3086412"/>
+            <a:ext cx="3895725" cy="2171388"/>
+          </a:xfrm>
+          <a:prstGeom prst="rect">
+            <a:avLst/>
+          </a:prstGeom>
+          <a:noFill/>
+          <a:ln>
+            <a:noFill/>
+          </a:ln>
+          <a:extLst>
+            <a:ext uri="{909E8E84-426E-40DD-AFC4-6F175D3DCCD1}">
+              <a14:hiddenFill xmlns:a14="http://schemas.microsoft.com/office/drawing/2010/main">
+                <a:solidFill>
+                  <a:schemeClr val="accent1"/>
+                </a:solidFill>
+              </a14:hiddenFill>
+            </a:ext>
+            <a:ext uri="{91240B29-F687-4F45-9708-019B960494DF}">
+              <a14:hiddenLine xmlns:a14="http://schemas.microsoft.com/office/drawing/2010/main" w="9525">
+                <a:solidFill>
+                  <a:schemeClr val="tx1"/>
+                </a:solidFill>
+                <a:miter lim="800000"/>
+                <a:headEnd/>
+                <a:tailEnd/>
+              </a14:hiddenLine>
+            </a:ext>
+          </a:extLst>
+        </p:spPr>
+      </p:pic>
       <p:cxnSp>
         <p:nvCxnSpPr>
-          <p:cNvPr id="6" name="Straight Connector 5"/>
+          <p:cNvPr id="5" name="Straight Connector 4"/>
           <p:cNvCxnSpPr/>
           <p:nvPr/>
         </p:nvCxnSpPr>
@@ -4880,7 +5173,7 @@
                   </a:schemeClr>
                 </a:solidFill>
               </a:rPr>
-              <a:t>View</a:t>
+              <a:t>Store Procedure</a:t>
             </a:r>
             <a:endParaRPr lang="en-US" sz="1600" b="1" dirty="0">
               <a:solidFill>
@@ -4895,7 +5188,7 @@
     </p:spTree>
     <p:extLst>
       <p:ext uri="{BB962C8B-B14F-4D97-AF65-F5344CB8AC3E}">
-        <p14:creationId xmlns:p14="http://schemas.microsoft.com/office/powerpoint/2010/main" val="1572985472"/>
+        <p14:creationId xmlns:p14="http://schemas.microsoft.com/office/powerpoint/2010/main" val="1990560805"/>
       </p:ext>
     </p:extLst>
   </p:cSld>
@@ -4922,178 +5215,395 @@
           <a:chExt cx="0" cy="0"/>
         </a:xfrm>
       </p:grpSpPr>
-      <p:pic>
-        <p:nvPicPr>
-          <p:cNvPr id="3074" name="Picture 2"/>
-          <p:cNvPicPr>
-            <a:picLocks noChangeAspect="1" noChangeArrowheads="1"/>
-          </p:cNvPicPr>
-          <p:nvPr/>
-        </p:nvPicPr>
-        <p:blipFill>
-          <a:blip r:embed="rId2">
-            <a:extLst>
-              <a:ext uri="{28A0092B-C50C-407E-A947-70E740481C1C}">
-                <a14:useLocalDpi xmlns:a14="http://schemas.microsoft.com/office/drawing/2010/main" val="0"/>
-              </a:ext>
-            </a:extLst>
-          </a:blip>
-          <a:srcRect/>
-          <a:stretch>
-            <a:fillRect/>
-          </a:stretch>
-        </p:blipFill>
-        <p:spPr bwMode="auto">
-          <a:xfrm>
-            <a:off x="1155294" y="809625"/>
-            <a:ext cx="2295525" cy="3467100"/>
+      <p:sp>
+        <p:nvSpPr>
+          <p:cNvPr id="4" name="Rectangle 3"/>
+          <p:cNvSpPr/>
+          <p:nvPr/>
+        </p:nvSpPr>
+        <p:spPr>
+          <a:xfrm>
+            <a:off x="1143000" y="685800"/>
+            <a:ext cx="7620000" cy="3539430"/>
           </a:xfrm>
           <a:prstGeom prst="rect">
             <a:avLst/>
           </a:prstGeom>
-          <a:noFill/>
-          <a:ln>
-            <a:noFill/>
-          </a:ln>
-          <a:extLst>
-            <a:ext uri="{909E8E84-426E-40DD-AFC4-6F175D3DCCD1}">
-              <a14:hiddenFill xmlns:a14="http://schemas.microsoft.com/office/drawing/2010/main">
-                <a:solidFill>
-                  <a:schemeClr val="accent1"/>
-                </a:solidFill>
-              </a14:hiddenFill>
-            </a:ext>
-            <a:ext uri="{91240B29-F687-4F45-9708-019B960494DF}">
-              <a14:hiddenLine xmlns:a14="http://schemas.microsoft.com/office/drawing/2010/main" w="9525">
-                <a:solidFill>
-                  <a:schemeClr val="tx1"/>
-                </a:solidFill>
-                <a:miter lim="800000"/>
-                <a:headEnd/>
-                <a:tailEnd/>
-              </a14:hiddenLine>
-            </a:ext>
-          </a:extLst>
-        </p:spPr>
-      </p:pic>
-      <p:pic>
-        <p:nvPicPr>
-          <p:cNvPr id="3075" name="Picture 3"/>
-          <p:cNvPicPr>
-            <a:picLocks noChangeAspect="1" noChangeArrowheads="1"/>
-          </p:cNvPicPr>
-          <p:nvPr/>
-        </p:nvPicPr>
-        <p:blipFill>
-          <a:blip r:embed="rId3">
-            <a:extLst>
-              <a:ext uri="{28A0092B-C50C-407E-A947-70E740481C1C}">
-                <a14:useLocalDpi xmlns:a14="http://schemas.microsoft.com/office/drawing/2010/main" val="0"/>
-              </a:ext>
-            </a:extLst>
-          </a:blip>
-          <a:srcRect/>
-          <a:stretch>
-            <a:fillRect/>
-          </a:stretch>
-        </p:blipFill>
-        <p:spPr bwMode="auto">
-          <a:xfrm>
-            <a:off x="2971800" y="809625"/>
-            <a:ext cx="5564333" cy="2057400"/>
-          </a:xfrm>
-          <a:prstGeom prst="rect">
-            <a:avLst/>
-          </a:prstGeom>
-          <a:noFill/>
-          <a:ln>
-            <a:noFill/>
-          </a:ln>
-          <a:extLst>
-            <a:ext uri="{909E8E84-426E-40DD-AFC4-6F175D3DCCD1}">
-              <a14:hiddenFill xmlns:a14="http://schemas.microsoft.com/office/drawing/2010/main">
-                <a:solidFill>
-                  <a:schemeClr val="accent1"/>
-                </a:solidFill>
-              </a14:hiddenFill>
-            </a:ext>
-            <a:ext uri="{91240B29-F687-4F45-9708-019B960494DF}">
-              <a14:hiddenLine xmlns:a14="http://schemas.microsoft.com/office/drawing/2010/main" w="9525">
-                <a:solidFill>
-                  <a:schemeClr val="tx1"/>
-                </a:solidFill>
-                <a:miter lim="800000"/>
-                <a:headEnd/>
-                <a:tailEnd/>
-              </a14:hiddenLine>
-            </a:ext>
-          </a:extLst>
-        </p:spPr>
-      </p:pic>
-      <p:pic>
-        <p:nvPicPr>
-          <p:cNvPr id="3076" name="Picture 4"/>
-          <p:cNvPicPr>
-            <a:picLocks noChangeAspect="1" noChangeArrowheads="1"/>
-          </p:cNvPicPr>
-          <p:nvPr/>
-        </p:nvPicPr>
-        <p:blipFill>
-          <a:blip r:embed="rId4">
-            <a:extLst>
-              <a:ext uri="{28A0092B-C50C-407E-A947-70E740481C1C}">
-                <a14:useLocalDpi xmlns:a14="http://schemas.microsoft.com/office/drawing/2010/main" val="0"/>
-              </a:ext>
-            </a:extLst>
-          </a:blip>
-          <a:srcRect/>
-          <a:stretch>
-            <a:fillRect/>
-          </a:stretch>
-        </p:blipFill>
-        <p:spPr bwMode="auto">
-          <a:xfrm>
-            <a:off x="3450819" y="3219450"/>
-            <a:ext cx="4581525" cy="1733550"/>
-          </a:xfrm>
-          <a:prstGeom prst="rect">
-            <a:avLst/>
-          </a:prstGeom>
-          <a:noFill/>
-          <a:ln>
-            <a:noFill/>
-          </a:ln>
-          <a:extLst>
-            <a:ext uri="{909E8E84-426E-40DD-AFC4-6F175D3DCCD1}">
-              <a14:hiddenFill xmlns:a14="http://schemas.microsoft.com/office/drawing/2010/main">
-                <a:solidFill>
-                  <a:schemeClr val="accent1"/>
-                </a:solidFill>
-              </a14:hiddenFill>
-            </a:ext>
-            <a:ext uri="{91240B29-F687-4F45-9708-019B960494DF}">
-              <a14:hiddenLine xmlns:a14="http://schemas.microsoft.com/office/drawing/2010/main" w="9525">
-                <a:solidFill>
-                  <a:schemeClr val="tx1"/>
-                </a:solidFill>
-                <a:miter lim="800000"/>
-                <a:headEnd/>
-                <a:tailEnd/>
-              </a14:hiddenLine>
-            </a:ext>
-          </a:extLst>
-        </p:spPr>
-      </p:pic>
+        </p:spPr>
+        <p:txBody>
+          <a:bodyPr wrap="square">
+            <a:spAutoFit/>
+          </a:bodyPr>
+          <a:lstStyle/>
+          <a:p>
+            <a:pPr marL="285750" indent="-285750" algn="just" rtl="1">
+              <a:buFont typeface="Wingdings" panose="05000000000000000000" pitchFamily="2" charset="2"/>
+              <a:buChar char="q"/>
+            </a:pPr>
+            <a:r>
+              <a:rPr lang="en-US" sz="1600" dirty="0">
+                <a:cs typeface="2  Mitra" panose="00000400000000000000" pitchFamily="2" charset="-78"/>
+              </a:rPr>
+              <a:t>Trigger </a:t>
+            </a:r>
+            <a:r>
+              <a:rPr lang="fa-IR" sz="1600" dirty="0">
+                <a:cs typeface="2  Mitra" panose="00000400000000000000" pitchFamily="2" charset="-78"/>
+              </a:rPr>
+              <a:t>نوعی رویه ذخیره شده است که پس از یک رویداد اجرا می شود ، برخلاف </a:t>
+            </a:r>
+            <a:r>
+              <a:rPr lang="en-US" sz="1600" dirty="0">
+                <a:cs typeface="2  Mitra" panose="00000400000000000000" pitchFamily="2" charset="-78"/>
+              </a:rPr>
+              <a:t>Stored Procedure </a:t>
+            </a:r>
+            <a:r>
+              <a:rPr lang="fa-IR" sz="1600" dirty="0">
+                <a:cs typeface="2  Mitra" panose="00000400000000000000" pitchFamily="2" charset="-78"/>
+              </a:rPr>
+              <a:t>که حتما باید فراخوانی </a:t>
+            </a:r>
+            <a:r>
+              <a:rPr lang="fa-IR" sz="1600" dirty="0" smtClean="0">
+                <a:cs typeface="2  Mitra" panose="00000400000000000000" pitchFamily="2" charset="-78"/>
+              </a:rPr>
+              <a:t>شود.</a:t>
+            </a:r>
+          </a:p>
+          <a:p>
+            <a:pPr marL="285750" indent="-285750" algn="just" rtl="1">
+              <a:buFont typeface="Wingdings" panose="05000000000000000000" pitchFamily="2" charset="2"/>
+              <a:buChar char="q"/>
+            </a:pPr>
+            <a:r>
+              <a:rPr lang="fa-IR" sz="1600" dirty="0" smtClean="0">
+                <a:cs typeface="2  Mitra" panose="00000400000000000000" pitchFamily="2" charset="-78"/>
+              </a:rPr>
+              <a:t> </a:t>
+            </a:r>
+            <a:r>
+              <a:rPr lang="en-US" sz="1600" dirty="0">
+                <a:cs typeface="2  Mitra" panose="00000400000000000000" pitchFamily="2" charset="-78"/>
+              </a:rPr>
+              <a:t>Trigger </a:t>
+            </a:r>
+            <a:r>
+              <a:rPr lang="fa-IR" sz="1600" dirty="0">
+                <a:cs typeface="2  Mitra" panose="00000400000000000000" pitchFamily="2" charset="-78"/>
+              </a:rPr>
+              <a:t>ها قابل فراخوانی نبوده و به صورت خودکار در واکنش به اعمال </a:t>
+            </a:r>
+            <a:r>
+              <a:rPr lang="en-US" sz="1600" dirty="0">
+                <a:cs typeface="2  Mitra" panose="00000400000000000000" pitchFamily="2" charset="-78"/>
+              </a:rPr>
+              <a:t>Insert , Update , Delete </a:t>
+            </a:r>
+            <a:r>
+              <a:rPr lang="fa-IR" sz="1600" dirty="0" smtClean="0">
+                <a:cs typeface="2  Mitra" panose="00000400000000000000" pitchFamily="2" charset="-78"/>
+              </a:rPr>
+              <a:t> قبل </a:t>
+            </a:r>
+            <a:r>
+              <a:rPr lang="fa-IR" sz="1600" dirty="0">
+                <a:cs typeface="2  Mitra" panose="00000400000000000000" pitchFamily="2" charset="-78"/>
+              </a:rPr>
+              <a:t>یا بعد از </a:t>
+            </a:r>
+            <a:r>
+              <a:rPr lang="fa-IR" sz="1600" dirty="0" smtClean="0">
+                <a:cs typeface="2  Mitra" panose="00000400000000000000" pitchFamily="2" charset="-78"/>
+              </a:rPr>
+              <a:t>تراکنش </a:t>
+            </a:r>
+            <a:r>
+              <a:rPr lang="fa-IR" sz="1600" dirty="0">
+                <a:cs typeface="2  Mitra" panose="00000400000000000000" pitchFamily="2" charset="-78"/>
+              </a:rPr>
+              <a:t>اجرا می شوند </a:t>
+            </a:r>
+            <a:r>
+              <a:rPr lang="fa-IR" sz="1600" dirty="0" smtClean="0">
+                <a:cs typeface="2  Mitra" panose="00000400000000000000" pitchFamily="2" charset="-78"/>
+              </a:rPr>
+              <a:t>.</a:t>
+            </a:r>
+            <a:endParaRPr lang="fa-IR" sz="1600" dirty="0">
+              <a:cs typeface="2  Mitra" panose="00000400000000000000" pitchFamily="2" charset="-78"/>
+            </a:endParaRPr>
+          </a:p>
+          <a:p>
+            <a:pPr marL="285750" indent="-285750" algn="just" rtl="1">
+              <a:buFont typeface="Wingdings" panose="05000000000000000000" pitchFamily="2" charset="2"/>
+              <a:buChar char="q"/>
+            </a:pPr>
+            <a:r>
+              <a:rPr lang="fa-IR" sz="1600" dirty="0" smtClean="0">
+                <a:cs typeface="2  Mitra" panose="00000400000000000000" pitchFamily="2" charset="-78"/>
+              </a:rPr>
+              <a:t>چنین </a:t>
+            </a:r>
+            <a:r>
+              <a:rPr lang="fa-IR" sz="1600" dirty="0">
+                <a:cs typeface="2  Mitra" panose="00000400000000000000" pitchFamily="2" charset="-78"/>
+              </a:rPr>
+              <a:t>رویه بر خلاف </a:t>
+            </a:r>
+            <a:r>
+              <a:rPr lang="en-US" sz="1600" dirty="0">
+                <a:cs typeface="2  Mitra" panose="00000400000000000000" pitchFamily="2" charset="-78"/>
+              </a:rPr>
+              <a:t>SP </a:t>
+            </a:r>
+            <a:r>
+              <a:rPr lang="fa-IR" sz="1600" dirty="0">
+                <a:cs typeface="2  Mitra" panose="00000400000000000000" pitchFamily="2" charset="-78"/>
+              </a:rPr>
+              <a:t>نمیتواند پارامتر ورود و خروجی بپذیرد و اطلاعات خود را از رکورد مورد نظر (رکوردی که </a:t>
+            </a:r>
+            <a:r>
+              <a:rPr lang="en-US" sz="1600" dirty="0">
+                <a:cs typeface="2  Mitra" panose="00000400000000000000" pitchFamily="2" charset="-78"/>
+              </a:rPr>
+              <a:t>Insert , Update </a:t>
+            </a:r>
+            <a:r>
+              <a:rPr lang="fa-IR" sz="1600" dirty="0">
+                <a:cs typeface="2  Mitra" panose="00000400000000000000" pitchFamily="2" charset="-78"/>
+              </a:rPr>
+              <a:t>یا </a:t>
+            </a:r>
+            <a:r>
+              <a:rPr lang="en-US" sz="1600" dirty="0">
+                <a:cs typeface="2  Mitra" panose="00000400000000000000" pitchFamily="2" charset="-78"/>
+              </a:rPr>
+              <a:t>Delete </a:t>
+            </a:r>
+            <a:r>
+              <a:rPr lang="fa-IR" sz="1600" dirty="0">
+                <a:cs typeface="2  Mitra" panose="00000400000000000000" pitchFamily="2" charset="-78"/>
+              </a:rPr>
+              <a:t>بر روی آن صورت گرفته که اصطلاحا </a:t>
+            </a:r>
+            <a:r>
+              <a:rPr lang="en-US" sz="1600" dirty="0">
+                <a:cs typeface="2  Mitra" panose="00000400000000000000" pitchFamily="2" charset="-78"/>
+              </a:rPr>
+              <a:t>Updated , Inserted </a:t>
+            </a:r>
+            <a:r>
+              <a:rPr lang="fa-IR" sz="1600" dirty="0">
+                <a:cs typeface="2  Mitra" panose="00000400000000000000" pitchFamily="2" charset="-78"/>
+              </a:rPr>
+              <a:t>و </a:t>
+            </a:r>
+            <a:r>
+              <a:rPr lang="en-US" sz="1600" dirty="0">
+                <a:cs typeface="2  Mitra" panose="00000400000000000000" pitchFamily="2" charset="-78"/>
+              </a:rPr>
+              <a:t>Deleted </a:t>
+            </a:r>
+            <a:r>
+              <a:rPr lang="fa-IR" sz="1600" dirty="0">
+                <a:cs typeface="2  Mitra" panose="00000400000000000000" pitchFamily="2" charset="-78"/>
+              </a:rPr>
+              <a:t>خوانده می شود</a:t>
+            </a:r>
+            <a:r>
+              <a:rPr lang="fa-IR" sz="1600" dirty="0" smtClean="0">
+                <a:cs typeface="2  Mitra" panose="00000400000000000000" pitchFamily="2" charset="-78"/>
+              </a:rPr>
+              <a:t>)</a:t>
+            </a:r>
+            <a:endParaRPr lang="en-US" sz="1600" dirty="0" smtClean="0">
+              <a:cs typeface="2  Mitra" panose="00000400000000000000" pitchFamily="2" charset="-78"/>
+            </a:endParaRPr>
+          </a:p>
+          <a:p>
+            <a:pPr marL="285750" indent="-285750" algn="just" rtl="1">
+              <a:buFont typeface="Wingdings" panose="05000000000000000000" pitchFamily="2" charset="2"/>
+              <a:buChar char="q"/>
+            </a:pPr>
+            <a:r>
+              <a:rPr lang="fa-IR" sz="1600" dirty="0">
+                <a:cs typeface="2  Mitra" panose="00000400000000000000" pitchFamily="2" charset="-78"/>
+              </a:rPr>
+              <a:t>عبارت </a:t>
+            </a:r>
+            <a:r>
+              <a:rPr lang="en-US" sz="1600" dirty="0">
+                <a:cs typeface="2  Mitra" panose="00000400000000000000" pitchFamily="2" charset="-78"/>
+              </a:rPr>
+              <a:t>FOR EACH ROW </a:t>
+            </a:r>
+            <a:r>
+              <a:rPr lang="fa-IR" sz="1600" dirty="0">
+                <a:cs typeface="2  Mitra" panose="00000400000000000000" pitchFamily="2" charset="-78"/>
+              </a:rPr>
+              <a:t>حاکی از این است که تریگرها روی سطرهای جدول اجرا می شوند نه روی تمام جدول</a:t>
+            </a:r>
+            <a:r>
+              <a:rPr lang="fa-IR" sz="1600" dirty="0" smtClean="0">
+                <a:cs typeface="2  Mitra" panose="00000400000000000000" pitchFamily="2" charset="-78"/>
+              </a:rPr>
+              <a:t>.</a:t>
+            </a:r>
+          </a:p>
+          <a:p>
+            <a:pPr marL="285750" indent="-285750" algn="just" rtl="1">
+              <a:buFont typeface="Wingdings" panose="05000000000000000000" pitchFamily="2" charset="2"/>
+              <a:buChar char="q"/>
+            </a:pPr>
+            <a:r>
+              <a:rPr lang="en-US" sz="1600" dirty="0">
+                <a:cs typeface="2  Mitra" panose="00000400000000000000" pitchFamily="2" charset="-78"/>
+              </a:rPr>
+              <a:t>NEW </a:t>
+            </a:r>
+            <a:r>
+              <a:rPr lang="fa-IR" sz="1600" dirty="0">
+                <a:cs typeface="2  Mitra" panose="00000400000000000000" pitchFamily="2" charset="-78"/>
+              </a:rPr>
+              <a:t>مقدار جدید و </a:t>
+            </a:r>
+            <a:r>
+              <a:rPr lang="en-US" sz="1600" dirty="0">
+                <a:cs typeface="2  Mitra" panose="00000400000000000000" pitchFamily="2" charset="-78"/>
+              </a:rPr>
+              <a:t>OLD </a:t>
+            </a:r>
+            <a:r>
+              <a:rPr lang="fa-IR" sz="1600" dirty="0">
+                <a:cs typeface="2  Mitra" panose="00000400000000000000" pitchFamily="2" charset="-78"/>
+              </a:rPr>
+              <a:t>نمایانگر مقدار قدیمی </a:t>
+            </a:r>
+            <a:r>
+              <a:rPr lang="fa-IR" sz="1600" dirty="0" smtClean="0">
+                <a:cs typeface="2  Mitra" panose="00000400000000000000" pitchFamily="2" charset="-78"/>
+              </a:rPr>
+              <a:t>است.</a:t>
+            </a:r>
+          </a:p>
+          <a:p>
+            <a:pPr algn="r" rtl="1"/>
+            <a:r>
+              <a:rPr lang="fa-IR" sz="1600" dirty="0">
+                <a:solidFill>
+                  <a:schemeClr val="accent2">
+                    <a:lumMod val="75000"/>
+                  </a:schemeClr>
+                </a:solidFill>
+                <a:cs typeface="2  Mitra" panose="00000400000000000000" pitchFamily="2" charset="-78"/>
+              </a:rPr>
+              <a:t>مهمترین کاربر </a:t>
+            </a:r>
+            <a:r>
+              <a:rPr lang="en-US" sz="1600" dirty="0">
+                <a:solidFill>
+                  <a:schemeClr val="accent2">
+                    <a:lumMod val="75000"/>
+                  </a:schemeClr>
+                </a:solidFill>
+                <a:cs typeface="2  Mitra" panose="00000400000000000000" pitchFamily="2" charset="-78"/>
+              </a:rPr>
+              <a:t>Trigger </a:t>
+            </a:r>
+            <a:r>
+              <a:rPr lang="fa-IR" sz="1600" dirty="0">
+                <a:solidFill>
+                  <a:schemeClr val="accent2">
+                    <a:lumMod val="75000"/>
+                  </a:schemeClr>
+                </a:solidFill>
+                <a:cs typeface="2  Mitra" panose="00000400000000000000" pitchFamily="2" charset="-78"/>
+              </a:rPr>
+              <a:t>ها به شرح زیر است :</a:t>
+            </a:r>
+          </a:p>
+          <a:p>
+            <a:pPr marL="285750" indent="-285750" algn="r" rtl="1">
+              <a:buFont typeface="Wingdings" panose="05000000000000000000" pitchFamily="2" charset="2"/>
+              <a:buChar char="ü"/>
+            </a:pPr>
+            <a:r>
+              <a:rPr lang="fa-IR" sz="1600" dirty="0">
+                <a:cs typeface="2  Mitra" panose="00000400000000000000" pitchFamily="2" charset="-78"/>
+              </a:rPr>
+              <a:t>جلوگیری از ورود داده های نا معتبر</a:t>
+            </a:r>
+          </a:p>
+          <a:p>
+            <a:pPr marL="285750" indent="-285750" algn="r" rtl="1">
+              <a:buFont typeface="Wingdings" panose="05000000000000000000" pitchFamily="2" charset="2"/>
+              <a:buChar char="ü"/>
+            </a:pPr>
+            <a:r>
+              <a:rPr lang="fa-IR" sz="1600" dirty="0">
+                <a:cs typeface="2  Mitra" panose="00000400000000000000" pitchFamily="2" charset="-78"/>
+              </a:rPr>
+              <a:t>لاگ نمودن تراکنش ها</a:t>
+            </a:r>
+          </a:p>
+          <a:p>
+            <a:pPr marL="285750" indent="-285750" algn="r" rtl="1">
+              <a:buFont typeface="Wingdings" panose="05000000000000000000" pitchFamily="2" charset="2"/>
+              <a:buChar char="ü"/>
+            </a:pPr>
+            <a:r>
+              <a:rPr lang="fa-IR" sz="1600" dirty="0">
+                <a:cs typeface="2  Mitra" panose="00000400000000000000" pitchFamily="2" charset="-78"/>
+              </a:rPr>
+              <a:t>حذف یا به روز رسانی رکورد ها در جداول مرتبط</a:t>
+            </a:r>
+          </a:p>
+          <a:p>
+            <a:pPr marL="285750" indent="-285750" algn="r" rtl="1">
+              <a:buFont typeface="Wingdings" panose="05000000000000000000" pitchFamily="2" charset="2"/>
+              <a:buChar char="ü"/>
+            </a:pPr>
+            <a:r>
+              <a:rPr lang="fa-IR" sz="1600" dirty="0">
+                <a:cs typeface="2  Mitra" panose="00000400000000000000" pitchFamily="2" charset="-78"/>
+              </a:rPr>
+              <a:t>بالا بردن کارایی سیستم</a:t>
+            </a:r>
+          </a:p>
+          <a:p>
+            <a:pPr marL="285750" indent="-285750" algn="r" rtl="1">
+              <a:buFont typeface="Wingdings" panose="05000000000000000000" pitchFamily="2" charset="2"/>
+              <a:buChar char="ü"/>
+            </a:pPr>
+            <a:r>
+              <a:rPr lang="fa-IR" sz="1600" dirty="0">
+                <a:cs typeface="2  Mitra" panose="00000400000000000000" pitchFamily="2" charset="-78"/>
+              </a:rPr>
+              <a:t>تغییر و جایگزینی یک </a:t>
+            </a:r>
+            <a:r>
+              <a:rPr lang="fa-IR" sz="1600" dirty="0" smtClean="0">
+                <a:cs typeface="2  Mitra" panose="00000400000000000000" pitchFamily="2" charset="-78"/>
+              </a:rPr>
+              <a:t>تراکنش</a:t>
+            </a:r>
+            <a:endParaRPr lang="fa-IR" sz="1600" dirty="0">
+              <a:cs typeface="2  Mitra" panose="00000400000000000000" pitchFamily="2" charset="-78"/>
+            </a:endParaRPr>
+          </a:p>
+        </p:txBody>
+      </p:sp>
       <p:cxnSp>
         <p:nvCxnSpPr>
-          <p:cNvPr id="7" name="Straight Connector 6"/>
+          <p:cNvPr id="5" name="Straight Connector 4"/>
           <p:cNvCxnSpPr/>
           <p:nvPr/>
         </p:nvCxnSpPr>
         <p:spPr>
           <a:xfrm>
-            <a:off x="1066800" y="533400"/>
-            <a:ext cx="7620000" cy="0"/>
+            <a:off x="990600" y="533400"/>
+            <a:ext cx="7696200" cy="0"/>
           </a:xfrm>
           <a:prstGeom prst="line">
             <a:avLst/>
@@ -5123,14 +5633,14 @@
       </p:cxnSp>
       <p:sp>
         <p:nvSpPr>
-          <p:cNvPr id="8" name="TextBox 7"/>
+          <p:cNvPr id="6" name="TextBox 5"/>
           <p:cNvSpPr txBox="1"/>
           <p:nvPr/>
         </p:nvSpPr>
         <p:spPr>
           <a:xfrm>
             <a:off x="990600" y="194846"/>
-            <a:ext cx="2743200" cy="338554"/>
+            <a:ext cx="7772400" cy="338554"/>
           </a:xfrm>
           <a:prstGeom prst="rect">
             <a:avLst/>
@@ -5151,7 +5661,7 @@
                   </a:schemeClr>
                 </a:solidFill>
               </a:rPr>
-              <a:t>Function</a:t>
+              <a:t>Trigger</a:t>
             </a:r>
             <a:endParaRPr lang="en-US" sz="1600" b="1" dirty="0">
               <a:solidFill>
@@ -5163,10 +5673,93 @@
           </a:p>
         </p:txBody>
       </p:sp>
+      <p:sp>
+        <p:nvSpPr>
+          <p:cNvPr id="2" name="TextBox 1"/>
+          <p:cNvSpPr txBox="1"/>
+          <p:nvPr/>
+        </p:nvSpPr>
+        <p:spPr>
+          <a:xfrm>
+            <a:off x="1143000" y="3200400"/>
+            <a:ext cx="2362200" cy="2031325"/>
+          </a:xfrm>
+          <a:prstGeom prst="rect">
+            <a:avLst/>
+          </a:prstGeom>
+          <a:noFill/>
+        </p:spPr>
+        <p:txBody>
+          <a:bodyPr wrap="square" rtlCol="0">
+            <a:spAutoFit/>
+          </a:bodyPr>
+          <a:lstStyle/>
+          <a:p>
+            <a:r>
+              <a:rPr lang="en-US" dirty="0" smtClean="0"/>
+              <a:t>Types:</a:t>
+            </a:r>
+          </a:p>
+          <a:p>
+            <a:r>
+              <a:rPr lang="en-US" dirty="0" smtClean="0"/>
+              <a:t>before insert</a:t>
+            </a:r>
+          </a:p>
+          <a:p>
+            <a:r>
+              <a:rPr lang="en-US" dirty="0"/>
+              <a:t>before </a:t>
+            </a:r>
+            <a:r>
+              <a:rPr lang="en-US" dirty="0" smtClean="0"/>
+              <a:t>update</a:t>
+            </a:r>
+            <a:endParaRPr lang="en-US" dirty="0"/>
+          </a:p>
+          <a:p>
+            <a:r>
+              <a:rPr lang="en-US" dirty="0"/>
+              <a:t>before </a:t>
+            </a:r>
+            <a:r>
+              <a:rPr lang="en-US" dirty="0" smtClean="0"/>
+              <a:t>delete</a:t>
+            </a:r>
+          </a:p>
+          <a:p>
+            <a:r>
+              <a:rPr lang="en-US" dirty="0" smtClean="0"/>
+              <a:t>after insert</a:t>
+            </a:r>
+          </a:p>
+          <a:p>
+            <a:r>
+              <a:rPr lang="en-US" dirty="0"/>
+              <a:t>a</a:t>
+            </a:r>
+            <a:r>
+              <a:rPr lang="en-US" dirty="0" smtClean="0"/>
+              <a:t>fter update</a:t>
+            </a:r>
+          </a:p>
+          <a:p>
+            <a:r>
+              <a:rPr lang="en-US" dirty="0"/>
+              <a:t>a</a:t>
+            </a:r>
+            <a:r>
+              <a:rPr lang="en-US" dirty="0" smtClean="0"/>
+              <a:t>fter delete </a:t>
+            </a:r>
+            <a:endParaRPr lang="en-US" dirty="0"/>
+          </a:p>
+        </p:txBody>
+      </p:sp>
     </p:spTree>
     <p:extLst>
       <p:ext uri="{BB962C8B-B14F-4D97-AF65-F5344CB8AC3E}">
-        <p14:creationId xmlns:p14="http://schemas.microsoft.com/office/powerpoint/2010/main" val="445752417"/>
+        <p14:creationId xmlns:p14="http://schemas.microsoft.com/office/powerpoint/2010/main" val="4111544151"/>
       </p:ext>
     </p:extLst>
   </p:cSld>
@@ -5195,7 +5788,7 @@
       </p:grpSpPr>
       <p:pic>
         <p:nvPicPr>
-          <p:cNvPr id="4098" name="Picture 2"/>
+          <p:cNvPr id="3074" name="Picture 2"/>
           <p:cNvPicPr>
             <a:picLocks noChangeAspect="1" noChangeArrowheads="1"/>
           </p:cNvPicPr>
@@ -5216,8 +5809,8 @@
         </p:blipFill>
         <p:spPr bwMode="auto">
           <a:xfrm>
-            <a:off x="990600" y="648012"/>
-            <a:ext cx="2209800" cy="2927985"/>
+            <a:off x="1066800" y="609600"/>
+            <a:ext cx="4724400" cy="1496999"/>
           </a:xfrm>
           <a:prstGeom prst="rect">
             <a:avLst/>
@@ -5247,114 +5840,6 @@
           </a:extLst>
         </p:spPr>
       </p:pic>
-      <p:pic>
-        <p:nvPicPr>
-          <p:cNvPr id="4099" name="Picture 3"/>
-          <p:cNvPicPr>
-            <a:picLocks noChangeAspect="1" noChangeArrowheads="1"/>
-          </p:cNvPicPr>
-          <p:nvPr/>
-        </p:nvPicPr>
-        <p:blipFill>
-          <a:blip r:embed="rId3">
-            <a:extLst>
-              <a:ext uri="{28A0092B-C50C-407E-A947-70E740481C1C}">
-                <a14:useLocalDpi xmlns:a14="http://schemas.microsoft.com/office/drawing/2010/main" val="0"/>
-              </a:ext>
-            </a:extLst>
-          </a:blip>
-          <a:srcRect/>
-          <a:stretch>
-            <a:fillRect/>
-          </a:stretch>
-        </p:blipFill>
-        <p:spPr bwMode="auto">
-          <a:xfrm>
-            <a:off x="2514600" y="656872"/>
-            <a:ext cx="5876925" cy="2305460"/>
-          </a:xfrm>
-          <a:prstGeom prst="rect">
-            <a:avLst/>
-          </a:prstGeom>
-          <a:noFill/>
-          <a:ln>
-            <a:noFill/>
-          </a:ln>
-          <a:extLst>
-            <a:ext uri="{909E8E84-426E-40DD-AFC4-6F175D3DCCD1}">
-              <a14:hiddenFill xmlns:a14="http://schemas.microsoft.com/office/drawing/2010/main">
-                <a:solidFill>
-                  <a:schemeClr val="accent1"/>
-                </a:solidFill>
-              </a14:hiddenFill>
-            </a:ext>
-            <a:ext uri="{91240B29-F687-4F45-9708-019B960494DF}">
-              <a14:hiddenLine xmlns:a14="http://schemas.microsoft.com/office/drawing/2010/main" w="9525">
-                <a:solidFill>
-                  <a:schemeClr val="tx1"/>
-                </a:solidFill>
-                <a:miter lim="800000"/>
-                <a:headEnd/>
-                <a:tailEnd/>
-              </a14:hiddenLine>
-            </a:ext>
-          </a:extLst>
-        </p:spPr>
-      </p:pic>
-      <p:pic>
-        <p:nvPicPr>
-          <p:cNvPr id="4100" name="Picture 4"/>
-          <p:cNvPicPr>
-            <a:picLocks noChangeAspect="1" noChangeArrowheads="1"/>
-          </p:cNvPicPr>
-          <p:nvPr/>
-        </p:nvPicPr>
-        <p:blipFill>
-          <a:blip r:embed="rId4">
-            <a:extLst>
-              <a:ext uri="{28A0092B-C50C-407E-A947-70E740481C1C}">
-                <a14:useLocalDpi xmlns:a14="http://schemas.microsoft.com/office/drawing/2010/main" val="0"/>
-              </a:ext>
-            </a:extLst>
-          </a:blip>
-          <a:srcRect/>
-          <a:stretch>
-            <a:fillRect/>
-          </a:stretch>
-        </p:blipFill>
-        <p:spPr bwMode="auto">
-          <a:xfrm>
-            <a:off x="3482162" y="3086412"/>
-            <a:ext cx="3895725" cy="2171388"/>
-          </a:xfrm>
-          <a:prstGeom prst="rect">
-            <a:avLst/>
-          </a:prstGeom>
-          <a:noFill/>
-          <a:ln>
-            <a:noFill/>
-          </a:ln>
-          <a:extLst>
-            <a:ext uri="{909E8E84-426E-40DD-AFC4-6F175D3DCCD1}">
-              <a14:hiddenFill xmlns:a14="http://schemas.microsoft.com/office/drawing/2010/main">
-                <a:solidFill>
-                  <a:schemeClr val="accent1"/>
-                </a:solidFill>
-              </a14:hiddenFill>
-            </a:ext>
-            <a:ext uri="{91240B29-F687-4F45-9708-019B960494DF}">
-              <a14:hiddenLine xmlns:a14="http://schemas.microsoft.com/office/drawing/2010/main" w="9525">
-                <a:solidFill>
-                  <a:schemeClr val="tx1"/>
-                </a:solidFill>
-                <a:miter lim="800000"/>
-                <a:headEnd/>
-                <a:tailEnd/>
-              </a14:hiddenLine>
-            </a:ext>
-          </a:extLst>
-        </p:spPr>
-      </p:pic>
       <p:cxnSp>
         <p:nvCxnSpPr>
           <p:cNvPr id="5" name="Straight Connector 4"/>
@@ -5363,8 +5848,8 @@
         </p:nvCxnSpPr>
         <p:spPr>
           <a:xfrm>
-            <a:off x="1066800" y="533400"/>
-            <a:ext cx="7620000" cy="0"/>
+            <a:off x="990600" y="533400"/>
+            <a:ext cx="7696200" cy="0"/>
           </a:xfrm>
           <a:prstGeom prst="line">
             <a:avLst/>
@@ -5394,14 +5879,14 @@
       </p:cxnSp>
       <p:sp>
         <p:nvSpPr>
-          <p:cNvPr id="7" name="TextBox 6"/>
+          <p:cNvPr id="6" name="TextBox 5"/>
           <p:cNvSpPr txBox="1"/>
           <p:nvPr/>
         </p:nvSpPr>
         <p:spPr>
           <a:xfrm>
             <a:off x="990600" y="194846"/>
-            <a:ext cx="2743200" cy="338554"/>
+            <a:ext cx="7772400" cy="338554"/>
           </a:xfrm>
           <a:prstGeom prst="rect">
             <a:avLst/>
@@ -5422,7 +5907,7 @@
                   </a:schemeClr>
                 </a:solidFill>
               </a:rPr>
-              <a:t>Store Procedure</a:t>
+              <a:t>Trigger</a:t>
             </a:r>
             <a:endParaRPr lang="en-US" sz="1600" b="1" dirty="0">
               <a:solidFill>
@@ -5434,10 +5919,877 @@
           </a:p>
         </p:txBody>
       </p:sp>
+      <p:pic>
+        <p:nvPicPr>
+          <p:cNvPr id="3075" name="Picture 3"/>
+          <p:cNvPicPr>
+            <a:picLocks noChangeAspect="1" noChangeArrowheads="1"/>
+          </p:cNvPicPr>
+          <p:nvPr/>
+        </p:nvPicPr>
+        <p:blipFill>
+          <a:blip r:embed="rId3">
+            <a:extLst>
+              <a:ext uri="{28A0092B-C50C-407E-A947-70E740481C1C}">
+                <a14:useLocalDpi xmlns:a14="http://schemas.microsoft.com/office/drawing/2010/main" val="0"/>
+              </a:ext>
+            </a:extLst>
+          </a:blip>
+          <a:srcRect/>
+          <a:stretch>
+            <a:fillRect/>
+          </a:stretch>
+        </p:blipFill>
+        <p:spPr bwMode="auto">
+          <a:xfrm>
+            <a:off x="1081087" y="2209800"/>
+            <a:ext cx="7681913" cy="347961"/>
+          </a:xfrm>
+          <a:prstGeom prst="rect">
+            <a:avLst/>
+          </a:prstGeom>
+          <a:noFill/>
+          <a:ln>
+            <a:noFill/>
+          </a:ln>
+          <a:extLst>
+            <a:ext uri="{909E8E84-426E-40DD-AFC4-6F175D3DCCD1}">
+              <a14:hiddenFill xmlns:a14="http://schemas.microsoft.com/office/drawing/2010/main">
+                <a:solidFill>
+                  <a:schemeClr val="accent1"/>
+                </a:solidFill>
+              </a14:hiddenFill>
+            </a:ext>
+            <a:ext uri="{91240B29-F687-4F45-9708-019B960494DF}">
+              <a14:hiddenLine xmlns:a14="http://schemas.microsoft.com/office/drawing/2010/main" w="9525">
+                <a:solidFill>
+                  <a:schemeClr val="tx1"/>
+                </a:solidFill>
+                <a:miter lim="800000"/>
+                <a:headEnd/>
+                <a:tailEnd/>
+              </a14:hiddenLine>
+            </a:ext>
+          </a:extLst>
+        </p:spPr>
+      </p:pic>
     </p:spTree>
     <p:extLst>
       <p:ext uri="{BB962C8B-B14F-4D97-AF65-F5344CB8AC3E}">
-        <p14:creationId xmlns:p14="http://schemas.microsoft.com/office/powerpoint/2010/main" val="2426627036"/>
+        <p14:creationId xmlns:p14="http://schemas.microsoft.com/office/powerpoint/2010/main" val="3752396430"/>
+      </p:ext>
+    </p:extLst>
+  </p:cSld>
+  <p:clrMapOvr>
+    <a:masterClrMapping/>
+  </p:clrMapOvr>
+</p:sld>
+</file>
+
+<file path=ppt/slides/slide15.xml><?xml version="1.0" encoding="utf-8"?>
+<p:sld xmlns:a="http://schemas.openxmlformats.org/drawingml/2006/main" xmlns:r="http://schemas.openxmlformats.org/officeDocument/2006/relationships" xmlns:p="http://schemas.openxmlformats.org/presentationml/2006/main">
+  <p:cSld>
+    <p:spTree>
+      <p:nvGrpSpPr>
+        <p:cNvPr id="1" name=""/>
+        <p:cNvGrpSpPr/>
+        <p:nvPr/>
+      </p:nvGrpSpPr>
+      <p:grpSpPr>
+        <a:xfrm>
+          <a:off x="0" y="0"/>
+          <a:ext cx="0" cy="0"/>
+          <a:chOff x="0" y="0"/>
+          <a:chExt cx="0" cy="0"/>
+        </a:xfrm>
+      </p:grpSpPr>
+      <p:cxnSp>
+        <p:nvCxnSpPr>
+          <p:cNvPr id="2" name="Straight Connector 1"/>
+          <p:cNvCxnSpPr/>
+          <p:nvPr/>
+        </p:nvCxnSpPr>
+        <p:spPr>
+          <a:xfrm>
+            <a:off x="990600" y="533400"/>
+            <a:ext cx="7696200" cy="0"/>
+          </a:xfrm>
+          <a:prstGeom prst="line">
+            <a:avLst/>
+          </a:prstGeom>
+          <a:ln>
+            <a:solidFill>
+              <a:schemeClr val="accent2">
+                <a:lumMod val="75000"/>
+              </a:schemeClr>
+            </a:solidFill>
+          </a:ln>
+        </p:spPr>
+        <p:style>
+          <a:lnRef idx="1">
+            <a:schemeClr val="accent3"/>
+          </a:lnRef>
+          <a:fillRef idx="0">
+            <a:schemeClr val="accent3"/>
+          </a:fillRef>
+          <a:effectRef idx="0">
+            <a:schemeClr val="accent3"/>
+          </a:effectRef>
+          <a:fontRef idx="minor">
+            <a:schemeClr val="tx1"/>
+          </a:fontRef>
+        </p:style>
+      </p:cxnSp>
+      <p:sp>
+        <p:nvSpPr>
+          <p:cNvPr id="3" name="TextBox 2"/>
+          <p:cNvSpPr txBox="1"/>
+          <p:nvPr/>
+        </p:nvSpPr>
+        <p:spPr>
+          <a:xfrm>
+            <a:off x="990600" y="194846"/>
+            <a:ext cx="7772400" cy="338554"/>
+          </a:xfrm>
+          <a:prstGeom prst="rect">
+            <a:avLst/>
+          </a:prstGeom>
+          <a:noFill/>
+        </p:spPr>
+        <p:txBody>
+          <a:bodyPr wrap="square" rtlCol="0">
+            <a:spAutoFit/>
+          </a:bodyPr>
+          <a:lstStyle/>
+          <a:p>
+            <a:r>
+              <a:rPr lang="en-US" sz="1600" b="1" dirty="0" smtClean="0">
+                <a:solidFill>
+                  <a:schemeClr val="accent2">
+                    <a:lumMod val="75000"/>
+                  </a:schemeClr>
+                </a:solidFill>
+              </a:rPr>
+              <a:t>Trigger</a:t>
+            </a:r>
+            <a:endParaRPr lang="en-US" sz="1600" b="1" dirty="0">
+              <a:solidFill>
+                <a:schemeClr val="accent2">
+                  <a:lumMod val="75000"/>
+                </a:schemeClr>
+              </a:solidFill>
+            </a:endParaRPr>
+          </a:p>
+        </p:txBody>
+      </p:sp>
+      <p:pic>
+        <p:nvPicPr>
+          <p:cNvPr id="4098" name="Picture 2"/>
+          <p:cNvPicPr>
+            <a:picLocks noChangeAspect="1" noChangeArrowheads="1"/>
+          </p:cNvPicPr>
+          <p:nvPr/>
+        </p:nvPicPr>
+        <p:blipFill>
+          <a:blip r:embed="rId2">
+            <a:extLst>
+              <a:ext uri="{28A0092B-C50C-407E-A947-70E740481C1C}">
+                <a14:useLocalDpi xmlns:a14="http://schemas.microsoft.com/office/drawing/2010/main" val="0"/>
+              </a:ext>
+            </a:extLst>
+          </a:blip>
+          <a:srcRect/>
+          <a:stretch>
+            <a:fillRect/>
+          </a:stretch>
+        </p:blipFill>
+        <p:spPr bwMode="auto">
+          <a:xfrm>
+            <a:off x="990600" y="838200"/>
+            <a:ext cx="7391400" cy="3593042"/>
+          </a:xfrm>
+          <a:prstGeom prst="rect">
+            <a:avLst/>
+          </a:prstGeom>
+          <a:noFill/>
+          <a:ln>
+            <a:noFill/>
+          </a:ln>
+          <a:extLst>
+            <a:ext uri="{909E8E84-426E-40DD-AFC4-6F175D3DCCD1}">
+              <a14:hiddenFill xmlns:a14="http://schemas.microsoft.com/office/drawing/2010/main">
+                <a:solidFill>
+                  <a:schemeClr val="accent1"/>
+                </a:solidFill>
+              </a14:hiddenFill>
+            </a:ext>
+            <a:ext uri="{91240B29-F687-4F45-9708-019B960494DF}">
+              <a14:hiddenLine xmlns:a14="http://schemas.microsoft.com/office/drawing/2010/main" w="9525">
+                <a:solidFill>
+                  <a:schemeClr val="tx1"/>
+                </a:solidFill>
+                <a:miter lim="800000"/>
+                <a:headEnd/>
+                <a:tailEnd/>
+              </a14:hiddenLine>
+            </a:ext>
+          </a:extLst>
+        </p:spPr>
+      </p:pic>
+    </p:spTree>
+    <p:extLst>
+      <p:ext uri="{BB962C8B-B14F-4D97-AF65-F5344CB8AC3E}">
+        <p14:creationId xmlns:p14="http://schemas.microsoft.com/office/powerpoint/2010/main" val="454654600"/>
+      </p:ext>
+    </p:extLst>
+  </p:cSld>
+  <p:clrMapOvr>
+    <a:masterClrMapping/>
+  </p:clrMapOvr>
+</p:sld>
+</file>
+
+<file path=ppt/slides/slide16.xml><?xml version="1.0" encoding="utf-8"?>
+<p:sld xmlns:a="http://schemas.openxmlformats.org/drawingml/2006/main" xmlns:r="http://schemas.openxmlformats.org/officeDocument/2006/relationships" xmlns:p="http://schemas.openxmlformats.org/presentationml/2006/main">
+  <p:cSld>
+    <p:spTree>
+      <p:nvGrpSpPr>
+        <p:cNvPr id="1" name=""/>
+        <p:cNvGrpSpPr/>
+        <p:nvPr/>
+      </p:nvGrpSpPr>
+      <p:grpSpPr>
+        <a:xfrm>
+          <a:off x="0" y="0"/>
+          <a:ext cx="0" cy="0"/>
+          <a:chOff x="0" y="0"/>
+          <a:chExt cx="0" cy="0"/>
+        </a:xfrm>
+      </p:grpSpPr>
+      <p:cxnSp>
+        <p:nvCxnSpPr>
+          <p:cNvPr id="2" name="Straight Connector 1"/>
+          <p:cNvCxnSpPr/>
+          <p:nvPr/>
+        </p:nvCxnSpPr>
+        <p:spPr>
+          <a:xfrm>
+            <a:off x="990600" y="533400"/>
+            <a:ext cx="7696200" cy="0"/>
+          </a:xfrm>
+          <a:prstGeom prst="line">
+            <a:avLst/>
+          </a:prstGeom>
+          <a:ln>
+            <a:solidFill>
+              <a:schemeClr val="accent2">
+                <a:lumMod val="75000"/>
+              </a:schemeClr>
+            </a:solidFill>
+          </a:ln>
+        </p:spPr>
+        <p:style>
+          <a:lnRef idx="1">
+            <a:schemeClr val="accent3"/>
+          </a:lnRef>
+          <a:fillRef idx="0">
+            <a:schemeClr val="accent3"/>
+          </a:fillRef>
+          <a:effectRef idx="0">
+            <a:schemeClr val="accent3"/>
+          </a:effectRef>
+          <a:fontRef idx="minor">
+            <a:schemeClr val="tx1"/>
+          </a:fontRef>
+        </p:style>
+      </p:cxnSp>
+      <p:sp>
+        <p:nvSpPr>
+          <p:cNvPr id="3" name="TextBox 2"/>
+          <p:cNvSpPr txBox="1"/>
+          <p:nvPr/>
+        </p:nvSpPr>
+        <p:spPr>
+          <a:xfrm>
+            <a:off x="990600" y="194846"/>
+            <a:ext cx="7772400" cy="338554"/>
+          </a:xfrm>
+          <a:prstGeom prst="rect">
+            <a:avLst/>
+          </a:prstGeom>
+          <a:noFill/>
+        </p:spPr>
+        <p:txBody>
+          <a:bodyPr wrap="square" rtlCol="0">
+            <a:spAutoFit/>
+          </a:bodyPr>
+          <a:lstStyle/>
+          <a:p>
+            <a:r>
+              <a:rPr lang="en-US" sz="1600" b="1" dirty="0" smtClean="0">
+                <a:solidFill>
+                  <a:schemeClr val="accent2">
+                    <a:lumMod val="75000"/>
+                  </a:schemeClr>
+                </a:solidFill>
+              </a:rPr>
+              <a:t>Trigger</a:t>
+            </a:r>
+            <a:endParaRPr lang="en-US" sz="1600" b="1" dirty="0">
+              <a:solidFill>
+                <a:schemeClr val="accent2">
+                  <a:lumMod val="75000"/>
+                </a:schemeClr>
+              </a:solidFill>
+            </a:endParaRPr>
+          </a:p>
+        </p:txBody>
+      </p:sp>
+      <p:pic>
+        <p:nvPicPr>
+          <p:cNvPr id="2055" name="Picture 7"/>
+          <p:cNvPicPr>
+            <a:picLocks noChangeAspect="1" noChangeArrowheads="1"/>
+          </p:cNvPicPr>
+          <p:nvPr/>
+        </p:nvPicPr>
+        <p:blipFill>
+          <a:blip r:embed="rId2">
+            <a:extLst>
+              <a:ext uri="{28A0092B-C50C-407E-A947-70E740481C1C}">
+                <a14:useLocalDpi xmlns:a14="http://schemas.microsoft.com/office/drawing/2010/main" val="0"/>
+              </a:ext>
+            </a:extLst>
+          </a:blip>
+          <a:srcRect/>
+          <a:stretch>
+            <a:fillRect/>
+          </a:stretch>
+        </p:blipFill>
+        <p:spPr bwMode="auto">
+          <a:xfrm>
+            <a:off x="1066799" y="762000"/>
+            <a:ext cx="7307417" cy="3581400"/>
+          </a:xfrm>
+          <a:prstGeom prst="rect">
+            <a:avLst/>
+          </a:prstGeom>
+          <a:noFill/>
+          <a:ln>
+            <a:noFill/>
+          </a:ln>
+          <a:extLst>
+            <a:ext uri="{909E8E84-426E-40DD-AFC4-6F175D3DCCD1}">
+              <a14:hiddenFill xmlns:a14="http://schemas.microsoft.com/office/drawing/2010/main">
+                <a:solidFill>
+                  <a:schemeClr val="accent1"/>
+                </a:solidFill>
+              </a14:hiddenFill>
+            </a:ext>
+            <a:ext uri="{91240B29-F687-4F45-9708-019B960494DF}">
+              <a14:hiddenLine xmlns:a14="http://schemas.microsoft.com/office/drawing/2010/main" w="9525">
+                <a:solidFill>
+                  <a:schemeClr val="tx1"/>
+                </a:solidFill>
+                <a:miter lim="800000"/>
+                <a:headEnd/>
+                <a:tailEnd/>
+              </a14:hiddenLine>
+            </a:ext>
+          </a:extLst>
+        </p:spPr>
+      </p:pic>
+    </p:spTree>
+    <p:extLst>
+      <p:ext uri="{BB962C8B-B14F-4D97-AF65-F5344CB8AC3E}">
+        <p14:creationId xmlns:p14="http://schemas.microsoft.com/office/powerpoint/2010/main" val="3028700020"/>
+      </p:ext>
+    </p:extLst>
+  </p:cSld>
+  <p:clrMapOvr>
+    <a:masterClrMapping/>
+  </p:clrMapOvr>
+</p:sld>
+</file>
+
+<file path=ppt/slides/slide17.xml><?xml version="1.0" encoding="utf-8"?>
+<p:sld xmlns:a="http://schemas.openxmlformats.org/drawingml/2006/main" xmlns:r="http://schemas.openxmlformats.org/officeDocument/2006/relationships" xmlns:p="http://schemas.openxmlformats.org/presentationml/2006/main">
+  <p:cSld>
+    <p:spTree>
+      <p:nvGrpSpPr>
+        <p:cNvPr id="1" name=""/>
+        <p:cNvGrpSpPr/>
+        <p:nvPr/>
+      </p:nvGrpSpPr>
+      <p:grpSpPr>
+        <a:xfrm>
+          <a:off x="0" y="0"/>
+          <a:ext cx="0" cy="0"/>
+          <a:chOff x="0" y="0"/>
+          <a:chExt cx="0" cy="0"/>
+        </a:xfrm>
+      </p:grpSpPr>
+      <p:cxnSp>
+        <p:nvCxnSpPr>
+          <p:cNvPr id="2" name="Straight Connector 1"/>
+          <p:cNvCxnSpPr/>
+          <p:nvPr/>
+        </p:nvCxnSpPr>
+        <p:spPr>
+          <a:xfrm>
+            <a:off x="990600" y="533400"/>
+            <a:ext cx="7696200" cy="0"/>
+          </a:xfrm>
+          <a:prstGeom prst="line">
+            <a:avLst/>
+          </a:prstGeom>
+          <a:ln>
+            <a:solidFill>
+              <a:schemeClr val="accent2">
+                <a:lumMod val="75000"/>
+              </a:schemeClr>
+            </a:solidFill>
+          </a:ln>
+        </p:spPr>
+        <p:style>
+          <a:lnRef idx="1">
+            <a:schemeClr val="accent3"/>
+          </a:lnRef>
+          <a:fillRef idx="0">
+            <a:schemeClr val="accent3"/>
+          </a:fillRef>
+          <a:effectRef idx="0">
+            <a:schemeClr val="accent3"/>
+          </a:effectRef>
+          <a:fontRef idx="minor">
+            <a:schemeClr val="tx1"/>
+          </a:fontRef>
+        </p:style>
+      </p:cxnSp>
+      <p:sp>
+        <p:nvSpPr>
+          <p:cNvPr id="3" name="TextBox 2"/>
+          <p:cNvSpPr txBox="1"/>
+          <p:nvPr/>
+        </p:nvSpPr>
+        <p:spPr>
+          <a:xfrm>
+            <a:off x="990600" y="194846"/>
+            <a:ext cx="7772400" cy="338554"/>
+          </a:xfrm>
+          <a:prstGeom prst="rect">
+            <a:avLst/>
+          </a:prstGeom>
+          <a:noFill/>
+        </p:spPr>
+        <p:txBody>
+          <a:bodyPr wrap="square" rtlCol="0">
+            <a:spAutoFit/>
+          </a:bodyPr>
+          <a:lstStyle/>
+          <a:p>
+            <a:r>
+              <a:rPr lang="en-US" sz="1600" b="1" dirty="0" smtClean="0">
+                <a:solidFill>
+                  <a:schemeClr val="accent2">
+                    <a:lumMod val="75000"/>
+                  </a:schemeClr>
+                </a:solidFill>
+              </a:rPr>
+              <a:t>Trigger</a:t>
+            </a:r>
+            <a:endParaRPr lang="en-US" sz="1600" b="1" dirty="0">
+              <a:solidFill>
+                <a:schemeClr val="accent2">
+                  <a:lumMod val="75000"/>
+                </a:schemeClr>
+              </a:solidFill>
+            </a:endParaRPr>
+          </a:p>
+        </p:txBody>
+      </p:sp>
+      <p:pic>
+        <p:nvPicPr>
+          <p:cNvPr id="5124" name="Picture 4"/>
+          <p:cNvPicPr>
+            <a:picLocks noChangeAspect="1" noChangeArrowheads="1"/>
+          </p:cNvPicPr>
+          <p:nvPr/>
+        </p:nvPicPr>
+        <p:blipFill>
+          <a:blip r:embed="rId2">
+            <a:extLst>
+              <a:ext uri="{28A0092B-C50C-407E-A947-70E740481C1C}">
+                <a14:useLocalDpi xmlns:a14="http://schemas.microsoft.com/office/drawing/2010/main" val="0"/>
+              </a:ext>
+            </a:extLst>
+          </a:blip>
+          <a:srcRect/>
+          <a:stretch>
+            <a:fillRect/>
+          </a:stretch>
+        </p:blipFill>
+        <p:spPr bwMode="auto">
+          <a:xfrm>
+            <a:off x="1195387" y="685800"/>
+            <a:ext cx="7567613" cy="3152484"/>
+          </a:xfrm>
+          <a:prstGeom prst="rect">
+            <a:avLst/>
+          </a:prstGeom>
+          <a:noFill/>
+          <a:ln>
+            <a:noFill/>
+          </a:ln>
+          <a:extLst>
+            <a:ext uri="{909E8E84-426E-40DD-AFC4-6F175D3DCCD1}">
+              <a14:hiddenFill xmlns:a14="http://schemas.microsoft.com/office/drawing/2010/main">
+                <a:solidFill>
+                  <a:schemeClr val="accent1"/>
+                </a:solidFill>
+              </a14:hiddenFill>
+            </a:ext>
+            <a:ext uri="{91240B29-F687-4F45-9708-019B960494DF}">
+              <a14:hiddenLine xmlns:a14="http://schemas.microsoft.com/office/drawing/2010/main" w="9525">
+                <a:solidFill>
+                  <a:schemeClr val="tx1"/>
+                </a:solidFill>
+                <a:miter lim="800000"/>
+                <a:headEnd/>
+                <a:tailEnd/>
+              </a14:hiddenLine>
+            </a:ext>
+          </a:extLst>
+        </p:spPr>
+      </p:pic>
+    </p:spTree>
+    <p:extLst>
+      <p:ext uri="{BB962C8B-B14F-4D97-AF65-F5344CB8AC3E}">
+        <p14:creationId xmlns:p14="http://schemas.microsoft.com/office/powerpoint/2010/main" val="3854086698"/>
+      </p:ext>
+    </p:extLst>
+  </p:cSld>
+  <p:clrMapOvr>
+    <a:masterClrMapping/>
+  </p:clrMapOvr>
+</p:sld>
+</file>
+
+<file path=ppt/slides/slide18.xml><?xml version="1.0" encoding="utf-8"?>
+<p:sld xmlns:a="http://schemas.openxmlformats.org/drawingml/2006/main" xmlns:r="http://schemas.openxmlformats.org/officeDocument/2006/relationships" xmlns:p="http://schemas.openxmlformats.org/presentationml/2006/main">
+  <p:cSld>
+    <p:spTree>
+      <p:nvGrpSpPr>
+        <p:cNvPr id="1" name=""/>
+        <p:cNvGrpSpPr/>
+        <p:nvPr/>
+      </p:nvGrpSpPr>
+      <p:grpSpPr>
+        <a:xfrm>
+          <a:off x="0" y="0"/>
+          <a:ext cx="0" cy="0"/>
+          <a:chOff x="0" y="0"/>
+          <a:chExt cx="0" cy="0"/>
+        </a:xfrm>
+      </p:grpSpPr>
+      <p:pic>
+        <p:nvPicPr>
+          <p:cNvPr id="1026" name="Picture 2"/>
+          <p:cNvPicPr>
+            <a:picLocks noChangeAspect="1" noChangeArrowheads="1"/>
+          </p:cNvPicPr>
+          <p:nvPr/>
+        </p:nvPicPr>
+        <p:blipFill>
+          <a:blip r:embed="rId2">
+            <a:extLst>
+              <a:ext uri="{28A0092B-C50C-407E-A947-70E740481C1C}">
+                <a14:useLocalDpi xmlns:a14="http://schemas.microsoft.com/office/drawing/2010/main" val="0"/>
+              </a:ext>
+            </a:extLst>
+          </a:blip>
+          <a:srcRect/>
+          <a:stretch>
+            <a:fillRect/>
+          </a:stretch>
+        </p:blipFill>
+        <p:spPr bwMode="auto">
+          <a:xfrm>
+            <a:off x="1219200" y="304800"/>
+            <a:ext cx="4638675" cy="752475"/>
+          </a:xfrm>
+          <a:prstGeom prst="rect">
+            <a:avLst/>
+          </a:prstGeom>
+          <a:noFill/>
+          <a:ln>
+            <a:noFill/>
+          </a:ln>
+          <a:extLst>
+            <a:ext uri="{909E8E84-426E-40DD-AFC4-6F175D3DCCD1}">
+              <a14:hiddenFill xmlns:a14="http://schemas.microsoft.com/office/drawing/2010/main">
+                <a:solidFill>
+                  <a:schemeClr val="accent1"/>
+                </a:solidFill>
+              </a14:hiddenFill>
+            </a:ext>
+            <a:ext uri="{91240B29-F687-4F45-9708-019B960494DF}">
+              <a14:hiddenLine xmlns:a14="http://schemas.microsoft.com/office/drawing/2010/main" w="9525">
+                <a:solidFill>
+                  <a:schemeClr val="tx1"/>
+                </a:solidFill>
+                <a:miter lim="800000"/>
+                <a:headEnd/>
+                <a:tailEnd/>
+              </a14:hiddenLine>
+            </a:ext>
+          </a:extLst>
+        </p:spPr>
+      </p:pic>
+    </p:spTree>
+    <p:extLst>
+      <p:ext uri="{BB962C8B-B14F-4D97-AF65-F5344CB8AC3E}">
+        <p14:creationId xmlns:p14="http://schemas.microsoft.com/office/powerpoint/2010/main" val="1604062721"/>
+      </p:ext>
+    </p:extLst>
+  </p:cSld>
+  <p:clrMapOvr>
+    <a:masterClrMapping/>
+  </p:clrMapOvr>
+</p:sld>
+</file>
+
+<file path=ppt/slides/slide19.xml><?xml version="1.0" encoding="utf-8"?>
+<p:sld xmlns:a="http://schemas.openxmlformats.org/drawingml/2006/main" xmlns:r="http://schemas.openxmlformats.org/officeDocument/2006/relationships" xmlns:p="http://schemas.openxmlformats.org/presentationml/2006/main">
+  <p:cSld>
+    <p:spTree>
+      <p:nvGrpSpPr>
+        <p:cNvPr id="1" name=""/>
+        <p:cNvGrpSpPr/>
+        <p:nvPr/>
+      </p:nvGrpSpPr>
+      <p:grpSpPr>
+        <a:xfrm>
+          <a:off x="0" y="0"/>
+          <a:ext cx="0" cy="0"/>
+          <a:chOff x="0" y="0"/>
+          <a:chExt cx="0" cy="0"/>
+        </a:xfrm>
+      </p:grpSpPr>
+      <p:cxnSp>
+        <p:nvCxnSpPr>
+          <p:cNvPr id="4" name="Straight Connector 3"/>
+          <p:cNvCxnSpPr/>
+          <p:nvPr/>
+        </p:nvCxnSpPr>
+        <p:spPr>
+          <a:xfrm>
+            <a:off x="990600" y="533400"/>
+            <a:ext cx="7696200" cy="0"/>
+          </a:xfrm>
+          <a:prstGeom prst="line">
+            <a:avLst/>
+          </a:prstGeom>
+          <a:ln>
+            <a:solidFill>
+              <a:schemeClr val="accent2">
+                <a:lumMod val="75000"/>
+              </a:schemeClr>
+            </a:solidFill>
+          </a:ln>
+        </p:spPr>
+        <p:style>
+          <a:lnRef idx="1">
+            <a:schemeClr val="accent3"/>
+          </a:lnRef>
+          <a:fillRef idx="0">
+            <a:schemeClr val="accent3"/>
+          </a:fillRef>
+          <a:effectRef idx="0">
+            <a:schemeClr val="accent3"/>
+          </a:effectRef>
+          <a:fontRef idx="minor">
+            <a:schemeClr val="tx1"/>
+          </a:fontRef>
+        </p:style>
+      </p:cxnSp>
+      <p:sp>
+        <p:nvSpPr>
+          <p:cNvPr id="5" name="TextBox 4"/>
+          <p:cNvSpPr txBox="1"/>
+          <p:nvPr/>
+        </p:nvSpPr>
+        <p:spPr>
+          <a:xfrm>
+            <a:off x="990600" y="194846"/>
+            <a:ext cx="7772400" cy="338554"/>
+          </a:xfrm>
+          <a:prstGeom prst="rect">
+            <a:avLst/>
+          </a:prstGeom>
+          <a:noFill/>
+        </p:spPr>
+        <p:txBody>
+          <a:bodyPr wrap="square" rtlCol="0">
+            <a:spAutoFit/>
+          </a:bodyPr>
+          <a:lstStyle/>
+          <a:p>
+            <a:r>
+              <a:rPr lang="en-US" sz="1600" b="1" dirty="0" smtClean="0">
+                <a:solidFill>
+                  <a:schemeClr val="accent2">
+                    <a:lumMod val="75000"/>
+                  </a:schemeClr>
+                </a:solidFill>
+              </a:rPr>
+              <a:t>DML</a:t>
+            </a:r>
+            <a:endParaRPr lang="en-US" sz="1600" b="1" dirty="0">
+              <a:solidFill>
+                <a:schemeClr val="accent2">
+                  <a:lumMod val="75000"/>
+                </a:schemeClr>
+              </a:solidFill>
+            </a:endParaRPr>
+          </a:p>
+        </p:txBody>
+      </p:sp>
+      <p:sp>
+        <p:nvSpPr>
+          <p:cNvPr id="2" name="Rectangle 1"/>
+          <p:cNvSpPr/>
+          <p:nvPr/>
+        </p:nvSpPr>
+        <p:spPr>
+          <a:xfrm>
+            <a:off x="1524000" y="2387025"/>
+            <a:ext cx="6930487" cy="584775"/>
+          </a:xfrm>
+          <a:prstGeom prst="rect">
+            <a:avLst/>
+          </a:prstGeom>
+        </p:spPr>
+        <p:txBody>
+          <a:bodyPr wrap="none">
+            <a:spAutoFit/>
+          </a:bodyPr>
+          <a:lstStyle/>
+          <a:p>
+            <a:r>
+              <a:rPr lang="en-US" sz="3200" b="1" dirty="0">
+                <a:solidFill>
+                  <a:schemeClr val="accent2">
+                    <a:lumMod val="75000"/>
+                  </a:schemeClr>
+                </a:solidFill>
+              </a:rPr>
+              <a:t>Data Manipulation </a:t>
+            </a:r>
+            <a:r>
+              <a:rPr lang="en-US" sz="3200" b="1" dirty="0" smtClean="0">
+                <a:solidFill>
+                  <a:schemeClr val="accent2">
+                    <a:lumMod val="75000"/>
+                  </a:schemeClr>
+                </a:solidFill>
+              </a:rPr>
+              <a:t>Language(DML)</a:t>
+            </a:r>
+            <a:endParaRPr lang="en-US" sz="3200" b="1" dirty="0">
+              <a:solidFill>
+                <a:schemeClr val="accent2">
+                  <a:lumMod val="75000"/>
+                </a:schemeClr>
+              </a:solidFill>
+            </a:endParaRPr>
+          </a:p>
+        </p:txBody>
+      </p:sp>
+      <p:sp>
+        <p:nvSpPr>
+          <p:cNvPr id="3" name="TextBox 2"/>
+          <p:cNvSpPr txBox="1"/>
+          <p:nvPr/>
+        </p:nvSpPr>
+        <p:spPr>
+          <a:xfrm>
+            <a:off x="2971800" y="3124200"/>
+            <a:ext cx="3505200" cy="369332"/>
+          </a:xfrm>
+          <a:prstGeom prst="rect">
+            <a:avLst/>
+          </a:prstGeom>
+          <a:noFill/>
+        </p:spPr>
+        <p:txBody>
+          <a:bodyPr wrap="square" rtlCol="0">
+            <a:spAutoFit/>
+          </a:bodyPr>
+          <a:lstStyle/>
+          <a:p>
+            <a:pPr algn="ctr"/>
+            <a:r>
+              <a:rPr lang="en-US" dirty="0" smtClean="0">
+                <a:solidFill>
+                  <a:schemeClr val="accent2">
+                    <a:lumMod val="75000"/>
+                  </a:schemeClr>
+                </a:solidFill>
+              </a:rPr>
+              <a:t>Insert, Update, Delete and Select</a:t>
+            </a:r>
+            <a:endParaRPr lang="en-US" dirty="0">
+              <a:solidFill>
+                <a:schemeClr val="accent2">
+                  <a:lumMod val="75000"/>
+                </a:schemeClr>
+              </a:solidFill>
+            </a:endParaRPr>
+          </a:p>
+        </p:txBody>
+      </p:sp>
+      <p:cxnSp>
+        <p:nvCxnSpPr>
+          <p:cNvPr id="7" name="Straight Connector 6"/>
+          <p:cNvCxnSpPr/>
+          <p:nvPr/>
+        </p:nvCxnSpPr>
+        <p:spPr>
+          <a:xfrm>
+            <a:off x="1631212" y="3048000"/>
+            <a:ext cx="6598388" cy="0"/>
+          </a:xfrm>
+          <a:prstGeom prst="line">
+            <a:avLst/>
+          </a:prstGeom>
+          <a:ln>
+            <a:solidFill>
+              <a:schemeClr val="accent2">
+                <a:lumMod val="75000"/>
+              </a:schemeClr>
+            </a:solidFill>
+          </a:ln>
+        </p:spPr>
+        <p:style>
+          <a:lnRef idx="1">
+            <a:schemeClr val="accent3"/>
+          </a:lnRef>
+          <a:fillRef idx="0">
+            <a:schemeClr val="accent3"/>
+          </a:fillRef>
+          <a:effectRef idx="0">
+            <a:schemeClr val="accent3"/>
+          </a:effectRef>
+          <a:fontRef idx="minor">
+            <a:schemeClr val="tx1"/>
+          </a:fontRef>
+        </p:style>
+      </p:cxnSp>
+    </p:spTree>
+    <p:extLst>
+      <p:ext uri="{BB962C8B-B14F-4D97-AF65-F5344CB8AC3E}">
+        <p14:creationId xmlns:p14="http://schemas.microsoft.com/office/powerpoint/2010/main" val="368120021"/>
       </p:ext>
     </p:extLst>
   </p:cSld>
@@ -5466,7 +6818,7 @@
       </p:grpSpPr>
       <p:pic>
         <p:nvPicPr>
-          <p:cNvPr id="1026" name="Picture 2"/>
+          <p:cNvPr id="2050" name="Picture 2"/>
           <p:cNvPicPr>
             <a:picLocks noChangeAspect="1" noChangeArrowheads="1"/>
           </p:cNvPicPr>
@@ -5487,8 +6839,8 @@
         </p:blipFill>
         <p:spPr bwMode="auto">
           <a:xfrm>
-            <a:off x="1218044" y="990600"/>
-            <a:ext cx="3585322" cy="2057400"/>
+            <a:off x="2362200" y="1295400"/>
+            <a:ext cx="4705350" cy="2743200"/>
           </a:xfrm>
           <a:prstGeom prst="rect">
             <a:avLst/>
@@ -5518,16 +6870,59 @@
           </a:extLst>
         </p:spPr>
       </p:pic>
+      <p:sp>
+        <p:nvSpPr>
+          <p:cNvPr id="3" name="TextBox 2"/>
+          <p:cNvSpPr txBox="1"/>
+          <p:nvPr/>
+        </p:nvSpPr>
+        <p:spPr>
+          <a:xfrm>
+            <a:off x="990600" y="194846"/>
+            <a:ext cx="7696200" cy="338554"/>
+          </a:xfrm>
+          <a:prstGeom prst="rect">
+            <a:avLst/>
+          </a:prstGeom>
+          <a:noFill/>
+        </p:spPr>
+        <p:txBody>
+          <a:bodyPr wrap="square" rtlCol="0">
+            <a:spAutoFit/>
+          </a:bodyPr>
+          <a:lstStyle/>
+          <a:p>
+            <a:pPr algn="r" rtl="1"/>
+            <a:r>
+              <a:rPr lang="fa-IR" sz="1600" b="1" dirty="0" smtClean="0">
+                <a:solidFill>
+                  <a:schemeClr val="accent2">
+                    <a:lumMod val="75000"/>
+                  </a:schemeClr>
+                </a:solidFill>
+              </a:rPr>
+              <a:t>ارتباط با پایگاه داده ها</a:t>
+            </a:r>
+            <a:endParaRPr lang="en-US" sz="1600" b="1" dirty="0">
+              <a:solidFill>
+                <a:schemeClr val="accent2">
+                  <a:lumMod val="75000"/>
+                </a:schemeClr>
+              </a:solidFill>
+            </a:endParaRPr>
+          </a:p>
+        </p:txBody>
+      </p:sp>
       <p:cxnSp>
         <p:nvCxnSpPr>
-          <p:cNvPr id="6" name="Straight Connector 5"/>
+          <p:cNvPr id="4" name="Straight Connector 3"/>
           <p:cNvCxnSpPr/>
           <p:nvPr/>
         </p:nvCxnSpPr>
         <p:spPr>
           <a:xfrm>
-            <a:off x="990600" y="685800"/>
-            <a:ext cx="7772400" cy="0"/>
+            <a:off x="1066800" y="533400"/>
+            <a:ext cx="7620000" cy="0"/>
           </a:xfrm>
           <a:prstGeom prst="line">
             <a:avLst/>
@@ -5542,36 +6937,67 @@
         </p:spPr>
         <p:style>
           <a:lnRef idx="1">
-            <a:schemeClr val="accent2"/>
+            <a:schemeClr val="accent3"/>
           </a:lnRef>
           <a:fillRef idx="0">
-            <a:schemeClr val="accent2"/>
+            <a:schemeClr val="accent3"/>
           </a:fillRef>
           <a:effectRef idx="0">
-            <a:schemeClr val="accent2"/>
+            <a:schemeClr val="accent3"/>
           </a:effectRef>
           <a:fontRef idx="minor">
             <a:schemeClr val="tx1"/>
           </a:fontRef>
         </p:style>
       </p:cxnSp>
+    </p:spTree>
+    <p:extLst>
+      <p:ext uri="{BB962C8B-B14F-4D97-AF65-F5344CB8AC3E}">
+        <p14:creationId xmlns:p14="http://schemas.microsoft.com/office/powerpoint/2010/main" val="2790362603"/>
+      </p:ext>
+    </p:extLst>
+  </p:cSld>
+  <p:clrMapOvr>
+    <a:masterClrMapping/>
+  </p:clrMapOvr>
+</p:sld>
+</file>
+
+<file path=ppt/slides/slide20.xml><?xml version="1.0" encoding="utf-8"?>
+<p:sld xmlns:a="http://schemas.openxmlformats.org/drawingml/2006/main" xmlns:r="http://schemas.openxmlformats.org/officeDocument/2006/relationships" xmlns:p="http://schemas.openxmlformats.org/presentationml/2006/main">
+  <p:cSld>
+    <p:spTree>
+      <p:nvGrpSpPr>
+        <p:cNvPr id="1" name=""/>
+        <p:cNvGrpSpPr/>
+        <p:nvPr/>
+      </p:nvGrpSpPr>
+      <p:grpSpPr>
+        <a:xfrm>
+          <a:off x="0" y="0"/>
+          <a:ext cx="0" cy="0"/>
+          <a:chOff x="0" y="0"/>
+          <a:chExt cx="0" cy="0"/>
+        </a:xfrm>
+      </p:grpSpPr>
       <p:sp>
         <p:nvSpPr>
-          <p:cNvPr id="8" name="Rectangle 7"/>
-          <p:cNvSpPr/>
+          <p:cNvPr id="2" name="TextBox 1"/>
+          <p:cNvSpPr txBox="1"/>
           <p:nvPr/>
         </p:nvSpPr>
         <p:spPr>
           <a:xfrm>
-            <a:off x="1070331" y="309602"/>
-            <a:ext cx="989373" cy="369332"/>
+            <a:off x="1295400" y="457200"/>
+            <a:ext cx="7239000" cy="646331"/>
           </a:xfrm>
           <a:prstGeom prst="rect">
             <a:avLst/>
           </a:prstGeom>
+          <a:noFill/>
         </p:spPr>
         <p:txBody>
-          <a:bodyPr wrap="none">
+          <a:bodyPr wrap="square" rtlCol="0">
             <a:spAutoFit/>
           </a:bodyPr>
           <a:lstStyle/>
@@ -5584,21 +7010,560 @@
                   </a:schemeClr>
                 </a:solidFill>
               </a:rPr>
-              <a:t>MySQL</a:t>
-            </a:r>
-            <a:endParaRPr lang="en-US" b="1" dirty="0">
-              <a:solidFill>
-                <a:schemeClr val="accent2">
-                  <a:lumMod val="75000"/>
-                </a:schemeClr>
-              </a:solidFill>
-            </a:endParaRPr>
+              <a:t>Data Manipulation Language(DML):</a:t>
+            </a:r>
+          </a:p>
+          <a:p>
+            <a:r>
+              <a:rPr lang="en-US" dirty="0" smtClean="0">
+                <a:solidFill>
+                  <a:schemeClr val="accent6"/>
+                </a:solidFill>
+              </a:rPr>
+              <a:t>Insert into </a:t>
+            </a:r>
+            <a:r>
+              <a:rPr lang="en-US" dirty="0" err="1" smtClean="0">
+                <a:solidFill>
+                  <a:srgbClr val="C00000"/>
+                </a:solidFill>
+              </a:rPr>
+              <a:t>tableName</a:t>
+            </a:r>
+            <a:r>
+              <a:rPr lang="en-US" dirty="0" smtClean="0"/>
+              <a:t>(field1,field2,…) </a:t>
+            </a:r>
+            <a:r>
+              <a:rPr lang="en-US" dirty="0" smtClean="0">
+                <a:solidFill>
+                  <a:schemeClr val="accent1">
+                    <a:lumMod val="75000"/>
+                  </a:schemeClr>
+                </a:solidFill>
+              </a:rPr>
+              <a:t>VALUES</a:t>
+            </a:r>
+            <a:r>
+              <a:rPr lang="en-US" dirty="0" smtClean="0"/>
+              <a:t>(value1,value2,…)</a:t>
+            </a:r>
+            <a:endParaRPr lang="en-US" dirty="0"/>
           </a:p>
         </p:txBody>
       </p:sp>
       <p:pic>
         <p:nvPicPr>
-          <p:cNvPr id="10" name="Picture 2"/>
+          <p:cNvPr id="6146" name="Picture 2"/>
+          <p:cNvPicPr>
+            <a:picLocks noChangeAspect="1" noChangeArrowheads="1"/>
+          </p:cNvPicPr>
+          <p:nvPr/>
+        </p:nvPicPr>
+        <p:blipFill>
+          <a:blip r:embed="rId2">
+            <a:extLst>
+              <a:ext uri="{28A0092B-C50C-407E-A947-70E740481C1C}">
+                <a14:useLocalDpi xmlns:a14="http://schemas.microsoft.com/office/drawing/2010/main" val="0"/>
+              </a:ext>
+            </a:extLst>
+          </a:blip>
+          <a:srcRect/>
+          <a:stretch>
+            <a:fillRect/>
+          </a:stretch>
+        </p:blipFill>
+        <p:spPr bwMode="auto">
+          <a:xfrm>
+            <a:off x="1414462" y="1219200"/>
+            <a:ext cx="7000875" cy="361950"/>
+          </a:xfrm>
+          <a:prstGeom prst="rect">
+            <a:avLst/>
+          </a:prstGeom>
+          <a:noFill/>
+          <a:ln>
+            <a:noFill/>
+          </a:ln>
+          <a:extLst>
+            <a:ext uri="{909E8E84-426E-40DD-AFC4-6F175D3DCCD1}">
+              <a14:hiddenFill xmlns:a14="http://schemas.microsoft.com/office/drawing/2010/main">
+                <a:solidFill>
+                  <a:schemeClr val="accent1"/>
+                </a:solidFill>
+              </a14:hiddenFill>
+            </a:ext>
+            <a:ext uri="{91240B29-F687-4F45-9708-019B960494DF}">
+              <a14:hiddenLine xmlns:a14="http://schemas.microsoft.com/office/drawing/2010/main" w="9525">
+                <a:solidFill>
+                  <a:schemeClr val="tx1"/>
+                </a:solidFill>
+                <a:miter lim="800000"/>
+                <a:headEnd/>
+                <a:tailEnd/>
+              </a14:hiddenLine>
+            </a:ext>
+          </a:extLst>
+        </p:spPr>
+      </p:pic>
+      <p:pic>
+        <p:nvPicPr>
+          <p:cNvPr id="6147" name="Picture 3"/>
+          <p:cNvPicPr>
+            <a:picLocks noChangeAspect="1" noChangeArrowheads="1"/>
+          </p:cNvPicPr>
+          <p:nvPr/>
+        </p:nvPicPr>
+        <p:blipFill rotWithShape="1">
+          <a:blip r:embed="rId3">
+            <a:extLst>
+              <a:ext uri="{28A0092B-C50C-407E-A947-70E740481C1C}">
+                <a14:useLocalDpi xmlns:a14="http://schemas.microsoft.com/office/drawing/2010/main" val="0"/>
+              </a:ext>
+            </a:extLst>
+          </a:blip>
+          <a:srcRect l="7966" t="28180"/>
+          <a:stretch/>
+        </p:blipFill>
+        <p:spPr bwMode="auto">
+          <a:xfrm>
+            <a:off x="1414462" y="1705473"/>
+            <a:ext cx="5978599" cy="786699"/>
+          </a:xfrm>
+          <a:prstGeom prst="rect">
+            <a:avLst/>
+          </a:prstGeom>
+          <a:noFill/>
+          <a:ln>
+            <a:noFill/>
+          </a:ln>
+          <a:extLst>
+            <a:ext uri="{909E8E84-426E-40DD-AFC4-6F175D3DCCD1}">
+              <a14:hiddenFill xmlns:a14="http://schemas.microsoft.com/office/drawing/2010/main">
+                <a:solidFill>
+                  <a:schemeClr val="accent1"/>
+                </a:solidFill>
+              </a14:hiddenFill>
+            </a:ext>
+            <a:ext uri="{91240B29-F687-4F45-9708-019B960494DF}">
+              <a14:hiddenLine xmlns:a14="http://schemas.microsoft.com/office/drawing/2010/main" w="9525">
+                <a:solidFill>
+                  <a:schemeClr val="tx1"/>
+                </a:solidFill>
+                <a:miter lim="800000"/>
+                <a:headEnd/>
+                <a:tailEnd/>
+              </a14:hiddenLine>
+            </a:ext>
+          </a:extLst>
+        </p:spPr>
+      </p:pic>
+      <p:sp>
+        <p:nvSpPr>
+          <p:cNvPr id="3" name="Rectangle 2"/>
+          <p:cNvSpPr/>
+          <p:nvPr/>
+        </p:nvSpPr>
+        <p:spPr>
+          <a:xfrm>
+            <a:off x="1414462" y="2875002"/>
+            <a:ext cx="7196138" cy="369332"/>
+          </a:xfrm>
+          <a:prstGeom prst="rect">
+            <a:avLst/>
+          </a:prstGeom>
+        </p:spPr>
+        <p:txBody>
+          <a:bodyPr wrap="square">
+            <a:spAutoFit/>
+          </a:bodyPr>
+          <a:lstStyle/>
+          <a:p>
+            <a:r>
+              <a:rPr lang="en-US" dirty="0" smtClean="0">
+                <a:solidFill>
+                  <a:schemeClr val="accent6"/>
+                </a:solidFill>
+              </a:rPr>
+              <a:t>Update </a:t>
+            </a:r>
+            <a:r>
+              <a:rPr lang="en-US" dirty="0" err="1" smtClean="0">
+                <a:solidFill>
+                  <a:srgbClr val="C00000"/>
+                </a:solidFill>
+              </a:rPr>
+              <a:t>tableName</a:t>
+            </a:r>
+            <a:r>
+              <a:rPr lang="en-US" dirty="0" smtClean="0">
+                <a:solidFill>
+                  <a:srgbClr val="C00000"/>
+                </a:solidFill>
+              </a:rPr>
+              <a:t> </a:t>
+            </a:r>
+            <a:r>
+              <a:rPr lang="en-US" dirty="0" smtClean="0">
+                <a:solidFill>
+                  <a:schemeClr val="accent6"/>
+                </a:solidFill>
+              </a:rPr>
+              <a:t>set </a:t>
+            </a:r>
+            <a:r>
+              <a:rPr lang="en-US" dirty="0" smtClean="0"/>
+              <a:t>field1=value1,field2=value2,… </a:t>
+            </a:r>
+            <a:r>
+              <a:rPr lang="en-US" dirty="0" smtClean="0">
+                <a:solidFill>
+                  <a:schemeClr val="accent6"/>
+                </a:solidFill>
+              </a:rPr>
+              <a:t>where</a:t>
+            </a:r>
+            <a:r>
+              <a:rPr lang="en-US" dirty="0" smtClean="0"/>
+              <a:t> …</a:t>
+            </a:r>
+            <a:endParaRPr lang="en-US" dirty="0"/>
+          </a:p>
+        </p:txBody>
+      </p:sp>
+      <p:pic>
+        <p:nvPicPr>
+          <p:cNvPr id="6148" name="Picture 4"/>
+          <p:cNvPicPr>
+            <a:picLocks noChangeAspect="1" noChangeArrowheads="1"/>
+          </p:cNvPicPr>
+          <p:nvPr/>
+        </p:nvPicPr>
+        <p:blipFill>
+          <a:blip r:embed="rId4">
+            <a:extLst>
+              <a:ext uri="{28A0092B-C50C-407E-A947-70E740481C1C}">
+                <a14:useLocalDpi xmlns:a14="http://schemas.microsoft.com/office/drawing/2010/main" val="0"/>
+              </a:ext>
+            </a:extLst>
+          </a:blip>
+          <a:srcRect/>
+          <a:stretch>
+            <a:fillRect/>
+          </a:stretch>
+        </p:blipFill>
+        <p:spPr bwMode="auto">
+          <a:xfrm>
+            <a:off x="1414462" y="3393558"/>
+            <a:ext cx="5267325" cy="657225"/>
+          </a:xfrm>
+          <a:prstGeom prst="rect">
+            <a:avLst/>
+          </a:prstGeom>
+          <a:noFill/>
+          <a:ln>
+            <a:noFill/>
+          </a:ln>
+          <a:extLst>
+            <a:ext uri="{909E8E84-426E-40DD-AFC4-6F175D3DCCD1}">
+              <a14:hiddenFill xmlns:a14="http://schemas.microsoft.com/office/drawing/2010/main">
+                <a:solidFill>
+                  <a:schemeClr val="accent1"/>
+                </a:solidFill>
+              </a14:hiddenFill>
+            </a:ext>
+            <a:ext uri="{91240B29-F687-4F45-9708-019B960494DF}">
+              <a14:hiddenLine xmlns:a14="http://schemas.microsoft.com/office/drawing/2010/main" w="9525">
+                <a:solidFill>
+                  <a:schemeClr val="tx1"/>
+                </a:solidFill>
+                <a:miter lim="800000"/>
+                <a:headEnd/>
+                <a:tailEnd/>
+              </a14:hiddenLine>
+            </a:ext>
+          </a:extLst>
+        </p:spPr>
+      </p:pic>
+      <p:sp>
+        <p:nvSpPr>
+          <p:cNvPr id="4" name="Rectangle 3"/>
+          <p:cNvSpPr/>
+          <p:nvPr/>
+        </p:nvSpPr>
+        <p:spPr>
+          <a:xfrm>
+            <a:off x="1428639" y="4145961"/>
+            <a:ext cx="5978599" cy="369332"/>
+          </a:xfrm>
+          <a:prstGeom prst="rect">
+            <a:avLst/>
+          </a:prstGeom>
+        </p:spPr>
+        <p:txBody>
+          <a:bodyPr wrap="square">
+            <a:spAutoFit/>
+          </a:bodyPr>
+          <a:lstStyle/>
+          <a:p>
+            <a:r>
+              <a:rPr lang="en-US" dirty="0" smtClean="0">
+                <a:solidFill>
+                  <a:schemeClr val="accent6"/>
+                </a:solidFill>
+              </a:rPr>
+              <a:t>Delete from </a:t>
+            </a:r>
+            <a:r>
+              <a:rPr lang="en-US" dirty="0" err="1" smtClean="0">
+                <a:solidFill>
+                  <a:srgbClr val="C00000"/>
+                </a:solidFill>
+              </a:rPr>
+              <a:t>tableName</a:t>
+            </a:r>
+            <a:r>
+              <a:rPr lang="en-US" dirty="0" smtClean="0">
+                <a:solidFill>
+                  <a:srgbClr val="C00000"/>
+                </a:solidFill>
+              </a:rPr>
+              <a:t> </a:t>
+            </a:r>
+            <a:r>
+              <a:rPr lang="en-US" dirty="0" smtClean="0">
+                <a:solidFill>
+                  <a:schemeClr val="accent6"/>
+                </a:solidFill>
+              </a:rPr>
+              <a:t>where </a:t>
+            </a:r>
+            <a:r>
+              <a:rPr lang="en-US" dirty="0" smtClean="0">
+                <a:solidFill>
+                  <a:srgbClr val="C00000"/>
+                </a:solidFill>
+              </a:rPr>
+              <a:t>…</a:t>
+            </a:r>
+            <a:endParaRPr lang="en-US" dirty="0">
+              <a:solidFill>
+                <a:srgbClr val="C00000"/>
+              </a:solidFill>
+            </a:endParaRPr>
+          </a:p>
+        </p:txBody>
+      </p:sp>
+      <p:pic>
+        <p:nvPicPr>
+          <p:cNvPr id="6149" name="Picture 5"/>
+          <p:cNvPicPr>
+            <a:picLocks noChangeAspect="1" noChangeArrowheads="1"/>
+          </p:cNvPicPr>
+          <p:nvPr/>
+        </p:nvPicPr>
+        <p:blipFill>
+          <a:blip r:embed="rId5">
+            <a:extLst>
+              <a:ext uri="{28A0092B-C50C-407E-A947-70E740481C1C}">
+                <a14:useLocalDpi xmlns:a14="http://schemas.microsoft.com/office/drawing/2010/main" val="0"/>
+              </a:ext>
+            </a:extLst>
+          </a:blip>
+          <a:srcRect/>
+          <a:stretch>
+            <a:fillRect/>
+          </a:stretch>
+        </p:blipFill>
+        <p:spPr bwMode="auto">
+          <a:xfrm>
+            <a:off x="1524000" y="4515293"/>
+            <a:ext cx="4667250" cy="447675"/>
+          </a:xfrm>
+          <a:prstGeom prst="rect">
+            <a:avLst/>
+          </a:prstGeom>
+          <a:noFill/>
+          <a:ln>
+            <a:noFill/>
+          </a:ln>
+          <a:extLst>
+            <a:ext uri="{909E8E84-426E-40DD-AFC4-6F175D3DCCD1}">
+              <a14:hiddenFill xmlns:a14="http://schemas.microsoft.com/office/drawing/2010/main">
+                <a:solidFill>
+                  <a:schemeClr val="accent1"/>
+                </a:solidFill>
+              </a14:hiddenFill>
+            </a:ext>
+            <a:ext uri="{91240B29-F687-4F45-9708-019B960494DF}">
+              <a14:hiddenLine xmlns:a14="http://schemas.microsoft.com/office/drawing/2010/main" w="9525">
+                <a:solidFill>
+                  <a:schemeClr val="tx1"/>
+                </a:solidFill>
+                <a:miter lim="800000"/>
+                <a:headEnd/>
+                <a:tailEnd/>
+              </a14:hiddenLine>
+            </a:ext>
+          </a:extLst>
+        </p:spPr>
+      </p:pic>
+    </p:spTree>
+    <p:extLst>
+      <p:ext uri="{BB962C8B-B14F-4D97-AF65-F5344CB8AC3E}">
+        <p14:creationId xmlns:p14="http://schemas.microsoft.com/office/powerpoint/2010/main" val="1862305896"/>
+      </p:ext>
+    </p:extLst>
+  </p:cSld>
+  <p:clrMapOvr>
+    <a:masterClrMapping/>
+  </p:clrMapOvr>
+</p:sld>
+</file>
+
+<file path=ppt/slides/slide21.xml><?xml version="1.0" encoding="utf-8"?>
+<p:sld xmlns:a="http://schemas.openxmlformats.org/drawingml/2006/main" xmlns:r="http://schemas.openxmlformats.org/officeDocument/2006/relationships" xmlns:p="http://schemas.openxmlformats.org/presentationml/2006/main">
+  <p:cSld>
+    <p:spTree>
+      <p:nvGrpSpPr>
+        <p:cNvPr id="1" name=""/>
+        <p:cNvGrpSpPr/>
+        <p:nvPr/>
+      </p:nvGrpSpPr>
+      <p:grpSpPr>
+        <a:xfrm>
+          <a:off x="0" y="0"/>
+          <a:ext cx="0" cy="0"/>
+          <a:chOff x="0" y="0"/>
+          <a:chExt cx="0" cy="0"/>
+        </a:xfrm>
+      </p:grpSpPr>
+      <p:sp>
+        <p:nvSpPr>
+          <p:cNvPr id="2" name="Rectangle 1"/>
+          <p:cNvSpPr/>
+          <p:nvPr/>
+        </p:nvSpPr>
+        <p:spPr>
+          <a:xfrm>
+            <a:off x="1219200" y="457200"/>
+            <a:ext cx="7543800" cy="646331"/>
+          </a:xfrm>
+          <a:prstGeom prst="rect">
+            <a:avLst/>
+          </a:prstGeom>
+        </p:spPr>
+        <p:txBody>
+          <a:bodyPr wrap="square">
+            <a:spAutoFit/>
+          </a:bodyPr>
+          <a:lstStyle/>
+          <a:p>
+            <a:r>
+              <a:rPr lang="en-US" b="1" dirty="0" smtClean="0">
+                <a:solidFill>
+                  <a:schemeClr val="accent2">
+                    <a:lumMod val="75000"/>
+                  </a:schemeClr>
+                </a:solidFill>
+              </a:rPr>
+              <a:t>Data Manipulation Language(DML):</a:t>
+            </a:r>
+          </a:p>
+          <a:p>
+            <a:r>
+              <a:rPr lang="en-US" dirty="0" smtClean="0">
+                <a:solidFill>
+                  <a:schemeClr val="accent6"/>
+                </a:solidFill>
+              </a:rPr>
+              <a:t>Select </a:t>
+            </a:r>
+            <a:r>
+              <a:rPr lang="en-US" dirty="0" smtClean="0"/>
+              <a:t>field1,field2,… </a:t>
+            </a:r>
+            <a:r>
+              <a:rPr lang="en-US" dirty="0" smtClean="0">
+                <a:solidFill>
+                  <a:schemeClr val="accent6"/>
+                </a:solidFill>
+              </a:rPr>
+              <a:t>from </a:t>
+            </a:r>
+            <a:r>
+              <a:rPr lang="en-US" dirty="0" err="1" smtClean="0">
+                <a:solidFill>
+                  <a:srgbClr val="C00000"/>
+                </a:solidFill>
+              </a:rPr>
+              <a:t>tableName</a:t>
+            </a:r>
+            <a:endParaRPr lang="en-US" dirty="0">
+              <a:solidFill>
+                <a:srgbClr val="C00000"/>
+              </a:solidFill>
+            </a:endParaRPr>
+          </a:p>
+        </p:txBody>
+      </p:sp>
+      <p:pic>
+        <p:nvPicPr>
+          <p:cNvPr id="7170" name="Picture 2"/>
+          <p:cNvPicPr>
+            <a:picLocks noChangeAspect="1" noChangeArrowheads="1"/>
+          </p:cNvPicPr>
+          <p:nvPr/>
+        </p:nvPicPr>
+        <p:blipFill>
+          <a:blip r:embed="rId2">
+            <a:extLst>
+              <a:ext uri="{28A0092B-C50C-407E-A947-70E740481C1C}">
+                <a14:useLocalDpi xmlns:a14="http://schemas.microsoft.com/office/drawing/2010/main" val="0"/>
+              </a:ext>
+            </a:extLst>
+          </a:blip>
+          <a:srcRect/>
+          <a:stretch>
+            <a:fillRect/>
+          </a:stretch>
+        </p:blipFill>
+        <p:spPr bwMode="auto">
+          <a:xfrm>
+            <a:off x="5562600" y="533400"/>
+            <a:ext cx="3276600" cy="2558938"/>
+          </a:xfrm>
+          <a:prstGeom prst="rect">
+            <a:avLst/>
+          </a:prstGeom>
+          <a:noFill/>
+          <a:ln>
+            <a:noFill/>
+          </a:ln>
+          <a:extLst>
+            <a:ext uri="{909E8E84-426E-40DD-AFC4-6F175D3DCCD1}">
+              <a14:hiddenFill xmlns:a14="http://schemas.microsoft.com/office/drawing/2010/main">
+                <a:solidFill>
+                  <a:schemeClr val="accent1"/>
+                </a:solidFill>
+              </a14:hiddenFill>
+            </a:ext>
+            <a:ext uri="{91240B29-F687-4F45-9708-019B960494DF}">
+              <a14:hiddenLine xmlns:a14="http://schemas.microsoft.com/office/drawing/2010/main" w="9525">
+                <a:solidFill>
+                  <a:schemeClr val="tx1"/>
+                </a:solidFill>
+                <a:miter lim="800000"/>
+                <a:headEnd/>
+                <a:tailEnd/>
+              </a14:hiddenLine>
+            </a:ext>
+          </a:extLst>
+        </p:spPr>
+      </p:pic>
+      <p:pic>
+        <p:nvPicPr>
+          <p:cNvPr id="7171" name="Picture 3"/>
           <p:cNvPicPr>
             <a:picLocks noChangeAspect="1" noChangeArrowheads="1"/>
           </p:cNvPicPr>
@@ -5619,8 +7584,8 @@
         </p:blipFill>
         <p:spPr bwMode="auto">
           <a:xfrm>
-            <a:off x="4013200" y="2133600"/>
-            <a:ext cx="4853894" cy="3505200"/>
+            <a:off x="1371601" y="1219201"/>
+            <a:ext cx="4038600" cy="282138"/>
           </a:xfrm>
           <a:prstGeom prst="rect">
             <a:avLst/>
@@ -5650,15 +7615,230 @@
           </a:extLst>
         </p:spPr>
       </p:pic>
+    </p:spTree>
+    <p:extLst>
+      <p:ext uri="{BB962C8B-B14F-4D97-AF65-F5344CB8AC3E}">
+        <p14:creationId xmlns:p14="http://schemas.microsoft.com/office/powerpoint/2010/main" val="2565777879"/>
+      </p:ext>
+    </p:extLst>
+  </p:cSld>
+  <p:clrMapOvr>
+    <a:masterClrMapping/>
+  </p:clrMapOvr>
+</p:sld>
+</file>
+
+<file path=ppt/slides/slide22.xml><?xml version="1.0" encoding="utf-8"?>
+<p:sld xmlns:a="http://schemas.openxmlformats.org/drawingml/2006/main" xmlns:r="http://schemas.openxmlformats.org/officeDocument/2006/relationships" xmlns:p="http://schemas.openxmlformats.org/presentationml/2006/main">
+  <p:cSld>
+    <p:spTree>
+      <p:nvGrpSpPr>
+        <p:cNvPr id="1" name=""/>
+        <p:cNvGrpSpPr/>
+        <p:nvPr/>
+      </p:nvGrpSpPr>
+      <p:grpSpPr>
+        <a:xfrm>
+          <a:off x="0" y="0"/>
+          <a:ext cx="0" cy="0"/>
+          <a:chOff x="0" y="0"/>
+          <a:chExt cx="0" cy="0"/>
+        </a:xfrm>
+      </p:grpSpPr>
+      <p:cxnSp>
+        <p:nvCxnSpPr>
+          <p:cNvPr id="4" name="Straight Connector 3"/>
+          <p:cNvCxnSpPr/>
+          <p:nvPr/>
+        </p:nvCxnSpPr>
+        <p:spPr>
+          <a:xfrm>
+            <a:off x="990600" y="533400"/>
+            <a:ext cx="7696200" cy="0"/>
+          </a:xfrm>
+          <a:prstGeom prst="line">
+            <a:avLst/>
+          </a:prstGeom>
+          <a:ln>
+            <a:solidFill>
+              <a:schemeClr val="accent2">
+                <a:lumMod val="75000"/>
+              </a:schemeClr>
+            </a:solidFill>
+          </a:ln>
+        </p:spPr>
+        <p:style>
+          <a:lnRef idx="1">
+            <a:schemeClr val="accent3"/>
+          </a:lnRef>
+          <a:fillRef idx="0">
+            <a:schemeClr val="accent3"/>
+          </a:fillRef>
+          <a:effectRef idx="0">
+            <a:schemeClr val="accent3"/>
+          </a:effectRef>
+          <a:fontRef idx="minor">
+            <a:schemeClr val="tx1"/>
+          </a:fontRef>
+        </p:style>
+      </p:cxnSp>
+      <p:sp>
+        <p:nvSpPr>
+          <p:cNvPr id="5" name="TextBox 4"/>
+          <p:cNvSpPr txBox="1"/>
+          <p:nvPr/>
+        </p:nvSpPr>
+        <p:spPr>
+          <a:xfrm>
+            <a:off x="990600" y="194846"/>
+            <a:ext cx="7772400" cy="338554"/>
+          </a:xfrm>
+          <a:prstGeom prst="rect">
+            <a:avLst/>
+          </a:prstGeom>
+          <a:noFill/>
+        </p:spPr>
+        <p:txBody>
+          <a:bodyPr wrap="square" rtlCol="0">
+            <a:spAutoFit/>
+          </a:bodyPr>
+          <a:lstStyle/>
+          <a:p>
+            <a:r>
+              <a:rPr lang="en-US" sz="1600" b="1" dirty="0" smtClean="0">
+                <a:solidFill>
+                  <a:schemeClr val="accent2">
+                    <a:lumMod val="75000"/>
+                  </a:schemeClr>
+                </a:solidFill>
+              </a:rPr>
+              <a:t>DML</a:t>
+            </a:r>
+            <a:endParaRPr lang="en-US" sz="1600" b="1" dirty="0">
+              <a:solidFill>
+                <a:schemeClr val="accent2">
+                  <a:lumMod val="75000"/>
+                </a:schemeClr>
+              </a:solidFill>
+            </a:endParaRPr>
+          </a:p>
+        </p:txBody>
+      </p:sp>
       <p:pic>
         <p:nvPicPr>
-          <p:cNvPr id="11" name="Picture 2"/>
+          <p:cNvPr id="1026" name="Picture 2"/>
           <p:cNvPicPr>
             <a:picLocks noChangeAspect="1" noChangeArrowheads="1"/>
           </p:cNvPicPr>
           <p:nvPr/>
         </p:nvPicPr>
         <p:blipFill rotWithShape="1">
+          <a:blip r:embed="rId2">
+            <a:extLst>
+              <a:ext uri="{28A0092B-C50C-407E-A947-70E740481C1C}">
+                <a14:useLocalDpi xmlns:a14="http://schemas.microsoft.com/office/drawing/2010/main" val="0"/>
+              </a:ext>
+            </a:extLst>
+          </a:blip>
+          <a:srcRect b="61374"/>
+          <a:stretch/>
+        </p:blipFill>
+        <p:spPr bwMode="auto">
+          <a:xfrm>
+            <a:off x="1066801" y="708516"/>
+            <a:ext cx="7696200" cy="671591"/>
+          </a:xfrm>
+          <a:prstGeom prst="rect">
+            <a:avLst/>
+          </a:prstGeom>
+          <a:noFill/>
+          <a:ln>
+            <a:noFill/>
+          </a:ln>
+          <a:extLst>
+            <a:ext uri="{909E8E84-426E-40DD-AFC4-6F175D3DCCD1}">
+              <a14:hiddenFill xmlns:a14="http://schemas.microsoft.com/office/drawing/2010/main">
+                <a:solidFill>
+                  <a:schemeClr val="accent1"/>
+                </a:solidFill>
+              </a14:hiddenFill>
+            </a:ext>
+            <a:ext uri="{91240B29-F687-4F45-9708-019B960494DF}">
+              <a14:hiddenLine xmlns:a14="http://schemas.microsoft.com/office/drawing/2010/main" w="9525">
+                <a:solidFill>
+                  <a:schemeClr val="tx1"/>
+                </a:solidFill>
+                <a:miter lim="800000"/>
+                <a:headEnd/>
+                <a:tailEnd/>
+              </a14:hiddenLine>
+            </a:ext>
+          </a:extLst>
+        </p:spPr>
+      </p:pic>
+      <p:pic>
+        <p:nvPicPr>
+          <p:cNvPr id="1027" name="Picture 3"/>
+          <p:cNvPicPr>
+            <a:picLocks noChangeAspect="1" noChangeArrowheads="1"/>
+          </p:cNvPicPr>
+          <p:nvPr/>
+        </p:nvPicPr>
+        <p:blipFill>
+          <a:blip r:embed="rId3">
+            <a:extLst>
+              <a:ext uri="{28A0092B-C50C-407E-A947-70E740481C1C}">
+                <a14:useLocalDpi xmlns:a14="http://schemas.microsoft.com/office/drawing/2010/main" val="0"/>
+              </a:ext>
+            </a:extLst>
+          </a:blip>
+          <a:srcRect/>
+          <a:stretch>
+            <a:fillRect/>
+          </a:stretch>
+        </p:blipFill>
+        <p:spPr bwMode="auto">
+          <a:xfrm>
+            <a:off x="1143000" y="1476375"/>
+            <a:ext cx="7620001" cy="385126"/>
+          </a:xfrm>
+          <a:prstGeom prst="rect">
+            <a:avLst/>
+          </a:prstGeom>
+          <a:noFill/>
+          <a:ln>
+            <a:noFill/>
+          </a:ln>
+          <a:extLst>
+            <a:ext uri="{909E8E84-426E-40DD-AFC4-6F175D3DCCD1}">
+              <a14:hiddenFill xmlns:a14="http://schemas.microsoft.com/office/drawing/2010/main">
+                <a:solidFill>
+                  <a:schemeClr val="accent1"/>
+                </a:solidFill>
+              </a14:hiddenFill>
+            </a:ext>
+            <a:ext uri="{91240B29-F687-4F45-9708-019B960494DF}">
+              <a14:hiddenLine xmlns:a14="http://schemas.microsoft.com/office/drawing/2010/main" w="9525">
+                <a:solidFill>
+                  <a:schemeClr val="tx1"/>
+                </a:solidFill>
+                <a:miter lim="800000"/>
+                <a:headEnd/>
+                <a:tailEnd/>
+              </a14:hiddenLine>
+            </a:ext>
+          </a:extLst>
+        </p:spPr>
+      </p:pic>
+      <p:pic>
+        <p:nvPicPr>
+          <p:cNvPr id="1028" name="Picture 4"/>
+          <p:cNvPicPr>
+            <a:picLocks noChangeAspect="1" noChangeArrowheads="1"/>
+          </p:cNvPicPr>
+          <p:nvPr/>
+        </p:nvPicPr>
+        <p:blipFill>
           <a:blip r:embed="rId4">
             <a:extLst>
               <a:ext uri="{28A0092B-C50C-407E-A947-70E740481C1C}">
@@ -5666,13 +7846,15 @@
               </a:ext>
             </a:extLst>
           </a:blip>
-          <a:srcRect t="44155" r="50000"/>
-          <a:stretch/>
+          <a:srcRect/>
+          <a:stretch>
+            <a:fillRect/>
+          </a:stretch>
         </p:blipFill>
         <p:spPr bwMode="auto">
           <a:xfrm>
-            <a:off x="1218044" y="3886200"/>
-            <a:ext cx="2795156" cy="1864599"/>
+            <a:off x="1102244" y="2057400"/>
+            <a:ext cx="7660758" cy="527581"/>
           </a:xfrm>
           <a:prstGeom prst="rect">
             <a:avLst/>
@@ -5702,10 +7884,1351 @@
           </a:extLst>
         </p:spPr>
       </p:pic>
+      <p:pic>
+        <p:nvPicPr>
+          <p:cNvPr id="1029" name="Picture 5"/>
+          <p:cNvPicPr>
+            <a:picLocks noChangeAspect="1" noChangeArrowheads="1"/>
+          </p:cNvPicPr>
+          <p:nvPr/>
+        </p:nvPicPr>
+        <p:blipFill>
+          <a:blip r:embed="rId5">
+            <a:extLst>
+              <a:ext uri="{28A0092B-C50C-407E-A947-70E740481C1C}">
+                <a14:useLocalDpi xmlns:a14="http://schemas.microsoft.com/office/drawing/2010/main" val="0"/>
+              </a:ext>
+            </a:extLst>
+          </a:blip>
+          <a:srcRect/>
+          <a:stretch>
+            <a:fillRect/>
+          </a:stretch>
+        </p:blipFill>
+        <p:spPr bwMode="auto">
+          <a:xfrm>
+            <a:off x="1143000" y="2819400"/>
+            <a:ext cx="5715000" cy="688239"/>
+          </a:xfrm>
+          <a:prstGeom prst="rect">
+            <a:avLst/>
+          </a:prstGeom>
+          <a:noFill/>
+          <a:ln>
+            <a:noFill/>
+          </a:ln>
+          <a:extLst>
+            <a:ext uri="{909E8E84-426E-40DD-AFC4-6F175D3DCCD1}">
+              <a14:hiddenFill xmlns:a14="http://schemas.microsoft.com/office/drawing/2010/main">
+                <a:solidFill>
+                  <a:schemeClr val="accent1"/>
+                </a:solidFill>
+              </a14:hiddenFill>
+            </a:ext>
+            <a:ext uri="{91240B29-F687-4F45-9708-019B960494DF}">
+              <a14:hiddenLine xmlns:a14="http://schemas.microsoft.com/office/drawing/2010/main" w="9525">
+                <a:solidFill>
+                  <a:schemeClr val="tx1"/>
+                </a:solidFill>
+                <a:miter lim="800000"/>
+                <a:headEnd/>
+                <a:tailEnd/>
+              </a14:hiddenLine>
+            </a:ext>
+          </a:extLst>
+        </p:spPr>
+      </p:pic>
+      <p:pic>
+        <p:nvPicPr>
+          <p:cNvPr id="1030" name="Picture 6"/>
+          <p:cNvPicPr>
+            <a:picLocks noChangeAspect="1" noChangeArrowheads="1"/>
+          </p:cNvPicPr>
+          <p:nvPr/>
+        </p:nvPicPr>
+        <p:blipFill>
+          <a:blip r:embed="rId6">
+            <a:extLst>
+              <a:ext uri="{28A0092B-C50C-407E-A947-70E740481C1C}">
+                <a14:useLocalDpi xmlns:a14="http://schemas.microsoft.com/office/drawing/2010/main" val="0"/>
+              </a:ext>
+            </a:extLst>
+          </a:blip>
+          <a:srcRect/>
+          <a:stretch>
+            <a:fillRect/>
+          </a:stretch>
+        </p:blipFill>
+        <p:spPr bwMode="auto">
+          <a:xfrm>
+            <a:off x="1143000" y="3733800"/>
+            <a:ext cx="7696200" cy="669982"/>
+          </a:xfrm>
+          <a:prstGeom prst="rect">
+            <a:avLst/>
+          </a:prstGeom>
+          <a:noFill/>
+          <a:ln>
+            <a:noFill/>
+          </a:ln>
+          <a:extLst>
+            <a:ext uri="{909E8E84-426E-40DD-AFC4-6F175D3DCCD1}">
+              <a14:hiddenFill xmlns:a14="http://schemas.microsoft.com/office/drawing/2010/main">
+                <a:solidFill>
+                  <a:schemeClr val="accent1"/>
+                </a:solidFill>
+              </a14:hiddenFill>
+            </a:ext>
+            <a:ext uri="{91240B29-F687-4F45-9708-019B960494DF}">
+              <a14:hiddenLine xmlns:a14="http://schemas.microsoft.com/office/drawing/2010/main" w="9525">
+                <a:solidFill>
+                  <a:schemeClr val="tx1"/>
+                </a:solidFill>
+                <a:miter lim="800000"/>
+                <a:headEnd/>
+                <a:tailEnd/>
+              </a14:hiddenLine>
+            </a:ext>
+          </a:extLst>
+        </p:spPr>
+      </p:pic>
+      <p:pic>
+        <p:nvPicPr>
+          <p:cNvPr id="1031" name="Picture 7"/>
+          <p:cNvPicPr>
+            <a:picLocks noChangeAspect="1" noChangeArrowheads="1"/>
+          </p:cNvPicPr>
+          <p:nvPr/>
+        </p:nvPicPr>
+        <p:blipFill>
+          <a:blip r:embed="rId7">
+            <a:extLst>
+              <a:ext uri="{28A0092B-C50C-407E-A947-70E740481C1C}">
+                <a14:useLocalDpi xmlns:a14="http://schemas.microsoft.com/office/drawing/2010/main" val="0"/>
+              </a:ext>
+            </a:extLst>
+          </a:blip>
+          <a:srcRect/>
+          <a:stretch>
+            <a:fillRect/>
+          </a:stretch>
+        </p:blipFill>
+        <p:spPr bwMode="auto">
+          <a:xfrm>
+            <a:off x="848168" y="4724400"/>
+            <a:ext cx="7858125" cy="342900"/>
+          </a:xfrm>
+          <a:prstGeom prst="rect">
+            <a:avLst/>
+          </a:prstGeom>
+          <a:noFill/>
+          <a:ln>
+            <a:noFill/>
+          </a:ln>
+          <a:extLst>
+            <a:ext uri="{909E8E84-426E-40DD-AFC4-6F175D3DCCD1}">
+              <a14:hiddenFill xmlns:a14="http://schemas.microsoft.com/office/drawing/2010/main">
+                <a:solidFill>
+                  <a:schemeClr val="accent1"/>
+                </a:solidFill>
+              </a14:hiddenFill>
+            </a:ext>
+            <a:ext uri="{91240B29-F687-4F45-9708-019B960494DF}">
+              <a14:hiddenLine xmlns:a14="http://schemas.microsoft.com/office/drawing/2010/main" w="9525">
+                <a:solidFill>
+                  <a:schemeClr val="tx1"/>
+                </a:solidFill>
+                <a:miter lim="800000"/>
+                <a:headEnd/>
+                <a:tailEnd/>
+              </a14:hiddenLine>
+            </a:ext>
+          </a:extLst>
+        </p:spPr>
+      </p:pic>
     </p:spTree>
     <p:extLst>
       <p:ext uri="{BB962C8B-B14F-4D97-AF65-F5344CB8AC3E}">
-        <p14:creationId xmlns:p14="http://schemas.microsoft.com/office/powerpoint/2010/main" val="783896466"/>
+        <p14:creationId xmlns:p14="http://schemas.microsoft.com/office/powerpoint/2010/main" val="3576409056"/>
+      </p:ext>
+    </p:extLst>
+  </p:cSld>
+  <p:clrMapOvr>
+    <a:masterClrMapping/>
+  </p:clrMapOvr>
+</p:sld>
+</file>
+
+<file path=ppt/slides/slide23.xml><?xml version="1.0" encoding="utf-8"?>
+<p:sld xmlns:a="http://schemas.openxmlformats.org/drawingml/2006/main" xmlns:r="http://schemas.openxmlformats.org/officeDocument/2006/relationships" xmlns:p="http://schemas.openxmlformats.org/presentationml/2006/main">
+  <p:cSld>
+    <p:spTree>
+      <p:nvGrpSpPr>
+        <p:cNvPr id="1" name=""/>
+        <p:cNvGrpSpPr/>
+        <p:nvPr/>
+      </p:nvGrpSpPr>
+      <p:grpSpPr>
+        <a:xfrm>
+          <a:off x="0" y="0"/>
+          <a:ext cx="0" cy="0"/>
+          <a:chOff x="0" y="0"/>
+          <a:chExt cx="0" cy="0"/>
+        </a:xfrm>
+      </p:grpSpPr>
+      <p:cxnSp>
+        <p:nvCxnSpPr>
+          <p:cNvPr id="4" name="Straight Connector 3"/>
+          <p:cNvCxnSpPr/>
+          <p:nvPr/>
+        </p:nvCxnSpPr>
+        <p:spPr>
+          <a:xfrm>
+            <a:off x="990600" y="533400"/>
+            <a:ext cx="7696200" cy="0"/>
+          </a:xfrm>
+          <a:prstGeom prst="line">
+            <a:avLst/>
+          </a:prstGeom>
+          <a:ln>
+            <a:solidFill>
+              <a:schemeClr val="accent2">
+                <a:lumMod val="75000"/>
+              </a:schemeClr>
+            </a:solidFill>
+          </a:ln>
+        </p:spPr>
+        <p:style>
+          <a:lnRef idx="1">
+            <a:schemeClr val="accent3"/>
+          </a:lnRef>
+          <a:fillRef idx="0">
+            <a:schemeClr val="accent3"/>
+          </a:fillRef>
+          <a:effectRef idx="0">
+            <a:schemeClr val="accent3"/>
+          </a:effectRef>
+          <a:fontRef idx="minor">
+            <a:schemeClr val="tx1"/>
+          </a:fontRef>
+        </p:style>
+      </p:cxnSp>
+      <p:sp>
+        <p:nvSpPr>
+          <p:cNvPr id="5" name="TextBox 4"/>
+          <p:cNvSpPr txBox="1"/>
+          <p:nvPr/>
+        </p:nvSpPr>
+        <p:spPr>
+          <a:xfrm>
+            <a:off x="990600" y="194846"/>
+            <a:ext cx="7772400" cy="338554"/>
+          </a:xfrm>
+          <a:prstGeom prst="rect">
+            <a:avLst/>
+          </a:prstGeom>
+          <a:noFill/>
+        </p:spPr>
+        <p:txBody>
+          <a:bodyPr wrap="square" rtlCol="0">
+            <a:spAutoFit/>
+          </a:bodyPr>
+          <a:lstStyle/>
+          <a:p>
+            <a:r>
+              <a:rPr lang="en-US" sz="1600" b="1" dirty="0" smtClean="0">
+                <a:solidFill>
+                  <a:schemeClr val="accent2">
+                    <a:lumMod val="75000"/>
+                  </a:schemeClr>
+                </a:solidFill>
+              </a:rPr>
+              <a:t>DML</a:t>
+            </a:r>
+            <a:endParaRPr lang="en-US" sz="1600" b="1" dirty="0">
+              <a:solidFill>
+                <a:schemeClr val="accent2">
+                  <a:lumMod val="75000"/>
+                </a:schemeClr>
+              </a:solidFill>
+            </a:endParaRPr>
+          </a:p>
+        </p:txBody>
+      </p:sp>
+      <p:pic>
+        <p:nvPicPr>
+          <p:cNvPr id="2050" name="Picture 2"/>
+          <p:cNvPicPr>
+            <a:picLocks noChangeAspect="1" noChangeArrowheads="1"/>
+          </p:cNvPicPr>
+          <p:nvPr/>
+        </p:nvPicPr>
+        <p:blipFill>
+          <a:blip r:embed="rId2">
+            <a:extLst>
+              <a:ext uri="{28A0092B-C50C-407E-A947-70E740481C1C}">
+                <a14:useLocalDpi xmlns:a14="http://schemas.microsoft.com/office/drawing/2010/main" val="0"/>
+              </a:ext>
+            </a:extLst>
+          </a:blip>
+          <a:srcRect/>
+          <a:stretch>
+            <a:fillRect/>
+          </a:stretch>
+        </p:blipFill>
+        <p:spPr bwMode="auto">
+          <a:xfrm>
+            <a:off x="1207293" y="1524000"/>
+            <a:ext cx="7661153" cy="3124200"/>
+          </a:xfrm>
+          <a:prstGeom prst="rect">
+            <a:avLst/>
+          </a:prstGeom>
+          <a:noFill/>
+          <a:ln>
+            <a:noFill/>
+          </a:ln>
+          <a:extLst>
+            <a:ext uri="{909E8E84-426E-40DD-AFC4-6F175D3DCCD1}">
+              <a14:hiddenFill xmlns:a14="http://schemas.microsoft.com/office/drawing/2010/main">
+                <a:solidFill>
+                  <a:schemeClr val="accent1"/>
+                </a:solidFill>
+              </a14:hiddenFill>
+            </a:ext>
+            <a:ext uri="{91240B29-F687-4F45-9708-019B960494DF}">
+              <a14:hiddenLine xmlns:a14="http://schemas.microsoft.com/office/drawing/2010/main" w="9525">
+                <a:solidFill>
+                  <a:schemeClr val="tx1"/>
+                </a:solidFill>
+                <a:miter lim="800000"/>
+                <a:headEnd/>
+                <a:tailEnd/>
+              </a14:hiddenLine>
+            </a:ext>
+          </a:extLst>
+        </p:spPr>
+      </p:pic>
+    </p:spTree>
+    <p:extLst>
+      <p:ext uri="{BB962C8B-B14F-4D97-AF65-F5344CB8AC3E}">
+        <p14:creationId xmlns:p14="http://schemas.microsoft.com/office/powerpoint/2010/main" val="90231683"/>
+      </p:ext>
+    </p:extLst>
+  </p:cSld>
+  <p:clrMapOvr>
+    <a:masterClrMapping/>
+  </p:clrMapOvr>
+</p:sld>
+</file>
+
+<file path=ppt/slides/slide24.xml><?xml version="1.0" encoding="utf-8"?>
+<p:sld xmlns:a="http://schemas.openxmlformats.org/drawingml/2006/main" xmlns:r="http://schemas.openxmlformats.org/officeDocument/2006/relationships" xmlns:p="http://schemas.openxmlformats.org/presentationml/2006/main">
+  <p:cSld>
+    <p:spTree>
+      <p:nvGrpSpPr>
+        <p:cNvPr id="1" name=""/>
+        <p:cNvGrpSpPr/>
+        <p:nvPr/>
+      </p:nvGrpSpPr>
+      <p:grpSpPr>
+        <a:xfrm>
+          <a:off x="0" y="0"/>
+          <a:ext cx="0" cy="0"/>
+          <a:chOff x="0" y="0"/>
+          <a:chExt cx="0" cy="0"/>
+        </a:xfrm>
+      </p:grpSpPr>
+      <p:cxnSp>
+        <p:nvCxnSpPr>
+          <p:cNvPr id="4" name="Straight Connector 3"/>
+          <p:cNvCxnSpPr/>
+          <p:nvPr/>
+        </p:nvCxnSpPr>
+        <p:spPr>
+          <a:xfrm>
+            <a:off x="990600" y="533400"/>
+            <a:ext cx="7696200" cy="0"/>
+          </a:xfrm>
+          <a:prstGeom prst="line">
+            <a:avLst/>
+          </a:prstGeom>
+          <a:ln>
+            <a:solidFill>
+              <a:schemeClr val="accent2">
+                <a:lumMod val="75000"/>
+              </a:schemeClr>
+            </a:solidFill>
+          </a:ln>
+        </p:spPr>
+        <p:style>
+          <a:lnRef idx="1">
+            <a:schemeClr val="accent3"/>
+          </a:lnRef>
+          <a:fillRef idx="0">
+            <a:schemeClr val="accent3"/>
+          </a:fillRef>
+          <a:effectRef idx="0">
+            <a:schemeClr val="accent3"/>
+          </a:effectRef>
+          <a:fontRef idx="minor">
+            <a:schemeClr val="tx1"/>
+          </a:fontRef>
+        </p:style>
+      </p:cxnSp>
+      <p:sp>
+        <p:nvSpPr>
+          <p:cNvPr id="5" name="TextBox 4"/>
+          <p:cNvSpPr txBox="1"/>
+          <p:nvPr/>
+        </p:nvSpPr>
+        <p:spPr>
+          <a:xfrm>
+            <a:off x="990600" y="194846"/>
+            <a:ext cx="7772400" cy="338554"/>
+          </a:xfrm>
+          <a:prstGeom prst="rect">
+            <a:avLst/>
+          </a:prstGeom>
+          <a:noFill/>
+        </p:spPr>
+        <p:txBody>
+          <a:bodyPr wrap="square" rtlCol="0">
+            <a:spAutoFit/>
+          </a:bodyPr>
+          <a:lstStyle/>
+          <a:p>
+            <a:r>
+              <a:rPr lang="en-US" sz="1600" b="1" dirty="0" smtClean="0">
+                <a:solidFill>
+                  <a:schemeClr val="accent2">
+                    <a:lumMod val="75000"/>
+                  </a:schemeClr>
+                </a:solidFill>
+              </a:rPr>
+              <a:t>DML</a:t>
+            </a:r>
+            <a:endParaRPr lang="en-US" sz="1600" b="1" dirty="0">
+              <a:solidFill>
+                <a:schemeClr val="accent2">
+                  <a:lumMod val="75000"/>
+                </a:schemeClr>
+              </a:solidFill>
+            </a:endParaRPr>
+          </a:p>
+        </p:txBody>
+      </p:sp>
+      <p:pic>
+        <p:nvPicPr>
+          <p:cNvPr id="3074" name="Picture 2"/>
+          <p:cNvPicPr>
+            <a:picLocks noChangeAspect="1" noChangeArrowheads="1"/>
+          </p:cNvPicPr>
+          <p:nvPr/>
+        </p:nvPicPr>
+        <p:blipFill>
+          <a:blip r:embed="rId2">
+            <a:extLst>
+              <a:ext uri="{28A0092B-C50C-407E-A947-70E740481C1C}">
+                <a14:useLocalDpi xmlns:a14="http://schemas.microsoft.com/office/drawing/2010/main" val="0"/>
+              </a:ext>
+            </a:extLst>
+          </a:blip>
+          <a:srcRect/>
+          <a:stretch>
+            <a:fillRect/>
+          </a:stretch>
+        </p:blipFill>
+        <p:spPr bwMode="auto">
+          <a:xfrm>
+            <a:off x="1366089" y="1219200"/>
+            <a:ext cx="6945222" cy="2752725"/>
+          </a:xfrm>
+          <a:prstGeom prst="rect">
+            <a:avLst/>
+          </a:prstGeom>
+          <a:noFill/>
+          <a:ln>
+            <a:noFill/>
+          </a:ln>
+          <a:extLst>
+            <a:ext uri="{909E8E84-426E-40DD-AFC4-6F175D3DCCD1}">
+              <a14:hiddenFill xmlns:a14="http://schemas.microsoft.com/office/drawing/2010/main">
+                <a:solidFill>
+                  <a:schemeClr val="accent1"/>
+                </a:solidFill>
+              </a14:hiddenFill>
+            </a:ext>
+            <a:ext uri="{91240B29-F687-4F45-9708-019B960494DF}">
+              <a14:hiddenLine xmlns:a14="http://schemas.microsoft.com/office/drawing/2010/main" w="9525">
+                <a:solidFill>
+                  <a:schemeClr val="tx1"/>
+                </a:solidFill>
+                <a:miter lim="800000"/>
+                <a:headEnd/>
+                <a:tailEnd/>
+              </a14:hiddenLine>
+            </a:ext>
+          </a:extLst>
+        </p:spPr>
+      </p:pic>
+    </p:spTree>
+    <p:extLst>
+      <p:ext uri="{BB962C8B-B14F-4D97-AF65-F5344CB8AC3E}">
+        <p14:creationId xmlns:p14="http://schemas.microsoft.com/office/powerpoint/2010/main" val="90231683"/>
+      </p:ext>
+    </p:extLst>
+  </p:cSld>
+  <p:clrMapOvr>
+    <a:masterClrMapping/>
+  </p:clrMapOvr>
+</p:sld>
+</file>
+
+<file path=ppt/slides/slide25.xml><?xml version="1.0" encoding="utf-8"?>
+<p:sld xmlns:a="http://schemas.openxmlformats.org/drawingml/2006/main" xmlns:r="http://schemas.openxmlformats.org/officeDocument/2006/relationships" xmlns:p="http://schemas.openxmlformats.org/presentationml/2006/main">
+  <p:cSld>
+    <p:spTree>
+      <p:nvGrpSpPr>
+        <p:cNvPr id="1" name=""/>
+        <p:cNvGrpSpPr/>
+        <p:nvPr/>
+      </p:nvGrpSpPr>
+      <p:grpSpPr>
+        <a:xfrm>
+          <a:off x="0" y="0"/>
+          <a:ext cx="0" cy="0"/>
+          <a:chOff x="0" y="0"/>
+          <a:chExt cx="0" cy="0"/>
+        </a:xfrm>
+      </p:grpSpPr>
+      <p:cxnSp>
+        <p:nvCxnSpPr>
+          <p:cNvPr id="4" name="Straight Connector 3"/>
+          <p:cNvCxnSpPr/>
+          <p:nvPr/>
+        </p:nvCxnSpPr>
+        <p:spPr>
+          <a:xfrm>
+            <a:off x="990600" y="533400"/>
+            <a:ext cx="7696200" cy="0"/>
+          </a:xfrm>
+          <a:prstGeom prst="line">
+            <a:avLst/>
+          </a:prstGeom>
+          <a:ln>
+            <a:solidFill>
+              <a:schemeClr val="accent2">
+                <a:lumMod val="75000"/>
+              </a:schemeClr>
+            </a:solidFill>
+          </a:ln>
+        </p:spPr>
+        <p:style>
+          <a:lnRef idx="1">
+            <a:schemeClr val="accent3"/>
+          </a:lnRef>
+          <a:fillRef idx="0">
+            <a:schemeClr val="accent3"/>
+          </a:fillRef>
+          <a:effectRef idx="0">
+            <a:schemeClr val="accent3"/>
+          </a:effectRef>
+          <a:fontRef idx="minor">
+            <a:schemeClr val="tx1"/>
+          </a:fontRef>
+        </p:style>
+      </p:cxnSp>
+      <p:sp>
+        <p:nvSpPr>
+          <p:cNvPr id="5" name="TextBox 4"/>
+          <p:cNvSpPr txBox="1"/>
+          <p:nvPr/>
+        </p:nvSpPr>
+        <p:spPr>
+          <a:xfrm>
+            <a:off x="990600" y="194846"/>
+            <a:ext cx="7772400" cy="338554"/>
+          </a:xfrm>
+          <a:prstGeom prst="rect">
+            <a:avLst/>
+          </a:prstGeom>
+          <a:noFill/>
+        </p:spPr>
+        <p:txBody>
+          <a:bodyPr wrap="square" rtlCol="0">
+            <a:spAutoFit/>
+          </a:bodyPr>
+          <a:lstStyle/>
+          <a:p>
+            <a:r>
+              <a:rPr lang="en-US" sz="1600" b="1" dirty="0" smtClean="0">
+                <a:solidFill>
+                  <a:schemeClr val="accent2">
+                    <a:lumMod val="75000"/>
+                  </a:schemeClr>
+                </a:solidFill>
+              </a:rPr>
+              <a:t>DML</a:t>
+            </a:r>
+            <a:endParaRPr lang="en-US" sz="1600" b="1" dirty="0">
+              <a:solidFill>
+                <a:schemeClr val="accent2">
+                  <a:lumMod val="75000"/>
+                </a:schemeClr>
+              </a:solidFill>
+            </a:endParaRPr>
+          </a:p>
+        </p:txBody>
+      </p:sp>
+      <p:pic>
+        <p:nvPicPr>
+          <p:cNvPr id="4098" name="Picture 2"/>
+          <p:cNvPicPr>
+            <a:picLocks noChangeAspect="1" noChangeArrowheads="1"/>
+          </p:cNvPicPr>
+          <p:nvPr/>
+        </p:nvPicPr>
+        <p:blipFill>
+          <a:blip r:embed="rId2">
+            <a:extLst>
+              <a:ext uri="{28A0092B-C50C-407E-A947-70E740481C1C}">
+                <a14:useLocalDpi xmlns:a14="http://schemas.microsoft.com/office/drawing/2010/main" val="0"/>
+              </a:ext>
+            </a:extLst>
+          </a:blip>
+          <a:srcRect/>
+          <a:stretch>
+            <a:fillRect/>
+          </a:stretch>
+        </p:blipFill>
+        <p:spPr bwMode="auto">
+          <a:xfrm>
+            <a:off x="1178829" y="685800"/>
+            <a:ext cx="7507971" cy="2781935"/>
+          </a:xfrm>
+          <a:prstGeom prst="rect">
+            <a:avLst/>
+          </a:prstGeom>
+          <a:noFill/>
+          <a:ln>
+            <a:noFill/>
+          </a:ln>
+          <a:extLst>
+            <a:ext uri="{909E8E84-426E-40DD-AFC4-6F175D3DCCD1}">
+              <a14:hiddenFill xmlns:a14="http://schemas.microsoft.com/office/drawing/2010/main">
+                <a:solidFill>
+                  <a:schemeClr val="accent1"/>
+                </a:solidFill>
+              </a14:hiddenFill>
+            </a:ext>
+            <a:ext uri="{91240B29-F687-4F45-9708-019B960494DF}">
+              <a14:hiddenLine xmlns:a14="http://schemas.microsoft.com/office/drawing/2010/main" w="9525">
+                <a:solidFill>
+                  <a:schemeClr val="tx1"/>
+                </a:solidFill>
+                <a:miter lim="800000"/>
+                <a:headEnd/>
+                <a:tailEnd/>
+              </a14:hiddenLine>
+            </a:ext>
+          </a:extLst>
+        </p:spPr>
+      </p:pic>
+    </p:spTree>
+    <p:extLst>
+      <p:ext uri="{BB962C8B-B14F-4D97-AF65-F5344CB8AC3E}">
+        <p14:creationId xmlns:p14="http://schemas.microsoft.com/office/powerpoint/2010/main" val="90231683"/>
+      </p:ext>
+    </p:extLst>
+  </p:cSld>
+  <p:clrMapOvr>
+    <a:masterClrMapping/>
+  </p:clrMapOvr>
+</p:sld>
+</file>
+
+<file path=ppt/slides/slide26.xml><?xml version="1.0" encoding="utf-8"?>
+<p:sld xmlns:a="http://schemas.openxmlformats.org/drawingml/2006/main" xmlns:r="http://schemas.openxmlformats.org/officeDocument/2006/relationships" xmlns:p="http://schemas.openxmlformats.org/presentationml/2006/main">
+  <p:cSld>
+    <p:spTree>
+      <p:nvGrpSpPr>
+        <p:cNvPr id="1" name=""/>
+        <p:cNvGrpSpPr/>
+        <p:nvPr/>
+      </p:nvGrpSpPr>
+      <p:grpSpPr>
+        <a:xfrm>
+          <a:off x="0" y="0"/>
+          <a:ext cx="0" cy="0"/>
+          <a:chOff x="0" y="0"/>
+          <a:chExt cx="0" cy="0"/>
+        </a:xfrm>
+      </p:grpSpPr>
+      <p:cxnSp>
+        <p:nvCxnSpPr>
+          <p:cNvPr id="4" name="Straight Connector 3"/>
+          <p:cNvCxnSpPr/>
+          <p:nvPr/>
+        </p:nvCxnSpPr>
+        <p:spPr>
+          <a:xfrm>
+            <a:off x="990600" y="533400"/>
+            <a:ext cx="7696200" cy="0"/>
+          </a:xfrm>
+          <a:prstGeom prst="line">
+            <a:avLst/>
+          </a:prstGeom>
+          <a:ln>
+            <a:solidFill>
+              <a:schemeClr val="accent2">
+                <a:lumMod val="75000"/>
+              </a:schemeClr>
+            </a:solidFill>
+          </a:ln>
+        </p:spPr>
+        <p:style>
+          <a:lnRef idx="1">
+            <a:schemeClr val="accent3"/>
+          </a:lnRef>
+          <a:fillRef idx="0">
+            <a:schemeClr val="accent3"/>
+          </a:fillRef>
+          <a:effectRef idx="0">
+            <a:schemeClr val="accent3"/>
+          </a:effectRef>
+          <a:fontRef idx="minor">
+            <a:schemeClr val="tx1"/>
+          </a:fontRef>
+        </p:style>
+      </p:cxnSp>
+      <p:sp>
+        <p:nvSpPr>
+          <p:cNvPr id="5" name="TextBox 4"/>
+          <p:cNvSpPr txBox="1"/>
+          <p:nvPr/>
+        </p:nvSpPr>
+        <p:spPr>
+          <a:xfrm>
+            <a:off x="990600" y="194846"/>
+            <a:ext cx="7772400" cy="338554"/>
+          </a:xfrm>
+          <a:prstGeom prst="rect">
+            <a:avLst/>
+          </a:prstGeom>
+          <a:noFill/>
+        </p:spPr>
+        <p:txBody>
+          <a:bodyPr wrap="square" rtlCol="0">
+            <a:spAutoFit/>
+          </a:bodyPr>
+          <a:lstStyle/>
+          <a:p>
+            <a:r>
+              <a:rPr lang="en-US" sz="1600" b="1" dirty="0" smtClean="0">
+                <a:solidFill>
+                  <a:schemeClr val="accent2">
+                    <a:lumMod val="75000"/>
+                  </a:schemeClr>
+                </a:solidFill>
+              </a:rPr>
+              <a:t>DML</a:t>
+            </a:r>
+            <a:endParaRPr lang="en-US" sz="1600" b="1" dirty="0">
+              <a:solidFill>
+                <a:schemeClr val="accent2">
+                  <a:lumMod val="75000"/>
+                </a:schemeClr>
+              </a:solidFill>
+            </a:endParaRPr>
+          </a:p>
+        </p:txBody>
+      </p:sp>
+      <p:pic>
+        <p:nvPicPr>
+          <p:cNvPr id="5122" name="Picture 2"/>
+          <p:cNvPicPr>
+            <a:picLocks noChangeAspect="1" noChangeArrowheads="1"/>
+          </p:cNvPicPr>
+          <p:nvPr/>
+        </p:nvPicPr>
+        <p:blipFill>
+          <a:blip r:embed="rId2">
+            <a:extLst>
+              <a:ext uri="{28A0092B-C50C-407E-A947-70E740481C1C}">
+                <a14:useLocalDpi xmlns:a14="http://schemas.microsoft.com/office/drawing/2010/main" val="0"/>
+              </a:ext>
+            </a:extLst>
+          </a:blip>
+          <a:srcRect/>
+          <a:stretch>
+            <a:fillRect/>
+          </a:stretch>
+        </p:blipFill>
+        <p:spPr bwMode="auto">
+          <a:xfrm>
+            <a:off x="1154906" y="685799"/>
+            <a:ext cx="7531894" cy="2774479"/>
+          </a:xfrm>
+          <a:prstGeom prst="rect">
+            <a:avLst/>
+          </a:prstGeom>
+          <a:noFill/>
+          <a:ln>
+            <a:noFill/>
+          </a:ln>
+          <a:extLst>
+            <a:ext uri="{909E8E84-426E-40DD-AFC4-6F175D3DCCD1}">
+              <a14:hiddenFill xmlns:a14="http://schemas.microsoft.com/office/drawing/2010/main">
+                <a:solidFill>
+                  <a:schemeClr val="accent1"/>
+                </a:solidFill>
+              </a14:hiddenFill>
+            </a:ext>
+            <a:ext uri="{91240B29-F687-4F45-9708-019B960494DF}">
+              <a14:hiddenLine xmlns:a14="http://schemas.microsoft.com/office/drawing/2010/main" w="9525">
+                <a:solidFill>
+                  <a:schemeClr val="tx1"/>
+                </a:solidFill>
+                <a:miter lim="800000"/>
+                <a:headEnd/>
+                <a:tailEnd/>
+              </a14:hiddenLine>
+            </a:ext>
+          </a:extLst>
+        </p:spPr>
+      </p:pic>
+    </p:spTree>
+    <p:extLst>
+      <p:ext uri="{BB962C8B-B14F-4D97-AF65-F5344CB8AC3E}">
+        <p14:creationId xmlns:p14="http://schemas.microsoft.com/office/powerpoint/2010/main" val="1266989789"/>
+      </p:ext>
+    </p:extLst>
+  </p:cSld>
+  <p:clrMapOvr>
+    <a:masterClrMapping/>
+  </p:clrMapOvr>
+</p:sld>
+</file>
+
+<file path=ppt/slides/slide27.xml><?xml version="1.0" encoding="utf-8"?>
+<p:sld xmlns:a="http://schemas.openxmlformats.org/drawingml/2006/main" xmlns:r="http://schemas.openxmlformats.org/officeDocument/2006/relationships" xmlns:p="http://schemas.openxmlformats.org/presentationml/2006/main">
+  <p:cSld>
+    <p:spTree>
+      <p:nvGrpSpPr>
+        <p:cNvPr id="1" name=""/>
+        <p:cNvGrpSpPr/>
+        <p:nvPr/>
+      </p:nvGrpSpPr>
+      <p:grpSpPr>
+        <a:xfrm>
+          <a:off x="0" y="0"/>
+          <a:ext cx="0" cy="0"/>
+          <a:chOff x="0" y="0"/>
+          <a:chExt cx="0" cy="0"/>
+        </a:xfrm>
+      </p:grpSpPr>
+      <p:cxnSp>
+        <p:nvCxnSpPr>
+          <p:cNvPr id="4" name="Straight Connector 3"/>
+          <p:cNvCxnSpPr/>
+          <p:nvPr/>
+        </p:nvCxnSpPr>
+        <p:spPr>
+          <a:xfrm>
+            <a:off x="990600" y="533400"/>
+            <a:ext cx="7696200" cy="0"/>
+          </a:xfrm>
+          <a:prstGeom prst="line">
+            <a:avLst/>
+          </a:prstGeom>
+          <a:ln>
+            <a:solidFill>
+              <a:schemeClr val="accent2">
+                <a:lumMod val="75000"/>
+              </a:schemeClr>
+            </a:solidFill>
+          </a:ln>
+        </p:spPr>
+        <p:style>
+          <a:lnRef idx="1">
+            <a:schemeClr val="accent3"/>
+          </a:lnRef>
+          <a:fillRef idx="0">
+            <a:schemeClr val="accent3"/>
+          </a:fillRef>
+          <a:effectRef idx="0">
+            <a:schemeClr val="accent3"/>
+          </a:effectRef>
+          <a:fontRef idx="minor">
+            <a:schemeClr val="tx1"/>
+          </a:fontRef>
+        </p:style>
+      </p:cxnSp>
+      <p:sp>
+        <p:nvSpPr>
+          <p:cNvPr id="5" name="TextBox 4"/>
+          <p:cNvSpPr txBox="1"/>
+          <p:nvPr/>
+        </p:nvSpPr>
+        <p:spPr>
+          <a:xfrm>
+            <a:off x="990600" y="194846"/>
+            <a:ext cx="7772400" cy="338554"/>
+          </a:xfrm>
+          <a:prstGeom prst="rect">
+            <a:avLst/>
+          </a:prstGeom>
+          <a:noFill/>
+        </p:spPr>
+        <p:txBody>
+          <a:bodyPr wrap="square" rtlCol="0">
+            <a:spAutoFit/>
+          </a:bodyPr>
+          <a:lstStyle/>
+          <a:p>
+            <a:r>
+              <a:rPr lang="en-US" sz="1600" b="1" dirty="0" smtClean="0">
+                <a:solidFill>
+                  <a:schemeClr val="accent2">
+                    <a:lumMod val="75000"/>
+                  </a:schemeClr>
+                </a:solidFill>
+              </a:rPr>
+              <a:t>DML</a:t>
+            </a:r>
+            <a:endParaRPr lang="en-US" sz="1600" b="1" dirty="0">
+              <a:solidFill>
+                <a:schemeClr val="accent2">
+                  <a:lumMod val="75000"/>
+                </a:schemeClr>
+              </a:solidFill>
+            </a:endParaRPr>
+          </a:p>
+        </p:txBody>
+      </p:sp>
+      <p:pic>
+        <p:nvPicPr>
+          <p:cNvPr id="6146" name="Picture 2"/>
+          <p:cNvPicPr>
+            <a:picLocks noChangeAspect="1" noChangeArrowheads="1"/>
+          </p:cNvPicPr>
+          <p:nvPr/>
+        </p:nvPicPr>
+        <p:blipFill>
+          <a:blip r:embed="rId2">
+            <a:extLst>
+              <a:ext uri="{28A0092B-C50C-407E-A947-70E740481C1C}">
+                <a14:useLocalDpi xmlns:a14="http://schemas.microsoft.com/office/drawing/2010/main" val="0"/>
+              </a:ext>
+            </a:extLst>
+          </a:blip>
+          <a:srcRect/>
+          <a:stretch>
+            <a:fillRect/>
+          </a:stretch>
+        </p:blipFill>
+        <p:spPr bwMode="auto">
+          <a:xfrm>
+            <a:off x="1143000" y="685800"/>
+            <a:ext cx="6324600" cy="762000"/>
+          </a:xfrm>
+          <a:prstGeom prst="rect">
+            <a:avLst/>
+          </a:prstGeom>
+          <a:noFill/>
+          <a:ln>
+            <a:noFill/>
+          </a:ln>
+          <a:extLst>
+            <a:ext uri="{909E8E84-426E-40DD-AFC4-6F175D3DCCD1}">
+              <a14:hiddenFill xmlns:a14="http://schemas.microsoft.com/office/drawing/2010/main">
+                <a:solidFill>
+                  <a:schemeClr val="accent1"/>
+                </a:solidFill>
+              </a14:hiddenFill>
+            </a:ext>
+            <a:ext uri="{91240B29-F687-4F45-9708-019B960494DF}">
+              <a14:hiddenLine xmlns:a14="http://schemas.microsoft.com/office/drawing/2010/main" w="9525">
+                <a:solidFill>
+                  <a:schemeClr val="tx1"/>
+                </a:solidFill>
+                <a:miter lim="800000"/>
+                <a:headEnd/>
+                <a:tailEnd/>
+              </a14:hiddenLine>
+            </a:ext>
+          </a:extLst>
+        </p:spPr>
+      </p:pic>
+    </p:spTree>
+    <p:extLst>
+      <p:ext uri="{BB962C8B-B14F-4D97-AF65-F5344CB8AC3E}">
+        <p14:creationId xmlns:p14="http://schemas.microsoft.com/office/powerpoint/2010/main" val="1266989789"/>
+      </p:ext>
+    </p:extLst>
+  </p:cSld>
+  <p:clrMapOvr>
+    <a:masterClrMapping/>
+  </p:clrMapOvr>
+</p:sld>
+</file>
+
+<file path=ppt/slides/slide28.xml><?xml version="1.0" encoding="utf-8"?>
+<p:sld xmlns:a="http://schemas.openxmlformats.org/drawingml/2006/main" xmlns:r="http://schemas.openxmlformats.org/officeDocument/2006/relationships" xmlns:p="http://schemas.openxmlformats.org/presentationml/2006/main">
+  <p:cSld>
+    <p:spTree>
+      <p:nvGrpSpPr>
+        <p:cNvPr id="1" name=""/>
+        <p:cNvGrpSpPr/>
+        <p:nvPr/>
+      </p:nvGrpSpPr>
+      <p:grpSpPr>
+        <a:xfrm>
+          <a:off x="0" y="0"/>
+          <a:ext cx="0" cy="0"/>
+          <a:chOff x="0" y="0"/>
+          <a:chExt cx="0" cy="0"/>
+        </a:xfrm>
+      </p:grpSpPr>
+      <p:pic>
+        <p:nvPicPr>
+          <p:cNvPr id="7170" name="Picture 2"/>
+          <p:cNvPicPr>
+            <a:picLocks noChangeAspect="1" noChangeArrowheads="1"/>
+          </p:cNvPicPr>
+          <p:nvPr/>
+        </p:nvPicPr>
+        <p:blipFill>
+          <a:blip r:embed="rId2">
+            <a:extLst>
+              <a:ext uri="{28A0092B-C50C-407E-A947-70E740481C1C}">
+                <a14:useLocalDpi xmlns:a14="http://schemas.microsoft.com/office/drawing/2010/main" val="0"/>
+              </a:ext>
+            </a:extLst>
+          </a:blip>
+          <a:srcRect/>
+          <a:stretch>
+            <a:fillRect/>
+          </a:stretch>
+        </p:blipFill>
+        <p:spPr bwMode="auto">
+          <a:xfrm>
+            <a:off x="1055551" y="730102"/>
+            <a:ext cx="7725170" cy="3187000"/>
+          </a:xfrm>
+          <a:prstGeom prst="rect">
+            <a:avLst/>
+          </a:prstGeom>
+          <a:noFill/>
+          <a:ln>
+            <a:noFill/>
+          </a:ln>
+          <a:extLst>
+            <a:ext uri="{909E8E84-426E-40DD-AFC4-6F175D3DCCD1}">
+              <a14:hiddenFill xmlns:a14="http://schemas.microsoft.com/office/drawing/2010/main">
+                <a:solidFill>
+                  <a:schemeClr val="accent1"/>
+                </a:solidFill>
+              </a14:hiddenFill>
+            </a:ext>
+            <a:ext uri="{91240B29-F687-4F45-9708-019B960494DF}">
+              <a14:hiddenLine xmlns:a14="http://schemas.microsoft.com/office/drawing/2010/main" w="9525">
+                <a:solidFill>
+                  <a:schemeClr val="tx1"/>
+                </a:solidFill>
+                <a:miter lim="800000"/>
+                <a:headEnd/>
+                <a:tailEnd/>
+              </a14:hiddenLine>
+            </a:ext>
+          </a:extLst>
+        </p:spPr>
+      </p:pic>
+      <p:cxnSp>
+        <p:nvCxnSpPr>
+          <p:cNvPr id="5" name="Straight Connector 4"/>
+          <p:cNvCxnSpPr/>
+          <p:nvPr/>
+        </p:nvCxnSpPr>
+        <p:spPr>
+          <a:xfrm>
+            <a:off x="990600" y="533400"/>
+            <a:ext cx="7696200" cy="0"/>
+          </a:xfrm>
+          <a:prstGeom prst="line">
+            <a:avLst/>
+          </a:prstGeom>
+          <a:ln>
+            <a:solidFill>
+              <a:schemeClr val="accent2">
+                <a:lumMod val="75000"/>
+              </a:schemeClr>
+            </a:solidFill>
+          </a:ln>
+        </p:spPr>
+        <p:style>
+          <a:lnRef idx="1">
+            <a:schemeClr val="accent3"/>
+          </a:lnRef>
+          <a:fillRef idx="0">
+            <a:schemeClr val="accent3"/>
+          </a:fillRef>
+          <a:effectRef idx="0">
+            <a:schemeClr val="accent3"/>
+          </a:effectRef>
+          <a:fontRef idx="minor">
+            <a:schemeClr val="tx1"/>
+          </a:fontRef>
+        </p:style>
+      </p:cxnSp>
+      <p:sp>
+        <p:nvSpPr>
+          <p:cNvPr id="6" name="TextBox 5"/>
+          <p:cNvSpPr txBox="1"/>
+          <p:nvPr/>
+        </p:nvSpPr>
+        <p:spPr>
+          <a:xfrm>
+            <a:off x="990600" y="194846"/>
+            <a:ext cx="7772400" cy="338554"/>
+          </a:xfrm>
+          <a:prstGeom prst="rect">
+            <a:avLst/>
+          </a:prstGeom>
+          <a:noFill/>
+        </p:spPr>
+        <p:txBody>
+          <a:bodyPr wrap="square" rtlCol="0">
+            <a:spAutoFit/>
+          </a:bodyPr>
+          <a:lstStyle/>
+          <a:p>
+            <a:r>
+              <a:rPr lang="en-US" sz="1600" b="1" dirty="0" smtClean="0">
+                <a:solidFill>
+                  <a:schemeClr val="accent2">
+                    <a:lumMod val="75000"/>
+                  </a:schemeClr>
+                </a:solidFill>
+              </a:rPr>
+              <a:t>DML</a:t>
+            </a:r>
+            <a:endParaRPr lang="en-US" sz="1600" b="1" dirty="0">
+              <a:solidFill>
+                <a:schemeClr val="accent2">
+                  <a:lumMod val="75000"/>
+                </a:schemeClr>
+              </a:solidFill>
+            </a:endParaRPr>
+          </a:p>
+        </p:txBody>
+      </p:sp>
+    </p:spTree>
+    <p:extLst>
+      <p:ext uri="{BB962C8B-B14F-4D97-AF65-F5344CB8AC3E}">
+        <p14:creationId xmlns:p14="http://schemas.microsoft.com/office/powerpoint/2010/main" val="717879808"/>
+      </p:ext>
+    </p:extLst>
+  </p:cSld>
+  <p:clrMapOvr>
+    <a:masterClrMapping/>
+  </p:clrMapOvr>
+</p:sld>
+</file>
+
+<file path=ppt/slides/slide29.xml><?xml version="1.0" encoding="utf-8"?>
+<p:sld xmlns:a="http://schemas.openxmlformats.org/drawingml/2006/main" xmlns:r="http://schemas.openxmlformats.org/officeDocument/2006/relationships" xmlns:p="http://schemas.openxmlformats.org/presentationml/2006/main">
+  <p:cSld>
+    <p:spTree>
+      <p:nvGrpSpPr>
+        <p:cNvPr id="1" name=""/>
+        <p:cNvGrpSpPr/>
+        <p:nvPr/>
+      </p:nvGrpSpPr>
+      <p:grpSpPr>
+        <a:xfrm>
+          <a:off x="0" y="0"/>
+          <a:ext cx="0" cy="0"/>
+          <a:chOff x="0" y="0"/>
+          <a:chExt cx="0" cy="0"/>
+        </a:xfrm>
+      </p:grpSpPr>
+      <p:cxnSp>
+        <p:nvCxnSpPr>
+          <p:cNvPr id="4" name="Straight Connector 3"/>
+          <p:cNvCxnSpPr/>
+          <p:nvPr/>
+        </p:nvCxnSpPr>
+        <p:spPr>
+          <a:xfrm>
+            <a:off x="990600" y="533400"/>
+            <a:ext cx="7696200" cy="0"/>
+          </a:xfrm>
+          <a:prstGeom prst="line">
+            <a:avLst/>
+          </a:prstGeom>
+          <a:ln>
+            <a:solidFill>
+              <a:schemeClr val="accent2">
+                <a:lumMod val="75000"/>
+              </a:schemeClr>
+            </a:solidFill>
+          </a:ln>
+        </p:spPr>
+        <p:style>
+          <a:lnRef idx="1">
+            <a:schemeClr val="accent3"/>
+          </a:lnRef>
+          <a:fillRef idx="0">
+            <a:schemeClr val="accent3"/>
+          </a:fillRef>
+          <a:effectRef idx="0">
+            <a:schemeClr val="accent3"/>
+          </a:effectRef>
+          <a:fontRef idx="minor">
+            <a:schemeClr val="tx1"/>
+          </a:fontRef>
+        </p:style>
+      </p:cxnSp>
+      <p:sp>
+        <p:nvSpPr>
+          <p:cNvPr id="5" name="TextBox 4"/>
+          <p:cNvSpPr txBox="1"/>
+          <p:nvPr/>
+        </p:nvSpPr>
+        <p:spPr>
+          <a:xfrm>
+            <a:off x="990600" y="194846"/>
+            <a:ext cx="7772400" cy="338554"/>
+          </a:xfrm>
+          <a:prstGeom prst="rect">
+            <a:avLst/>
+          </a:prstGeom>
+          <a:noFill/>
+        </p:spPr>
+        <p:txBody>
+          <a:bodyPr wrap="square" rtlCol="0">
+            <a:spAutoFit/>
+          </a:bodyPr>
+          <a:lstStyle/>
+          <a:p>
+            <a:r>
+              <a:rPr lang="en-US" sz="1600" b="1" dirty="0" smtClean="0">
+                <a:solidFill>
+                  <a:schemeClr val="accent2">
+                    <a:lumMod val="75000"/>
+                  </a:schemeClr>
+                </a:solidFill>
+              </a:rPr>
+              <a:t>DML</a:t>
+            </a:r>
+            <a:endParaRPr lang="en-US" sz="1600" b="1" dirty="0">
+              <a:solidFill>
+                <a:schemeClr val="accent2">
+                  <a:lumMod val="75000"/>
+                </a:schemeClr>
+              </a:solidFill>
+            </a:endParaRPr>
+          </a:p>
+        </p:txBody>
+      </p:sp>
+      <p:sp>
+        <p:nvSpPr>
+          <p:cNvPr id="2" name="TextBox 1"/>
+          <p:cNvSpPr txBox="1"/>
+          <p:nvPr/>
+        </p:nvSpPr>
+        <p:spPr>
+          <a:xfrm>
+            <a:off x="1143000" y="685800"/>
+            <a:ext cx="6248400" cy="369332"/>
+          </a:xfrm>
+          <a:prstGeom prst="rect">
+            <a:avLst/>
+          </a:prstGeom>
+          <a:noFill/>
+        </p:spPr>
+        <p:txBody>
+          <a:bodyPr wrap="square" rtlCol="0">
+            <a:spAutoFit/>
+          </a:bodyPr>
+          <a:lstStyle/>
+          <a:p>
+            <a:r>
+              <a:rPr lang="en-US" dirty="0" smtClean="0">
+                <a:solidFill>
+                  <a:srgbClr val="0070C0"/>
+                </a:solidFill>
+              </a:rPr>
+              <a:t>Sort by ASC | DESC</a:t>
+            </a:r>
+            <a:endParaRPr lang="en-US" dirty="0">
+              <a:solidFill>
+                <a:srgbClr val="0070C0"/>
+              </a:solidFill>
+            </a:endParaRPr>
+          </a:p>
+        </p:txBody>
+      </p:sp>
+      <p:pic>
+        <p:nvPicPr>
+          <p:cNvPr id="8195" name="Picture 3"/>
+          <p:cNvPicPr>
+            <a:picLocks noChangeAspect="1" noChangeArrowheads="1"/>
+          </p:cNvPicPr>
+          <p:nvPr/>
+        </p:nvPicPr>
+        <p:blipFill>
+          <a:blip r:embed="rId2">
+            <a:extLst>
+              <a:ext uri="{28A0092B-C50C-407E-A947-70E740481C1C}">
+                <a14:useLocalDpi xmlns:a14="http://schemas.microsoft.com/office/drawing/2010/main" val="0"/>
+              </a:ext>
+            </a:extLst>
+          </a:blip>
+          <a:srcRect/>
+          <a:stretch>
+            <a:fillRect/>
+          </a:stretch>
+        </p:blipFill>
+        <p:spPr bwMode="auto">
+          <a:xfrm>
+            <a:off x="1252537" y="1295400"/>
+            <a:ext cx="7172325" cy="3562350"/>
+          </a:xfrm>
+          <a:prstGeom prst="rect">
+            <a:avLst/>
+          </a:prstGeom>
+          <a:noFill/>
+          <a:ln>
+            <a:noFill/>
+          </a:ln>
+          <a:extLst>
+            <a:ext uri="{909E8E84-426E-40DD-AFC4-6F175D3DCCD1}">
+              <a14:hiddenFill xmlns:a14="http://schemas.microsoft.com/office/drawing/2010/main">
+                <a:solidFill>
+                  <a:schemeClr val="accent1"/>
+                </a:solidFill>
+              </a14:hiddenFill>
+            </a:ext>
+            <a:ext uri="{91240B29-F687-4F45-9708-019B960494DF}">
+              <a14:hiddenLine xmlns:a14="http://schemas.microsoft.com/office/drawing/2010/main" w="9525">
+                <a:solidFill>
+                  <a:schemeClr val="tx1"/>
+                </a:solidFill>
+                <a:miter lim="800000"/>
+                <a:headEnd/>
+                <a:tailEnd/>
+              </a14:hiddenLine>
+            </a:ext>
+          </a:extLst>
+        </p:spPr>
+      </p:pic>
+    </p:spTree>
+    <p:extLst>
+      <p:ext uri="{BB962C8B-B14F-4D97-AF65-F5344CB8AC3E}">
+        <p14:creationId xmlns:p14="http://schemas.microsoft.com/office/powerpoint/2010/main" val="162245030"/>
       </p:ext>
     </p:extLst>
   </p:cSld>
@@ -5732,87 +9255,9 @@
           <a:chExt cx="0" cy="0"/>
         </a:xfrm>
       </p:grpSpPr>
-      <p:cxnSp>
-        <p:nvCxnSpPr>
-          <p:cNvPr id="3" name="Straight Connector 2"/>
-          <p:cNvCxnSpPr/>
-          <p:nvPr/>
-        </p:nvCxnSpPr>
-        <p:spPr>
-          <a:xfrm>
-            <a:off x="990600" y="685800"/>
-            <a:ext cx="7772400" cy="0"/>
-          </a:xfrm>
-          <a:prstGeom prst="line">
-            <a:avLst/>
-          </a:prstGeom>
-          <a:ln>
-            <a:solidFill>
-              <a:schemeClr val="accent2">
-                <a:lumMod val="75000"/>
-              </a:schemeClr>
-            </a:solidFill>
-          </a:ln>
-        </p:spPr>
-        <p:style>
-          <a:lnRef idx="1">
-            <a:schemeClr val="accent2"/>
-          </a:lnRef>
-          <a:fillRef idx="0">
-            <a:schemeClr val="accent2"/>
-          </a:fillRef>
-          <a:effectRef idx="0">
-            <a:schemeClr val="accent2"/>
-          </a:effectRef>
-          <a:fontRef idx="minor">
-            <a:schemeClr val="tx1"/>
-          </a:fontRef>
-        </p:style>
-      </p:cxnSp>
-      <p:sp>
-        <p:nvSpPr>
-          <p:cNvPr id="4" name="Rectangle 3"/>
-          <p:cNvSpPr/>
-          <p:nvPr/>
-        </p:nvSpPr>
-        <p:spPr>
-          <a:xfrm>
-            <a:off x="1070331" y="309602"/>
-            <a:ext cx="989373" cy="369332"/>
-          </a:xfrm>
-          <a:prstGeom prst="rect">
-            <a:avLst/>
-          </a:prstGeom>
-        </p:spPr>
-        <p:txBody>
-          <a:bodyPr wrap="none">
-            <a:spAutoFit/>
-          </a:bodyPr>
-          <a:lstStyle/>
-          <a:p>
-            <a:r>
-              <a:rPr lang="en-US" b="1" dirty="0" smtClean="0">
-                <a:solidFill>
-                  <a:schemeClr val="accent2">
-                    <a:lumMod val="75000"/>
-                  </a:schemeClr>
-                </a:solidFill>
-              </a:rPr>
-              <a:t>MySQL</a:t>
-            </a:r>
-            <a:endParaRPr lang="en-US" b="1" dirty="0">
-              <a:solidFill>
-                <a:schemeClr val="accent2">
-                  <a:lumMod val="75000"/>
-                </a:schemeClr>
-              </a:solidFill>
-            </a:endParaRPr>
-          </a:p>
-        </p:txBody>
-      </p:sp>
       <p:pic>
         <p:nvPicPr>
-          <p:cNvPr id="5" name="Picture 2"/>
+          <p:cNvPr id="3074" name="Picture 2"/>
           <p:cNvPicPr>
             <a:picLocks noChangeAspect="1" noChangeArrowheads="1"/>
           </p:cNvPicPr>
@@ -5833,8 +9278,8 @@
         </p:blipFill>
         <p:spPr bwMode="auto">
           <a:xfrm>
-            <a:off x="2560403" y="2971800"/>
-            <a:ext cx="6088297" cy="3381375"/>
+            <a:off x="4953000" y="2514600"/>
+            <a:ext cx="3994561" cy="2876550"/>
           </a:xfrm>
           <a:prstGeom prst="rect">
             <a:avLst/>
@@ -5864,9 +9309,1603 @@
           </a:extLst>
         </p:spPr>
       </p:pic>
+      <p:sp>
+        <p:nvSpPr>
+          <p:cNvPr id="3" name="TextBox 2"/>
+          <p:cNvSpPr txBox="1"/>
+          <p:nvPr/>
+        </p:nvSpPr>
+        <p:spPr>
+          <a:xfrm>
+            <a:off x="990600" y="194846"/>
+            <a:ext cx="7696200" cy="338554"/>
+          </a:xfrm>
+          <a:prstGeom prst="rect">
+            <a:avLst/>
+          </a:prstGeom>
+          <a:noFill/>
+        </p:spPr>
+        <p:txBody>
+          <a:bodyPr wrap="square" rtlCol="0">
+            <a:spAutoFit/>
+          </a:bodyPr>
+          <a:lstStyle/>
+          <a:p>
+            <a:pPr algn="r" rtl="1"/>
+            <a:r>
+              <a:rPr lang="fa-IR" sz="1600" b="1" dirty="0" smtClean="0">
+                <a:solidFill>
+                  <a:schemeClr val="accent2">
+                    <a:lumMod val="75000"/>
+                  </a:schemeClr>
+                </a:solidFill>
+              </a:rPr>
+              <a:t>ارتباط با پایگاه داده ها</a:t>
+            </a:r>
+            <a:endParaRPr lang="en-US" sz="1600" b="1" dirty="0">
+              <a:solidFill>
+                <a:schemeClr val="accent2">
+                  <a:lumMod val="75000"/>
+                </a:schemeClr>
+              </a:solidFill>
+            </a:endParaRPr>
+          </a:p>
+        </p:txBody>
+      </p:sp>
+      <p:cxnSp>
+        <p:nvCxnSpPr>
+          <p:cNvPr id="4" name="Straight Connector 3"/>
+          <p:cNvCxnSpPr/>
+          <p:nvPr/>
+        </p:nvCxnSpPr>
+        <p:spPr>
+          <a:xfrm>
+            <a:off x="1066800" y="533400"/>
+            <a:ext cx="7620000" cy="0"/>
+          </a:xfrm>
+          <a:prstGeom prst="line">
+            <a:avLst/>
+          </a:prstGeom>
+          <a:ln>
+            <a:solidFill>
+              <a:schemeClr val="accent2">
+                <a:lumMod val="75000"/>
+              </a:schemeClr>
+            </a:solidFill>
+          </a:ln>
+        </p:spPr>
+        <p:style>
+          <a:lnRef idx="1">
+            <a:schemeClr val="accent3"/>
+          </a:lnRef>
+          <a:fillRef idx="0">
+            <a:schemeClr val="accent3"/>
+          </a:fillRef>
+          <a:effectRef idx="0">
+            <a:schemeClr val="accent3"/>
+          </a:effectRef>
+          <a:fontRef idx="minor">
+            <a:schemeClr val="tx1"/>
+          </a:fontRef>
+        </p:style>
+      </p:cxnSp>
       <p:pic>
         <p:nvPicPr>
-          <p:cNvPr id="6" name="Picture 3"/>
+          <p:cNvPr id="5" name="Picture 2"/>
+          <p:cNvPicPr>
+            <a:picLocks noChangeAspect="1" noChangeArrowheads="1"/>
+          </p:cNvPicPr>
+          <p:nvPr/>
+        </p:nvPicPr>
+        <p:blipFill rotWithShape="1">
+          <a:blip r:embed="rId3">
+            <a:extLst>
+              <a:ext uri="{28A0092B-C50C-407E-A947-70E740481C1C}">
+                <a14:useLocalDpi xmlns:a14="http://schemas.microsoft.com/office/drawing/2010/main" val="0"/>
+              </a:ext>
+            </a:extLst>
+          </a:blip>
+          <a:srcRect r="9801" b="14535"/>
+          <a:stretch/>
+        </p:blipFill>
+        <p:spPr bwMode="auto">
+          <a:xfrm>
+            <a:off x="1082750" y="685800"/>
+            <a:ext cx="3862414" cy="2133600"/>
+          </a:xfrm>
+          <a:prstGeom prst="rect">
+            <a:avLst/>
+          </a:prstGeom>
+          <a:noFill/>
+          <a:ln>
+            <a:noFill/>
+          </a:ln>
+          <a:extLst>
+            <a:ext uri="{909E8E84-426E-40DD-AFC4-6F175D3DCCD1}">
+              <a14:hiddenFill xmlns:a14="http://schemas.microsoft.com/office/drawing/2010/main">
+                <a:solidFill>
+                  <a:schemeClr val="accent1"/>
+                </a:solidFill>
+              </a14:hiddenFill>
+            </a:ext>
+            <a:ext uri="{91240B29-F687-4F45-9708-019B960494DF}">
+              <a14:hiddenLine xmlns:a14="http://schemas.microsoft.com/office/drawing/2010/main" w="9525">
+                <a:solidFill>
+                  <a:schemeClr val="tx1"/>
+                </a:solidFill>
+                <a:miter lim="800000"/>
+                <a:headEnd/>
+                <a:tailEnd/>
+              </a14:hiddenLine>
+            </a:ext>
+          </a:extLst>
+        </p:spPr>
+      </p:pic>
+    </p:spTree>
+    <p:extLst>
+      <p:ext uri="{BB962C8B-B14F-4D97-AF65-F5344CB8AC3E}">
+        <p14:creationId xmlns:p14="http://schemas.microsoft.com/office/powerpoint/2010/main" val="2790362603"/>
+      </p:ext>
+    </p:extLst>
+  </p:cSld>
+  <p:clrMapOvr>
+    <a:masterClrMapping/>
+  </p:clrMapOvr>
+</p:sld>
+</file>
+
+<file path=ppt/slides/slide30.xml><?xml version="1.0" encoding="utf-8"?>
+<p:sld xmlns:a="http://schemas.openxmlformats.org/drawingml/2006/main" xmlns:r="http://schemas.openxmlformats.org/officeDocument/2006/relationships" xmlns:p="http://schemas.openxmlformats.org/presentationml/2006/main">
+  <p:cSld>
+    <p:spTree>
+      <p:nvGrpSpPr>
+        <p:cNvPr id="1" name=""/>
+        <p:cNvGrpSpPr/>
+        <p:nvPr/>
+      </p:nvGrpSpPr>
+      <p:grpSpPr>
+        <a:xfrm>
+          <a:off x="0" y="0"/>
+          <a:ext cx="0" cy="0"/>
+          <a:chOff x="0" y="0"/>
+          <a:chExt cx="0" cy="0"/>
+        </a:xfrm>
+      </p:grpSpPr>
+      <p:cxnSp>
+        <p:nvCxnSpPr>
+          <p:cNvPr id="4" name="Straight Connector 3"/>
+          <p:cNvCxnSpPr/>
+          <p:nvPr/>
+        </p:nvCxnSpPr>
+        <p:spPr>
+          <a:xfrm>
+            <a:off x="990600" y="533400"/>
+            <a:ext cx="7696200" cy="0"/>
+          </a:xfrm>
+          <a:prstGeom prst="line">
+            <a:avLst/>
+          </a:prstGeom>
+          <a:ln>
+            <a:solidFill>
+              <a:schemeClr val="accent2">
+                <a:lumMod val="75000"/>
+              </a:schemeClr>
+            </a:solidFill>
+          </a:ln>
+        </p:spPr>
+        <p:style>
+          <a:lnRef idx="1">
+            <a:schemeClr val="accent3"/>
+          </a:lnRef>
+          <a:fillRef idx="0">
+            <a:schemeClr val="accent3"/>
+          </a:fillRef>
+          <a:effectRef idx="0">
+            <a:schemeClr val="accent3"/>
+          </a:effectRef>
+          <a:fontRef idx="minor">
+            <a:schemeClr val="tx1"/>
+          </a:fontRef>
+        </p:style>
+      </p:cxnSp>
+      <p:sp>
+        <p:nvSpPr>
+          <p:cNvPr id="5" name="TextBox 4"/>
+          <p:cNvSpPr txBox="1"/>
+          <p:nvPr/>
+        </p:nvSpPr>
+        <p:spPr>
+          <a:xfrm>
+            <a:off x="990600" y="194846"/>
+            <a:ext cx="7772400" cy="338554"/>
+          </a:xfrm>
+          <a:prstGeom prst="rect">
+            <a:avLst/>
+          </a:prstGeom>
+          <a:noFill/>
+        </p:spPr>
+        <p:txBody>
+          <a:bodyPr wrap="square" rtlCol="0">
+            <a:spAutoFit/>
+          </a:bodyPr>
+          <a:lstStyle/>
+          <a:p>
+            <a:r>
+              <a:rPr lang="en-US" sz="1600" b="1" dirty="0" smtClean="0">
+                <a:solidFill>
+                  <a:schemeClr val="accent2">
+                    <a:lumMod val="75000"/>
+                  </a:schemeClr>
+                </a:solidFill>
+              </a:rPr>
+              <a:t>DML</a:t>
+            </a:r>
+            <a:endParaRPr lang="en-US" sz="1600" b="1" dirty="0">
+              <a:solidFill>
+                <a:schemeClr val="accent2">
+                  <a:lumMod val="75000"/>
+                </a:schemeClr>
+              </a:solidFill>
+            </a:endParaRPr>
+          </a:p>
+        </p:txBody>
+      </p:sp>
+      <p:pic>
+        <p:nvPicPr>
+          <p:cNvPr id="9218" name="Picture 2"/>
+          <p:cNvPicPr>
+            <a:picLocks noChangeAspect="1" noChangeArrowheads="1"/>
+          </p:cNvPicPr>
+          <p:nvPr/>
+        </p:nvPicPr>
+        <p:blipFill>
+          <a:blip r:embed="rId2">
+            <a:extLst>
+              <a:ext uri="{28A0092B-C50C-407E-A947-70E740481C1C}">
+                <a14:useLocalDpi xmlns:a14="http://schemas.microsoft.com/office/drawing/2010/main" val="0"/>
+              </a:ext>
+            </a:extLst>
+          </a:blip>
+          <a:srcRect/>
+          <a:stretch>
+            <a:fillRect/>
+          </a:stretch>
+        </p:blipFill>
+        <p:spPr bwMode="auto">
+          <a:xfrm>
+            <a:off x="1143000" y="762000"/>
+            <a:ext cx="7772400" cy="2684097"/>
+          </a:xfrm>
+          <a:prstGeom prst="rect">
+            <a:avLst/>
+          </a:prstGeom>
+          <a:noFill/>
+          <a:ln>
+            <a:noFill/>
+          </a:ln>
+          <a:extLst>
+            <a:ext uri="{909E8E84-426E-40DD-AFC4-6F175D3DCCD1}">
+              <a14:hiddenFill xmlns:a14="http://schemas.microsoft.com/office/drawing/2010/main">
+                <a:solidFill>
+                  <a:schemeClr val="accent1"/>
+                </a:solidFill>
+              </a14:hiddenFill>
+            </a:ext>
+            <a:ext uri="{91240B29-F687-4F45-9708-019B960494DF}">
+              <a14:hiddenLine xmlns:a14="http://schemas.microsoft.com/office/drawing/2010/main" w="9525">
+                <a:solidFill>
+                  <a:schemeClr val="tx1"/>
+                </a:solidFill>
+                <a:miter lim="800000"/>
+                <a:headEnd/>
+                <a:tailEnd/>
+              </a14:hiddenLine>
+            </a:ext>
+          </a:extLst>
+        </p:spPr>
+      </p:pic>
+    </p:spTree>
+    <p:extLst>
+      <p:ext uri="{BB962C8B-B14F-4D97-AF65-F5344CB8AC3E}">
+        <p14:creationId xmlns:p14="http://schemas.microsoft.com/office/powerpoint/2010/main" val="206710386"/>
+      </p:ext>
+    </p:extLst>
+  </p:cSld>
+  <p:clrMapOvr>
+    <a:masterClrMapping/>
+  </p:clrMapOvr>
+</p:sld>
+</file>
+
+<file path=ppt/slides/slide31.xml><?xml version="1.0" encoding="utf-8"?>
+<p:sld xmlns:a="http://schemas.openxmlformats.org/drawingml/2006/main" xmlns:r="http://schemas.openxmlformats.org/officeDocument/2006/relationships" xmlns:p="http://schemas.openxmlformats.org/presentationml/2006/main">
+  <p:cSld>
+    <p:spTree>
+      <p:nvGrpSpPr>
+        <p:cNvPr id="1" name=""/>
+        <p:cNvGrpSpPr/>
+        <p:nvPr/>
+      </p:nvGrpSpPr>
+      <p:grpSpPr>
+        <a:xfrm>
+          <a:off x="0" y="0"/>
+          <a:ext cx="0" cy="0"/>
+          <a:chOff x="0" y="0"/>
+          <a:chExt cx="0" cy="0"/>
+        </a:xfrm>
+      </p:grpSpPr>
+      <p:cxnSp>
+        <p:nvCxnSpPr>
+          <p:cNvPr id="4" name="Straight Connector 3"/>
+          <p:cNvCxnSpPr/>
+          <p:nvPr/>
+        </p:nvCxnSpPr>
+        <p:spPr>
+          <a:xfrm>
+            <a:off x="990600" y="533400"/>
+            <a:ext cx="7696200" cy="0"/>
+          </a:xfrm>
+          <a:prstGeom prst="line">
+            <a:avLst/>
+          </a:prstGeom>
+          <a:ln>
+            <a:solidFill>
+              <a:schemeClr val="accent2">
+                <a:lumMod val="75000"/>
+              </a:schemeClr>
+            </a:solidFill>
+          </a:ln>
+        </p:spPr>
+        <p:style>
+          <a:lnRef idx="1">
+            <a:schemeClr val="accent3"/>
+          </a:lnRef>
+          <a:fillRef idx="0">
+            <a:schemeClr val="accent3"/>
+          </a:fillRef>
+          <a:effectRef idx="0">
+            <a:schemeClr val="accent3"/>
+          </a:effectRef>
+          <a:fontRef idx="minor">
+            <a:schemeClr val="tx1"/>
+          </a:fontRef>
+        </p:style>
+      </p:cxnSp>
+      <p:sp>
+        <p:nvSpPr>
+          <p:cNvPr id="5" name="TextBox 4"/>
+          <p:cNvSpPr txBox="1"/>
+          <p:nvPr/>
+        </p:nvSpPr>
+        <p:spPr>
+          <a:xfrm>
+            <a:off x="990600" y="194846"/>
+            <a:ext cx="7772400" cy="338554"/>
+          </a:xfrm>
+          <a:prstGeom prst="rect">
+            <a:avLst/>
+          </a:prstGeom>
+          <a:noFill/>
+        </p:spPr>
+        <p:txBody>
+          <a:bodyPr wrap="square" rtlCol="0">
+            <a:spAutoFit/>
+          </a:bodyPr>
+          <a:lstStyle/>
+          <a:p>
+            <a:r>
+              <a:rPr lang="en-US" sz="1600" b="1" dirty="0" smtClean="0">
+                <a:solidFill>
+                  <a:schemeClr val="accent2">
+                    <a:lumMod val="75000"/>
+                  </a:schemeClr>
+                </a:solidFill>
+              </a:rPr>
+              <a:t>DML</a:t>
+            </a:r>
+            <a:endParaRPr lang="en-US" sz="1600" b="1" dirty="0">
+              <a:solidFill>
+                <a:schemeClr val="accent2">
+                  <a:lumMod val="75000"/>
+                </a:schemeClr>
+              </a:solidFill>
+            </a:endParaRPr>
+          </a:p>
+        </p:txBody>
+      </p:sp>
+      <p:pic>
+        <p:nvPicPr>
+          <p:cNvPr id="1026" name="Picture 2"/>
+          <p:cNvPicPr>
+            <a:picLocks noChangeAspect="1" noChangeArrowheads="1"/>
+          </p:cNvPicPr>
+          <p:nvPr/>
+        </p:nvPicPr>
+        <p:blipFill>
+          <a:blip r:embed="rId2">
+            <a:extLst>
+              <a:ext uri="{28A0092B-C50C-407E-A947-70E740481C1C}">
+                <a14:useLocalDpi xmlns:a14="http://schemas.microsoft.com/office/drawing/2010/main" val="0"/>
+              </a:ext>
+            </a:extLst>
+          </a:blip>
+          <a:srcRect/>
+          <a:stretch>
+            <a:fillRect/>
+          </a:stretch>
+        </p:blipFill>
+        <p:spPr bwMode="auto">
+          <a:xfrm>
+            <a:off x="1219200" y="838200"/>
+            <a:ext cx="6955905" cy="2657475"/>
+          </a:xfrm>
+          <a:prstGeom prst="rect">
+            <a:avLst/>
+          </a:prstGeom>
+          <a:noFill/>
+          <a:ln>
+            <a:noFill/>
+          </a:ln>
+          <a:extLst>
+            <a:ext uri="{909E8E84-426E-40DD-AFC4-6F175D3DCCD1}">
+              <a14:hiddenFill xmlns:a14="http://schemas.microsoft.com/office/drawing/2010/main">
+                <a:solidFill>
+                  <a:schemeClr val="accent1"/>
+                </a:solidFill>
+              </a14:hiddenFill>
+            </a:ext>
+            <a:ext uri="{91240B29-F687-4F45-9708-019B960494DF}">
+              <a14:hiddenLine xmlns:a14="http://schemas.microsoft.com/office/drawing/2010/main" w="9525">
+                <a:solidFill>
+                  <a:schemeClr val="tx1"/>
+                </a:solidFill>
+                <a:miter lim="800000"/>
+                <a:headEnd/>
+                <a:tailEnd/>
+              </a14:hiddenLine>
+            </a:ext>
+          </a:extLst>
+        </p:spPr>
+      </p:pic>
+    </p:spTree>
+    <p:extLst>
+      <p:ext uri="{BB962C8B-B14F-4D97-AF65-F5344CB8AC3E}">
+        <p14:creationId xmlns:p14="http://schemas.microsoft.com/office/powerpoint/2010/main" val="206710386"/>
+      </p:ext>
+    </p:extLst>
+  </p:cSld>
+  <p:clrMapOvr>
+    <a:masterClrMapping/>
+  </p:clrMapOvr>
+</p:sld>
+</file>
+
+<file path=ppt/slides/slide32.xml><?xml version="1.0" encoding="utf-8"?>
+<p:sld xmlns:a="http://schemas.openxmlformats.org/drawingml/2006/main" xmlns:r="http://schemas.openxmlformats.org/officeDocument/2006/relationships" xmlns:p="http://schemas.openxmlformats.org/presentationml/2006/main">
+  <p:cSld>
+    <p:spTree>
+      <p:nvGrpSpPr>
+        <p:cNvPr id="1" name=""/>
+        <p:cNvGrpSpPr/>
+        <p:nvPr/>
+      </p:nvGrpSpPr>
+      <p:grpSpPr>
+        <a:xfrm>
+          <a:off x="0" y="0"/>
+          <a:ext cx="0" cy="0"/>
+          <a:chOff x="0" y="0"/>
+          <a:chExt cx="0" cy="0"/>
+        </a:xfrm>
+      </p:grpSpPr>
+      <p:cxnSp>
+        <p:nvCxnSpPr>
+          <p:cNvPr id="4" name="Straight Connector 3"/>
+          <p:cNvCxnSpPr/>
+          <p:nvPr/>
+        </p:nvCxnSpPr>
+        <p:spPr>
+          <a:xfrm>
+            <a:off x="990600" y="533400"/>
+            <a:ext cx="7696200" cy="0"/>
+          </a:xfrm>
+          <a:prstGeom prst="line">
+            <a:avLst/>
+          </a:prstGeom>
+          <a:ln>
+            <a:solidFill>
+              <a:schemeClr val="accent2">
+                <a:lumMod val="75000"/>
+              </a:schemeClr>
+            </a:solidFill>
+          </a:ln>
+        </p:spPr>
+        <p:style>
+          <a:lnRef idx="1">
+            <a:schemeClr val="accent3"/>
+          </a:lnRef>
+          <a:fillRef idx="0">
+            <a:schemeClr val="accent3"/>
+          </a:fillRef>
+          <a:effectRef idx="0">
+            <a:schemeClr val="accent3"/>
+          </a:effectRef>
+          <a:fontRef idx="minor">
+            <a:schemeClr val="tx1"/>
+          </a:fontRef>
+        </p:style>
+      </p:cxnSp>
+      <p:sp>
+        <p:nvSpPr>
+          <p:cNvPr id="5" name="TextBox 4"/>
+          <p:cNvSpPr txBox="1"/>
+          <p:nvPr/>
+        </p:nvSpPr>
+        <p:spPr>
+          <a:xfrm>
+            <a:off x="990600" y="194846"/>
+            <a:ext cx="7772400" cy="338554"/>
+          </a:xfrm>
+          <a:prstGeom prst="rect">
+            <a:avLst/>
+          </a:prstGeom>
+          <a:noFill/>
+        </p:spPr>
+        <p:txBody>
+          <a:bodyPr wrap="square" rtlCol="0">
+            <a:spAutoFit/>
+          </a:bodyPr>
+          <a:lstStyle/>
+          <a:p>
+            <a:r>
+              <a:rPr lang="en-US" sz="1600" b="1" dirty="0" smtClean="0">
+                <a:solidFill>
+                  <a:schemeClr val="accent2">
+                    <a:lumMod val="75000"/>
+                  </a:schemeClr>
+                </a:solidFill>
+              </a:rPr>
+              <a:t>DML</a:t>
+            </a:r>
+            <a:endParaRPr lang="en-US" sz="1600" b="1" dirty="0">
+              <a:solidFill>
+                <a:schemeClr val="accent2">
+                  <a:lumMod val="75000"/>
+                </a:schemeClr>
+              </a:solidFill>
+            </a:endParaRPr>
+          </a:p>
+        </p:txBody>
+      </p:sp>
+      <p:pic>
+        <p:nvPicPr>
+          <p:cNvPr id="2050" name="Picture 2"/>
+          <p:cNvPicPr>
+            <a:picLocks noChangeAspect="1" noChangeArrowheads="1"/>
+          </p:cNvPicPr>
+          <p:nvPr/>
+        </p:nvPicPr>
+        <p:blipFill>
+          <a:blip r:embed="rId2">
+            <a:extLst>
+              <a:ext uri="{28A0092B-C50C-407E-A947-70E740481C1C}">
+                <a14:useLocalDpi xmlns:a14="http://schemas.microsoft.com/office/drawing/2010/main" val="0"/>
+              </a:ext>
+            </a:extLst>
+          </a:blip>
+          <a:srcRect/>
+          <a:stretch>
+            <a:fillRect/>
+          </a:stretch>
+        </p:blipFill>
+        <p:spPr bwMode="auto">
+          <a:xfrm>
+            <a:off x="1188825" y="762000"/>
+            <a:ext cx="7631948" cy="2819400"/>
+          </a:xfrm>
+          <a:prstGeom prst="rect">
+            <a:avLst/>
+          </a:prstGeom>
+          <a:noFill/>
+          <a:ln>
+            <a:noFill/>
+          </a:ln>
+          <a:extLst>
+            <a:ext uri="{909E8E84-426E-40DD-AFC4-6F175D3DCCD1}">
+              <a14:hiddenFill xmlns:a14="http://schemas.microsoft.com/office/drawing/2010/main">
+                <a:solidFill>
+                  <a:schemeClr val="accent1"/>
+                </a:solidFill>
+              </a14:hiddenFill>
+            </a:ext>
+            <a:ext uri="{91240B29-F687-4F45-9708-019B960494DF}">
+              <a14:hiddenLine xmlns:a14="http://schemas.microsoft.com/office/drawing/2010/main" w="9525">
+                <a:solidFill>
+                  <a:schemeClr val="tx1"/>
+                </a:solidFill>
+                <a:miter lim="800000"/>
+                <a:headEnd/>
+                <a:tailEnd/>
+              </a14:hiddenLine>
+            </a:ext>
+          </a:extLst>
+        </p:spPr>
+      </p:pic>
+    </p:spTree>
+    <p:extLst>
+      <p:ext uri="{BB962C8B-B14F-4D97-AF65-F5344CB8AC3E}">
+        <p14:creationId xmlns:p14="http://schemas.microsoft.com/office/powerpoint/2010/main" val="206710386"/>
+      </p:ext>
+    </p:extLst>
+  </p:cSld>
+  <p:clrMapOvr>
+    <a:masterClrMapping/>
+  </p:clrMapOvr>
+</p:sld>
+</file>
+
+<file path=ppt/slides/slide33.xml><?xml version="1.0" encoding="utf-8"?>
+<p:sld xmlns:a="http://schemas.openxmlformats.org/drawingml/2006/main" xmlns:r="http://schemas.openxmlformats.org/officeDocument/2006/relationships" xmlns:p="http://schemas.openxmlformats.org/presentationml/2006/main">
+  <p:cSld>
+    <p:spTree>
+      <p:nvGrpSpPr>
+        <p:cNvPr id="1" name=""/>
+        <p:cNvGrpSpPr/>
+        <p:nvPr/>
+      </p:nvGrpSpPr>
+      <p:grpSpPr>
+        <a:xfrm>
+          <a:off x="0" y="0"/>
+          <a:ext cx="0" cy="0"/>
+          <a:chOff x="0" y="0"/>
+          <a:chExt cx="0" cy="0"/>
+        </a:xfrm>
+      </p:grpSpPr>
+      <p:cxnSp>
+        <p:nvCxnSpPr>
+          <p:cNvPr id="4" name="Straight Connector 3"/>
+          <p:cNvCxnSpPr/>
+          <p:nvPr/>
+        </p:nvCxnSpPr>
+        <p:spPr>
+          <a:xfrm>
+            <a:off x="990600" y="533400"/>
+            <a:ext cx="7696200" cy="0"/>
+          </a:xfrm>
+          <a:prstGeom prst="line">
+            <a:avLst/>
+          </a:prstGeom>
+          <a:ln>
+            <a:solidFill>
+              <a:schemeClr val="accent2">
+                <a:lumMod val="75000"/>
+              </a:schemeClr>
+            </a:solidFill>
+          </a:ln>
+        </p:spPr>
+        <p:style>
+          <a:lnRef idx="1">
+            <a:schemeClr val="accent3"/>
+          </a:lnRef>
+          <a:fillRef idx="0">
+            <a:schemeClr val="accent3"/>
+          </a:fillRef>
+          <a:effectRef idx="0">
+            <a:schemeClr val="accent3"/>
+          </a:effectRef>
+          <a:fontRef idx="minor">
+            <a:schemeClr val="tx1"/>
+          </a:fontRef>
+        </p:style>
+      </p:cxnSp>
+      <p:sp>
+        <p:nvSpPr>
+          <p:cNvPr id="5" name="TextBox 4"/>
+          <p:cNvSpPr txBox="1"/>
+          <p:nvPr/>
+        </p:nvSpPr>
+        <p:spPr>
+          <a:xfrm>
+            <a:off x="990600" y="194846"/>
+            <a:ext cx="7772400" cy="338554"/>
+          </a:xfrm>
+          <a:prstGeom prst="rect">
+            <a:avLst/>
+          </a:prstGeom>
+          <a:noFill/>
+        </p:spPr>
+        <p:txBody>
+          <a:bodyPr wrap="square" rtlCol="0">
+            <a:spAutoFit/>
+          </a:bodyPr>
+          <a:lstStyle/>
+          <a:p>
+            <a:r>
+              <a:rPr lang="en-US" sz="1600" b="1" dirty="0" smtClean="0">
+                <a:solidFill>
+                  <a:schemeClr val="accent2">
+                    <a:lumMod val="75000"/>
+                  </a:schemeClr>
+                </a:solidFill>
+              </a:rPr>
+              <a:t>Using String Functions</a:t>
+            </a:r>
+            <a:endParaRPr lang="en-US" sz="1600" b="1" dirty="0">
+              <a:solidFill>
+                <a:schemeClr val="accent2">
+                  <a:lumMod val="75000"/>
+                </a:schemeClr>
+              </a:solidFill>
+            </a:endParaRPr>
+          </a:p>
+        </p:txBody>
+      </p:sp>
+      <p:pic>
+        <p:nvPicPr>
+          <p:cNvPr id="6146" name="Picture 2"/>
+          <p:cNvPicPr>
+            <a:picLocks noChangeAspect="1" noChangeArrowheads="1"/>
+          </p:cNvPicPr>
+          <p:nvPr/>
+        </p:nvPicPr>
+        <p:blipFill>
+          <a:blip r:embed="rId2">
+            <a:extLst>
+              <a:ext uri="{28A0092B-C50C-407E-A947-70E740481C1C}">
+                <a14:useLocalDpi xmlns:a14="http://schemas.microsoft.com/office/drawing/2010/main" val="0"/>
+              </a:ext>
+            </a:extLst>
+          </a:blip>
+          <a:srcRect/>
+          <a:stretch>
+            <a:fillRect/>
+          </a:stretch>
+        </p:blipFill>
+        <p:spPr bwMode="auto">
+          <a:xfrm>
+            <a:off x="1304924" y="762000"/>
+            <a:ext cx="7458075" cy="3760449"/>
+          </a:xfrm>
+          <a:prstGeom prst="rect">
+            <a:avLst/>
+          </a:prstGeom>
+          <a:noFill/>
+          <a:ln>
+            <a:noFill/>
+          </a:ln>
+          <a:extLst>
+            <a:ext uri="{909E8E84-426E-40DD-AFC4-6F175D3DCCD1}">
+              <a14:hiddenFill xmlns:a14="http://schemas.microsoft.com/office/drawing/2010/main">
+                <a:solidFill>
+                  <a:schemeClr val="accent1"/>
+                </a:solidFill>
+              </a14:hiddenFill>
+            </a:ext>
+            <a:ext uri="{91240B29-F687-4F45-9708-019B960494DF}">
+              <a14:hiddenLine xmlns:a14="http://schemas.microsoft.com/office/drawing/2010/main" w="9525">
+                <a:solidFill>
+                  <a:schemeClr val="tx1"/>
+                </a:solidFill>
+                <a:miter lim="800000"/>
+                <a:headEnd/>
+                <a:tailEnd/>
+              </a14:hiddenLine>
+            </a:ext>
+          </a:extLst>
+        </p:spPr>
+      </p:pic>
+    </p:spTree>
+    <p:extLst>
+      <p:ext uri="{BB962C8B-B14F-4D97-AF65-F5344CB8AC3E}">
+        <p14:creationId xmlns:p14="http://schemas.microsoft.com/office/powerpoint/2010/main" val="206710386"/>
+      </p:ext>
+    </p:extLst>
+  </p:cSld>
+  <p:clrMapOvr>
+    <a:masterClrMapping/>
+  </p:clrMapOvr>
+</p:sld>
+</file>
+
+<file path=ppt/slides/slide34.xml><?xml version="1.0" encoding="utf-8"?>
+<p:sld xmlns:a="http://schemas.openxmlformats.org/drawingml/2006/main" xmlns:r="http://schemas.openxmlformats.org/officeDocument/2006/relationships" xmlns:p="http://schemas.openxmlformats.org/presentationml/2006/main">
+  <p:cSld>
+    <p:spTree>
+      <p:nvGrpSpPr>
+        <p:cNvPr id="1" name=""/>
+        <p:cNvGrpSpPr/>
+        <p:nvPr/>
+      </p:nvGrpSpPr>
+      <p:grpSpPr>
+        <a:xfrm>
+          <a:off x="0" y="0"/>
+          <a:ext cx="0" cy="0"/>
+          <a:chOff x="0" y="0"/>
+          <a:chExt cx="0" cy="0"/>
+        </a:xfrm>
+      </p:grpSpPr>
+      <p:pic>
+        <p:nvPicPr>
+          <p:cNvPr id="7170" name="Picture 2"/>
+          <p:cNvPicPr>
+            <a:picLocks noChangeAspect="1" noChangeArrowheads="1"/>
+          </p:cNvPicPr>
+          <p:nvPr/>
+        </p:nvPicPr>
+        <p:blipFill>
+          <a:blip r:embed="rId2">
+            <a:extLst>
+              <a:ext uri="{28A0092B-C50C-407E-A947-70E740481C1C}">
+                <a14:useLocalDpi xmlns:a14="http://schemas.microsoft.com/office/drawing/2010/main" val="0"/>
+              </a:ext>
+            </a:extLst>
+          </a:blip>
+          <a:srcRect/>
+          <a:stretch>
+            <a:fillRect/>
+          </a:stretch>
+        </p:blipFill>
+        <p:spPr bwMode="auto">
+          <a:xfrm>
+            <a:off x="1082750" y="652130"/>
+            <a:ext cx="2101701" cy="2497071"/>
+          </a:xfrm>
+          <a:prstGeom prst="rect">
+            <a:avLst/>
+          </a:prstGeom>
+          <a:noFill/>
+          <a:ln>
+            <a:noFill/>
+          </a:ln>
+          <a:extLst>
+            <a:ext uri="{909E8E84-426E-40DD-AFC4-6F175D3DCCD1}">
+              <a14:hiddenFill xmlns:a14="http://schemas.microsoft.com/office/drawing/2010/main">
+                <a:solidFill>
+                  <a:schemeClr val="accent1"/>
+                </a:solidFill>
+              </a14:hiddenFill>
+            </a:ext>
+            <a:ext uri="{91240B29-F687-4F45-9708-019B960494DF}">
+              <a14:hiddenLine xmlns:a14="http://schemas.microsoft.com/office/drawing/2010/main" w="9525">
+                <a:solidFill>
+                  <a:schemeClr val="tx1"/>
+                </a:solidFill>
+                <a:miter lim="800000"/>
+                <a:headEnd/>
+                <a:tailEnd/>
+              </a14:hiddenLine>
+            </a:ext>
+          </a:extLst>
+        </p:spPr>
+      </p:pic>
+      <p:pic>
+        <p:nvPicPr>
+          <p:cNvPr id="7173" name="Picture 5"/>
+          <p:cNvPicPr>
+            <a:picLocks noChangeAspect="1" noChangeArrowheads="1"/>
+          </p:cNvPicPr>
+          <p:nvPr/>
+        </p:nvPicPr>
+        <p:blipFill rotWithShape="1">
+          <a:blip r:embed="rId3">
+            <a:extLst>
+              <a:ext uri="{28A0092B-C50C-407E-A947-70E740481C1C}">
+                <a14:useLocalDpi xmlns:a14="http://schemas.microsoft.com/office/drawing/2010/main" val="0"/>
+              </a:ext>
+            </a:extLst>
+          </a:blip>
+          <a:srcRect l="26309"/>
+          <a:stretch/>
+        </p:blipFill>
+        <p:spPr bwMode="auto">
+          <a:xfrm>
+            <a:off x="3241158" y="612461"/>
+            <a:ext cx="5486400" cy="2663623"/>
+          </a:xfrm>
+          <a:prstGeom prst="rect">
+            <a:avLst/>
+          </a:prstGeom>
+          <a:noFill/>
+          <a:ln>
+            <a:noFill/>
+          </a:ln>
+          <a:extLst>
+            <a:ext uri="{909E8E84-426E-40DD-AFC4-6F175D3DCCD1}">
+              <a14:hiddenFill xmlns:a14="http://schemas.microsoft.com/office/drawing/2010/main">
+                <a:solidFill>
+                  <a:schemeClr val="accent1"/>
+                </a:solidFill>
+              </a14:hiddenFill>
+            </a:ext>
+            <a:ext uri="{91240B29-F687-4F45-9708-019B960494DF}">
+              <a14:hiddenLine xmlns:a14="http://schemas.microsoft.com/office/drawing/2010/main" w="9525">
+                <a:solidFill>
+                  <a:schemeClr val="tx1"/>
+                </a:solidFill>
+                <a:miter lim="800000"/>
+                <a:headEnd/>
+                <a:tailEnd/>
+              </a14:hiddenLine>
+            </a:ext>
+          </a:extLst>
+        </p:spPr>
+      </p:pic>
+      <p:cxnSp>
+        <p:nvCxnSpPr>
+          <p:cNvPr id="8" name="Straight Connector 7"/>
+          <p:cNvCxnSpPr/>
+          <p:nvPr/>
+        </p:nvCxnSpPr>
+        <p:spPr>
+          <a:xfrm>
+            <a:off x="990600" y="533400"/>
+            <a:ext cx="7696200" cy="0"/>
+          </a:xfrm>
+          <a:prstGeom prst="line">
+            <a:avLst/>
+          </a:prstGeom>
+          <a:ln>
+            <a:solidFill>
+              <a:schemeClr val="accent2">
+                <a:lumMod val="75000"/>
+              </a:schemeClr>
+            </a:solidFill>
+          </a:ln>
+        </p:spPr>
+        <p:style>
+          <a:lnRef idx="1">
+            <a:schemeClr val="accent3"/>
+          </a:lnRef>
+          <a:fillRef idx="0">
+            <a:schemeClr val="accent3"/>
+          </a:fillRef>
+          <a:effectRef idx="0">
+            <a:schemeClr val="accent3"/>
+          </a:effectRef>
+          <a:fontRef idx="minor">
+            <a:schemeClr val="tx1"/>
+          </a:fontRef>
+        </p:style>
+      </p:cxnSp>
+      <p:sp>
+        <p:nvSpPr>
+          <p:cNvPr id="9" name="TextBox 8"/>
+          <p:cNvSpPr txBox="1"/>
+          <p:nvPr/>
+        </p:nvSpPr>
+        <p:spPr>
+          <a:xfrm>
+            <a:off x="990600" y="194846"/>
+            <a:ext cx="7772400" cy="338554"/>
+          </a:xfrm>
+          <a:prstGeom prst="rect">
+            <a:avLst/>
+          </a:prstGeom>
+          <a:noFill/>
+        </p:spPr>
+        <p:txBody>
+          <a:bodyPr wrap="square" rtlCol="0">
+            <a:spAutoFit/>
+          </a:bodyPr>
+          <a:lstStyle/>
+          <a:p>
+            <a:r>
+              <a:rPr lang="en-US" sz="1600" b="1" dirty="0" smtClean="0">
+                <a:solidFill>
+                  <a:schemeClr val="accent2">
+                    <a:lumMod val="75000"/>
+                  </a:schemeClr>
+                </a:solidFill>
+              </a:rPr>
+              <a:t>Function</a:t>
+            </a:r>
+            <a:endParaRPr lang="en-US" sz="1600" b="1" dirty="0">
+              <a:solidFill>
+                <a:schemeClr val="accent2">
+                  <a:lumMod val="75000"/>
+                </a:schemeClr>
+              </a:solidFill>
+            </a:endParaRPr>
+          </a:p>
+        </p:txBody>
+      </p:sp>
+    </p:spTree>
+    <p:extLst>
+      <p:ext uri="{BB962C8B-B14F-4D97-AF65-F5344CB8AC3E}">
+        <p14:creationId xmlns:p14="http://schemas.microsoft.com/office/powerpoint/2010/main" val="3059673057"/>
+      </p:ext>
+    </p:extLst>
+  </p:cSld>
+  <p:clrMapOvr>
+    <a:masterClrMapping/>
+  </p:clrMapOvr>
+</p:sld>
+</file>
+
+<file path=ppt/slides/slide35.xml><?xml version="1.0" encoding="utf-8"?>
+<p:sld xmlns:a="http://schemas.openxmlformats.org/drawingml/2006/main" xmlns:r="http://schemas.openxmlformats.org/officeDocument/2006/relationships" xmlns:p="http://schemas.openxmlformats.org/presentationml/2006/main">
+  <p:cSld>
+    <p:spTree>
+      <p:nvGrpSpPr>
+        <p:cNvPr id="1" name=""/>
+        <p:cNvGrpSpPr/>
+        <p:nvPr/>
+      </p:nvGrpSpPr>
+      <p:grpSpPr>
+        <a:xfrm>
+          <a:off x="0" y="0"/>
+          <a:ext cx="0" cy="0"/>
+          <a:chOff x="0" y="0"/>
+          <a:chExt cx="0" cy="0"/>
+        </a:xfrm>
+      </p:grpSpPr>
+      <p:cxnSp>
+        <p:nvCxnSpPr>
+          <p:cNvPr id="8" name="Straight Connector 7"/>
+          <p:cNvCxnSpPr/>
+          <p:nvPr/>
+        </p:nvCxnSpPr>
+        <p:spPr>
+          <a:xfrm>
+            <a:off x="990600" y="533400"/>
+            <a:ext cx="7696200" cy="0"/>
+          </a:xfrm>
+          <a:prstGeom prst="line">
+            <a:avLst/>
+          </a:prstGeom>
+          <a:ln>
+            <a:solidFill>
+              <a:schemeClr val="accent2">
+                <a:lumMod val="75000"/>
+              </a:schemeClr>
+            </a:solidFill>
+          </a:ln>
+        </p:spPr>
+        <p:style>
+          <a:lnRef idx="1">
+            <a:schemeClr val="accent3"/>
+          </a:lnRef>
+          <a:fillRef idx="0">
+            <a:schemeClr val="accent3"/>
+          </a:fillRef>
+          <a:effectRef idx="0">
+            <a:schemeClr val="accent3"/>
+          </a:effectRef>
+          <a:fontRef idx="minor">
+            <a:schemeClr val="tx1"/>
+          </a:fontRef>
+        </p:style>
+      </p:cxnSp>
+      <p:sp>
+        <p:nvSpPr>
+          <p:cNvPr id="9" name="TextBox 8"/>
+          <p:cNvSpPr txBox="1"/>
+          <p:nvPr/>
+        </p:nvSpPr>
+        <p:spPr>
+          <a:xfrm>
+            <a:off x="990600" y="194846"/>
+            <a:ext cx="7772400" cy="338554"/>
+          </a:xfrm>
+          <a:prstGeom prst="rect">
+            <a:avLst/>
+          </a:prstGeom>
+          <a:noFill/>
+        </p:spPr>
+        <p:txBody>
+          <a:bodyPr wrap="square" rtlCol="0">
+            <a:spAutoFit/>
+          </a:bodyPr>
+          <a:lstStyle/>
+          <a:p>
+            <a:r>
+              <a:rPr lang="en-US" sz="1600" b="1" dirty="0" smtClean="0">
+                <a:solidFill>
+                  <a:schemeClr val="accent2">
+                    <a:lumMod val="75000"/>
+                  </a:schemeClr>
+                </a:solidFill>
+              </a:rPr>
+              <a:t>Created Function Test</a:t>
+            </a:r>
+            <a:endParaRPr lang="en-US" sz="1600" b="1" dirty="0">
+              <a:solidFill>
+                <a:schemeClr val="accent2">
+                  <a:lumMod val="75000"/>
+                </a:schemeClr>
+              </a:solidFill>
+            </a:endParaRPr>
+          </a:p>
+        </p:txBody>
+      </p:sp>
+      <p:pic>
+        <p:nvPicPr>
+          <p:cNvPr id="8194" name="Picture 2"/>
+          <p:cNvPicPr>
+            <a:picLocks noChangeAspect="1" noChangeArrowheads="1"/>
+          </p:cNvPicPr>
+          <p:nvPr/>
+        </p:nvPicPr>
+        <p:blipFill>
+          <a:blip r:embed="rId2">
+            <a:extLst>
+              <a:ext uri="{28A0092B-C50C-407E-A947-70E740481C1C}">
+                <a14:useLocalDpi xmlns:a14="http://schemas.microsoft.com/office/drawing/2010/main" val="0"/>
+              </a:ext>
+            </a:extLst>
+          </a:blip>
+          <a:srcRect/>
+          <a:stretch>
+            <a:fillRect/>
+          </a:stretch>
+        </p:blipFill>
+        <p:spPr bwMode="auto">
+          <a:xfrm>
+            <a:off x="1163672" y="761999"/>
+            <a:ext cx="7286259" cy="3319463"/>
+          </a:xfrm>
+          <a:prstGeom prst="rect">
+            <a:avLst/>
+          </a:prstGeom>
+          <a:noFill/>
+          <a:ln>
+            <a:noFill/>
+          </a:ln>
+          <a:extLst>
+            <a:ext uri="{909E8E84-426E-40DD-AFC4-6F175D3DCCD1}">
+              <a14:hiddenFill xmlns:a14="http://schemas.microsoft.com/office/drawing/2010/main">
+                <a:solidFill>
+                  <a:schemeClr val="accent1"/>
+                </a:solidFill>
+              </a14:hiddenFill>
+            </a:ext>
+            <a:ext uri="{91240B29-F687-4F45-9708-019B960494DF}">
+              <a14:hiddenLine xmlns:a14="http://schemas.microsoft.com/office/drawing/2010/main" w="9525">
+                <a:solidFill>
+                  <a:schemeClr val="tx1"/>
+                </a:solidFill>
+                <a:miter lim="800000"/>
+                <a:headEnd/>
+                <a:tailEnd/>
+              </a14:hiddenLine>
+            </a:ext>
+          </a:extLst>
+        </p:spPr>
+      </p:pic>
+    </p:spTree>
+    <p:extLst>
+      <p:ext uri="{BB962C8B-B14F-4D97-AF65-F5344CB8AC3E}">
+        <p14:creationId xmlns:p14="http://schemas.microsoft.com/office/powerpoint/2010/main" val="1210394409"/>
+      </p:ext>
+    </p:extLst>
+  </p:cSld>
+  <p:clrMapOvr>
+    <a:masterClrMapping/>
+  </p:clrMapOvr>
+</p:sld>
+</file>
+
+<file path=ppt/slides/slide36.xml><?xml version="1.0" encoding="utf-8"?>
+<p:sld xmlns:a="http://schemas.openxmlformats.org/drawingml/2006/main" xmlns:r="http://schemas.openxmlformats.org/officeDocument/2006/relationships" xmlns:p="http://schemas.openxmlformats.org/presentationml/2006/main">
+  <p:cSld>
+    <p:spTree>
+      <p:nvGrpSpPr>
+        <p:cNvPr id="1" name=""/>
+        <p:cNvGrpSpPr/>
+        <p:nvPr/>
+      </p:nvGrpSpPr>
+      <p:grpSpPr>
+        <a:xfrm>
+          <a:off x="0" y="0"/>
+          <a:ext cx="0" cy="0"/>
+          <a:chOff x="0" y="0"/>
+          <a:chExt cx="0" cy="0"/>
+        </a:xfrm>
+      </p:grpSpPr>
+      <p:cxnSp>
+        <p:nvCxnSpPr>
+          <p:cNvPr id="8" name="Straight Connector 7"/>
+          <p:cNvCxnSpPr/>
+          <p:nvPr/>
+        </p:nvCxnSpPr>
+        <p:spPr>
+          <a:xfrm>
+            <a:off x="990600" y="533400"/>
+            <a:ext cx="7696200" cy="0"/>
+          </a:xfrm>
+          <a:prstGeom prst="line">
+            <a:avLst/>
+          </a:prstGeom>
+          <a:ln>
+            <a:solidFill>
+              <a:schemeClr val="accent2">
+                <a:lumMod val="75000"/>
+              </a:schemeClr>
+            </a:solidFill>
+          </a:ln>
+        </p:spPr>
+        <p:style>
+          <a:lnRef idx="1">
+            <a:schemeClr val="accent3"/>
+          </a:lnRef>
+          <a:fillRef idx="0">
+            <a:schemeClr val="accent3"/>
+          </a:fillRef>
+          <a:effectRef idx="0">
+            <a:schemeClr val="accent3"/>
+          </a:effectRef>
+          <a:fontRef idx="minor">
+            <a:schemeClr val="tx1"/>
+          </a:fontRef>
+        </p:style>
+      </p:cxnSp>
+      <p:sp>
+        <p:nvSpPr>
+          <p:cNvPr id="9" name="TextBox 8"/>
+          <p:cNvSpPr txBox="1"/>
+          <p:nvPr/>
+        </p:nvSpPr>
+        <p:spPr>
+          <a:xfrm>
+            <a:off x="990600" y="194846"/>
+            <a:ext cx="7772400" cy="338554"/>
+          </a:xfrm>
+          <a:prstGeom prst="rect">
+            <a:avLst/>
+          </a:prstGeom>
+          <a:noFill/>
+        </p:spPr>
+        <p:txBody>
+          <a:bodyPr wrap="square" rtlCol="0">
+            <a:spAutoFit/>
+          </a:bodyPr>
+          <a:lstStyle/>
+          <a:p>
+            <a:r>
+              <a:rPr lang="en-US" sz="1600" b="1" dirty="0" smtClean="0">
+                <a:solidFill>
+                  <a:schemeClr val="accent2">
+                    <a:lumMod val="75000"/>
+                  </a:schemeClr>
+                </a:solidFill>
+              </a:rPr>
+              <a:t>Created Store Procedure</a:t>
+            </a:r>
+            <a:endParaRPr lang="en-US" sz="1600" b="1" dirty="0">
+              <a:solidFill>
+                <a:schemeClr val="accent2">
+                  <a:lumMod val="75000"/>
+                </a:schemeClr>
+              </a:solidFill>
+            </a:endParaRPr>
+          </a:p>
+        </p:txBody>
+      </p:sp>
+      <p:pic>
+        <p:nvPicPr>
+          <p:cNvPr id="9218" name="Picture 2"/>
+          <p:cNvPicPr>
+            <a:picLocks noChangeAspect="1" noChangeArrowheads="1"/>
+          </p:cNvPicPr>
+          <p:nvPr/>
+        </p:nvPicPr>
+        <p:blipFill>
+          <a:blip r:embed="rId2">
+            <a:extLst>
+              <a:ext uri="{28A0092B-C50C-407E-A947-70E740481C1C}">
+                <a14:useLocalDpi xmlns:a14="http://schemas.microsoft.com/office/drawing/2010/main" val="0"/>
+              </a:ext>
+            </a:extLst>
+          </a:blip>
+          <a:srcRect/>
+          <a:stretch>
+            <a:fillRect/>
+          </a:stretch>
+        </p:blipFill>
+        <p:spPr bwMode="auto">
+          <a:xfrm>
+            <a:off x="1104901" y="685800"/>
+            <a:ext cx="3733799" cy="1055667"/>
+          </a:xfrm>
+          <a:prstGeom prst="rect">
+            <a:avLst/>
+          </a:prstGeom>
+          <a:noFill/>
+          <a:ln>
+            <a:noFill/>
+          </a:ln>
+          <a:extLst>
+            <a:ext uri="{909E8E84-426E-40DD-AFC4-6F175D3DCCD1}">
+              <a14:hiddenFill xmlns:a14="http://schemas.microsoft.com/office/drawing/2010/main">
+                <a:solidFill>
+                  <a:schemeClr val="accent1"/>
+                </a:solidFill>
+              </a14:hiddenFill>
+            </a:ext>
+            <a:ext uri="{91240B29-F687-4F45-9708-019B960494DF}">
+              <a14:hiddenLine xmlns:a14="http://schemas.microsoft.com/office/drawing/2010/main" w="9525">
+                <a:solidFill>
+                  <a:schemeClr val="tx1"/>
+                </a:solidFill>
+                <a:miter lim="800000"/>
+                <a:headEnd/>
+                <a:tailEnd/>
+              </a14:hiddenLine>
+            </a:ext>
+          </a:extLst>
+        </p:spPr>
+      </p:pic>
+      <p:pic>
+        <p:nvPicPr>
+          <p:cNvPr id="9219" name="Picture 3"/>
+          <p:cNvPicPr>
+            <a:picLocks noChangeAspect="1" noChangeArrowheads="1"/>
+          </p:cNvPicPr>
+          <p:nvPr/>
+        </p:nvPicPr>
+        <p:blipFill rotWithShape="1">
+          <a:blip r:embed="rId3">
+            <a:extLst>
+              <a:ext uri="{28A0092B-C50C-407E-A947-70E740481C1C}">
+                <a14:useLocalDpi xmlns:a14="http://schemas.microsoft.com/office/drawing/2010/main" val="0"/>
+              </a:ext>
+            </a:extLst>
+          </a:blip>
+          <a:srcRect b="21761"/>
+          <a:stretch/>
+        </p:blipFill>
+        <p:spPr bwMode="auto">
+          <a:xfrm>
+            <a:off x="1295400" y="2819400"/>
+            <a:ext cx="5410200" cy="2878627"/>
+          </a:xfrm>
+          <a:prstGeom prst="rect">
+            <a:avLst/>
+          </a:prstGeom>
+          <a:noFill/>
+          <a:ln>
+            <a:noFill/>
+          </a:ln>
+          <a:extLst>
+            <a:ext uri="{909E8E84-426E-40DD-AFC4-6F175D3DCCD1}">
+              <a14:hiddenFill xmlns:a14="http://schemas.microsoft.com/office/drawing/2010/main">
+                <a:solidFill>
+                  <a:schemeClr val="accent1"/>
+                </a:solidFill>
+              </a14:hiddenFill>
+            </a:ext>
+            <a:ext uri="{91240B29-F687-4F45-9708-019B960494DF}">
+              <a14:hiddenLine xmlns:a14="http://schemas.microsoft.com/office/drawing/2010/main" w="9525">
+                <a:solidFill>
+                  <a:schemeClr val="tx1"/>
+                </a:solidFill>
+                <a:miter lim="800000"/>
+                <a:headEnd/>
+                <a:tailEnd/>
+              </a14:hiddenLine>
+            </a:ext>
+          </a:extLst>
+        </p:spPr>
+      </p:pic>
+      <p:pic>
+        <p:nvPicPr>
+          <p:cNvPr id="9220" name="Picture 4"/>
+          <p:cNvPicPr>
+            <a:picLocks noChangeAspect="1" noChangeArrowheads="1"/>
+          </p:cNvPicPr>
+          <p:nvPr/>
+        </p:nvPicPr>
+        <p:blipFill>
+          <a:blip r:embed="rId4">
+            <a:extLst>
+              <a:ext uri="{28A0092B-C50C-407E-A947-70E740481C1C}">
+                <a14:useLocalDpi xmlns:a14="http://schemas.microsoft.com/office/drawing/2010/main" val="0"/>
+              </a:ext>
+            </a:extLst>
+          </a:blip>
+          <a:srcRect/>
+          <a:stretch>
+            <a:fillRect/>
+          </a:stretch>
+        </p:blipFill>
+        <p:spPr bwMode="auto">
+          <a:xfrm>
+            <a:off x="5333999" y="838200"/>
+            <a:ext cx="3648075" cy="2105025"/>
+          </a:xfrm>
+          <a:prstGeom prst="rect">
+            <a:avLst/>
+          </a:prstGeom>
+          <a:noFill/>
+          <a:ln>
+            <a:noFill/>
+          </a:ln>
+          <a:extLst>
+            <a:ext uri="{909E8E84-426E-40DD-AFC4-6F175D3DCCD1}">
+              <a14:hiddenFill xmlns:a14="http://schemas.microsoft.com/office/drawing/2010/main">
+                <a:solidFill>
+                  <a:schemeClr val="accent1"/>
+                </a:solidFill>
+              </a14:hiddenFill>
+            </a:ext>
+            <a:ext uri="{91240B29-F687-4F45-9708-019B960494DF}">
+              <a14:hiddenLine xmlns:a14="http://schemas.microsoft.com/office/drawing/2010/main" w="9525">
+                <a:solidFill>
+                  <a:schemeClr val="tx1"/>
+                </a:solidFill>
+                <a:miter lim="800000"/>
+                <a:headEnd/>
+                <a:tailEnd/>
+              </a14:hiddenLine>
+            </a:ext>
+          </a:extLst>
+        </p:spPr>
+      </p:pic>
+    </p:spTree>
+    <p:extLst>
+      <p:ext uri="{BB962C8B-B14F-4D97-AF65-F5344CB8AC3E}">
+        <p14:creationId xmlns:p14="http://schemas.microsoft.com/office/powerpoint/2010/main" val="1428611717"/>
+      </p:ext>
+    </p:extLst>
+  </p:cSld>
+  <p:clrMapOvr>
+    <a:masterClrMapping/>
+  </p:clrMapOvr>
+</p:sld>
+</file>
+
+<file path=ppt/slides/slide37.xml><?xml version="1.0" encoding="utf-8"?>
+<p:sld xmlns:a="http://schemas.openxmlformats.org/drawingml/2006/main" xmlns:r="http://schemas.openxmlformats.org/officeDocument/2006/relationships" xmlns:p="http://schemas.openxmlformats.org/presentationml/2006/main">
+  <p:cSld>
+    <p:spTree>
+      <p:nvGrpSpPr>
+        <p:cNvPr id="1" name=""/>
+        <p:cNvGrpSpPr/>
+        <p:nvPr/>
+      </p:nvGrpSpPr>
+      <p:grpSpPr>
+        <a:xfrm>
+          <a:off x="0" y="0"/>
+          <a:ext cx="0" cy="0"/>
+          <a:chOff x="0" y="0"/>
+          <a:chExt cx="0" cy="0"/>
+        </a:xfrm>
+      </p:grpSpPr>
+      <p:cxnSp>
+        <p:nvCxnSpPr>
+          <p:cNvPr id="8" name="Straight Connector 7"/>
+          <p:cNvCxnSpPr/>
+          <p:nvPr/>
+        </p:nvCxnSpPr>
+        <p:spPr>
+          <a:xfrm>
+            <a:off x="990600" y="533400"/>
+            <a:ext cx="7696200" cy="0"/>
+          </a:xfrm>
+          <a:prstGeom prst="line">
+            <a:avLst/>
+          </a:prstGeom>
+          <a:ln>
+            <a:solidFill>
+              <a:schemeClr val="accent2">
+                <a:lumMod val="75000"/>
+              </a:schemeClr>
+            </a:solidFill>
+          </a:ln>
+        </p:spPr>
+        <p:style>
+          <a:lnRef idx="1">
+            <a:schemeClr val="accent3"/>
+          </a:lnRef>
+          <a:fillRef idx="0">
+            <a:schemeClr val="accent3"/>
+          </a:fillRef>
+          <a:effectRef idx="0">
+            <a:schemeClr val="accent3"/>
+          </a:effectRef>
+          <a:fontRef idx="minor">
+            <a:schemeClr val="tx1"/>
+          </a:fontRef>
+        </p:style>
+      </p:cxnSp>
+      <p:sp>
+        <p:nvSpPr>
+          <p:cNvPr id="9" name="TextBox 8"/>
+          <p:cNvSpPr txBox="1"/>
+          <p:nvPr/>
+        </p:nvSpPr>
+        <p:spPr>
+          <a:xfrm>
+            <a:off x="990600" y="194846"/>
+            <a:ext cx="7772400" cy="338554"/>
+          </a:xfrm>
+          <a:prstGeom prst="rect">
+            <a:avLst/>
+          </a:prstGeom>
+          <a:noFill/>
+        </p:spPr>
+        <p:txBody>
+          <a:bodyPr wrap="square" rtlCol="0">
+            <a:spAutoFit/>
+          </a:bodyPr>
+          <a:lstStyle/>
+          <a:p>
+            <a:r>
+              <a:rPr lang="en-US" sz="1600" b="1" dirty="0" smtClean="0">
+                <a:solidFill>
+                  <a:schemeClr val="accent2">
+                    <a:lumMod val="75000"/>
+                  </a:schemeClr>
+                </a:solidFill>
+              </a:rPr>
+              <a:t>Created Store Procedure</a:t>
+            </a:r>
+            <a:endParaRPr lang="en-US" sz="1600" b="1" dirty="0">
+              <a:solidFill>
+                <a:schemeClr val="accent2">
+                  <a:lumMod val="75000"/>
+                </a:schemeClr>
+              </a:solidFill>
+            </a:endParaRPr>
+          </a:p>
+        </p:txBody>
+      </p:sp>
+      <p:pic>
+        <p:nvPicPr>
+          <p:cNvPr id="10242" name="Picture 2"/>
+          <p:cNvPicPr>
+            <a:picLocks noChangeAspect="1" noChangeArrowheads="1"/>
+          </p:cNvPicPr>
+          <p:nvPr/>
+        </p:nvPicPr>
+        <p:blipFill>
+          <a:blip r:embed="rId2">
+            <a:extLst>
+              <a:ext uri="{28A0092B-C50C-407E-A947-70E740481C1C}">
+                <a14:useLocalDpi xmlns:a14="http://schemas.microsoft.com/office/drawing/2010/main" val="0"/>
+              </a:ext>
+            </a:extLst>
+          </a:blip>
+          <a:srcRect/>
+          <a:stretch>
+            <a:fillRect/>
+          </a:stretch>
+        </p:blipFill>
+        <p:spPr bwMode="auto">
+          <a:xfrm>
+            <a:off x="1143001" y="685800"/>
+            <a:ext cx="5943600" cy="1261263"/>
+          </a:xfrm>
+          <a:prstGeom prst="rect">
+            <a:avLst/>
+          </a:prstGeom>
+          <a:noFill/>
+          <a:ln>
+            <a:noFill/>
+          </a:ln>
+          <a:extLst>
+            <a:ext uri="{909E8E84-426E-40DD-AFC4-6F175D3DCCD1}">
+              <a14:hiddenFill xmlns:a14="http://schemas.microsoft.com/office/drawing/2010/main">
+                <a:solidFill>
+                  <a:schemeClr val="accent1"/>
+                </a:solidFill>
+              </a14:hiddenFill>
+            </a:ext>
+            <a:ext uri="{91240B29-F687-4F45-9708-019B960494DF}">
+              <a14:hiddenLine xmlns:a14="http://schemas.microsoft.com/office/drawing/2010/main" w="9525">
+                <a:solidFill>
+                  <a:schemeClr val="tx1"/>
+                </a:solidFill>
+                <a:miter lim="800000"/>
+                <a:headEnd/>
+                <a:tailEnd/>
+              </a14:hiddenLine>
+            </a:ext>
+          </a:extLst>
+        </p:spPr>
+      </p:pic>
+      <p:pic>
+        <p:nvPicPr>
+          <p:cNvPr id="10243" name="Picture 3"/>
           <p:cNvPicPr>
             <a:picLocks noChangeAspect="1" noChangeArrowheads="1"/>
           </p:cNvPicPr>
@@ -5887,8 +10926,8 @@
         </p:blipFill>
         <p:spPr bwMode="auto">
           <a:xfrm>
-            <a:off x="1070331" y="809626"/>
-            <a:ext cx="4557142" cy="2009774"/>
+            <a:off x="1295400" y="2209800"/>
+            <a:ext cx="4352964" cy="2590800"/>
           </a:xfrm>
           <a:prstGeom prst="rect">
             <a:avLst/>
@@ -5921,7 +10960,657 @@
     </p:spTree>
     <p:extLst>
       <p:ext uri="{BB962C8B-B14F-4D97-AF65-F5344CB8AC3E}">
-        <p14:creationId xmlns:p14="http://schemas.microsoft.com/office/powerpoint/2010/main" val="83540225"/>
+        <p14:creationId xmlns:p14="http://schemas.microsoft.com/office/powerpoint/2010/main" val="3250386350"/>
+      </p:ext>
+    </p:extLst>
+  </p:cSld>
+  <p:clrMapOvr>
+    <a:masterClrMapping/>
+  </p:clrMapOvr>
+</p:sld>
+</file>
+
+<file path=ppt/slides/slide38.xml><?xml version="1.0" encoding="utf-8"?>
+<p:sld xmlns:a="http://schemas.openxmlformats.org/drawingml/2006/main" xmlns:r="http://schemas.openxmlformats.org/officeDocument/2006/relationships" xmlns:p="http://schemas.openxmlformats.org/presentationml/2006/main">
+  <p:cSld>
+    <p:spTree>
+      <p:nvGrpSpPr>
+        <p:cNvPr id="1" name=""/>
+        <p:cNvGrpSpPr/>
+        <p:nvPr/>
+      </p:nvGrpSpPr>
+      <p:grpSpPr>
+        <a:xfrm>
+          <a:off x="0" y="0"/>
+          <a:ext cx="0" cy="0"/>
+          <a:chOff x="0" y="0"/>
+          <a:chExt cx="0" cy="0"/>
+        </a:xfrm>
+      </p:grpSpPr>
+      <p:cxnSp>
+        <p:nvCxnSpPr>
+          <p:cNvPr id="8" name="Straight Connector 7"/>
+          <p:cNvCxnSpPr/>
+          <p:nvPr/>
+        </p:nvCxnSpPr>
+        <p:spPr>
+          <a:xfrm>
+            <a:off x="990600" y="533400"/>
+            <a:ext cx="7696200" cy="0"/>
+          </a:xfrm>
+          <a:prstGeom prst="line">
+            <a:avLst/>
+          </a:prstGeom>
+          <a:ln>
+            <a:solidFill>
+              <a:schemeClr val="accent2">
+                <a:lumMod val="75000"/>
+              </a:schemeClr>
+            </a:solidFill>
+          </a:ln>
+        </p:spPr>
+        <p:style>
+          <a:lnRef idx="1">
+            <a:schemeClr val="accent3"/>
+          </a:lnRef>
+          <a:fillRef idx="0">
+            <a:schemeClr val="accent3"/>
+          </a:fillRef>
+          <a:effectRef idx="0">
+            <a:schemeClr val="accent3"/>
+          </a:effectRef>
+          <a:fontRef idx="minor">
+            <a:schemeClr val="tx1"/>
+          </a:fontRef>
+        </p:style>
+      </p:cxnSp>
+      <p:sp>
+        <p:nvSpPr>
+          <p:cNvPr id="9" name="TextBox 8"/>
+          <p:cNvSpPr txBox="1"/>
+          <p:nvPr/>
+        </p:nvSpPr>
+        <p:spPr>
+          <a:xfrm>
+            <a:off x="990600" y="194846"/>
+            <a:ext cx="7772400" cy="338554"/>
+          </a:xfrm>
+          <a:prstGeom prst="rect">
+            <a:avLst/>
+          </a:prstGeom>
+          <a:noFill/>
+        </p:spPr>
+        <p:txBody>
+          <a:bodyPr wrap="square" rtlCol="0">
+            <a:spAutoFit/>
+          </a:bodyPr>
+          <a:lstStyle/>
+          <a:p>
+            <a:r>
+              <a:rPr lang="en-US" sz="1600" b="1" dirty="0" smtClean="0">
+                <a:solidFill>
+                  <a:schemeClr val="accent2">
+                    <a:lumMod val="75000"/>
+                  </a:schemeClr>
+                </a:solidFill>
+              </a:rPr>
+              <a:t>Created Store Procedure</a:t>
+            </a:r>
+            <a:endParaRPr lang="en-US" sz="1600" b="1" dirty="0">
+              <a:solidFill>
+                <a:schemeClr val="accent2">
+                  <a:lumMod val="75000"/>
+                </a:schemeClr>
+              </a:solidFill>
+            </a:endParaRPr>
+          </a:p>
+        </p:txBody>
+      </p:sp>
+      <p:pic>
+        <p:nvPicPr>
+          <p:cNvPr id="11266" name="Picture 2"/>
+          <p:cNvPicPr>
+            <a:picLocks noChangeAspect="1" noChangeArrowheads="1"/>
+          </p:cNvPicPr>
+          <p:nvPr/>
+        </p:nvPicPr>
+        <p:blipFill>
+          <a:blip r:embed="rId2">
+            <a:extLst>
+              <a:ext uri="{28A0092B-C50C-407E-A947-70E740481C1C}">
+                <a14:useLocalDpi xmlns:a14="http://schemas.microsoft.com/office/drawing/2010/main" val="0"/>
+              </a:ext>
+            </a:extLst>
+          </a:blip>
+          <a:srcRect/>
+          <a:stretch>
+            <a:fillRect/>
+          </a:stretch>
+        </p:blipFill>
+        <p:spPr bwMode="auto">
+          <a:xfrm>
+            <a:off x="1127051" y="685800"/>
+            <a:ext cx="7543800" cy="1223813"/>
+          </a:xfrm>
+          <a:prstGeom prst="rect">
+            <a:avLst/>
+          </a:prstGeom>
+          <a:noFill/>
+          <a:ln>
+            <a:noFill/>
+          </a:ln>
+          <a:extLst>
+            <a:ext uri="{909E8E84-426E-40DD-AFC4-6F175D3DCCD1}">
+              <a14:hiddenFill xmlns:a14="http://schemas.microsoft.com/office/drawing/2010/main">
+                <a:solidFill>
+                  <a:schemeClr val="accent1"/>
+                </a:solidFill>
+              </a14:hiddenFill>
+            </a:ext>
+            <a:ext uri="{91240B29-F687-4F45-9708-019B960494DF}">
+              <a14:hiddenLine xmlns:a14="http://schemas.microsoft.com/office/drawing/2010/main" w="9525">
+                <a:solidFill>
+                  <a:schemeClr val="tx1"/>
+                </a:solidFill>
+                <a:miter lim="800000"/>
+                <a:headEnd/>
+                <a:tailEnd/>
+              </a14:hiddenLine>
+            </a:ext>
+          </a:extLst>
+        </p:spPr>
+      </p:pic>
+      <p:pic>
+        <p:nvPicPr>
+          <p:cNvPr id="11267" name="Picture 3"/>
+          <p:cNvPicPr>
+            <a:picLocks noChangeAspect="1" noChangeArrowheads="1"/>
+          </p:cNvPicPr>
+          <p:nvPr/>
+        </p:nvPicPr>
+        <p:blipFill>
+          <a:blip r:embed="rId3">
+            <a:extLst>
+              <a:ext uri="{28A0092B-C50C-407E-A947-70E740481C1C}">
+                <a14:useLocalDpi xmlns:a14="http://schemas.microsoft.com/office/drawing/2010/main" val="0"/>
+              </a:ext>
+            </a:extLst>
+          </a:blip>
+          <a:srcRect/>
+          <a:stretch>
+            <a:fillRect/>
+          </a:stretch>
+        </p:blipFill>
+        <p:spPr bwMode="auto">
+          <a:xfrm>
+            <a:off x="1219200" y="1981200"/>
+            <a:ext cx="4686300" cy="381000"/>
+          </a:xfrm>
+          <a:prstGeom prst="rect">
+            <a:avLst/>
+          </a:prstGeom>
+          <a:noFill/>
+          <a:ln>
+            <a:noFill/>
+          </a:ln>
+          <a:extLst>
+            <a:ext uri="{909E8E84-426E-40DD-AFC4-6F175D3DCCD1}">
+              <a14:hiddenFill xmlns:a14="http://schemas.microsoft.com/office/drawing/2010/main">
+                <a:solidFill>
+                  <a:schemeClr val="accent1"/>
+                </a:solidFill>
+              </a14:hiddenFill>
+            </a:ext>
+            <a:ext uri="{91240B29-F687-4F45-9708-019B960494DF}">
+              <a14:hiddenLine xmlns:a14="http://schemas.microsoft.com/office/drawing/2010/main" w="9525">
+                <a:solidFill>
+                  <a:schemeClr val="tx1"/>
+                </a:solidFill>
+                <a:miter lim="800000"/>
+                <a:headEnd/>
+                <a:tailEnd/>
+              </a14:hiddenLine>
+            </a:ext>
+          </a:extLst>
+        </p:spPr>
+      </p:pic>
+      <p:pic>
+        <p:nvPicPr>
+          <p:cNvPr id="11268" name="Picture 4"/>
+          <p:cNvPicPr>
+            <a:picLocks noChangeAspect="1" noChangeArrowheads="1"/>
+          </p:cNvPicPr>
+          <p:nvPr/>
+        </p:nvPicPr>
+        <p:blipFill>
+          <a:blip r:embed="rId4">
+            <a:extLst>
+              <a:ext uri="{28A0092B-C50C-407E-A947-70E740481C1C}">
+                <a14:useLocalDpi xmlns:a14="http://schemas.microsoft.com/office/drawing/2010/main" val="0"/>
+              </a:ext>
+            </a:extLst>
+          </a:blip>
+          <a:srcRect/>
+          <a:stretch>
+            <a:fillRect/>
+          </a:stretch>
+        </p:blipFill>
+        <p:spPr bwMode="auto">
+          <a:xfrm>
+            <a:off x="1190625" y="2533650"/>
+            <a:ext cx="3648075" cy="1790700"/>
+          </a:xfrm>
+          <a:prstGeom prst="rect">
+            <a:avLst/>
+          </a:prstGeom>
+          <a:noFill/>
+          <a:ln>
+            <a:noFill/>
+          </a:ln>
+          <a:extLst>
+            <a:ext uri="{909E8E84-426E-40DD-AFC4-6F175D3DCCD1}">
+              <a14:hiddenFill xmlns:a14="http://schemas.microsoft.com/office/drawing/2010/main">
+                <a:solidFill>
+                  <a:schemeClr val="accent1"/>
+                </a:solidFill>
+              </a14:hiddenFill>
+            </a:ext>
+            <a:ext uri="{91240B29-F687-4F45-9708-019B960494DF}">
+              <a14:hiddenLine xmlns:a14="http://schemas.microsoft.com/office/drawing/2010/main" w="9525">
+                <a:solidFill>
+                  <a:schemeClr val="tx1"/>
+                </a:solidFill>
+                <a:miter lim="800000"/>
+                <a:headEnd/>
+                <a:tailEnd/>
+              </a14:hiddenLine>
+            </a:ext>
+          </a:extLst>
+        </p:spPr>
+      </p:pic>
+      <p:pic>
+        <p:nvPicPr>
+          <p:cNvPr id="11270" name="Picture 6"/>
+          <p:cNvPicPr>
+            <a:picLocks noChangeAspect="1" noChangeArrowheads="1"/>
+          </p:cNvPicPr>
+          <p:nvPr/>
+        </p:nvPicPr>
+        <p:blipFill>
+          <a:blip r:embed="rId5">
+            <a:extLst>
+              <a:ext uri="{28A0092B-C50C-407E-A947-70E740481C1C}">
+                <a14:useLocalDpi xmlns:a14="http://schemas.microsoft.com/office/drawing/2010/main" val="0"/>
+              </a:ext>
+            </a:extLst>
+          </a:blip>
+          <a:srcRect/>
+          <a:stretch>
+            <a:fillRect/>
+          </a:stretch>
+        </p:blipFill>
+        <p:spPr bwMode="auto">
+          <a:xfrm>
+            <a:off x="1219200" y="4353035"/>
+            <a:ext cx="4324350" cy="695325"/>
+          </a:xfrm>
+          <a:prstGeom prst="rect">
+            <a:avLst/>
+          </a:prstGeom>
+          <a:noFill/>
+          <a:ln>
+            <a:noFill/>
+          </a:ln>
+          <a:extLst>
+            <a:ext uri="{909E8E84-426E-40DD-AFC4-6F175D3DCCD1}">
+              <a14:hiddenFill xmlns:a14="http://schemas.microsoft.com/office/drawing/2010/main">
+                <a:solidFill>
+                  <a:schemeClr val="accent1"/>
+                </a:solidFill>
+              </a14:hiddenFill>
+            </a:ext>
+            <a:ext uri="{91240B29-F687-4F45-9708-019B960494DF}">
+              <a14:hiddenLine xmlns:a14="http://schemas.microsoft.com/office/drawing/2010/main" w="9525">
+                <a:solidFill>
+                  <a:schemeClr val="tx1"/>
+                </a:solidFill>
+                <a:miter lim="800000"/>
+                <a:headEnd/>
+                <a:tailEnd/>
+              </a14:hiddenLine>
+            </a:ext>
+          </a:extLst>
+        </p:spPr>
+      </p:pic>
+    </p:spTree>
+    <p:extLst>
+      <p:ext uri="{BB962C8B-B14F-4D97-AF65-F5344CB8AC3E}">
+        <p14:creationId xmlns:p14="http://schemas.microsoft.com/office/powerpoint/2010/main" val="3898713407"/>
+      </p:ext>
+    </p:extLst>
+  </p:cSld>
+  <p:clrMapOvr>
+    <a:masterClrMapping/>
+  </p:clrMapOvr>
+</p:sld>
+</file>
+
+<file path=ppt/slides/slide39.xml><?xml version="1.0" encoding="utf-8"?>
+<p:sld xmlns:a="http://schemas.openxmlformats.org/drawingml/2006/main" xmlns:r="http://schemas.openxmlformats.org/officeDocument/2006/relationships" xmlns:p="http://schemas.openxmlformats.org/presentationml/2006/main">
+  <p:cSld>
+    <p:spTree>
+      <p:nvGrpSpPr>
+        <p:cNvPr id="1" name=""/>
+        <p:cNvGrpSpPr/>
+        <p:nvPr/>
+      </p:nvGrpSpPr>
+      <p:grpSpPr>
+        <a:xfrm>
+          <a:off x="0" y="0"/>
+          <a:ext cx="0" cy="0"/>
+          <a:chOff x="0" y="0"/>
+          <a:chExt cx="0" cy="0"/>
+        </a:xfrm>
+      </p:grpSpPr>
+      <p:cxnSp>
+        <p:nvCxnSpPr>
+          <p:cNvPr id="8" name="Straight Connector 7"/>
+          <p:cNvCxnSpPr/>
+          <p:nvPr/>
+        </p:nvCxnSpPr>
+        <p:spPr>
+          <a:xfrm>
+            <a:off x="990600" y="533400"/>
+            <a:ext cx="7696200" cy="0"/>
+          </a:xfrm>
+          <a:prstGeom prst="line">
+            <a:avLst/>
+          </a:prstGeom>
+          <a:ln>
+            <a:solidFill>
+              <a:schemeClr val="accent2">
+                <a:lumMod val="75000"/>
+              </a:schemeClr>
+            </a:solidFill>
+          </a:ln>
+        </p:spPr>
+        <p:style>
+          <a:lnRef idx="1">
+            <a:schemeClr val="accent3"/>
+          </a:lnRef>
+          <a:fillRef idx="0">
+            <a:schemeClr val="accent3"/>
+          </a:fillRef>
+          <a:effectRef idx="0">
+            <a:schemeClr val="accent3"/>
+          </a:effectRef>
+          <a:fontRef idx="minor">
+            <a:schemeClr val="tx1"/>
+          </a:fontRef>
+        </p:style>
+      </p:cxnSp>
+      <p:sp>
+        <p:nvSpPr>
+          <p:cNvPr id="9" name="TextBox 8"/>
+          <p:cNvSpPr txBox="1"/>
+          <p:nvPr/>
+        </p:nvSpPr>
+        <p:spPr>
+          <a:xfrm>
+            <a:off x="990600" y="194846"/>
+            <a:ext cx="7772400" cy="338554"/>
+          </a:xfrm>
+          <a:prstGeom prst="rect">
+            <a:avLst/>
+          </a:prstGeom>
+          <a:noFill/>
+        </p:spPr>
+        <p:txBody>
+          <a:bodyPr wrap="square" rtlCol="0">
+            <a:spAutoFit/>
+          </a:bodyPr>
+          <a:lstStyle/>
+          <a:p>
+            <a:r>
+              <a:rPr lang="en-US" sz="1600" b="1" dirty="0" smtClean="0">
+                <a:solidFill>
+                  <a:schemeClr val="accent2">
+                    <a:lumMod val="75000"/>
+                  </a:schemeClr>
+                </a:solidFill>
+              </a:rPr>
+              <a:t>Call Store Procedure at Python</a:t>
+            </a:r>
+            <a:endParaRPr lang="en-US" sz="1600" b="1" dirty="0">
+              <a:solidFill>
+                <a:schemeClr val="accent2">
+                  <a:lumMod val="75000"/>
+                </a:schemeClr>
+              </a:solidFill>
+            </a:endParaRPr>
+          </a:p>
+        </p:txBody>
+      </p:sp>
+      <p:pic>
+        <p:nvPicPr>
+          <p:cNvPr id="12290" name="Picture 2"/>
+          <p:cNvPicPr>
+            <a:picLocks noChangeAspect="1" noChangeArrowheads="1"/>
+          </p:cNvPicPr>
+          <p:nvPr/>
+        </p:nvPicPr>
+        <p:blipFill>
+          <a:blip r:embed="rId2">
+            <a:extLst>
+              <a:ext uri="{28A0092B-C50C-407E-A947-70E740481C1C}">
+                <a14:useLocalDpi xmlns:a14="http://schemas.microsoft.com/office/drawing/2010/main" val="0"/>
+              </a:ext>
+            </a:extLst>
+          </a:blip>
+          <a:srcRect/>
+          <a:stretch>
+            <a:fillRect/>
+          </a:stretch>
+        </p:blipFill>
+        <p:spPr bwMode="auto">
+          <a:xfrm>
+            <a:off x="1019175" y="609600"/>
+            <a:ext cx="4314825" cy="1924050"/>
+          </a:xfrm>
+          <a:prstGeom prst="rect">
+            <a:avLst/>
+          </a:prstGeom>
+          <a:noFill/>
+          <a:ln>
+            <a:noFill/>
+          </a:ln>
+          <a:extLst>
+            <a:ext uri="{909E8E84-426E-40DD-AFC4-6F175D3DCCD1}">
+              <a14:hiddenFill xmlns:a14="http://schemas.microsoft.com/office/drawing/2010/main">
+                <a:solidFill>
+                  <a:schemeClr val="accent1"/>
+                </a:solidFill>
+              </a14:hiddenFill>
+            </a:ext>
+            <a:ext uri="{91240B29-F687-4F45-9708-019B960494DF}">
+              <a14:hiddenLine xmlns:a14="http://schemas.microsoft.com/office/drawing/2010/main" w="9525">
+                <a:solidFill>
+                  <a:schemeClr val="tx1"/>
+                </a:solidFill>
+                <a:miter lim="800000"/>
+                <a:headEnd/>
+                <a:tailEnd/>
+              </a14:hiddenLine>
+            </a:ext>
+          </a:extLst>
+        </p:spPr>
+      </p:pic>
+      <p:pic>
+        <p:nvPicPr>
+          <p:cNvPr id="12291" name="Picture 3"/>
+          <p:cNvPicPr>
+            <a:picLocks noChangeAspect="1" noChangeArrowheads="1"/>
+          </p:cNvPicPr>
+          <p:nvPr/>
+        </p:nvPicPr>
+        <p:blipFill>
+          <a:blip r:embed="rId3">
+            <a:extLst>
+              <a:ext uri="{28A0092B-C50C-407E-A947-70E740481C1C}">
+                <a14:useLocalDpi xmlns:a14="http://schemas.microsoft.com/office/drawing/2010/main" val="0"/>
+              </a:ext>
+            </a:extLst>
+          </a:blip>
+          <a:srcRect/>
+          <a:stretch>
+            <a:fillRect/>
+          </a:stretch>
+        </p:blipFill>
+        <p:spPr bwMode="auto">
+          <a:xfrm>
+            <a:off x="1143001" y="2590801"/>
+            <a:ext cx="4191000" cy="2170182"/>
+          </a:xfrm>
+          <a:prstGeom prst="rect">
+            <a:avLst/>
+          </a:prstGeom>
+          <a:noFill/>
+          <a:ln>
+            <a:noFill/>
+          </a:ln>
+          <a:extLst>
+            <a:ext uri="{909E8E84-426E-40DD-AFC4-6F175D3DCCD1}">
+              <a14:hiddenFill xmlns:a14="http://schemas.microsoft.com/office/drawing/2010/main">
+                <a:solidFill>
+                  <a:schemeClr val="accent1"/>
+                </a:solidFill>
+              </a14:hiddenFill>
+            </a:ext>
+            <a:ext uri="{91240B29-F687-4F45-9708-019B960494DF}">
+              <a14:hiddenLine xmlns:a14="http://schemas.microsoft.com/office/drawing/2010/main" w="9525">
+                <a:solidFill>
+                  <a:schemeClr val="tx1"/>
+                </a:solidFill>
+                <a:miter lim="800000"/>
+                <a:headEnd/>
+                <a:tailEnd/>
+              </a14:hiddenLine>
+            </a:ext>
+          </a:extLst>
+        </p:spPr>
+      </p:pic>
+      <p:pic>
+        <p:nvPicPr>
+          <p:cNvPr id="12292" name="Picture 4"/>
+          <p:cNvPicPr>
+            <a:picLocks noChangeAspect="1" noChangeArrowheads="1"/>
+          </p:cNvPicPr>
+          <p:nvPr/>
+        </p:nvPicPr>
+        <p:blipFill>
+          <a:blip r:embed="rId4">
+            <a:extLst>
+              <a:ext uri="{28A0092B-C50C-407E-A947-70E740481C1C}">
+                <a14:useLocalDpi xmlns:a14="http://schemas.microsoft.com/office/drawing/2010/main" val="0"/>
+              </a:ext>
+            </a:extLst>
+          </a:blip>
+          <a:srcRect/>
+          <a:stretch>
+            <a:fillRect/>
+          </a:stretch>
+        </p:blipFill>
+        <p:spPr bwMode="auto">
+          <a:xfrm>
+            <a:off x="4953000" y="652089"/>
+            <a:ext cx="3654950" cy="1938712"/>
+          </a:xfrm>
+          <a:prstGeom prst="rect">
+            <a:avLst/>
+          </a:prstGeom>
+          <a:noFill/>
+          <a:ln>
+            <a:noFill/>
+          </a:ln>
+          <a:extLst>
+            <a:ext uri="{909E8E84-426E-40DD-AFC4-6F175D3DCCD1}">
+              <a14:hiddenFill xmlns:a14="http://schemas.microsoft.com/office/drawing/2010/main">
+                <a:solidFill>
+                  <a:schemeClr val="accent1"/>
+                </a:solidFill>
+              </a14:hiddenFill>
+            </a:ext>
+            <a:ext uri="{91240B29-F687-4F45-9708-019B960494DF}">
+              <a14:hiddenLine xmlns:a14="http://schemas.microsoft.com/office/drawing/2010/main" w="9525">
+                <a:solidFill>
+                  <a:schemeClr val="tx1"/>
+                </a:solidFill>
+                <a:miter lim="800000"/>
+                <a:headEnd/>
+                <a:tailEnd/>
+              </a14:hiddenLine>
+            </a:ext>
+          </a:extLst>
+        </p:spPr>
+      </p:pic>
+      <p:pic>
+        <p:nvPicPr>
+          <p:cNvPr id="12293" name="Picture 5"/>
+          <p:cNvPicPr>
+            <a:picLocks noChangeAspect="1" noChangeArrowheads="1"/>
+          </p:cNvPicPr>
+          <p:nvPr/>
+        </p:nvPicPr>
+        <p:blipFill>
+          <a:blip r:embed="rId5">
+            <a:extLst>
+              <a:ext uri="{28A0092B-C50C-407E-A947-70E740481C1C}">
+                <a14:useLocalDpi xmlns:a14="http://schemas.microsoft.com/office/drawing/2010/main" val="0"/>
+              </a:ext>
+            </a:extLst>
+          </a:blip>
+          <a:srcRect/>
+          <a:stretch>
+            <a:fillRect/>
+          </a:stretch>
+        </p:blipFill>
+        <p:spPr bwMode="auto">
+          <a:xfrm>
+            <a:off x="4953000" y="2667000"/>
+            <a:ext cx="3581400" cy="2654149"/>
+          </a:xfrm>
+          <a:prstGeom prst="rect">
+            <a:avLst/>
+          </a:prstGeom>
+          <a:noFill/>
+          <a:ln>
+            <a:noFill/>
+          </a:ln>
+          <a:extLst>
+            <a:ext uri="{909E8E84-426E-40DD-AFC4-6F175D3DCCD1}">
+              <a14:hiddenFill xmlns:a14="http://schemas.microsoft.com/office/drawing/2010/main">
+                <a:solidFill>
+                  <a:schemeClr val="accent1"/>
+                </a:solidFill>
+              </a14:hiddenFill>
+            </a:ext>
+            <a:ext uri="{91240B29-F687-4F45-9708-019B960494DF}">
+              <a14:hiddenLine xmlns:a14="http://schemas.microsoft.com/office/drawing/2010/main" w="9525">
+                <a:solidFill>
+                  <a:schemeClr val="tx1"/>
+                </a:solidFill>
+                <a:miter lim="800000"/>
+                <a:headEnd/>
+                <a:tailEnd/>
+              </a14:hiddenLine>
+            </a:ext>
+          </a:extLst>
+        </p:spPr>
+      </p:pic>
+    </p:spTree>
+    <p:extLst>
+      <p:ext uri="{BB962C8B-B14F-4D97-AF65-F5344CB8AC3E}">
+        <p14:creationId xmlns:p14="http://schemas.microsoft.com/office/powerpoint/2010/main" val="3898713407"/>
       </p:ext>
     </p:extLst>
   </p:cSld>
@@ -5956,8 +11645,8 @@
         </p:nvSpPr>
         <p:spPr>
           <a:xfrm>
-            <a:off x="1219200" y="701913"/>
-            <a:ext cx="2514600" cy="2031325"/>
+            <a:off x="1143000" y="533400"/>
+            <a:ext cx="7391400" cy="4801314"/>
           </a:xfrm>
           <a:prstGeom prst="rect">
             <a:avLst/>
@@ -5971,122 +11660,12 @@
           <a:lstStyle/>
           <a:p>
             <a:r>
-              <a:rPr lang="en-US" b="1" u="sng" dirty="0" smtClean="0">
-                <a:solidFill>
-                  <a:schemeClr val="accent2">
-                    <a:lumMod val="75000"/>
-                  </a:schemeClr>
-                </a:solidFill>
-              </a:rPr>
-              <a:t>Database Elements:</a:t>
-            </a:r>
-          </a:p>
-          <a:p>
-            <a:pPr marL="285750" indent="-285750">
-              <a:buFont typeface="Wingdings" panose="05000000000000000000" pitchFamily="2" charset="2"/>
-              <a:buChar char="q"/>
-            </a:pPr>
-            <a:r>
-              <a:rPr lang="en-US" dirty="0" smtClean="0"/>
-              <a:t>Table</a:t>
-            </a:r>
-          </a:p>
-          <a:p>
-            <a:pPr marL="285750" indent="-285750">
-              <a:buFont typeface="Wingdings" panose="05000000000000000000" pitchFamily="2" charset="2"/>
-              <a:buChar char="q"/>
-            </a:pPr>
-            <a:r>
-              <a:rPr lang="en-US" dirty="0" smtClean="0"/>
-              <a:t>View</a:t>
-            </a:r>
-          </a:p>
-          <a:p>
-            <a:pPr marL="285750" indent="-285750">
-              <a:buFont typeface="Wingdings" panose="05000000000000000000" pitchFamily="2" charset="2"/>
-              <a:buChar char="q"/>
-            </a:pPr>
-            <a:r>
-              <a:rPr lang="en-US" dirty="0" smtClean="0"/>
-              <a:t>Index</a:t>
-            </a:r>
-          </a:p>
-          <a:p>
-            <a:pPr marL="285750" indent="-285750">
-              <a:buFont typeface="Wingdings" panose="05000000000000000000" pitchFamily="2" charset="2"/>
-              <a:buChar char="q"/>
-            </a:pPr>
-            <a:r>
-              <a:rPr lang="en-US" dirty="0" smtClean="0"/>
-              <a:t>Triger</a:t>
-            </a:r>
-          </a:p>
-          <a:p>
-            <a:pPr marL="285750" indent="-285750">
-              <a:buFont typeface="Wingdings" panose="05000000000000000000" pitchFamily="2" charset="2"/>
-              <a:buChar char="q"/>
-            </a:pPr>
-            <a:r>
-              <a:rPr lang="en-US" dirty="0" smtClean="0"/>
-              <a:t>Function</a:t>
-            </a:r>
-          </a:p>
-          <a:p>
-            <a:pPr marL="285750" indent="-285750">
-              <a:buFont typeface="Wingdings" panose="05000000000000000000" pitchFamily="2" charset="2"/>
-              <a:buChar char="q"/>
-            </a:pPr>
-            <a:r>
-              <a:rPr lang="en-US" dirty="0" smtClean="0"/>
-              <a:t>Store Procedure</a:t>
-            </a:r>
-            <a:endParaRPr lang="en-US" dirty="0"/>
-          </a:p>
-        </p:txBody>
-      </p:sp>
-      <p:sp>
-        <p:nvSpPr>
-          <p:cNvPr id="3" name="Rectangle 2"/>
-          <p:cNvSpPr/>
-          <p:nvPr/>
-        </p:nvSpPr>
-        <p:spPr>
-          <a:xfrm>
-            <a:off x="4572000" y="701913"/>
-            <a:ext cx="4216400" cy="4801314"/>
-          </a:xfrm>
-          <a:prstGeom prst="rect">
-            <a:avLst/>
-          </a:prstGeom>
-        </p:spPr>
-        <p:txBody>
-          <a:bodyPr wrap="square">
-            <a:spAutoFit/>
-          </a:bodyPr>
-          <a:lstStyle/>
-          <a:p>
-            <a:r>
-              <a:rPr lang="en-US" b="1" u="sng" dirty="0" smtClean="0">
-                <a:solidFill>
-                  <a:schemeClr val="accent2">
-                    <a:lumMod val="75000"/>
-                  </a:schemeClr>
-                </a:solidFill>
-                <a:latin typeface="Arial Unicode MS" panose="020B0604020202020204" pitchFamily="34" charset="-128"/>
-                <a:ea typeface="Arial Unicode MS" panose="020B0604020202020204" pitchFamily="34" charset="-128"/>
-                <a:cs typeface="Arial Unicode MS" panose="020B0604020202020204" pitchFamily="34" charset="-128"/>
-              </a:rPr>
-              <a:t>Data Types:</a:t>
-            </a:r>
-          </a:p>
-          <a:p>
-            <a:r>
               <a:rPr lang="en-US" dirty="0" smtClean="0">
                 <a:latin typeface="Arial Unicode MS" panose="020B0604020202020204" pitchFamily="34" charset="-128"/>
                 <a:ea typeface="Arial Unicode MS" panose="020B0604020202020204" pitchFamily="34" charset="-128"/>
                 <a:cs typeface="Arial Unicode MS" panose="020B0604020202020204" pitchFamily="34" charset="-128"/>
               </a:rPr>
-              <a:t>Int, smallInt, bigInt     	-5, 18   </a:t>
+              <a:t>Database</a:t>
             </a:r>
           </a:p>
           <a:p>
@@ -6096,7 +11675,7 @@
                 <a:ea typeface="Arial Unicode MS" panose="020B0604020202020204" pitchFamily="34" charset="-128"/>
                 <a:cs typeface="Arial Unicode MS" panose="020B0604020202020204" pitchFamily="34" charset="-128"/>
               </a:rPr>
-              <a:t>Decimal(5,2)		17.25</a:t>
+              <a:t>Database Management System(DBMS)</a:t>
             </a:r>
           </a:p>
           <a:p>
@@ -6106,93 +11685,7 @@
                 <a:ea typeface="Arial Unicode MS" panose="020B0604020202020204" pitchFamily="34" charset="-128"/>
                 <a:cs typeface="Arial Unicode MS" panose="020B0604020202020204" pitchFamily="34" charset="-128"/>
               </a:rPr>
-              <a:t>Char			‘a’</a:t>
-            </a:r>
-          </a:p>
-          <a:p>
-            <a:r>
-              <a:rPr lang="en-US" dirty="0" err="1" smtClean="0">
-                <a:latin typeface="Arial Unicode MS" panose="020B0604020202020204" pitchFamily="34" charset="-128"/>
-                <a:ea typeface="Arial Unicode MS" panose="020B0604020202020204" pitchFamily="34" charset="-128"/>
-                <a:cs typeface="Arial Unicode MS" panose="020B0604020202020204" pitchFamily="34" charset="-128"/>
-              </a:rPr>
-              <a:t>nchar</a:t>
-            </a:r>
-            <a:r>
-              <a:rPr lang="en-US" dirty="0" smtClean="0">
-                <a:latin typeface="Arial Unicode MS" panose="020B0604020202020204" pitchFamily="34" charset="-128"/>
-                <a:ea typeface="Arial Unicode MS" panose="020B0604020202020204" pitchFamily="34" charset="-128"/>
-                <a:cs typeface="Arial Unicode MS" panose="020B0604020202020204" pitchFamily="34" charset="-128"/>
-              </a:rPr>
-              <a:t>,  varchar,  </a:t>
-            </a:r>
-            <a:r>
-              <a:rPr lang="en-US" dirty="0" err="1" smtClean="0">
-                <a:latin typeface="Arial Unicode MS" panose="020B0604020202020204" pitchFamily="34" charset="-128"/>
-                <a:ea typeface="Arial Unicode MS" panose="020B0604020202020204" pitchFamily="34" charset="-128"/>
-                <a:cs typeface="Arial Unicode MS" panose="020B0604020202020204" pitchFamily="34" charset="-128"/>
-              </a:rPr>
-              <a:t>nvarchar</a:t>
-            </a:r>
-            <a:endParaRPr lang="en-US" dirty="0" smtClean="0">
-              <a:latin typeface="Arial Unicode MS" panose="020B0604020202020204" pitchFamily="34" charset="-128"/>
-              <a:ea typeface="Arial Unicode MS" panose="020B0604020202020204" pitchFamily="34" charset="-128"/>
-              <a:cs typeface="Arial Unicode MS" panose="020B0604020202020204" pitchFamily="34" charset="-128"/>
-            </a:endParaRPr>
-          </a:p>
-          <a:p>
-            <a:r>
-              <a:rPr lang="en-US" dirty="0" smtClean="0">
-                <a:latin typeface="Arial Unicode MS" panose="020B0604020202020204" pitchFamily="34" charset="-128"/>
-                <a:ea typeface="Arial Unicode MS" panose="020B0604020202020204" pitchFamily="34" charset="-128"/>
-                <a:cs typeface="Arial Unicode MS" panose="020B0604020202020204" pitchFamily="34" charset="-128"/>
-              </a:rPr>
-              <a:t>Bit			0,1</a:t>
-            </a:r>
-          </a:p>
-          <a:p>
-            <a:r>
-              <a:rPr lang="en-US" dirty="0" smtClean="0">
-                <a:latin typeface="Arial Unicode MS" panose="020B0604020202020204" pitchFamily="34" charset="-128"/>
-                <a:ea typeface="Arial Unicode MS" panose="020B0604020202020204" pitchFamily="34" charset="-128"/>
-                <a:cs typeface="Arial Unicode MS" panose="020B0604020202020204" pitchFamily="34" charset="-128"/>
-              </a:rPr>
-              <a:t>Binary, image, blob</a:t>
-            </a:r>
-          </a:p>
-          <a:p>
-            <a:r>
-              <a:rPr lang="en-US" dirty="0" smtClean="0">
-                <a:latin typeface="Arial Unicode MS" panose="020B0604020202020204" pitchFamily="34" charset="-128"/>
-                <a:ea typeface="Arial Unicode MS" panose="020B0604020202020204" pitchFamily="34" charset="-128"/>
-                <a:cs typeface="Arial Unicode MS" panose="020B0604020202020204" pitchFamily="34" charset="-128"/>
-              </a:rPr>
-              <a:t>Text, memo</a:t>
-            </a:r>
-          </a:p>
-          <a:p>
-            <a:r>
-              <a:rPr lang="en-US" dirty="0" err="1" smtClean="0">
-                <a:latin typeface="Arial Unicode MS" panose="020B0604020202020204" pitchFamily="34" charset="-128"/>
-                <a:ea typeface="Arial Unicode MS" panose="020B0604020202020204" pitchFamily="34" charset="-128"/>
-                <a:cs typeface="Arial Unicode MS" panose="020B0604020202020204" pitchFamily="34" charset="-128"/>
-              </a:rPr>
-              <a:t>Datetime</a:t>
-            </a:r>
-            <a:endParaRPr lang="en-US" dirty="0" smtClean="0">
-              <a:latin typeface="Arial Unicode MS" panose="020B0604020202020204" pitchFamily="34" charset="-128"/>
-              <a:ea typeface="Arial Unicode MS" panose="020B0604020202020204" pitchFamily="34" charset="-128"/>
-              <a:cs typeface="Arial Unicode MS" panose="020B0604020202020204" pitchFamily="34" charset="-128"/>
-            </a:endParaRPr>
-          </a:p>
-          <a:p>
-            <a:r>
-              <a:rPr lang="en-US" dirty="0" smtClean="0">
-                <a:latin typeface="Arial Unicode MS" panose="020B0604020202020204" pitchFamily="34" charset="-128"/>
-                <a:ea typeface="Arial Unicode MS" panose="020B0604020202020204" pitchFamily="34" charset="-128"/>
-                <a:cs typeface="Arial Unicode MS" panose="020B0604020202020204" pitchFamily="34" charset="-128"/>
-              </a:rPr>
-              <a:t>Timestamp</a:t>
+              <a:t>Relational Database Management System(RDBMS) =&gt; MySQL</a:t>
             </a:r>
           </a:p>
           <a:p>
@@ -6203,13 +11696,109 @@
             </a:endParaRPr>
           </a:p>
           <a:p>
-            <a:endParaRPr lang="en-US" dirty="0" smtClean="0">
-              <a:latin typeface="Arial Unicode MS" panose="020B0604020202020204" pitchFamily="34" charset="-128"/>
-              <a:ea typeface="Arial Unicode MS" panose="020B0604020202020204" pitchFamily="34" charset="-128"/>
-              <a:cs typeface="Arial Unicode MS" panose="020B0604020202020204" pitchFamily="34" charset="-128"/>
-            </a:endParaRPr>
-          </a:p>
-          <a:p>
+            <a:r>
+              <a:rPr lang="en-US" b="1" dirty="0" smtClean="0">
+                <a:solidFill>
+                  <a:schemeClr val="accent2">
+                    <a:lumMod val="75000"/>
+                  </a:schemeClr>
+                </a:solidFill>
+                <a:latin typeface="Arial Unicode MS" panose="020B0604020202020204" pitchFamily="34" charset="-128"/>
+                <a:ea typeface="Arial Unicode MS" panose="020B0604020202020204" pitchFamily="34" charset="-128"/>
+                <a:cs typeface="Arial Unicode MS" panose="020B0604020202020204" pitchFamily="34" charset="-128"/>
+              </a:rPr>
+              <a:t>Database Elements:</a:t>
+            </a:r>
+          </a:p>
+          <a:p>
+            <a:pPr marL="285750" indent="-285750">
+              <a:buFont typeface="Wingdings" panose="05000000000000000000" pitchFamily="2" charset="2"/>
+              <a:buChar char="q"/>
+            </a:pPr>
+            <a:r>
+              <a:rPr lang="en-US" dirty="0" smtClean="0">
+                <a:latin typeface="Arial Unicode MS" panose="020B0604020202020204" pitchFamily="34" charset="-128"/>
+                <a:ea typeface="Arial Unicode MS" panose="020B0604020202020204" pitchFamily="34" charset="-128"/>
+                <a:cs typeface="Arial Unicode MS" panose="020B0604020202020204" pitchFamily="34" charset="-128"/>
+              </a:rPr>
+              <a:t>Table</a:t>
+            </a:r>
+          </a:p>
+          <a:p>
+            <a:pPr marL="285750" indent="-285750">
+              <a:buFont typeface="Wingdings" panose="05000000000000000000" pitchFamily="2" charset="2"/>
+              <a:buChar char="q"/>
+            </a:pPr>
+            <a:r>
+              <a:rPr lang="en-US" dirty="0" smtClean="0">
+                <a:latin typeface="Arial Unicode MS" panose="020B0604020202020204" pitchFamily="34" charset="-128"/>
+                <a:ea typeface="Arial Unicode MS" panose="020B0604020202020204" pitchFamily="34" charset="-128"/>
+                <a:cs typeface="Arial Unicode MS" panose="020B0604020202020204" pitchFamily="34" charset="-128"/>
+              </a:rPr>
+              <a:t>View</a:t>
+            </a:r>
+          </a:p>
+          <a:p>
+            <a:pPr marL="285750" indent="-285750">
+              <a:buFont typeface="Wingdings" panose="05000000000000000000" pitchFamily="2" charset="2"/>
+              <a:buChar char="q"/>
+            </a:pPr>
+            <a:r>
+              <a:rPr lang="en-US" dirty="0" smtClean="0">
+                <a:latin typeface="Arial Unicode MS" panose="020B0604020202020204" pitchFamily="34" charset="-128"/>
+                <a:ea typeface="Arial Unicode MS" panose="020B0604020202020204" pitchFamily="34" charset="-128"/>
+                <a:cs typeface="Arial Unicode MS" panose="020B0604020202020204" pitchFamily="34" charset="-128"/>
+              </a:rPr>
+              <a:t>Function</a:t>
+            </a:r>
+          </a:p>
+          <a:p>
+            <a:pPr marL="285750" indent="-285750">
+              <a:buFont typeface="Wingdings" panose="05000000000000000000" pitchFamily="2" charset="2"/>
+              <a:buChar char="q"/>
+            </a:pPr>
+            <a:r>
+              <a:rPr lang="en-US" dirty="0" smtClean="0">
+                <a:latin typeface="Arial Unicode MS" panose="020B0604020202020204" pitchFamily="34" charset="-128"/>
+                <a:ea typeface="Arial Unicode MS" panose="020B0604020202020204" pitchFamily="34" charset="-128"/>
+                <a:cs typeface="Arial Unicode MS" panose="020B0604020202020204" pitchFamily="34" charset="-128"/>
+              </a:rPr>
+              <a:t>Store Procedure</a:t>
+            </a:r>
+          </a:p>
+          <a:p>
+            <a:pPr marL="285750" indent="-285750">
+              <a:buFont typeface="Wingdings" panose="05000000000000000000" pitchFamily="2" charset="2"/>
+              <a:buChar char="q"/>
+            </a:pPr>
+            <a:r>
+              <a:rPr lang="en-US" dirty="0" smtClean="0">
+                <a:latin typeface="Arial Unicode MS" panose="020B0604020202020204" pitchFamily="34" charset="-128"/>
+                <a:ea typeface="Arial Unicode MS" panose="020B0604020202020204" pitchFamily="34" charset="-128"/>
+                <a:cs typeface="Arial Unicode MS" panose="020B0604020202020204" pitchFamily="34" charset="-128"/>
+              </a:rPr>
+              <a:t>Trigger</a:t>
+            </a:r>
+          </a:p>
+          <a:p>
+            <a:pPr marL="285750" indent="-285750">
+              <a:buFont typeface="Wingdings" panose="05000000000000000000" pitchFamily="2" charset="2"/>
+              <a:buChar char="q"/>
+            </a:pPr>
+            <a:r>
+              <a:rPr lang="en-US" dirty="0" smtClean="0">
+                <a:latin typeface="Arial Unicode MS" panose="020B0604020202020204" pitchFamily="34" charset="-128"/>
+                <a:ea typeface="Arial Unicode MS" panose="020B0604020202020204" pitchFamily="34" charset="-128"/>
+                <a:cs typeface="Arial Unicode MS" panose="020B0604020202020204" pitchFamily="34" charset="-128"/>
+              </a:rPr>
+              <a:t>Index</a:t>
+            </a:r>
+          </a:p>
+          <a:p>
+            <a:pPr marL="285750" indent="-285750">
+              <a:buFont typeface="Wingdings" panose="05000000000000000000" pitchFamily="2" charset="2"/>
+              <a:buChar char="q"/>
+            </a:pPr>
             <a:endParaRPr lang="en-US" dirty="0">
               <a:latin typeface="Arial Unicode MS" panose="020B0604020202020204" pitchFamily="34" charset="-128"/>
               <a:ea typeface="Arial Unicode MS" panose="020B0604020202020204" pitchFamily="34" charset="-128"/>
@@ -6217,11 +11806,19 @@
             </a:endParaRPr>
           </a:p>
           <a:p>
-            <a:endParaRPr lang="en-US" dirty="0" smtClean="0">
-              <a:latin typeface="Arial Unicode MS" panose="020B0604020202020204" pitchFamily="34" charset="-128"/>
-              <a:ea typeface="Arial Unicode MS" panose="020B0604020202020204" pitchFamily="34" charset="-128"/>
-              <a:cs typeface="Arial Unicode MS" panose="020B0604020202020204" pitchFamily="34" charset="-128"/>
-            </a:endParaRPr>
+            <a:r>
+              <a:rPr lang="en-US" b="1" dirty="0" smtClean="0">
+                <a:solidFill>
+                  <a:schemeClr val="accent2">
+                    <a:lumMod val="75000"/>
+                  </a:schemeClr>
+                </a:solidFill>
+                <a:latin typeface="Arial Unicode MS" panose="020B0604020202020204" pitchFamily="34" charset="-128"/>
+                <a:ea typeface="Arial Unicode MS" panose="020B0604020202020204" pitchFamily="34" charset="-128"/>
+                <a:cs typeface="Arial Unicode MS" panose="020B0604020202020204" pitchFamily="34" charset="-128"/>
+              </a:rPr>
+              <a:t>Keys:</a:t>
+            </a:r>
           </a:p>
           <a:p>
             <a:r>
@@ -6230,7 +11827,7 @@
                 <a:ea typeface="Arial Unicode MS" panose="020B0604020202020204" pitchFamily="34" charset="-128"/>
                 <a:cs typeface="Arial Unicode MS" panose="020B0604020202020204" pitchFamily="34" charset="-128"/>
               </a:rPr>
-              <a:t>N=</a:t>
+              <a:t>Primary Key = Not </a:t>
             </a:r>
             <a:r>
               <a:rPr lang="en-US" dirty="0" err="1" smtClean="0">
@@ -6238,7 +11835,7 @@
                 <a:ea typeface="Arial Unicode MS" panose="020B0604020202020204" pitchFamily="34" charset="-128"/>
                 <a:cs typeface="Arial Unicode MS" panose="020B0604020202020204" pitchFamily="34" charset="-128"/>
               </a:rPr>
-              <a:t>unicode</a:t>
+              <a:t>null+unique+default</a:t>
             </a:r>
             <a:r>
               <a:rPr lang="en-US" dirty="0" smtClean="0">
@@ -6246,45 +11843,28 @@
                 <a:ea typeface="Arial Unicode MS" panose="020B0604020202020204" pitchFamily="34" charset="-128"/>
                 <a:cs typeface="Arial Unicode MS" panose="020B0604020202020204" pitchFamily="34" charset="-128"/>
               </a:rPr>
-              <a:t>	a-z,</a:t>
-            </a:r>
-            <a:r>
-              <a:rPr lang="fa-IR" dirty="0" smtClean="0">
-                <a:latin typeface="Arial Unicode MS" panose="020B0604020202020204" pitchFamily="34" charset="-128"/>
-                <a:ea typeface="Arial Unicode MS" panose="020B0604020202020204" pitchFamily="34" charset="-128"/>
-                <a:cs typeface="Arial Unicode MS" panose="020B0604020202020204" pitchFamily="34" charset="-128"/>
-              </a:rPr>
-              <a:t>الف</a:t>
-            </a:r>
+              <a:t> index</a:t>
+            </a:r>
+          </a:p>
+          <a:p>
             <a:r>
               <a:rPr lang="en-US" dirty="0" smtClean="0">
                 <a:latin typeface="Arial Unicode MS" panose="020B0604020202020204" pitchFamily="34" charset="-128"/>
                 <a:ea typeface="Arial Unicode MS" panose="020B0604020202020204" pitchFamily="34" charset="-128"/>
                 <a:cs typeface="Arial Unicode MS" panose="020B0604020202020204" pitchFamily="34" charset="-128"/>
               </a:rPr>
-              <a:t>-</a:t>
-            </a:r>
-            <a:r>
-              <a:rPr lang="fa-IR" dirty="0" smtClean="0">
-                <a:latin typeface="Arial Unicode MS" panose="020B0604020202020204" pitchFamily="34" charset="-128"/>
-                <a:ea typeface="Arial Unicode MS" panose="020B0604020202020204" pitchFamily="34" charset="-128"/>
-                <a:cs typeface="Arial Unicode MS" panose="020B0604020202020204" pitchFamily="34" charset="-128"/>
-              </a:rPr>
-              <a:t>ی</a:t>
-            </a:r>
+              <a:t>Foreign Key</a:t>
+            </a:r>
+          </a:p>
+          <a:p>
             <a:r>
               <a:rPr lang="en-US" dirty="0" smtClean="0">
                 <a:latin typeface="Arial Unicode MS" panose="020B0604020202020204" pitchFamily="34" charset="-128"/>
                 <a:ea typeface="Arial Unicode MS" panose="020B0604020202020204" pitchFamily="34" charset="-128"/>
                 <a:cs typeface="Arial Unicode MS" panose="020B0604020202020204" pitchFamily="34" charset="-128"/>
               </a:rPr>
-              <a:t> 0-9, @+$ and etc…</a:t>
-            </a:r>
-            <a:endParaRPr lang="fa-IR" dirty="0" smtClean="0">
-              <a:latin typeface="Arial Unicode MS" panose="020B0604020202020204" pitchFamily="34" charset="-128"/>
-              <a:ea typeface="Arial Unicode MS" panose="020B0604020202020204" pitchFamily="34" charset="-128"/>
-              <a:cs typeface="Arial Unicode MS" panose="020B0604020202020204" pitchFamily="34" charset="-128"/>
-            </a:endParaRPr>
+              <a:t>Super Key</a:t>
+            </a:r>
           </a:p>
           <a:p>
             <a:r>
@@ -6293,7 +11873,7 @@
                 <a:ea typeface="Arial Unicode MS" panose="020B0604020202020204" pitchFamily="34" charset="-128"/>
                 <a:cs typeface="Arial Unicode MS" panose="020B0604020202020204" pitchFamily="34" charset="-128"/>
               </a:rPr>
-              <a:t>Var=variable</a:t>
+              <a:t>Candidate Key</a:t>
             </a:r>
             <a:endParaRPr lang="en-US" dirty="0">
               <a:latin typeface="Arial Unicode MS" panose="020B0604020202020204" pitchFamily="34" charset="-128"/>
@@ -6305,130 +11885,14 @@
       </p:sp>
       <p:sp>
         <p:nvSpPr>
-          <p:cNvPr id="4" name="Rectangle 3"/>
-          <p:cNvSpPr/>
+          <p:cNvPr id="3" name="TextBox 2"/>
+          <p:cNvSpPr txBox="1"/>
           <p:nvPr/>
         </p:nvSpPr>
         <p:spPr>
           <a:xfrm>
-            <a:off x="1066800" y="2917904"/>
-            <a:ext cx="2092239" cy="2585323"/>
-          </a:xfrm>
-          <a:prstGeom prst="rect">
-            <a:avLst/>
-          </a:prstGeom>
-        </p:spPr>
-        <p:txBody>
-          <a:bodyPr wrap="none">
-            <a:spAutoFit/>
-          </a:bodyPr>
-          <a:lstStyle/>
-          <a:p>
-            <a:r>
-              <a:rPr lang="en-US" b="1" u="sng" dirty="0" smtClean="0">
-                <a:solidFill>
-                  <a:schemeClr val="accent2">
-                    <a:lumMod val="75000"/>
-                  </a:schemeClr>
-                </a:solidFill>
-              </a:rPr>
-              <a:t>Field Constraints:</a:t>
-            </a:r>
-          </a:p>
-          <a:p>
-            <a:pPr marL="285750" indent="-285750">
-              <a:buFont typeface="Wingdings" panose="05000000000000000000" pitchFamily="2" charset="2"/>
-              <a:buChar char="q"/>
-            </a:pPr>
-            <a:r>
-              <a:rPr lang="en-US" dirty="0" smtClean="0"/>
-              <a:t>Not null</a:t>
-            </a:r>
-          </a:p>
-          <a:p>
-            <a:pPr marL="285750" indent="-285750">
-              <a:buFont typeface="Wingdings" panose="05000000000000000000" pitchFamily="2" charset="2"/>
-              <a:buChar char="q"/>
-            </a:pPr>
-            <a:r>
-              <a:rPr lang="en-US" dirty="0" smtClean="0"/>
-              <a:t>Unique</a:t>
-            </a:r>
-          </a:p>
-          <a:p>
-            <a:pPr marL="285750" indent="-285750">
-              <a:buFont typeface="Wingdings" panose="05000000000000000000" pitchFamily="2" charset="2"/>
-              <a:buChar char="q"/>
-            </a:pPr>
-            <a:r>
-              <a:rPr lang="en-US" dirty="0" smtClean="0"/>
-              <a:t>Default</a:t>
-            </a:r>
-          </a:p>
-          <a:p>
-            <a:pPr marL="285750" indent="-285750">
-              <a:buFont typeface="Wingdings" panose="05000000000000000000" pitchFamily="2" charset="2"/>
-              <a:buChar char="q"/>
-            </a:pPr>
-            <a:r>
-              <a:rPr lang="en-US" dirty="0" smtClean="0"/>
-              <a:t>Check in</a:t>
-            </a:r>
-          </a:p>
-          <a:p>
-            <a:pPr marL="285750" indent="-285750">
-              <a:buFont typeface="Wingdings" panose="05000000000000000000" pitchFamily="2" charset="2"/>
-              <a:buChar char="q"/>
-            </a:pPr>
-            <a:r>
-              <a:rPr lang="en-US" dirty="0" smtClean="0"/>
-              <a:t>Index</a:t>
-            </a:r>
-          </a:p>
-          <a:p>
-            <a:pPr marL="285750" indent="-285750">
-              <a:buFont typeface="Wingdings" panose="05000000000000000000" pitchFamily="2" charset="2"/>
-              <a:buChar char="q"/>
-            </a:pPr>
-            <a:r>
-              <a:rPr lang="en-US" dirty="0" smtClean="0"/>
-              <a:t>Key</a:t>
-            </a:r>
-          </a:p>
-          <a:p>
-            <a:pPr marL="285750" indent="-285750">
-              <a:buFont typeface="Wingdings" panose="05000000000000000000" pitchFamily="2" charset="2"/>
-              <a:buChar char="q"/>
-            </a:pPr>
-            <a:r>
-              <a:rPr lang="en-US" dirty="0" err="1" smtClean="0"/>
-              <a:t>Auto_increment</a:t>
-            </a:r>
-            <a:endParaRPr lang="en-US" dirty="0" smtClean="0"/>
-          </a:p>
-          <a:p>
-            <a:pPr marL="285750" indent="-285750">
-              <a:buFont typeface="Wingdings" panose="05000000000000000000" pitchFamily="2" charset="2"/>
-              <a:buChar char="q"/>
-            </a:pPr>
-            <a:r>
-              <a:rPr lang="en-US" dirty="0" smtClean="0"/>
-              <a:t>And etc…</a:t>
-            </a:r>
-            <a:endParaRPr lang="en-US" dirty="0"/>
-          </a:p>
-        </p:txBody>
-      </p:sp>
-      <p:sp>
-        <p:nvSpPr>
-          <p:cNvPr id="5" name="TextBox 4"/>
-          <p:cNvSpPr txBox="1"/>
-          <p:nvPr/>
-        </p:nvSpPr>
-        <p:spPr>
-          <a:xfrm>
-            <a:off x="1070331" y="5715000"/>
-            <a:ext cx="7239000" cy="369332"/>
+            <a:off x="6019800" y="1676400"/>
+            <a:ext cx="2514600" cy="2308324"/>
           </a:xfrm>
           <a:prstGeom prst="rect">
             <a:avLst/>
@@ -6442,27 +11906,114 @@
           <a:lstStyle/>
           <a:p>
             <a:r>
+              <a:rPr lang="en-US" b="1" dirty="0" smtClean="0">
+                <a:solidFill>
+                  <a:schemeClr val="accent2">
+                    <a:lumMod val="75000"/>
+                  </a:schemeClr>
+                </a:solidFill>
+              </a:rPr>
+              <a:t>Field Constraints:</a:t>
+            </a:r>
+          </a:p>
+          <a:p>
+            <a:r>
               <a:rPr lang="en-US" dirty="0" smtClean="0"/>
-              <a:t>Primary Key=not </a:t>
-            </a:r>
-            <a:r>
-              <a:rPr lang="en-US" dirty="0" err="1" smtClean="0"/>
-              <a:t>null+unique</a:t>
+              <a:t>auto_increment</a:t>
+            </a:r>
+          </a:p>
+          <a:p>
+            <a:r>
+              <a:rPr lang="en-US" dirty="0" smtClean="0"/>
+              <a:t>Default</a:t>
+            </a:r>
+          </a:p>
+          <a:p>
+            <a:r>
+              <a:rPr lang="en-US" dirty="0" smtClean="0"/>
+              <a:t>Null</a:t>
+            </a:r>
+          </a:p>
+          <a:p>
+            <a:r>
+              <a:rPr lang="en-US" dirty="0" smtClean="0"/>
+              <a:t>Not null</a:t>
+            </a:r>
+          </a:p>
+          <a:p>
+            <a:r>
+              <a:rPr lang="en-US" dirty="0" smtClean="0"/>
+              <a:t>Check</a:t>
+            </a:r>
+          </a:p>
+          <a:p>
+            <a:r>
+              <a:rPr lang="en-US" dirty="0" smtClean="0"/>
+              <a:t>Key</a:t>
+            </a:r>
+          </a:p>
+          <a:p>
+            <a:r>
+              <a:rPr lang="en-US" dirty="0" smtClean="0"/>
+              <a:t>And etc…</a:t>
             </a:r>
             <a:endParaRPr lang="en-US" dirty="0"/>
+          </a:p>
+        </p:txBody>
+      </p:sp>
+      <p:sp>
+        <p:nvSpPr>
+          <p:cNvPr id="4" name="TextBox 3"/>
+          <p:cNvSpPr txBox="1"/>
+          <p:nvPr/>
+        </p:nvSpPr>
+        <p:spPr>
+          <a:xfrm>
+            <a:off x="990600" y="194846"/>
+            <a:ext cx="7696200" cy="338554"/>
+          </a:xfrm>
+          <a:prstGeom prst="rect">
+            <a:avLst/>
+          </a:prstGeom>
+          <a:noFill/>
+        </p:spPr>
+        <p:txBody>
+          <a:bodyPr wrap="square" rtlCol="0">
+            <a:spAutoFit/>
+          </a:bodyPr>
+          <a:lstStyle/>
+          <a:p>
+            <a:pPr algn="r" rtl="1"/>
+            <a:r>
+              <a:rPr lang="fa-IR" sz="1600" b="1" dirty="0" smtClean="0">
+                <a:solidFill>
+                  <a:schemeClr val="accent2">
+                    <a:lumMod val="75000"/>
+                  </a:schemeClr>
+                </a:solidFill>
+              </a:rPr>
+              <a:t>پایگاه داده</a:t>
+            </a:r>
+            <a:endParaRPr lang="en-US" sz="1600" b="1" dirty="0">
+              <a:solidFill>
+                <a:schemeClr val="accent2">
+                  <a:lumMod val="75000"/>
+                </a:schemeClr>
+              </a:solidFill>
+            </a:endParaRPr>
           </a:p>
         </p:txBody>
       </p:sp>
       <p:cxnSp>
         <p:nvCxnSpPr>
-          <p:cNvPr id="6" name="Straight Connector 5"/>
+          <p:cNvPr id="5" name="Straight Connector 4"/>
           <p:cNvCxnSpPr/>
           <p:nvPr/>
         </p:nvCxnSpPr>
         <p:spPr>
           <a:xfrm>
-            <a:off x="990600" y="685800"/>
-            <a:ext cx="7772400" cy="0"/>
+            <a:off x="1066800" y="533400"/>
+            <a:ext cx="7620000" cy="0"/>
           </a:xfrm>
           <a:prstGeom prst="line">
             <a:avLst/>
@@ -6477,64 +12028,23 @@
         </p:spPr>
         <p:style>
           <a:lnRef idx="1">
-            <a:schemeClr val="accent2"/>
+            <a:schemeClr val="accent3"/>
           </a:lnRef>
           <a:fillRef idx="0">
-            <a:schemeClr val="accent2"/>
+            <a:schemeClr val="accent3"/>
           </a:fillRef>
           <a:effectRef idx="0">
-            <a:schemeClr val="accent2"/>
+            <a:schemeClr val="accent3"/>
           </a:effectRef>
           <a:fontRef idx="minor">
             <a:schemeClr val="tx1"/>
           </a:fontRef>
         </p:style>
       </p:cxnSp>
-      <p:sp>
-        <p:nvSpPr>
-          <p:cNvPr id="7" name="Rectangle 6"/>
-          <p:cNvSpPr/>
-          <p:nvPr/>
-        </p:nvSpPr>
-        <p:spPr>
-          <a:xfrm>
-            <a:off x="1070331" y="309602"/>
-            <a:ext cx="989373" cy="369332"/>
-          </a:xfrm>
-          <a:prstGeom prst="rect">
-            <a:avLst/>
-          </a:prstGeom>
-        </p:spPr>
-        <p:txBody>
-          <a:bodyPr wrap="none">
-            <a:spAutoFit/>
-          </a:bodyPr>
-          <a:lstStyle/>
-          <a:p>
-            <a:r>
-              <a:rPr lang="en-US" b="1" dirty="0" smtClean="0">
-                <a:solidFill>
-                  <a:schemeClr val="accent2">
-                    <a:lumMod val="75000"/>
-                  </a:schemeClr>
-                </a:solidFill>
-              </a:rPr>
-              <a:t>MySQL</a:t>
-            </a:r>
-            <a:endParaRPr lang="en-US" b="1" dirty="0">
-              <a:solidFill>
-                <a:schemeClr val="accent2">
-                  <a:lumMod val="75000"/>
-                </a:schemeClr>
-              </a:solidFill>
-            </a:endParaRPr>
-          </a:p>
-        </p:txBody>
-      </p:sp>
     </p:spTree>
     <p:extLst>
       <p:ext uri="{BB962C8B-B14F-4D97-AF65-F5344CB8AC3E}">
-        <p14:creationId xmlns:p14="http://schemas.microsoft.com/office/powerpoint/2010/main" val="192018535"/>
+        <p14:creationId xmlns:p14="http://schemas.microsoft.com/office/powerpoint/2010/main" val="2790362603"/>
       </p:ext>
     </p:extLst>
   </p:cSld>
@@ -6563,7 +12073,7 @@
       </p:grpSpPr>
       <p:pic>
         <p:nvPicPr>
-          <p:cNvPr id="5122" name="Picture 2"/>
+          <p:cNvPr id="1026" name="Picture 2"/>
           <p:cNvPicPr>
             <a:picLocks noChangeAspect="1" noChangeArrowheads="1"/>
           </p:cNvPicPr>
@@ -6584,8 +12094,8 @@
         </p:blipFill>
         <p:spPr bwMode="auto">
           <a:xfrm>
-            <a:off x="1347788" y="1524000"/>
-            <a:ext cx="6448425" cy="3067050"/>
+            <a:off x="1061484" y="670758"/>
+            <a:ext cx="3053316" cy="381665"/>
           </a:xfrm>
           <a:prstGeom prst="rect">
             <a:avLst/>
@@ -6615,16 +12125,165 @@
           </a:extLst>
         </p:spPr>
       </p:pic>
+      <p:pic>
+        <p:nvPicPr>
+          <p:cNvPr id="1027" name="Picture 3"/>
+          <p:cNvPicPr>
+            <a:picLocks noChangeAspect="1" noChangeArrowheads="1"/>
+          </p:cNvPicPr>
+          <p:nvPr/>
+        </p:nvPicPr>
+        <p:blipFill>
+          <a:blip r:embed="rId3">
+            <a:extLst>
+              <a:ext uri="{28A0092B-C50C-407E-A947-70E740481C1C}">
+                <a14:useLocalDpi xmlns:a14="http://schemas.microsoft.com/office/drawing/2010/main" val="0"/>
+              </a:ext>
+            </a:extLst>
+          </a:blip>
+          <a:srcRect/>
+          <a:stretch>
+            <a:fillRect/>
+          </a:stretch>
+        </p:blipFill>
+        <p:spPr bwMode="auto">
+          <a:xfrm>
+            <a:off x="990600" y="985405"/>
+            <a:ext cx="4095749" cy="3281795"/>
+          </a:xfrm>
+          <a:prstGeom prst="rect">
+            <a:avLst/>
+          </a:prstGeom>
+          <a:noFill/>
+          <a:ln>
+            <a:noFill/>
+          </a:ln>
+          <a:extLst>
+            <a:ext uri="{909E8E84-426E-40DD-AFC4-6F175D3DCCD1}">
+              <a14:hiddenFill xmlns:a14="http://schemas.microsoft.com/office/drawing/2010/main">
+                <a:solidFill>
+                  <a:schemeClr val="accent1"/>
+                </a:solidFill>
+              </a14:hiddenFill>
+            </a:ext>
+            <a:ext uri="{91240B29-F687-4F45-9708-019B960494DF}">
+              <a14:hiddenLine xmlns:a14="http://schemas.microsoft.com/office/drawing/2010/main" w="9525">
+                <a:solidFill>
+                  <a:schemeClr val="tx1"/>
+                </a:solidFill>
+                <a:miter lim="800000"/>
+                <a:headEnd/>
+                <a:tailEnd/>
+              </a14:hiddenLine>
+            </a:ext>
+          </a:extLst>
+        </p:spPr>
+      </p:pic>
+      <p:pic>
+        <p:nvPicPr>
+          <p:cNvPr id="5" name="Picture 2"/>
+          <p:cNvPicPr>
+            <a:picLocks noChangeAspect="1" noChangeArrowheads="1"/>
+          </p:cNvPicPr>
+          <p:nvPr/>
+        </p:nvPicPr>
+        <p:blipFill rotWithShape="1">
+          <a:blip r:embed="rId4">
+            <a:extLst>
+              <a:ext uri="{28A0092B-C50C-407E-A947-70E740481C1C}">
+                <a14:useLocalDpi xmlns:a14="http://schemas.microsoft.com/office/drawing/2010/main" val="0"/>
+              </a:ext>
+            </a:extLst>
+          </a:blip>
+          <a:srcRect b="3817"/>
+          <a:stretch/>
+        </p:blipFill>
+        <p:spPr bwMode="auto">
+          <a:xfrm>
+            <a:off x="6437942" y="699273"/>
+            <a:ext cx="2248857" cy="3936522"/>
+          </a:xfrm>
+          <a:prstGeom prst="rect">
+            <a:avLst/>
+          </a:prstGeom>
+          <a:noFill/>
+          <a:ln>
+            <a:noFill/>
+          </a:ln>
+          <a:extLst>
+            <a:ext uri="{909E8E84-426E-40DD-AFC4-6F175D3DCCD1}">
+              <a14:hiddenFill xmlns:a14="http://schemas.microsoft.com/office/drawing/2010/main">
+                <a:solidFill>
+                  <a:schemeClr val="accent1"/>
+                </a:solidFill>
+              </a14:hiddenFill>
+            </a:ext>
+            <a:ext uri="{91240B29-F687-4F45-9708-019B960494DF}">
+              <a14:hiddenLine xmlns:a14="http://schemas.microsoft.com/office/drawing/2010/main" w="9525">
+                <a:solidFill>
+                  <a:schemeClr val="tx1"/>
+                </a:solidFill>
+                <a:miter lim="800000"/>
+                <a:headEnd/>
+                <a:tailEnd/>
+              </a14:hiddenLine>
+            </a:ext>
+          </a:extLst>
+        </p:spPr>
+      </p:pic>
+      <p:sp>
+        <p:nvSpPr>
+          <p:cNvPr id="6" name="TextBox 5"/>
+          <p:cNvSpPr txBox="1"/>
+          <p:nvPr/>
+        </p:nvSpPr>
+        <p:spPr>
+          <a:xfrm>
+            <a:off x="990600" y="194846"/>
+            <a:ext cx="7696200" cy="338554"/>
+          </a:xfrm>
+          <a:prstGeom prst="rect">
+            <a:avLst/>
+          </a:prstGeom>
+          <a:noFill/>
+        </p:spPr>
+        <p:txBody>
+          <a:bodyPr wrap="square" rtlCol="0">
+            <a:spAutoFit/>
+          </a:bodyPr>
+          <a:lstStyle/>
+          <a:p>
+            <a:pPr algn="r" rtl="1"/>
+            <a:r>
+              <a:rPr lang="fa-IR" sz="1600" b="1" dirty="0" smtClean="0">
+                <a:solidFill>
+                  <a:schemeClr val="accent2">
+                    <a:lumMod val="75000"/>
+                  </a:schemeClr>
+                </a:solidFill>
+              </a:rPr>
+              <a:t>ایجاد پایگاه داده و جدول دانشجو</a:t>
+            </a:r>
+            <a:endParaRPr lang="en-US" sz="1600" b="1" dirty="0">
+              <a:solidFill>
+                <a:schemeClr val="accent2">
+                  <a:lumMod val="75000"/>
+                </a:schemeClr>
+              </a:solidFill>
+            </a:endParaRPr>
+          </a:p>
+        </p:txBody>
+      </p:sp>
       <p:cxnSp>
         <p:nvCxnSpPr>
-          <p:cNvPr id="3" name="Straight Connector 2"/>
+          <p:cNvPr id="7" name="Straight Connector 6"/>
           <p:cNvCxnSpPr/>
           <p:nvPr/>
         </p:nvCxnSpPr>
         <p:spPr>
           <a:xfrm>
-            <a:off x="990600" y="685800"/>
-            <a:ext cx="7772400" cy="0"/>
+            <a:off x="1066800" y="533400"/>
+            <a:ext cx="7620000" cy="0"/>
           </a:xfrm>
           <a:prstGeom prst="line">
             <a:avLst/>
@@ -6639,64 +12298,23 @@
         </p:spPr>
         <p:style>
           <a:lnRef idx="1">
-            <a:schemeClr val="accent2"/>
+            <a:schemeClr val="accent3"/>
           </a:lnRef>
           <a:fillRef idx="0">
-            <a:schemeClr val="accent2"/>
+            <a:schemeClr val="accent3"/>
           </a:fillRef>
           <a:effectRef idx="0">
-            <a:schemeClr val="accent2"/>
+            <a:schemeClr val="accent3"/>
           </a:effectRef>
           <a:fontRef idx="minor">
             <a:schemeClr val="tx1"/>
           </a:fontRef>
         </p:style>
       </p:cxnSp>
-      <p:sp>
-        <p:nvSpPr>
-          <p:cNvPr id="4" name="Rectangle 3"/>
-          <p:cNvSpPr/>
-          <p:nvPr/>
-        </p:nvSpPr>
-        <p:spPr>
-          <a:xfrm>
-            <a:off x="1070331" y="309602"/>
-            <a:ext cx="2068195" cy="369332"/>
-          </a:xfrm>
-          <a:prstGeom prst="rect">
-            <a:avLst/>
-          </a:prstGeom>
-        </p:spPr>
-        <p:txBody>
-          <a:bodyPr wrap="none">
-            <a:spAutoFit/>
-          </a:bodyPr>
-          <a:lstStyle/>
-          <a:p>
-            <a:r>
-              <a:rPr lang="en-US" b="1" dirty="0" smtClean="0">
-                <a:solidFill>
-                  <a:schemeClr val="accent2">
-                    <a:lumMod val="75000"/>
-                  </a:schemeClr>
-                </a:solidFill>
-              </a:rPr>
-              <a:t>Database schema</a:t>
-            </a:r>
-            <a:endParaRPr lang="en-US" b="1" dirty="0">
-              <a:solidFill>
-                <a:schemeClr val="accent2">
-                  <a:lumMod val="75000"/>
-                </a:schemeClr>
-              </a:solidFill>
-            </a:endParaRPr>
-          </a:p>
-        </p:txBody>
-      </p:sp>
     </p:spTree>
     <p:extLst>
       <p:ext uri="{BB962C8B-B14F-4D97-AF65-F5344CB8AC3E}">
-        <p14:creationId xmlns:p14="http://schemas.microsoft.com/office/powerpoint/2010/main" val="2367929150"/>
+        <p14:creationId xmlns:p14="http://schemas.microsoft.com/office/powerpoint/2010/main" val="2566339895"/>
       </p:ext>
     </p:extLst>
   </p:cSld>
@@ -6746,8 +12364,8 @@
         </p:blipFill>
         <p:spPr bwMode="auto">
           <a:xfrm>
-            <a:off x="1104949" y="959922"/>
-            <a:ext cx="3772498" cy="2438400"/>
+            <a:off x="1295401" y="685800"/>
+            <a:ext cx="4419600" cy="2046885"/>
           </a:xfrm>
           <a:prstGeom prst="rect">
             <a:avLst/>
@@ -6777,16 +12395,111 @@
           </a:extLst>
         </p:spPr>
       </p:pic>
+      <p:pic>
+        <p:nvPicPr>
+          <p:cNvPr id="5123" name="Picture 3"/>
+          <p:cNvPicPr>
+            <a:picLocks noChangeAspect="1" noChangeArrowheads="1"/>
+          </p:cNvPicPr>
+          <p:nvPr/>
+        </p:nvPicPr>
+        <p:blipFill rotWithShape="1">
+          <a:blip r:embed="rId3">
+            <a:extLst>
+              <a:ext uri="{28A0092B-C50C-407E-A947-70E740481C1C}">
+                <a14:useLocalDpi xmlns:a14="http://schemas.microsoft.com/office/drawing/2010/main" val="0"/>
+              </a:ext>
+            </a:extLst>
+          </a:blip>
+          <a:srcRect t="14808"/>
+          <a:stretch/>
+        </p:blipFill>
+        <p:spPr bwMode="auto">
+          <a:xfrm>
+            <a:off x="1298945" y="2732685"/>
+            <a:ext cx="4568455" cy="1196415"/>
+          </a:xfrm>
+          <a:prstGeom prst="rect">
+            <a:avLst/>
+          </a:prstGeom>
+          <a:noFill/>
+          <a:ln>
+            <a:noFill/>
+          </a:ln>
+          <a:extLst>
+            <a:ext uri="{909E8E84-426E-40DD-AFC4-6F175D3DCCD1}">
+              <a14:hiddenFill xmlns:a14="http://schemas.microsoft.com/office/drawing/2010/main">
+                <a:solidFill>
+                  <a:schemeClr val="accent1"/>
+                </a:solidFill>
+              </a14:hiddenFill>
+            </a:ext>
+            <a:ext uri="{91240B29-F687-4F45-9708-019B960494DF}">
+              <a14:hiddenLine xmlns:a14="http://schemas.microsoft.com/office/drawing/2010/main" w="9525">
+                <a:solidFill>
+                  <a:schemeClr val="tx1"/>
+                </a:solidFill>
+                <a:miter lim="800000"/>
+                <a:headEnd/>
+                <a:tailEnd/>
+              </a14:hiddenLine>
+            </a:ext>
+          </a:extLst>
+        </p:spPr>
+      </p:pic>
+      <p:sp>
+        <p:nvSpPr>
+          <p:cNvPr id="4" name="TextBox 3"/>
+          <p:cNvSpPr txBox="1"/>
+          <p:nvPr/>
+        </p:nvSpPr>
+        <p:spPr>
+          <a:xfrm>
+            <a:off x="990600" y="194846"/>
+            <a:ext cx="7696200" cy="338554"/>
+          </a:xfrm>
+          <a:prstGeom prst="rect">
+            <a:avLst/>
+          </a:prstGeom>
+          <a:noFill/>
+        </p:spPr>
+        <p:txBody>
+          <a:bodyPr wrap="square" rtlCol="0">
+            <a:spAutoFit/>
+          </a:bodyPr>
+          <a:lstStyle/>
+          <a:p>
+            <a:pPr algn="r" rtl="1"/>
+            <a:r>
+              <a:rPr lang="fa-IR" sz="1600" b="1" dirty="0" smtClean="0">
+                <a:solidFill>
+                  <a:schemeClr val="accent2">
+                    <a:lumMod val="75000"/>
+                  </a:schemeClr>
+                </a:solidFill>
+              </a:rPr>
+              <a:t>جدول های دروس و اساتید</a:t>
+            </a:r>
+            <a:endParaRPr lang="en-US" sz="1600" b="1" dirty="0">
+              <a:solidFill>
+                <a:schemeClr val="accent2">
+                  <a:lumMod val="75000"/>
+                </a:schemeClr>
+              </a:solidFill>
+            </a:endParaRPr>
+          </a:p>
+        </p:txBody>
+      </p:sp>
       <p:cxnSp>
         <p:nvCxnSpPr>
-          <p:cNvPr id="3" name="Straight Connector 2"/>
+          <p:cNvPr id="5" name="Straight Connector 4"/>
           <p:cNvCxnSpPr/>
           <p:nvPr/>
         </p:nvCxnSpPr>
         <p:spPr>
           <a:xfrm>
-            <a:off x="990600" y="685800"/>
-            <a:ext cx="7772400" cy="0"/>
+            <a:off x="1066800" y="533400"/>
+            <a:ext cx="7620000" cy="0"/>
           </a:xfrm>
           <a:prstGeom prst="line">
             <a:avLst/>
@@ -6801,172 +12514,23 @@
         </p:spPr>
         <p:style>
           <a:lnRef idx="1">
-            <a:schemeClr val="accent2"/>
+            <a:schemeClr val="accent3"/>
           </a:lnRef>
           <a:fillRef idx="0">
-            <a:schemeClr val="accent2"/>
+            <a:schemeClr val="accent3"/>
           </a:fillRef>
           <a:effectRef idx="0">
-            <a:schemeClr val="accent2"/>
+            <a:schemeClr val="accent3"/>
           </a:effectRef>
           <a:fontRef idx="minor">
             <a:schemeClr val="tx1"/>
           </a:fontRef>
         </p:style>
       </p:cxnSp>
-      <p:sp>
-        <p:nvSpPr>
-          <p:cNvPr id="4" name="Rectangle 3"/>
-          <p:cNvSpPr/>
-          <p:nvPr/>
-        </p:nvSpPr>
-        <p:spPr>
-          <a:xfrm>
-            <a:off x="1070331" y="309602"/>
-            <a:ext cx="3089307" cy="369332"/>
-          </a:xfrm>
-          <a:prstGeom prst="rect">
-            <a:avLst/>
-          </a:prstGeom>
-        </p:spPr>
-        <p:txBody>
-          <a:bodyPr wrap="none">
-            <a:spAutoFit/>
-          </a:bodyPr>
-          <a:lstStyle/>
-          <a:p>
-            <a:r>
-              <a:rPr lang="en-US" b="1" dirty="0" smtClean="0">
-                <a:solidFill>
-                  <a:schemeClr val="accent2">
-                    <a:lumMod val="75000"/>
-                  </a:schemeClr>
-                </a:solidFill>
-              </a:rPr>
-              <a:t>MySQL-Student case study</a:t>
-            </a:r>
-            <a:endParaRPr lang="en-US" b="1" dirty="0">
-              <a:solidFill>
-                <a:schemeClr val="accent2">
-                  <a:lumMod val="75000"/>
-                </a:schemeClr>
-              </a:solidFill>
-            </a:endParaRPr>
-          </a:p>
-        </p:txBody>
-      </p:sp>
-      <p:pic>
-        <p:nvPicPr>
-          <p:cNvPr id="5" name="Picture 2"/>
-          <p:cNvPicPr>
-            <a:picLocks noChangeAspect="1" noChangeArrowheads="1"/>
-          </p:cNvPicPr>
-          <p:nvPr/>
-        </p:nvPicPr>
-        <p:blipFill>
-          <a:blip r:embed="rId3">
-            <a:extLst>
-              <a:ext uri="{28A0092B-C50C-407E-A947-70E740481C1C}">
-                <a14:useLocalDpi xmlns:a14="http://schemas.microsoft.com/office/drawing/2010/main" val="0"/>
-              </a:ext>
-            </a:extLst>
-          </a:blip>
-          <a:srcRect/>
-          <a:stretch>
-            <a:fillRect/>
-          </a:stretch>
-        </p:blipFill>
-        <p:spPr bwMode="auto">
-          <a:xfrm>
-            <a:off x="1104949" y="3429000"/>
-            <a:ext cx="4610051" cy="1064334"/>
-          </a:xfrm>
-          <a:prstGeom prst="rect">
-            <a:avLst/>
-          </a:prstGeom>
-          <a:noFill/>
-          <a:ln>
-            <a:noFill/>
-          </a:ln>
-          <a:extLst>
-            <a:ext uri="{909E8E84-426E-40DD-AFC4-6F175D3DCCD1}">
-              <a14:hiddenFill xmlns:a14="http://schemas.microsoft.com/office/drawing/2010/main">
-                <a:solidFill>
-                  <a:schemeClr val="accent1"/>
-                </a:solidFill>
-              </a14:hiddenFill>
-            </a:ext>
-            <a:ext uri="{91240B29-F687-4F45-9708-019B960494DF}">
-              <a14:hiddenLine xmlns:a14="http://schemas.microsoft.com/office/drawing/2010/main" w="9525">
-                <a:solidFill>
-                  <a:schemeClr val="tx1"/>
-                </a:solidFill>
-                <a:miter lim="800000"/>
-                <a:headEnd/>
-                <a:tailEnd/>
-              </a14:hiddenLine>
-            </a:ext>
-          </a:extLst>
-        </p:spPr>
-      </p:pic>
-      <p:pic>
-        <p:nvPicPr>
-          <p:cNvPr id="6" name="Picture 3"/>
-          <p:cNvPicPr>
-            <a:picLocks noChangeAspect="1" noChangeArrowheads="1"/>
-          </p:cNvPicPr>
-          <p:nvPr/>
-        </p:nvPicPr>
-        <p:blipFill>
-          <a:blip r:embed="rId4">
-            <a:extLst>
-              <a:ext uri="{28A0092B-C50C-407E-A947-70E740481C1C}">
-                <a14:useLocalDpi xmlns:a14="http://schemas.microsoft.com/office/drawing/2010/main" val="0"/>
-              </a:ext>
-            </a:extLst>
-          </a:blip>
-          <a:srcRect/>
-          <a:stretch>
-            <a:fillRect/>
-          </a:stretch>
-        </p:blipFill>
-        <p:spPr bwMode="auto">
-          <a:xfrm>
-            <a:off x="1102469" y="4572000"/>
-            <a:ext cx="4917331" cy="997353"/>
-          </a:xfrm>
-          <a:prstGeom prst="rect">
-            <a:avLst/>
-          </a:prstGeom>
-          <a:noFill/>
-          <a:ln>
-            <a:noFill/>
-          </a:ln>
-          <a:extLst>
-            <a:ext uri="{909E8E84-426E-40DD-AFC4-6F175D3DCCD1}">
-              <a14:hiddenFill xmlns:a14="http://schemas.microsoft.com/office/drawing/2010/main">
-                <a:solidFill>
-                  <a:schemeClr val="accent1"/>
-                </a:solidFill>
-              </a14:hiddenFill>
-            </a:ext>
-            <a:ext uri="{91240B29-F687-4F45-9708-019B960494DF}">
-              <a14:hiddenLine xmlns:a14="http://schemas.microsoft.com/office/drawing/2010/main" w="9525">
-                <a:solidFill>
-                  <a:schemeClr val="tx1"/>
-                </a:solidFill>
-                <a:miter lim="800000"/>
-                <a:headEnd/>
-                <a:tailEnd/>
-              </a14:hiddenLine>
-            </a:ext>
-          </a:extLst>
-        </p:spPr>
-      </p:pic>
     </p:spTree>
     <p:extLst>
       <p:ext uri="{BB962C8B-B14F-4D97-AF65-F5344CB8AC3E}">
-        <p14:creationId xmlns:p14="http://schemas.microsoft.com/office/powerpoint/2010/main" val="723940745"/>
+        <p14:creationId xmlns:p14="http://schemas.microsoft.com/office/powerpoint/2010/main" val="2032603682"/>
       </p:ext>
     </p:extLst>
   </p:cSld>
@@ -6995,7 +12559,7 @@
       </p:grpSpPr>
       <p:pic>
         <p:nvPicPr>
-          <p:cNvPr id="3074" name="Picture 2"/>
+          <p:cNvPr id="1026" name="Picture 2"/>
           <p:cNvPicPr>
             <a:picLocks noChangeAspect="1" noChangeArrowheads="1"/>
           </p:cNvPicPr>
@@ -7016,8 +12580,8 @@
         </p:blipFill>
         <p:spPr bwMode="auto">
           <a:xfrm>
-            <a:off x="1108868" y="1143000"/>
-            <a:ext cx="7535863" cy="2774236"/>
+            <a:off x="1143000" y="685800"/>
+            <a:ext cx="5543757" cy="3124200"/>
           </a:xfrm>
           <a:prstGeom prst="rect">
             <a:avLst/>
@@ -7049,14 +12613,14 @@
       </p:pic>
       <p:cxnSp>
         <p:nvCxnSpPr>
-          <p:cNvPr id="5" name="Straight Connector 4"/>
+          <p:cNvPr id="3" name="Straight Connector 2"/>
           <p:cNvCxnSpPr/>
           <p:nvPr/>
         </p:nvCxnSpPr>
         <p:spPr>
           <a:xfrm>
-            <a:off x="990600" y="685800"/>
-            <a:ext cx="7772400" cy="0"/>
+            <a:off x="1066800" y="533400"/>
+            <a:ext cx="7620000" cy="0"/>
           </a:xfrm>
           <a:prstGeom prst="line">
             <a:avLst/>
@@ -7071,13 +12635,13 @@
         </p:spPr>
         <p:style>
           <a:lnRef idx="1">
-            <a:schemeClr val="accent2"/>
+            <a:schemeClr val="accent3"/>
           </a:lnRef>
           <a:fillRef idx="0">
-            <a:schemeClr val="accent2"/>
+            <a:schemeClr val="accent3"/>
           </a:fillRef>
           <a:effectRef idx="0">
-            <a:schemeClr val="accent2"/>
+            <a:schemeClr val="accent3"/>
           </a:effectRef>
           <a:fontRef idx="minor">
             <a:schemeClr val="tx1"/>
@@ -7086,36 +12650,38 @@
       </p:cxnSp>
       <p:sp>
         <p:nvSpPr>
-          <p:cNvPr id="6" name="Rectangle 5"/>
-          <p:cNvSpPr/>
+          <p:cNvPr id="4" name="TextBox 3"/>
+          <p:cNvSpPr txBox="1"/>
           <p:nvPr/>
         </p:nvSpPr>
         <p:spPr>
           <a:xfrm>
-            <a:off x="1070331" y="309602"/>
-            <a:ext cx="3089307" cy="369332"/>
+            <a:off x="990600" y="194846"/>
+            <a:ext cx="7696200" cy="338554"/>
           </a:xfrm>
           <a:prstGeom prst="rect">
             <a:avLst/>
           </a:prstGeom>
+          <a:noFill/>
         </p:spPr>
         <p:txBody>
-          <a:bodyPr wrap="none">
+          <a:bodyPr wrap="square" rtlCol="0">
             <a:spAutoFit/>
           </a:bodyPr>
           <a:lstStyle/>
           <a:p>
-            <a:r>
-              <a:rPr lang="en-US" b="1" dirty="0" smtClean="0">
+            <a:pPr algn="r" rtl="1"/>
+            <a:r>
+              <a:rPr lang="fa-IR" sz="1600" b="1" dirty="0" smtClean="0">
                 <a:solidFill>
                   <a:schemeClr val="accent2">
                     <a:lumMod val="75000"/>
                   </a:schemeClr>
                 </a:solidFill>
               </a:rPr>
-              <a:t>MySQL-Student case study</a:t>
-            </a:r>
-            <a:endParaRPr lang="en-US" b="1" dirty="0">
+              <a:t>جدول استان ها و رشته های تحصیلی</a:t>
+            </a:r>
+            <a:endParaRPr lang="en-US" sz="1600" b="1" dirty="0">
               <a:solidFill>
                 <a:schemeClr val="accent2">
                   <a:lumMod val="75000"/>
@@ -7128,7 +12694,7 @@
     </p:spTree>
     <p:extLst>
       <p:ext uri="{BB962C8B-B14F-4D97-AF65-F5344CB8AC3E}">
-        <p14:creationId xmlns:p14="http://schemas.microsoft.com/office/powerpoint/2010/main" val="2839174559"/>
+        <p14:creationId xmlns:p14="http://schemas.microsoft.com/office/powerpoint/2010/main" val="2032603682"/>
       </p:ext>
     </p:extLst>
   </p:cSld>
@@ -7155,9 +12721,89 @@
           <a:chExt cx="0" cy="0"/>
         </a:xfrm>
       </p:grpSpPr>
+      <p:cxnSp>
+        <p:nvCxnSpPr>
+          <p:cNvPr id="5" name="Straight Connector 4"/>
+          <p:cNvCxnSpPr/>
+          <p:nvPr/>
+        </p:nvCxnSpPr>
+        <p:spPr>
+          <a:xfrm>
+            <a:off x="1066800" y="533400"/>
+            <a:ext cx="7620000" cy="0"/>
+          </a:xfrm>
+          <a:prstGeom prst="line">
+            <a:avLst/>
+          </a:prstGeom>
+          <a:ln>
+            <a:solidFill>
+              <a:schemeClr val="accent2">
+                <a:lumMod val="75000"/>
+              </a:schemeClr>
+            </a:solidFill>
+          </a:ln>
+        </p:spPr>
+        <p:style>
+          <a:lnRef idx="1">
+            <a:schemeClr val="accent3"/>
+          </a:lnRef>
+          <a:fillRef idx="0">
+            <a:schemeClr val="accent3"/>
+          </a:fillRef>
+          <a:effectRef idx="0">
+            <a:schemeClr val="accent3"/>
+          </a:effectRef>
+          <a:fontRef idx="minor">
+            <a:schemeClr val="tx1"/>
+          </a:fontRef>
+        </p:style>
+      </p:cxnSp>
+      <p:sp>
+        <p:nvSpPr>
+          <p:cNvPr id="6" name="TextBox 5"/>
+          <p:cNvSpPr txBox="1"/>
+          <p:nvPr/>
+        </p:nvSpPr>
+        <p:spPr>
+          <a:xfrm>
+            <a:off x="990600" y="194846"/>
+            <a:ext cx="7696200" cy="338554"/>
+          </a:xfrm>
+          <a:prstGeom prst="rect">
+            <a:avLst/>
+          </a:prstGeom>
+          <a:noFill/>
+        </p:spPr>
+        <p:txBody>
+          <a:bodyPr wrap="square" rtlCol="0">
+            <a:spAutoFit/>
+          </a:bodyPr>
+          <a:lstStyle/>
+          <a:p>
+            <a:pPr algn="r" rtl="1"/>
+            <a:r>
+              <a:rPr lang="fa-IR" sz="1600" b="1" dirty="0" smtClean="0">
+                <a:solidFill>
+                  <a:schemeClr val="accent2">
+                    <a:lumMod val="75000"/>
+                  </a:schemeClr>
+                </a:solidFill>
+              </a:rPr>
+              <a:t>جدول نگهداری سوابق عملیات کاربر</a:t>
+            </a:r>
+            <a:endParaRPr lang="en-US" sz="1600" b="1" dirty="0">
+              <a:solidFill>
+                <a:schemeClr val="accent2">
+                  <a:lumMod val="75000"/>
+                </a:schemeClr>
+              </a:solidFill>
+            </a:endParaRPr>
+          </a:p>
+        </p:txBody>
+      </p:sp>
       <p:pic>
         <p:nvPicPr>
-          <p:cNvPr id="1027" name="Picture 3"/>
+          <p:cNvPr id="7" name="Picture 3"/>
           <p:cNvPicPr>
             <a:picLocks noChangeAspect="1" noChangeArrowheads="1"/>
           </p:cNvPicPr>
@@ -7178,8 +12824,8 @@
         </p:blipFill>
         <p:spPr bwMode="auto">
           <a:xfrm>
-            <a:off x="1131887" y="3886200"/>
-            <a:ext cx="5314950" cy="2143125"/>
+            <a:off x="1143000" y="914400"/>
+            <a:ext cx="6748463" cy="2573373"/>
           </a:xfrm>
           <a:prstGeom prst="rect">
             <a:avLst/>
@@ -7209,142 +12855,10 @@
           </a:extLst>
         </p:spPr>
       </p:pic>
-      <p:pic>
-        <p:nvPicPr>
-          <p:cNvPr id="1028" name="Picture 4"/>
-          <p:cNvPicPr>
-            <a:picLocks noChangeAspect="1" noChangeArrowheads="1"/>
-          </p:cNvPicPr>
-          <p:nvPr/>
-        </p:nvPicPr>
-        <p:blipFill>
-          <a:blip r:embed="rId3">
-            <a:extLst>
-              <a:ext uri="{28A0092B-C50C-407E-A947-70E740481C1C}">
-                <a14:useLocalDpi xmlns:a14="http://schemas.microsoft.com/office/drawing/2010/main" val="0"/>
-              </a:ext>
-            </a:extLst>
-          </a:blip>
-          <a:srcRect/>
-          <a:stretch>
-            <a:fillRect/>
-          </a:stretch>
-        </p:blipFill>
-        <p:spPr bwMode="auto">
-          <a:xfrm>
-            <a:off x="1119187" y="858877"/>
-            <a:ext cx="5210175" cy="2886075"/>
-          </a:xfrm>
-          <a:prstGeom prst="rect">
-            <a:avLst/>
-          </a:prstGeom>
-          <a:noFill/>
-          <a:ln>
-            <a:noFill/>
-          </a:ln>
-          <a:extLst>
-            <a:ext uri="{909E8E84-426E-40DD-AFC4-6F175D3DCCD1}">
-              <a14:hiddenFill xmlns:a14="http://schemas.microsoft.com/office/drawing/2010/main">
-                <a:solidFill>
-                  <a:schemeClr val="accent1"/>
-                </a:solidFill>
-              </a14:hiddenFill>
-            </a:ext>
-            <a:ext uri="{91240B29-F687-4F45-9708-019B960494DF}">
-              <a14:hiddenLine xmlns:a14="http://schemas.microsoft.com/office/drawing/2010/main" w="9525">
-                <a:solidFill>
-                  <a:schemeClr val="tx1"/>
-                </a:solidFill>
-                <a:miter lim="800000"/>
-                <a:headEnd/>
-                <a:tailEnd/>
-              </a14:hiddenLine>
-            </a:ext>
-          </a:extLst>
-        </p:spPr>
-      </p:pic>
-      <p:cxnSp>
-        <p:nvCxnSpPr>
-          <p:cNvPr id="7" name="Straight Connector 6"/>
-          <p:cNvCxnSpPr/>
-          <p:nvPr/>
-        </p:nvCxnSpPr>
-        <p:spPr>
-          <a:xfrm>
-            <a:off x="990600" y="685800"/>
-            <a:ext cx="7772400" cy="0"/>
-          </a:xfrm>
-          <a:prstGeom prst="line">
-            <a:avLst/>
-          </a:prstGeom>
-          <a:ln>
-            <a:solidFill>
-              <a:schemeClr val="accent2">
-                <a:lumMod val="75000"/>
-              </a:schemeClr>
-            </a:solidFill>
-          </a:ln>
-        </p:spPr>
-        <p:style>
-          <a:lnRef idx="1">
-            <a:schemeClr val="accent2"/>
-          </a:lnRef>
-          <a:fillRef idx="0">
-            <a:schemeClr val="accent2"/>
-          </a:fillRef>
-          <a:effectRef idx="0">
-            <a:schemeClr val="accent2"/>
-          </a:effectRef>
-          <a:fontRef idx="minor">
-            <a:schemeClr val="tx1"/>
-          </a:fontRef>
-        </p:style>
-      </p:cxnSp>
-      <p:sp>
-        <p:nvSpPr>
-          <p:cNvPr id="8" name="Rectangle 7"/>
-          <p:cNvSpPr/>
-          <p:nvPr/>
-        </p:nvSpPr>
-        <p:spPr>
-          <a:xfrm>
-            <a:off x="1070331" y="309602"/>
-            <a:ext cx="3089307" cy="369332"/>
-          </a:xfrm>
-          <a:prstGeom prst="rect">
-            <a:avLst/>
-          </a:prstGeom>
-        </p:spPr>
-        <p:txBody>
-          <a:bodyPr wrap="none">
-            <a:spAutoFit/>
-          </a:bodyPr>
-          <a:lstStyle/>
-          <a:p>
-            <a:r>
-              <a:rPr lang="en-US" b="1" dirty="0" smtClean="0">
-                <a:solidFill>
-                  <a:schemeClr val="accent2">
-                    <a:lumMod val="75000"/>
-                  </a:schemeClr>
-                </a:solidFill>
-              </a:rPr>
-              <a:t>MySQL-Student case study</a:t>
-            </a:r>
-            <a:endParaRPr lang="en-US" b="1" dirty="0">
-              <a:solidFill>
-                <a:schemeClr val="accent2">
-                  <a:lumMod val="75000"/>
-                </a:schemeClr>
-              </a:solidFill>
-            </a:endParaRPr>
-          </a:p>
-        </p:txBody>
-      </p:sp>
     </p:spTree>
     <p:extLst>
       <p:ext uri="{BB962C8B-B14F-4D97-AF65-F5344CB8AC3E}">
-        <p14:creationId xmlns:p14="http://schemas.microsoft.com/office/powerpoint/2010/main" val="2000441011"/>
+        <p14:creationId xmlns:p14="http://schemas.microsoft.com/office/powerpoint/2010/main" val="3671474850"/>
       </p:ext>
     </p:extLst>
   </p:cSld>
@@ -7373,7 +12887,7 @@
       </p:grpSpPr>
       <p:pic>
         <p:nvPicPr>
-          <p:cNvPr id="2051" name="Picture 3"/>
+          <p:cNvPr id="2050" name="Picture 2"/>
           <p:cNvPicPr>
             <a:picLocks noChangeAspect="1" noChangeArrowheads="1"/>
           </p:cNvPicPr>
@@ -7394,8 +12908,8 @@
         </p:blipFill>
         <p:spPr bwMode="auto">
           <a:xfrm>
-            <a:off x="1066799" y="787565"/>
-            <a:ext cx="7924801" cy="2933537"/>
+            <a:off x="1187302" y="2345369"/>
+            <a:ext cx="6372225" cy="361950"/>
           </a:xfrm>
           <a:prstGeom prst="rect">
             <a:avLst/>
@@ -7425,16 +12939,95 @@
           </a:extLst>
         </p:spPr>
       </p:pic>
+      <p:cxnSp>
+        <p:nvCxnSpPr>
+          <p:cNvPr id="5" name="Straight Connector 4"/>
+          <p:cNvCxnSpPr/>
+          <p:nvPr/>
+        </p:nvCxnSpPr>
+        <p:spPr>
+          <a:xfrm>
+            <a:off x="1066800" y="533400"/>
+            <a:ext cx="7620000" cy="0"/>
+          </a:xfrm>
+          <a:prstGeom prst="line">
+            <a:avLst/>
+          </a:prstGeom>
+          <a:ln>
+            <a:solidFill>
+              <a:schemeClr val="accent2">
+                <a:lumMod val="75000"/>
+              </a:schemeClr>
+            </a:solidFill>
+          </a:ln>
+        </p:spPr>
+        <p:style>
+          <a:lnRef idx="1">
+            <a:schemeClr val="accent3"/>
+          </a:lnRef>
+          <a:fillRef idx="0">
+            <a:schemeClr val="accent3"/>
+          </a:fillRef>
+          <a:effectRef idx="0">
+            <a:schemeClr val="accent3"/>
+          </a:effectRef>
+          <a:fontRef idx="minor">
+            <a:schemeClr val="tx1"/>
+          </a:fontRef>
+        </p:style>
+      </p:cxnSp>
+      <p:sp>
+        <p:nvSpPr>
+          <p:cNvPr id="6" name="TextBox 5"/>
+          <p:cNvSpPr txBox="1"/>
+          <p:nvPr/>
+        </p:nvSpPr>
+        <p:spPr>
+          <a:xfrm>
+            <a:off x="990600" y="194846"/>
+            <a:ext cx="2743200" cy="338554"/>
+          </a:xfrm>
+          <a:prstGeom prst="rect">
+            <a:avLst/>
+          </a:prstGeom>
+          <a:noFill/>
+        </p:spPr>
+        <p:txBody>
+          <a:bodyPr wrap="square" rtlCol="0">
+            <a:spAutoFit/>
+          </a:bodyPr>
+          <a:lstStyle/>
+          <a:p>
+            <a:r>
+              <a:rPr lang="en-US" sz="1600" b="1" dirty="0" smtClean="0">
+                <a:solidFill>
+                  <a:schemeClr val="accent2">
+                    <a:lumMod val="75000"/>
+                  </a:schemeClr>
+                </a:solidFill>
+              </a:rPr>
+              <a:t>Index</a:t>
+            </a:r>
+            <a:endParaRPr lang="en-US" sz="1600" b="1" dirty="0">
+              <a:solidFill>
+                <a:schemeClr val="accent2">
+                  <a:lumMod val="75000"/>
+                </a:schemeClr>
+              </a:solidFill>
+            </a:endParaRPr>
+          </a:p>
+        </p:txBody>
+      </p:sp>
       <p:pic>
         <p:nvPicPr>
-          <p:cNvPr id="2052" name="Picture 4"/>
+          <p:cNvPr id="2" name="Picture 2"/>
           <p:cNvPicPr>
             <a:picLocks noChangeAspect="1" noChangeArrowheads="1"/>
           </p:cNvPicPr>
           <p:nvPr/>
         </p:nvPicPr>
         <p:blipFill>
-          <a:blip r:embed="rId3">
+          <a:blip r:embed="rId3" cstate="print">
             <a:extLst>
               <a:ext uri="{28A0092B-C50C-407E-A947-70E740481C1C}">
                 <a14:useLocalDpi xmlns:a14="http://schemas.microsoft.com/office/drawing/2010/main" val="0"/>
@@ -7448,8 +13041,8 @@
         </p:blipFill>
         <p:spPr bwMode="auto">
           <a:xfrm>
-            <a:off x="1104899" y="3810287"/>
-            <a:ext cx="7400924" cy="2971513"/>
+            <a:off x="3581400" y="2891612"/>
+            <a:ext cx="3310986" cy="2038794"/>
           </a:xfrm>
           <a:prstGeom prst="rect">
             <a:avLst/>
@@ -7479,88 +13072,132 @@
           </a:extLst>
         </p:spPr>
       </p:pic>
-      <p:cxnSp>
-        <p:nvCxnSpPr>
-          <p:cNvPr id="5" name="Straight Connector 4"/>
-          <p:cNvCxnSpPr/>
-          <p:nvPr/>
-        </p:nvCxnSpPr>
-        <p:spPr>
-          <a:xfrm>
-            <a:off x="990600" y="685800"/>
-            <a:ext cx="7772400" cy="0"/>
-          </a:xfrm>
-          <a:prstGeom prst="line">
-            <a:avLst/>
-          </a:prstGeom>
-          <a:ln>
-            <a:solidFill>
-              <a:schemeClr val="accent2">
-                <a:lumMod val="75000"/>
-              </a:schemeClr>
-            </a:solidFill>
-          </a:ln>
-        </p:spPr>
-        <p:style>
-          <a:lnRef idx="1">
-            <a:schemeClr val="accent2"/>
-          </a:lnRef>
-          <a:fillRef idx="0">
-            <a:schemeClr val="accent2"/>
-          </a:fillRef>
-          <a:effectRef idx="0">
-            <a:schemeClr val="accent2"/>
-          </a:effectRef>
-          <a:fontRef idx="minor">
-            <a:schemeClr val="tx1"/>
-          </a:fontRef>
-        </p:style>
-      </p:cxnSp>
       <p:sp>
         <p:nvSpPr>
-          <p:cNvPr id="6" name="Rectangle 5"/>
+          <p:cNvPr id="3" name="Rectangle 2"/>
           <p:cNvSpPr/>
           <p:nvPr/>
         </p:nvSpPr>
         <p:spPr>
           <a:xfrm>
-            <a:off x="1070331" y="309602"/>
-            <a:ext cx="3089307" cy="369332"/>
+            <a:off x="1171353" y="685800"/>
+            <a:ext cx="7579242" cy="1631216"/>
           </a:xfrm>
           <a:prstGeom prst="rect">
             <a:avLst/>
           </a:prstGeom>
         </p:spPr>
         <p:txBody>
-          <a:bodyPr wrap="none">
+          <a:bodyPr wrap="square">
             <a:spAutoFit/>
           </a:bodyPr>
           <a:lstStyle/>
           <a:p>
-            <a:r>
-              <a:rPr lang="en-US" b="1" dirty="0" smtClean="0">
-                <a:solidFill>
-                  <a:schemeClr val="accent2">
-                    <a:lumMod val="75000"/>
+            <a:pPr marL="285750" indent="-285750" algn="just" rtl="1">
+              <a:buFont typeface="Wingdings" panose="05000000000000000000" pitchFamily="2" charset="2"/>
+              <a:buChar char="q"/>
+            </a:pPr>
+            <a:r>
+              <a:rPr lang="en-US" sz="1600" dirty="0" smtClean="0">
+                <a:cs typeface="B Nazanin" panose="00000400000000000000" pitchFamily="2" charset="-78"/>
+              </a:rPr>
+              <a:t>index </a:t>
+            </a:r>
+            <a:r>
+              <a:rPr lang="fa-IR" sz="1600" dirty="0">
+                <a:cs typeface="B Nazanin" panose="00000400000000000000" pitchFamily="2" charset="-78"/>
+              </a:rPr>
+              <a:t>کردن در واقع راهی است برای بهینه سازی عملکرد یک پایگاه داده با به حداقل رساندن تعداد دسترسی‌های مورد نیاز دیسک هنگام پردازش یک </a:t>
+            </a:r>
+            <a:r>
+              <a:rPr lang="en-US" sz="1600" dirty="0">
+                <a:cs typeface="B Nazanin" panose="00000400000000000000" pitchFamily="2" charset="-78"/>
+              </a:rPr>
+              <a:t>query </a:t>
+            </a:r>
+            <a:r>
+              <a:rPr lang="fa-IR" sz="1600" dirty="0">
+                <a:cs typeface="B Nazanin" panose="00000400000000000000" pitchFamily="2" charset="-78"/>
+              </a:rPr>
+              <a:t>است</a:t>
+            </a:r>
+            <a:r>
+              <a:rPr lang="fa-IR" sz="1600" dirty="0" smtClean="0">
+                <a:cs typeface="B Nazanin" panose="00000400000000000000" pitchFamily="2" charset="-78"/>
+              </a:rPr>
+              <a:t>.</a:t>
+            </a:r>
+            <a:endParaRPr lang="fa-IR" sz="1600" dirty="0">
+              <a:cs typeface="B Nazanin" panose="00000400000000000000" pitchFamily="2" charset="-78"/>
+            </a:endParaRPr>
+          </a:p>
+          <a:p>
+            <a:pPr marL="285750" indent="-285750" algn="just" rtl="1">
+              <a:buFont typeface="Wingdings" panose="05000000000000000000" pitchFamily="2" charset="2"/>
+              <a:buChar char="q"/>
+            </a:pPr>
+            <a:r>
+              <a:rPr lang="fa-IR" sz="1600" dirty="0">
+                <a:cs typeface="B Nazanin" panose="00000400000000000000" pitchFamily="2" charset="-78"/>
+              </a:rPr>
+              <a:t>هدف از اندیس‌‌‌ گذاری، فراهم کردن شرایطی است که با کمترین جستجو و به سادگی به یک داده‌‌‌ی مشخص دسترسی پیدا کنیم.</a:t>
+            </a:r>
+          </a:p>
+          <a:p>
+            <a:pPr marL="285750" indent="-285750" algn="just" rtl="1">
+              <a:buFont typeface="Wingdings" panose="05000000000000000000" pitchFamily="2" charset="2"/>
+              <a:buChar char="q"/>
+            </a:pPr>
+            <a:r>
+              <a:rPr lang="fa-IR" sz="1600" dirty="0">
+                <a:cs typeface="B Nazanin" panose="00000400000000000000" pitchFamily="2" charset="-78"/>
+              </a:rPr>
+              <a:t>برای رسیدن به این هدف در یک پایگاه داده می‌‌‌توانیم در یک جدول روی ستون‌‌‌های پرکاربرد ایندکس‌‌‌ گذاری کنیم تا دسترسی و جستجو روی داده‌‌‌های این ستون‌‌‌ها ساده‌‌‌تر و سریع‌‌‌تر انجام شود.</a:t>
+            </a:r>
+            <a:endParaRPr lang="en-US" sz="1600" dirty="0">
+              <a:cs typeface="B Nazanin" panose="00000400000000000000" pitchFamily="2" charset="-78"/>
+            </a:endParaRPr>
+          </a:p>
+        </p:txBody>
+      </p:sp>
+      <p:sp>
+        <p:nvSpPr>
+          <p:cNvPr id="4" name="Rectangle 3"/>
+          <p:cNvSpPr/>
+          <p:nvPr/>
+        </p:nvSpPr>
+        <p:spPr>
+          <a:xfrm>
+            <a:off x="1089836" y="5334000"/>
+            <a:ext cx="7977963" cy="338554"/>
+          </a:xfrm>
+          <a:prstGeom prst="rect">
+            <a:avLst/>
+          </a:prstGeom>
+        </p:spPr>
+        <p:txBody>
+          <a:bodyPr wrap="square">
+            <a:spAutoFit/>
+          </a:bodyPr>
+          <a:lstStyle/>
+          <a:p>
+            <a:r>
+              <a:rPr lang="en-US" sz="1600" dirty="0">
+                <a:solidFill>
+                  <a:schemeClr val="bg1">
+                    <a:lumMod val="85000"/>
                   </a:schemeClr>
                 </a:solidFill>
               </a:rPr>
-              <a:t>MySQL-Student case study</a:t>
-            </a:r>
-            <a:endParaRPr lang="en-US" b="1" dirty="0">
-              <a:solidFill>
-                <a:schemeClr val="accent2">
-                  <a:lumMod val="75000"/>
-                </a:schemeClr>
-              </a:solidFill>
-            </a:endParaRPr>
+              <a:t>https://maktabkhooneh.org/mag/indexing-in-databases/</a:t>
+            </a:r>
           </a:p>
         </p:txBody>
       </p:sp>
     </p:spTree>
     <p:extLst>
       <p:ext uri="{BB962C8B-B14F-4D97-AF65-F5344CB8AC3E}">
-        <p14:creationId xmlns:p14="http://schemas.microsoft.com/office/powerpoint/2010/main" val="2367929150"/>
+        <p14:creationId xmlns:p14="http://schemas.microsoft.com/office/powerpoint/2010/main" val="1861567350"/>
       </p:ext>
     </p:extLst>
   </p:cSld>

--- a/Database/DB-lab-2.pptx
+++ b/Database/DB-lab-2.pptx
@@ -17,33 +17,43 @@
     <p:sldId id="265" r:id="rId11"/>
     <p:sldId id="267" r:id="rId12"/>
     <p:sldId id="268" r:id="rId13"/>
-    <p:sldId id="269" r:id="rId14"/>
-    <p:sldId id="288" r:id="rId15"/>
-    <p:sldId id="289" r:id="rId16"/>
-    <p:sldId id="270" r:id="rId17"/>
-    <p:sldId id="290" r:id="rId18"/>
-    <p:sldId id="271" r:id="rId19"/>
-    <p:sldId id="286" r:id="rId20"/>
-    <p:sldId id="284" r:id="rId21"/>
-    <p:sldId id="285" r:id="rId22"/>
-    <p:sldId id="272" r:id="rId23"/>
-    <p:sldId id="273" r:id="rId24"/>
-    <p:sldId id="274" r:id="rId25"/>
-    <p:sldId id="275" r:id="rId26"/>
-    <p:sldId id="276" r:id="rId27"/>
-    <p:sldId id="277" r:id="rId28"/>
-    <p:sldId id="278" r:id="rId29"/>
-    <p:sldId id="279" r:id="rId30"/>
-    <p:sldId id="280" r:id="rId31"/>
-    <p:sldId id="281" r:id="rId32"/>
-    <p:sldId id="282" r:id="rId33"/>
-    <p:sldId id="283" r:id="rId34"/>
-    <p:sldId id="291" r:id="rId35"/>
-    <p:sldId id="292" r:id="rId36"/>
-    <p:sldId id="293" r:id="rId37"/>
-    <p:sldId id="294" r:id="rId38"/>
-    <p:sldId id="295" r:id="rId39"/>
-    <p:sldId id="296" r:id="rId40"/>
+    <p:sldId id="297" r:id="rId14"/>
+    <p:sldId id="269" r:id="rId15"/>
+    <p:sldId id="288" r:id="rId16"/>
+    <p:sldId id="289" r:id="rId17"/>
+    <p:sldId id="270" r:id="rId18"/>
+    <p:sldId id="290" r:id="rId19"/>
+    <p:sldId id="271" r:id="rId20"/>
+    <p:sldId id="286" r:id="rId21"/>
+    <p:sldId id="284" r:id="rId22"/>
+    <p:sldId id="285" r:id="rId23"/>
+    <p:sldId id="272" r:id="rId24"/>
+    <p:sldId id="273" r:id="rId25"/>
+    <p:sldId id="274" r:id="rId26"/>
+    <p:sldId id="275" r:id="rId27"/>
+    <p:sldId id="276" r:id="rId28"/>
+    <p:sldId id="277" r:id="rId29"/>
+    <p:sldId id="278" r:id="rId30"/>
+    <p:sldId id="279" r:id="rId31"/>
+    <p:sldId id="280" r:id="rId32"/>
+    <p:sldId id="281" r:id="rId33"/>
+    <p:sldId id="282" r:id="rId34"/>
+    <p:sldId id="283" r:id="rId35"/>
+    <p:sldId id="291" r:id="rId36"/>
+    <p:sldId id="292" r:id="rId37"/>
+    <p:sldId id="293" r:id="rId38"/>
+    <p:sldId id="294" r:id="rId39"/>
+    <p:sldId id="295" r:id="rId40"/>
+    <p:sldId id="296" r:id="rId41"/>
+    <p:sldId id="298" r:id="rId42"/>
+    <p:sldId id="299" r:id="rId43"/>
+    <p:sldId id="300" r:id="rId44"/>
+    <p:sldId id="301" r:id="rId45"/>
+    <p:sldId id="302" r:id="rId46"/>
+    <p:sldId id="303" r:id="rId47"/>
+    <p:sldId id="304" r:id="rId48"/>
+    <p:sldId id="305" r:id="rId49"/>
+    <p:sldId id="306" r:id="rId50"/>
   </p:sldIdLst>
   <p:sldSz cx="9144000" cy="6858000" type="screen4x3"/>
   <p:notesSz cx="6858000" cy="9144000"/>
@@ -279,7 +289,7 @@
           <a:p>
             <a:fld id="{3C131DD0-B1AE-4A57-8507-7166551C13D6}" type="datetimeFigureOut">
               <a:rPr lang="en-US" smtClean="0"/>
-              <a:t>12/5/2023</a:t>
+              <a:t>12/19/2023</a:t>
             </a:fld>
             <a:endParaRPr lang="en-US"/>
           </a:p>
@@ -592,7 +602,7 @@
           <a:p>
             <a:fld id="{3C131DD0-B1AE-4A57-8507-7166551C13D6}" type="datetimeFigureOut">
               <a:rPr lang="en-US" smtClean="0"/>
-              <a:t>12/5/2023</a:t>
+              <a:t>12/19/2023</a:t>
             </a:fld>
             <a:endParaRPr lang="en-US"/>
           </a:p>
@@ -777,7 +787,7 @@
           <a:p>
             <a:fld id="{3C131DD0-B1AE-4A57-8507-7166551C13D6}" type="datetimeFigureOut">
               <a:rPr lang="en-US" smtClean="0"/>
-              <a:t>12/5/2023</a:t>
+              <a:t>12/19/2023</a:t>
             </a:fld>
             <a:endParaRPr lang="en-US"/>
           </a:p>
@@ -952,7 +962,7 @@
           <a:p>
             <a:fld id="{3C131DD0-B1AE-4A57-8507-7166551C13D6}" type="datetimeFigureOut">
               <a:rPr lang="en-US" smtClean="0"/>
-              <a:t>12/5/2023</a:t>
+              <a:t>12/19/2023</a:t>
             </a:fld>
             <a:endParaRPr lang="en-US"/>
           </a:p>
@@ -1220,7 +1230,7 @@
           <a:p>
             <a:fld id="{3C131DD0-B1AE-4A57-8507-7166551C13D6}" type="datetimeFigureOut">
               <a:rPr lang="en-US" smtClean="0"/>
-              <a:t>12/5/2023</a:t>
+              <a:t>12/19/2023</a:t>
             </a:fld>
             <a:endParaRPr lang="en-US"/>
           </a:p>
@@ -1688,7 +1698,7 @@
           <a:p>
             <a:fld id="{3C131DD0-B1AE-4A57-8507-7166551C13D6}" type="datetimeFigureOut">
               <a:rPr lang="en-US" smtClean="0"/>
-              <a:t>12/5/2023</a:t>
+              <a:t>12/19/2023</a:t>
             </a:fld>
             <a:endParaRPr lang="en-US"/>
           </a:p>
@@ -2177,7 +2187,7 @@
           <a:p>
             <a:fld id="{3C131DD0-B1AE-4A57-8507-7166551C13D6}" type="datetimeFigureOut">
               <a:rPr lang="en-US" smtClean="0"/>
-              <a:t>12/5/2023</a:t>
+              <a:t>12/19/2023</a:t>
             </a:fld>
             <a:endParaRPr lang="en-US"/>
           </a:p>
@@ -2303,7 +2313,7 @@
           <a:p>
             <a:fld id="{3C131DD0-B1AE-4A57-8507-7166551C13D6}" type="datetimeFigureOut">
               <a:rPr lang="en-US" smtClean="0"/>
-              <a:t>12/5/2023</a:t>
+              <a:t>12/19/2023</a:t>
             </a:fld>
             <a:endParaRPr lang="en-US"/>
           </a:p>
@@ -2447,7 +2457,7 @@
           <a:p>
             <a:fld id="{3C131DD0-B1AE-4A57-8507-7166551C13D6}" type="datetimeFigureOut">
               <a:rPr lang="en-US" smtClean="0"/>
-              <a:t>12/5/2023</a:t>
+              <a:t>12/19/2023</a:t>
             </a:fld>
             <a:endParaRPr lang="en-US"/>
           </a:p>
@@ -2769,7 +2779,7 @@
           <a:p>
             <a:fld id="{3C131DD0-B1AE-4A57-8507-7166551C13D6}" type="datetimeFigureOut">
               <a:rPr lang="en-US" smtClean="0"/>
-              <a:t>12/5/2023</a:t>
+              <a:t>12/19/2023</a:t>
             </a:fld>
             <a:endParaRPr lang="en-US"/>
           </a:p>
@@ -2903,7 +2913,7 @@
           <a:p>
             <a:fld id="{3C131DD0-B1AE-4A57-8507-7166551C13D6}" type="datetimeFigureOut">
               <a:rPr lang="en-US" smtClean="0"/>
-              <a:t>12/5/2023</a:t>
+              <a:t>12/19/2023</a:t>
             </a:fld>
             <a:endParaRPr lang="en-US"/>
           </a:p>
@@ -3684,7 +3694,7 @@
           <a:p>
             <a:fld id="{3C131DD0-B1AE-4A57-8507-7166551C13D6}" type="datetimeFigureOut">
               <a:rPr lang="en-US" smtClean="0"/>
-              <a:t>12/5/2023</a:t>
+              <a:t>12/19/2023</a:t>
             </a:fld>
             <a:endParaRPr lang="en-US"/>
           </a:p>
@@ -5195,6 +5205,13 @@
   <p:clrMapOvr>
     <a:masterClrMapping/>
   </p:clrMapOvr>
+  <p:timing>
+    <p:tnLst>
+      <p:par>
+        <p:cTn id="1" dur="indefinite" restart="never" nodeType="tmRoot"/>
+      </p:par>
+    </p:tnLst>
+  </p:timing>
 </p:sld>
 </file>
 
@@ -5215,6 +5232,230 @@
           <a:chExt cx="0" cy="0"/>
         </a:xfrm>
       </p:grpSpPr>
+      <p:cxnSp>
+        <p:nvCxnSpPr>
+          <p:cNvPr id="5" name="Straight Connector 4"/>
+          <p:cNvCxnSpPr/>
+          <p:nvPr/>
+        </p:nvCxnSpPr>
+        <p:spPr>
+          <a:xfrm>
+            <a:off x="1066800" y="533400"/>
+            <a:ext cx="7620000" cy="0"/>
+          </a:xfrm>
+          <a:prstGeom prst="line">
+            <a:avLst/>
+          </a:prstGeom>
+          <a:ln>
+            <a:solidFill>
+              <a:schemeClr val="accent2">
+                <a:lumMod val="75000"/>
+              </a:schemeClr>
+            </a:solidFill>
+          </a:ln>
+        </p:spPr>
+        <p:style>
+          <a:lnRef idx="1">
+            <a:schemeClr val="accent3"/>
+          </a:lnRef>
+          <a:fillRef idx="0">
+            <a:schemeClr val="accent3"/>
+          </a:fillRef>
+          <a:effectRef idx="0">
+            <a:schemeClr val="accent3"/>
+          </a:effectRef>
+          <a:fontRef idx="minor">
+            <a:schemeClr val="tx1"/>
+          </a:fontRef>
+        </p:style>
+      </p:cxnSp>
+      <p:sp>
+        <p:nvSpPr>
+          <p:cNvPr id="7" name="TextBox 6"/>
+          <p:cNvSpPr txBox="1"/>
+          <p:nvPr/>
+        </p:nvSpPr>
+        <p:spPr>
+          <a:xfrm>
+            <a:off x="990600" y="194846"/>
+            <a:ext cx="2743200" cy="338554"/>
+          </a:xfrm>
+          <a:prstGeom prst="rect">
+            <a:avLst/>
+          </a:prstGeom>
+          <a:noFill/>
+        </p:spPr>
+        <p:txBody>
+          <a:bodyPr wrap="square" rtlCol="0">
+            <a:spAutoFit/>
+          </a:bodyPr>
+          <a:lstStyle/>
+          <a:p>
+            <a:r>
+              <a:rPr lang="en-US" sz="1600" b="1" dirty="0" smtClean="0">
+                <a:solidFill>
+                  <a:schemeClr val="accent2">
+                    <a:lumMod val="75000"/>
+                  </a:schemeClr>
+                </a:solidFill>
+              </a:rPr>
+              <a:t>Store Procedure</a:t>
+            </a:r>
+            <a:endParaRPr lang="en-US" sz="1600" b="1" dirty="0">
+              <a:solidFill>
+                <a:schemeClr val="accent2">
+                  <a:lumMod val="75000"/>
+                </a:schemeClr>
+              </a:solidFill>
+            </a:endParaRPr>
+          </a:p>
+        </p:txBody>
+      </p:sp>
+      <p:pic>
+        <p:nvPicPr>
+          <p:cNvPr id="1026" name="Picture 2"/>
+          <p:cNvPicPr>
+            <a:picLocks noChangeAspect="1" noChangeArrowheads="1"/>
+          </p:cNvPicPr>
+          <p:nvPr/>
+        </p:nvPicPr>
+        <p:blipFill>
+          <a:blip r:embed="rId2">
+            <a:extLst>
+              <a:ext uri="{28A0092B-C50C-407E-A947-70E740481C1C}">
+                <a14:useLocalDpi xmlns:a14="http://schemas.microsoft.com/office/drawing/2010/main" val="0"/>
+              </a:ext>
+            </a:extLst>
+          </a:blip>
+          <a:srcRect/>
+          <a:stretch>
+            <a:fillRect/>
+          </a:stretch>
+        </p:blipFill>
+        <p:spPr bwMode="auto">
+          <a:xfrm>
+            <a:off x="1295400" y="808850"/>
+            <a:ext cx="6934200" cy="1762125"/>
+          </a:xfrm>
+          <a:prstGeom prst="rect">
+            <a:avLst/>
+          </a:prstGeom>
+          <a:noFill/>
+          <a:ln>
+            <a:noFill/>
+          </a:ln>
+          <a:extLst>
+            <a:ext uri="{909E8E84-426E-40DD-AFC4-6F175D3DCCD1}">
+              <a14:hiddenFill xmlns:a14="http://schemas.microsoft.com/office/drawing/2010/main">
+                <a:solidFill>
+                  <a:schemeClr val="accent1"/>
+                </a:solidFill>
+              </a14:hiddenFill>
+            </a:ext>
+            <a:ext uri="{91240B29-F687-4F45-9708-019B960494DF}">
+              <a14:hiddenLine xmlns:a14="http://schemas.microsoft.com/office/drawing/2010/main" w="9525">
+                <a:solidFill>
+                  <a:schemeClr val="tx1"/>
+                </a:solidFill>
+                <a:miter lim="800000"/>
+                <a:headEnd/>
+                <a:tailEnd/>
+              </a14:hiddenLine>
+            </a:ext>
+          </a:extLst>
+        </p:spPr>
+      </p:pic>
+      <p:pic>
+        <p:nvPicPr>
+          <p:cNvPr id="1027" name="Picture 3"/>
+          <p:cNvPicPr>
+            <a:picLocks noChangeAspect="1" noChangeArrowheads="1"/>
+          </p:cNvPicPr>
+          <p:nvPr/>
+        </p:nvPicPr>
+        <p:blipFill>
+          <a:blip r:embed="rId3">
+            <a:extLst>
+              <a:ext uri="{28A0092B-C50C-407E-A947-70E740481C1C}">
+                <a14:useLocalDpi xmlns:a14="http://schemas.microsoft.com/office/drawing/2010/main" val="0"/>
+              </a:ext>
+            </a:extLst>
+          </a:blip>
+          <a:srcRect/>
+          <a:stretch>
+            <a:fillRect/>
+          </a:stretch>
+        </p:blipFill>
+        <p:spPr bwMode="auto">
+          <a:xfrm>
+            <a:off x="1316665" y="2770446"/>
+            <a:ext cx="5667375" cy="400050"/>
+          </a:xfrm>
+          <a:prstGeom prst="rect">
+            <a:avLst/>
+          </a:prstGeom>
+          <a:noFill/>
+          <a:ln>
+            <a:noFill/>
+          </a:ln>
+          <a:extLst>
+            <a:ext uri="{909E8E84-426E-40DD-AFC4-6F175D3DCCD1}">
+              <a14:hiddenFill xmlns:a14="http://schemas.microsoft.com/office/drawing/2010/main">
+                <a:solidFill>
+                  <a:schemeClr val="accent1"/>
+                </a:solidFill>
+              </a14:hiddenFill>
+            </a:ext>
+            <a:ext uri="{91240B29-F687-4F45-9708-019B960494DF}">
+              <a14:hiddenLine xmlns:a14="http://schemas.microsoft.com/office/drawing/2010/main" w="9525">
+                <a:solidFill>
+                  <a:schemeClr val="tx1"/>
+                </a:solidFill>
+                <a:miter lim="800000"/>
+                <a:headEnd/>
+                <a:tailEnd/>
+              </a14:hiddenLine>
+            </a:ext>
+          </a:extLst>
+        </p:spPr>
+      </p:pic>
+    </p:spTree>
+    <p:extLst>
+      <p:ext uri="{BB962C8B-B14F-4D97-AF65-F5344CB8AC3E}">
+        <p14:creationId xmlns:p14="http://schemas.microsoft.com/office/powerpoint/2010/main" val="2903190656"/>
+      </p:ext>
+    </p:extLst>
+  </p:cSld>
+  <p:clrMapOvr>
+    <a:masterClrMapping/>
+  </p:clrMapOvr>
+  <p:timing>
+    <p:tnLst>
+      <p:par>
+        <p:cTn id="1" dur="indefinite" restart="never" nodeType="tmRoot"/>
+      </p:par>
+    </p:tnLst>
+  </p:timing>
+</p:sld>
+</file>
+
+<file path=ppt/slides/slide14.xml><?xml version="1.0" encoding="utf-8"?>
+<p:sld xmlns:a="http://schemas.openxmlformats.org/drawingml/2006/main" xmlns:r="http://schemas.openxmlformats.org/officeDocument/2006/relationships" xmlns:p="http://schemas.openxmlformats.org/presentationml/2006/main">
+  <p:cSld>
+    <p:spTree>
+      <p:nvGrpSpPr>
+        <p:cNvPr id="1" name=""/>
+        <p:cNvGrpSpPr/>
+        <p:nvPr/>
+      </p:nvGrpSpPr>
+      <p:grpSpPr>
+        <a:xfrm>
+          <a:off x="0" y="0"/>
+          <a:ext cx="0" cy="0"/>
+          <a:chOff x="0" y="0"/>
+          <a:chExt cx="0" cy="0"/>
+        </a:xfrm>
+      </p:grpSpPr>
       <p:sp>
         <p:nvSpPr>
           <p:cNvPr id="4" name="Rectangle 3"/>
@@ -5766,10 +6007,17 @@
   <p:clrMapOvr>
     <a:masterClrMapping/>
   </p:clrMapOvr>
+  <p:timing>
+    <p:tnLst>
+      <p:par>
+        <p:cTn id="1" dur="indefinite" restart="never" nodeType="tmRoot"/>
+      </p:par>
+    </p:tnLst>
+  </p:timing>
 </p:sld>
 </file>
 
-<file path=ppt/slides/slide14.xml><?xml version="1.0" encoding="utf-8"?>
+<file path=ppt/slides/slide15.xml><?xml version="1.0" encoding="utf-8"?>
 <p:sld xmlns:a="http://schemas.openxmlformats.org/drawingml/2006/main" xmlns:r="http://schemas.openxmlformats.org/officeDocument/2006/relationships" xmlns:p="http://schemas.openxmlformats.org/presentationml/2006/main">
   <p:cSld>
     <p:spTree>
@@ -5983,169 +6231,13 @@
   <p:clrMapOvr>
     <a:masterClrMapping/>
   </p:clrMapOvr>
-</p:sld>
-</file>
-
-<file path=ppt/slides/slide15.xml><?xml version="1.0" encoding="utf-8"?>
-<p:sld xmlns:a="http://schemas.openxmlformats.org/drawingml/2006/main" xmlns:r="http://schemas.openxmlformats.org/officeDocument/2006/relationships" xmlns:p="http://schemas.openxmlformats.org/presentationml/2006/main">
-  <p:cSld>
-    <p:spTree>
-      <p:nvGrpSpPr>
-        <p:cNvPr id="1" name=""/>
-        <p:cNvGrpSpPr/>
-        <p:nvPr/>
-      </p:nvGrpSpPr>
-      <p:grpSpPr>
-        <a:xfrm>
-          <a:off x="0" y="0"/>
-          <a:ext cx="0" cy="0"/>
-          <a:chOff x="0" y="0"/>
-          <a:chExt cx="0" cy="0"/>
-        </a:xfrm>
-      </p:grpSpPr>
-      <p:cxnSp>
-        <p:nvCxnSpPr>
-          <p:cNvPr id="2" name="Straight Connector 1"/>
-          <p:cNvCxnSpPr/>
-          <p:nvPr/>
-        </p:nvCxnSpPr>
-        <p:spPr>
-          <a:xfrm>
-            <a:off x="990600" y="533400"/>
-            <a:ext cx="7696200" cy="0"/>
-          </a:xfrm>
-          <a:prstGeom prst="line">
-            <a:avLst/>
-          </a:prstGeom>
-          <a:ln>
-            <a:solidFill>
-              <a:schemeClr val="accent2">
-                <a:lumMod val="75000"/>
-              </a:schemeClr>
-            </a:solidFill>
-          </a:ln>
-        </p:spPr>
-        <p:style>
-          <a:lnRef idx="1">
-            <a:schemeClr val="accent3"/>
-          </a:lnRef>
-          <a:fillRef idx="0">
-            <a:schemeClr val="accent3"/>
-          </a:fillRef>
-          <a:effectRef idx="0">
-            <a:schemeClr val="accent3"/>
-          </a:effectRef>
-          <a:fontRef idx="minor">
-            <a:schemeClr val="tx1"/>
-          </a:fontRef>
-        </p:style>
-      </p:cxnSp>
-      <p:sp>
-        <p:nvSpPr>
-          <p:cNvPr id="3" name="TextBox 2"/>
-          <p:cNvSpPr txBox="1"/>
-          <p:nvPr/>
-        </p:nvSpPr>
-        <p:spPr>
-          <a:xfrm>
-            <a:off x="990600" y="194846"/>
-            <a:ext cx="7772400" cy="338554"/>
-          </a:xfrm>
-          <a:prstGeom prst="rect">
-            <a:avLst/>
-          </a:prstGeom>
-          <a:noFill/>
-        </p:spPr>
-        <p:txBody>
-          <a:bodyPr wrap="square" rtlCol="0">
-            <a:spAutoFit/>
-          </a:bodyPr>
-          <a:lstStyle/>
-          <a:p>
-            <a:r>
-              <a:rPr lang="en-US" sz="1600" b="1" dirty="0" smtClean="0">
-                <a:solidFill>
-                  <a:schemeClr val="accent2">
-                    <a:lumMod val="75000"/>
-                  </a:schemeClr>
-                </a:solidFill>
-              </a:rPr>
-              <a:t>Trigger</a:t>
-            </a:r>
-            <a:endParaRPr lang="en-US" sz="1600" b="1" dirty="0">
-              <a:solidFill>
-                <a:schemeClr val="accent2">
-                  <a:lumMod val="75000"/>
-                </a:schemeClr>
-              </a:solidFill>
-            </a:endParaRPr>
-          </a:p>
-        </p:txBody>
-      </p:sp>
-      <p:pic>
-        <p:nvPicPr>
-          <p:cNvPr id="4098" name="Picture 2"/>
-          <p:cNvPicPr>
-            <a:picLocks noChangeAspect="1" noChangeArrowheads="1"/>
-          </p:cNvPicPr>
-          <p:nvPr/>
-        </p:nvPicPr>
-        <p:blipFill>
-          <a:blip r:embed="rId2">
-            <a:extLst>
-              <a:ext uri="{28A0092B-C50C-407E-A947-70E740481C1C}">
-                <a14:useLocalDpi xmlns:a14="http://schemas.microsoft.com/office/drawing/2010/main" val="0"/>
-              </a:ext>
-            </a:extLst>
-          </a:blip>
-          <a:srcRect/>
-          <a:stretch>
-            <a:fillRect/>
-          </a:stretch>
-        </p:blipFill>
-        <p:spPr bwMode="auto">
-          <a:xfrm>
-            <a:off x="990600" y="838200"/>
-            <a:ext cx="7391400" cy="3593042"/>
-          </a:xfrm>
-          <a:prstGeom prst="rect">
-            <a:avLst/>
-          </a:prstGeom>
-          <a:noFill/>
-          <a:ln>
-            <a:noFill/>
-          </a:ln>
-          <a:extLst>
-            <a:ext uri="{909E8E84-426E-40DD-AFC4-6F175D3DCCD1}">
-              <a14:hiddenFill xmlns:a14="http://schemas.microsoft.com/office/drawing/2010/main">
-                <a:solidFill>
-                  <a:schemeClr val="accent1"/>
-                </a:solidFill>
-              </a14:hiddenFill>
-            </a:ext>
-            <a:ext uri="{91240B29-F687-4F45-9708-019B960494DF}">
-              <a14:hiddenLine xmlns:a14="http://schemas.microsoft.com/office/drawing/2010/main" w="9525">
-                <a:solidFill>
-                  <a:schemeClr val="tx1"/>
-                </a:solidFill>
-                <a:miter lim="800000"/>
-                <a:headEnd/>
-                <a:tailEnd/>
-              </a14:hiddenLine>
-            </a:ext>
-          </a:extLst>
-        </p:spPr>
-      </p:pic>
-    </p:spTree>
-    <p:extLst>
-      <p:ext uri="{BB962C8B-B14F-4D97-AF65-F5344CB8AC3E}">
-        <p14:creationId xmlns:p14="http://schemas.microsoft.com/office/powerpoint/2010/main" val="454654600"/>
-      </p:ext>
-    </p:extLst>
-  </p:cSld>
-  <p:clrMapOvr>
-    <a:masterClrMapping/>
-  </p:clrMapOvr>
+  <p:timing>
+    <p:tnLst>
+      <p:par>
+        <p:cTn id="1" dur="indefinite" restart="never" nodeType="tmRoot"/>
+      </p:par>
+    </p:tnLst>
+  </p:timing>
 </p:sld>
 </file>
 
@@ -6247,7 +6339,7 @@
       </p:sp>
       <p:pic>
         <p:nvPicPr>
-          <p:cNvPr id="2055" name="Picture 7"/>
+          <p:cNvPr id="4098" name="Picture 2"/>
           <p:cNvPicPr>
             <a:picLocks noChangeAspect="1" noChangeArrowheads="1"/>
           </p:cNvPicPr>
@@ -6268,8 +6360,8 @@
         </p:blipFill>
         <p:spPr bwMode="auto">
           <a:xfrm>
-            <a:off x="1066799" y="762000"/>
-            <a:ext cx="7307417" cy="3581400"/>
+            <a:off x="990600" y="838200"/>
+            <a:ext cx="7391400" cy="3593042"/>
           </a:xfrm>
           <a:prstGeom prst="rect">
             <a:avLst/>
@@ -6302,13 +6394,20 @@
     </p:spTree>
     <p:extLst>
       <p:ext uri="{BB962C8B-B14F-4D97-AF65-F5344CB8AC3E}">
-        <p14:creationId xmlns:p14="http://schemas.microsoft.com/office/powerpoint/2010/main" val="3028700020"/>
+        <p14:creationId xmlns:p14="http://schemas.microsoft.com/office/powerpoint/2010/main" val="454654600"/>
       </p:ext>
     </p:extLst>
   </p:cSld>
   <p:clrMapOvr>
     <a:masterClrMapping/>
   </p:clrMapOvr>
+  <p:timing>
+    <p:tnLst>
+      <p:par>
+        <p:cTn id="1" dur="indefinite" restart="never" nodeType="tmRoot"/>
+      </p:par>
+    </p:tnLst>
+  </p:timing>
 </p:sld>
 </file>
 
@@ -6410,7 +6509,7 @@
       </p:sp>
       <p:pic>
         <p:nvPicPr>
-          <p:cNvPr id="5124" name="Picture 4"/>
+          <p:cNvPr id="2055" name="Picture 7"/>
           <p:cNvPicPr>
             <a:picLocks noChangeAspect="1" noChangeArrowheads="1"/>
           </p:cNvPicPr>
@@ -6431,8 +6530,8 @@
         </p:blipFill>
         <p:spPr bwMode="auto">
           <a:xfrm>
-            <a:off x="1195387" y="685800"/>
-            <a:ext cx="7567613" cy="3152484"/>
+            <a:off x="1066799" y="762000"/>
+            <a:ext cx="7307417" cy="3581400"/>
           </a:xfrm>
           <a:prstGeom prst="rect">
             <a:avLst/>
@@ -6465,7 +6564,7 @@
     </p:spTree>
     <p:extLst>
       <p:ext uri="{BB962C8B-B14F-4D97-AF65-F5344CB8AC3E}">
-        <p14:creationId xmlns:p14="http://schemas.microsoft.com/office/powerpoint/2010/main" val="3854086698"/>
+        <p14:creationId xmlns:p14="http://schemas.microsoft.com/office/powerpoint/2010/main" val="3028700020"/>
       </p:ext>
     </p:extLst>
   </p:cSld>
@@ -6492,9 +6591,88 @@
           <a:chExt cx="0" cy="0"/>
         </a:xfrm>
       </p:grpSpPr>
+      <p:cxnSp>
+        <p:nvCxnSpPr>
+          <p:cNvPr id="2" name="Straight Connector 1"/>
+          <p:cNvCxnSpPr/>
+          <p:nvPr/>
+        </p:nvCxnSpPr>
+        <p:spPr>
+          <a:xfrm>
+            <a:off x="990600" y="533400"/>
+            <a:ext cx="7696200" cy="0"/>
+          </a:xfrm>
+          <a:prstGeom prst="line">
+            <a:avLst/>
+          </a:prstGeom>
+          <a:ln>
+            <a:solidFill>
+              <a:schemeClr val="accent2">
+                <a:lumMod val="75000"/>
+              </a:schemeClr>
+            </a:solidFill>
+          </a:ln>
+        </p:spPr>
+        <p:style>
+          <a:lnRef idx="1">
+            <a:schemeClr val="accent3"/>
+          </a:lnRef>
+          <a:fillRef idx="0">
+            <a:schemeClr val="accent3"/>
+          </a:fillRef>
+          <a:effectRef idx="0">
+            <a:schemeClr val="accent3"/>
+          </a:effectRef>
+          <a:fontRef idx="minor">
+            <a:schemeClr val="tx1"/>
+          </a:fontRef>
+        </p:style>
+      </p:cxnSp>
+      <p:sp>
+        <p:nvSpPr>
+          <p:cNvPr id="3" name="TextBox 2"/>
+          <p:cNvSpPr txBox="1"/>
+          <p:nvPr/>
+        </p:nvSpPr>
+        <p:spPr>
+          <a:xfrm>
+            <a:off x="990600" y="194846"/>
+            <a:ext cx="7772400" cy="338554"/>
+          </a:xfrm>
+          <a:prstGeom prst="rect">
+            <a:avLst/>
+          </a:prstGeom>
+          <a:noFill/>
+        </p:spPr>
+        <p:txBody>
+          <a:bodyPr wrap="square" rtlCol="0">
+            <a:spAutoFit/>
+          </a:bodyPr>
+          <a:lstStyle/>
+          <a:p>
+            <a:r>
+              <a:rPr lang="en-US" sz="1600" b="1" dirty="0" smtClean="0">
+                <a:solidFill>
+                  <a:schemeClr val="accent2">
+                    <a:lumMod val="75000"/>
+                  </a:schemeClr>
+                </a:solidFill>
+              </a:rPr>
+              <a:t>Trigger</a:t>
+            </a:r>
+            <a:endParaRPr lang="en-US" sz="1600" b="1" dirty="0">
+              <a:solidFill>
+                <a:schemeClr val="accent2">
+                  <a:lumMod val="75000"/>
+                </a:schemeClr>
+              </a:solidFill>
+            </a:endParaRPr>
+          </a:p>
+        </p:txBody>
+      </p:sp>
       <p:pic>
         <p:nvPicPr>
-          <p:cNvPr id="1026" name="Picture 2"/>
+          <p:cNvPr id="5124" name="Picture 4"/>
           <p:cNvPicPr>
             <a:picLocks noChangeAspect="1" noChangeArrowheads="1"/>
           </p:cNvPicPr>
@@ -6515,8 +6693,8 @@
         </p:blipFill>
         <p:spPr bwMode="auto">
           <a:xfrm>
-            <a:off x="1219200" y="304800"/>
-            <a:ext cx="4638675" cy="752475"/>
+            <a:off x="1195387" y="685800"/>
+            <a:ext cx="7567613" cy="3152484"/>
           </a:xfrm>
           <a:prstGeom prst="rect">
             <a:avLst/>
@@ -6549,7 +6727,7 @@
     </p:spTree>
     <p:extLst>
       <p:ext uri="{BB962C8B-B14F-4D97-AF65-F5344CB8AC3E}">
-        <p14:creationId xmlns:p14="http://schemas.microsoft.com/office/powerpoint/2010/main" val="1604062721"/>
+        <p14:creationId xmlns:p14="http://schemas.microsoft.com/office/powerpoint/2010/main" val="3854086698"/>
       </p:ext>
     </p:extLst>
   </p:cSld>
@@ -6576,220 +6754,64 @@
           <a:chExt cx="0" cy="0"/>
         </a:xfrm>
       </p:grpSpPr>
-      <p:cxnSp>
-        <p:nvCxnSpPr>
-          <p:cNvPr id="4" name="Straight Connector 3"/>
-          <p:cNvCxnSpPr/>
-          <p:nvPr/>
-        </p:nvCxnSpPr>
-        <p:spPr>
-          <a:xfrm>
-            <a:off x="990600" y="533400"/>
-            <a:ext cx="7696200" cy="0"/>
-          </a:xfrm>
-          <a:prstGeom prst="line">
-            <a:avLst/>
-          </a:prstGeom>
+      <p:pic>
+        <p:nvPicPr>
+          <p:cNvPr id="1026" name="Picture 2"/>
+          <p:cNvPicPr>
+            <a:picLocks noChangeAspect="1" noChangeArrowheads="1"/>
+          </p:cNvPicPr>
+          <p:nvPr/>
+        </p:nvPicPr>
+        <p:blipFill>
+          <a:blip r:embed="rId2">
+            <a:extLst>
+              <a:ext uri="{28A0092B-C50C-407E-A947-70E740481C1C}">
+                <a14:useLocalDpi xmlns:a14="http://schemas.microsoft.com/office/drawing/2010/main" val="0"/>
+              </a:ext>
+            </a:extLst>
+          </a:blip>
+          <a:srcRect/>
+          <a:stretch>
+            <a:fillRect/>
+          </a:stretch>
+        </p:blipFill>
+        <p:spPr bwMode="auto">
+          <a:xfrm>
+            <a:off x="1219200" y="304800"/>
+            <a:ext cx="4638675" cy="752475"/>
+          </a:xfrm>
+          <a:prstGeom prst="rect">
+            <a:avLst/>
+          </a:prstGeom>
+          <a:noFill/>
           <a:ln>
-            <a:solidFill>
-              <a:schemeClr val="accent2">
-                <a:lumMod val="75000"/>
-              </a:schemeClr>
-            </a:solidFill>
+            <a:noFill/>
           </a:ln>
-        </p:spPr>
-        <p:style>
-          <a:lnRef idx="1">
-            <a:schemeClr val="accent3"/>
-          </a:lnRef>
-          <a:fillRef idx="0">
-            <a:schemeClr val="accent3"/>
-          </a:fillRef>
-          <a:effectRef idx="0">
-            <a:schemeClr val="accent3"/>
-          </a:effectRef>
-          <a:fontRef idx="minor">
-            <a:schemeClr val="tx1"/>
-          </a:fontRef>
-        </p:style>
-      </p:cxnSp>
-      <p:sp>
-        <p:nvSpPr>
-          <p:cNvPr id="5" name="TextBox 4"/>
-          <p:cNvSpPr txBox="1"/>
-          <p:nvPr/>
-        </p:nvSpPr>
-        <p:spPr>
-          <a:xfrm>
-            <a:off x="990600" y="194846"/>
-            <a:ext cx="7772400" cy="338554"/>
-          </a:xfrm>
-          <a:prstGeom prst="rect">
-            <a:avLst/>
-          </a:prstGeom>
-          <a:noFill/>
-        </p:spPr>
-        <p:txBody>
-          <a:bodyPr wrap="square" rtlCol="0">
-            <a:spAutoFit/>
-          </a:bodyPr>
-          <a:lstStyle/>
-          <a:p>
-            <a:r>
-              <a:rPr lang="en-US" sz="1600" b="1" dirty="0" smtClean="0">
-                <a:solidFill>
-                  <a:schemeClr val="accent2">
-                    <a:lumMod val="75000"/>
-                  </a:schemeClr>
-                </a:solidFill>
-              </a:rPr>
-              <a:t>DML</a:t>
-            </a:r>
-            <a:endParaRPr lang="en-US" sz="1600" b="1" dirty="0">
-              <a:solidFill>
-                <a:schemeClr val="accent2">
-                  <a:lumMod val="75000"/>
-                </a:schemeClr>
-              </a:solidFill>
-            </a:endParaRPr>
-          </a:p>
-        </p:txBody>
-      </p:sp>
-      <p:sp>
-        <p:nvSpPr>
-          <p:cNvPr id="2" name="Rectangle 1"/>
-          <p:cNvSpPr/>
-          <p:nvPr/>
-        </p:nvSpPr>
-        <p:spPr>
-          <a:xfrm>
-            <a:off x="1524000" y="2387025"/>
-            <a:ext cx="6930487" cy="584775"/>
-          </a:xfrm>
-          <a:prstGeom prst="rect">
-            <a:avLst/>
-          </a:prstGeom>
-        </p:spPr>
-        <p:txBody>
-          <a:bodyPr wrap="none">
-            <a:spAutoFit/>
-          </a:bodyPr>
-          <a:lstStyle/>
-          <a:p>
-            <a:r>
-              <a:rPr lang="en-US" sz="3200" b="1" dirty="0">
-                <a:solidFill>
-                  <a:schemeClr val="accent2">
-                    <a:lumMod val="75000"/>
-                  </a:schemeClr>
-                </a:solidFill>
-              </a:rPr>
-              <a:t>Data Manipulation </a:t>
-            </a:r>
-            <a:r>
-              <a:rPr lang="en-US" sz="3200" b="1" dirty="0" smtClean="0">
-                <a:solidFill>
-                  <a:schemeClr val="accent2">
-                    <a:lumMod val="75000"/>
-                  </a:schemeClr>
-                </a:solidFill>
-              </a:rPr>
-              <a:t>Language(DML)</a:t>
-            </a:r>
-            <a:endParaRPr lang="en-US" sz="3200" b="1" dirty="0">
-              <a:solidFill>
-                <a:schemeClr val="accent2">
-                  <a:lumMod val="75000"/>
-                </a:schemeClr>
-              </a:solidFill>
-            </a:endParaRPr>
-          </a:p>
-        </p:txBody>
-      </p:sp>
-      <p:sp>
-        <p:nvSpPr>
-          <p:cNvPr id="3" name="TextBox 2"/>
-          <p:cNvSpPr txBox="1"/>
-          <p:nvPr/>
-        </p:nvSpPr>
-        <p:spPr>
-          <a:xfrm>
-            <a:off x="2971800" y="3124200"/>
-            <a:ext cx="3505200" cy="369332"/>
-          </a:xfrm>
-          <a:prstGeom prst="rect">
-            <a:avLst/>
-          </a:prstGeom>
-          <a:noFill/>
-        </p:spPr>
-        <p:txBody>
-          <a:bodyPr wrap="square" rtlCol="0">
-            <a:spAutoFit/>
-          </a:bodyPr>
-          <a:lstStyle/>
-          <a:p>
-            <a:pPr algn="ctr"/>
-            <a:r>
-              <a:rPr lang="en-US" dirty="0" smtClean="0">
-                <a:solidFill>
-                  <a:schemeClr val="accent2">
-                    <a:lumMod val="75000"/>
-                  </a:schemeClr>
-                </a:solidFill>
-              </a:rPr>
-              <a:t>Insert, Update, Delete and Select</a:t>
-            </a:r>
-            <a:endParaRPr lang="en-US" dirty="0">
-              <a:solidFill>
-                <a:schemeClr val="accent2">
-                  <a:lumMod val="75000"/>
-                </a:schemeClr>
-              </a:solidFill>
-            </a:endParaRPr>
-          </a:p>
-        </p:txBody>
-      </p:sp>
-      <p:cxnSp>
-        <p:nvCxnSpPr>
-          <p:cNvPr id="7" name="Straight Connector 6"/>
-          <p:cNvCxnSpPr/>
-          <p:nvPr/>
-        </p:nvCxnSpPr>
-        <p:spPr>
-          <a:xfrm>
-            <a:off x="1631212" y="3048000"/>
-            <a:ext cx="6598388" cy="0"/>
-          </a:xfrm>
-          <a:prstGeom prst="line">
-            <a:avLst/>
-          </a:prstGeom>
-          <a:ln>
-            <a:solidFill>
-              <a:schemeClr val="accent2">
-                <a:lumMod val="75000"/>
-              </a:schemeClr>
-            </a:solidFill>
-          </a:ln>
-        </p:spPr>
-        <p:style>
-          <a:lnRef idx="1">
-            <a:schemeClr val="accent3"/>
-          </a:lnRef>
-          <a:fillRef idx="0">
-            <a:schemeClr val="accent3"/>
-          </a:fillRef>
-          <a:effectRef idx="0">
-            <a:schemeClr val="accent3"/>
-          </a:effectRef>
-          <a:fontRef idx="minor">
-            <a:schemeClr val="tx1"/>
-          </a:fontRef>
-        </p:style>
-      </p:cxnSp>
+          <a:extLst>
+            <a:ext uri="{909E8E84-426E-40DD-AFC4-6F175D3DCCD1}">
+              <a14:hiddenFill xmlns:a14="http://schemas.microsoft.com/office/drawing/2010/main">
+                <a:solidFill>
+                  <a:schemeClr val="accent1"/>
+                </a:solidFill>
+              </a14:hiddenFill>
+            </a:ext>
+            <a:ext uri="{91240B29-F687-4F45-9708-019B960494DF}">
+              <a14:hiddenLine xmlns:a14="http://schemas.microsoft.com/office/drawing/2010/main" w="9525">
+                <a:solidFill>
+                  <a:schemeClr val="tx1"/>
+                </a:solidFill>
+                <a:miter lim="800000"/>
+                <a:headEnd/>
+                <a:tailEnd/>
+              </a14:hiddenLine>
+            </a:ext>
+          </a:extLst>
+        </p:spPr>
+      </p:pic>
     </p:spTree>
     <p:extLst>
       <p:ext uri="{BB962C8B-B14F-4D97-AF65-F5344CB8AC3E}">
-        <p14:creationId xmlns:p14="http://schemas.microsoft.com/office/powerpoint/2010/main" val="368120021"/>
+        <p14:creationId xmlns:p14="http://schemas.microsoft.com/office/powerpoint/2010/main" val="1604062721"/>
       </p:ext>
     </p:extLst>
   </p:cSld>
@@ -6980,16 +7002,53 @@
           <a:chExt cx="0" cy="0"/>
         </a:xfrm>
       </p:grpSpPr>
+      <p:cxnSp>
+        <p:nvCxnSpPr>
+          <p:cNvPr id="4" name="Straight Connector 3"/>
+          <p:cNvCxnSpPr/>
+          <p:nvPr/>
+        </p:nvCxnSpPr>
+        <p:spPr>
+          <a:xfrm>
+            <a:off x="990600" y="533400"/>
+            <a:ext cx="7696200" cy="0"/>
+          </a:xfrm>
+          <a:prstGeom prst="line">
+            <a:avLst/>
+          </a:prstGeom>
+          <a:ln>
+            <a:solidFill>
+              <a:schemeClr val="accent2">
+                <a:lumMod val="75000"/>
+              </a:schemeClr>
+            </a:solidFill>
+          </a:ln>
+        </p:spPr>
+        <p:style>
+          <a:lnRef idx="1">
+            <a:schemeClr val="accent3"/>
+          </a:lnRef>
+          <a:fillRef idx="0">
+            <a:schemeClr val="accent3"/>
+          </a:fillRef>
+          <a:effectRef idx="0">
+            <a:schemeClr val="accent3"/>
+          </a:effectRef>
+          <a:fontRef idx="minor">
+            <a:schemeClr val="tx1"/>
+          </a:fontRef>
+        </p:style>
+      </p:cxnSp>
       <p:sp>
         <p:nvSpPr>
-          <p:cNvPr id="2" name="TextBox 1"/>
+          <p:cNvPr id="5" name="TextBox 4"/>
           <p:cNvSpPr txBox="1"/>
           <p:nvPr/>
         </p:nvSpPr>
         <p:spPr>
           <a:xfrm>
-            <a:off x="1295400" y="457200"/>
-            <a:ext cx="7239000" cy="646331"/>
+            <a:off x="990600" y="194846"/>
+            <a:ext cx="7772400" cy="338554"/>
           </a:xfrm>
           <a:prstGeom prst="rect">
             <a:avLst/>
@@ -7003,415 +7062,160 @@
           <a:lstStyle/>
           <a:p>
             <a:r>
-              <a:rPr lang="en-US" b="1" dirty="0" smtClean="0">
+              <a:rPr lang="en-US" sz="1600" b="1" dirty="0" smtClean="0">
                 <a:solidFill>
                   <a:schemeClr val="accent2">
                     <a:lumMod val="75000"/>
                   </a:schemeClr>
                 </a:solidFill>
               </a:rPr>
-              <a:t>Data Manipulation Language(DML):</a:t>
-            </a:r>
-          </a:p>
-          <a:p>
-            <a:r>
-              <a:rPr lang="en-US" dirty="0" smtClean="0">
-                <a:solidFill>
-                  <a:schemeClr val="accent6"/>
-                </a:solidFill>
-              </a:rPr>
-              <a:t>Insert into </a:t>
-            </a:r>
-            <a:r>
-              <a:rPr lang="en-US" dirty="0" err="1" smtClean="0">
-                <a:solidFill>
-                  <a:srgbClr val="C00000"/>
-                </a:solidFill>
-              </a:rPr>
-              <a:t>tableName</a:t>
-            </a:r>
-            <a:r>
-              <a:rPr lang="en-US" dirty="0" smtClean="0"/>
-              <a:t>(field1,field2,…) </a:t>
-            </a:r>
-            <a:r>
-              <a:rPr lang="en-US" dirty="0" smtClean="0">
-                <a:solidFill>
-                  <a:schemeClr val="accent1">
-                    <a:lumMod val="75000"/>
-                  </a:schemeClr>
-                </a:solidFill>
-              </a:rPr>
-              <a:t>VALUES</a:t>
-            </a:r>
-            <a:r>
-              <a:rPr lang="en-US" dirty="0" smtClean="0"/>
-              <a:t>(value1,value2,…)</a:t>
-            </a:r>
-            <a:endParaRPr lang="en-US" dirty="0"/>
+              <a:t>DML</a:t>
+            </a:r>
+            <a:endParaRPr lang="en-US" sz="1600" b="1" dirty="0">
+              <a:solidFill>
+                <a:schemeClr val="accent2">
+                  <a:lumMod val="75000"/>
+                </a:schemeClr>
+              </a:solidFill>
+            </a:endParaRPr>
           </a:p>
         </p:txBody>
       </p:sp>
-      <p:pic>
-        <p:nvPicPr>
-          <p:cNvPr id="6146" name="Picture 2"/>
-          <p:cNvPicPr>
-            <a:picLocks noChangeAspect="1" noChangeArrowheads="1"/>
-          </p:cNvPicPr>
-          <p:nvPr/>
-        </p:nvPicPr>
-        <p:blipFill>
-          <a:blip r:embed="rId2">
-            <a:extLst>
-              <a:ext uri="{28A0092B-C50C-407E-A947-70E740481C1C}">
-                <a14:useLocalDpi xmlns:a14="http://schemas.microsoft.com/office/drawing/2010/main" val="0"/>
-              </a:ext>
-            </a:extLst>
-          </a:blip>
-          <a:srcRect/>
-          <a:stretch>
-            <a:fillRect/>
-          </a:stretch>
-        </p:blipFill>
-        <p:spPr bwMode="auto">
-          <a:xfrm>
-            <a:off x="1414462" y="1219200"/>
-            <a:ext cx="7000875" cy="361950"/>
-          </a:xfrm>
-          <a:prstGeom prst="rect">
-            <a:avLst/>
-          </a:prstGeom>
-          <a:noFill/>
-          <a:ln>
-            <a:noFill/>
-          </a:ln>
-          <a:extLst>
-            <a:ext uri="{909E8E84-426E-40DD-AFC4-6F175D3DCCD1}">
-              <a14:hiddenFill xmlns:a14="http://schemas.microsoft.com/office/drawing/2010/main">
-                <a:solidFill>
-                  <a:schemeClr val="accent1"/>
-                </a:solidFill>
-              </a14:hiddenFill>
-            </a:ext>
-            <a:ext uri="{91240B29-F687-4F45-9708-019B960494DF}">
-              <a14:hiddenLine xmlns:a14="http://schemas.microsoft.com/office/drawing/2010/main" w="9525">
-                <a:solidFill>
-                  <a:schemeClr val="tx1"/>
-                </a:solidFill>
-                <a:miter lim="800000"/>
-                <a:headEnd/>
-                <a:tailEnd/>
-              </a14:hiddenLine>
-            </a:ext>
-          </a:extLst>
-        </p:spPr>
-      </p:pic>
-      <p:pic>
-        <p:nvPicPr>
-          <p:cNvPr id="6147" name="Picture 3"/>
-          <p:cNvPicPr>
-            <a:picLocks noChangeAspect="1" noChangeArrowheads="1"/>
-          </p:cNvPicPr>
-          <p:nvPr/>
-        </p:nvPicPr>
-        <p:blipFill rotWithShape="1">
-          <a:blip r:embed="rId3">
-            <a:extLst>
-              <a:ext uri="{28A0092B-C50C-407E-A947-70E740481C1C}">
-                <a14:useLocalDpi xmlns:a14="http://schemas.microsoft.com/office/drawing/2010/main" val="0"/>
-              </a:ext>
-            </a:extLst>
-          </a:blip>
-          <a:srcRect l="7966" t="28180"/>
-          <a:stretch/>
-        </p:blipFill>
-        <p:spPr bwMode="auto">
-          <a:xfrm>
-            <a:off x="1414462" y="1705473"/>
-            <a:ext cx="5978599" cy="786699"/>
-          </a:xfrm>
-          <a:prstGeom prst="rect">
-            <a:avLst/>
-          </a:prstGeom>
-          <a:noFill/>
-          <a:ln>
-            <a:noFill/>
-          </a:ln>
-          <a:extLst>
-            <a:ext uri="{909E8E84-426E-40DD-AFC4-6F175D3DCCD1}">
-              <a14:hiddenFill xmlns:a14="http://schemas.microsoft.com/office/drawing/2010/main">
-                <a:solidFill>
-                  <a:schemeClr val="accent1"/>
-                </a:solidFill>
-              </a14:hiddenFill>
-            </a:ext>
-            <a:ext uri="{91240B29-F687-4F45-9708-019B960494DF}">
-              <a14:hiddenLine xmlns:a14="http://schemas.microsoft.com/office/drawing/2010/main" w="9525">
-                <a:solidFill>
-                  <a:schemeClr val="tx1"/>
-                </a:solidFill>
-                <a:miter lim="800000"/>
-                <a:headEnd/>
-                <a:tailEnd/>
-              </a14:hiddenLine>
-            </a:ext>
-          </a:extLst>
-        </p:spPr>
-      </p:pic>
       <p:sp>
         <p:nvSpPr>
-          <p:cNvPr id="3" name="Rectangle 2"/>
+          <p:cNvPr id="2" name="Rectangle 1"/>
           <p:cNvSpPr/>
           <p:nvPr/>
         </p:nvSpPr>
         <p:spPr>
           <a:xfrm>
-            <a:off x="1414462" y="2875002"/>
-            <a:ext cx="7196138" cy="369332"/>
+            <a:off x="1524000" y="2387025"/>
+            <a:ext cx="6930487" cy="584775"/>
           </a:xfrm>
           <a:prstGeom prst="rect">
             <a:avLst/>
           </a:prstGeom>
         </p:spPr>
         <p:txBody>
-          <a:bodyPr wrap="square">
+          <a:bodyPr wrap="none">
             <a:spAutoFit/>
           </a:bodyPr>
           <a:lstStyle/>
           <a:p>
             <a:r>
-              <a:rPr lang="en-US" dirty="0" smtClean="0">
-                <a:solidFill>
-                  <a:schemeClr val="accent6"/>
+              <a:rPr lang="en-US" sz="3200" b="1" dirty="0">
+                <a:solidFill>
+                  <a:schemeClr val="accent2">
+                    <a:lumMod val="75000"/>
+                  </a:schemeClr>
                 </a:solidFill>
               </a:rPr>
-              <a:t>Update </a:t>
-            </a:r>
-            <a:r>
-              <a:rPr lang="en-US" dirty="0" err="1" smtClean="0">
-                <a:solidFill>
-                  <a:srgbClr val="C00000"/>
+              <a:t>Data Manipulation </a:t>
+            </a:r>
+            <a:r>
+              <a:rPr lang="en-US" sz="3200" b="1" dirty="0" smtClean="0">
+                <a:solidFill>
+                  <a:schemeClr val="accent2">
+                    <a:lumMod val="75000"/>
+                  </a:schemeClr>
                 </a:solidFill>
               </a:rPr>
-              <a:t>tableName</a:t>
-            </a:r>
-            <a:r>
-              <a:rPr lang="en-US" dirty="0" smtClean="0">
-                <a:solidFill>
-                  <a:srgbClr val="C00000"/>
-                </a:solidFill>
-              </a:rPr>
-              <a:t> </a:t>
-            </a:r>
-            <a:r>
-              <a:rPr lang="en-US" dirty="0" smtClean="0">
-                <a:solidFill>
-                  <a:schemeClr val="accent6"/>
-                </a:solidFill>
-              </a:rPr>
-              <a:t>set </a:t>
-            </a:r>
-            <a:r>
-              <a:rPr lang="en-US" dirty="0" smtClean="0"/>
-              <a:t>field1=value1,field2=value2,… </a:t>
-            </a:r>
-            <a:r>
-              <a:rPr lang="en-US" dirty="0" smtClean="0">
-                <a:solidFill>
-                  <a:schemeClr val="accent6"/>
-                </a:solidFill>
-              </a:rPr>
-              <a:t>where</a:t>
-            </a:r>
-            <a:r>
-              <a:rPr lang="en-US" dirty="0" smtClean="0"/>
-              <a:t> …</a:t>
-            </a:r>
-            <a:endParaRPr lang="en-US" dirty="0"/>
+              <a:t>Language(DML)</a:t>
+            </a:r>
+            <a:endParaRPr lang="en-US" sz="3200" b="1" dirty="0">
+              <a:solidFill>
+                <a:schemeClr val="accent2">
+                  <a:lumMod val="75000"/>
+                </a:schemeClr>
+              </a:solidFill>
+            </a:endParaRPr>
           </a:p>
         </p:txBody>
       </p:sp>
-      <p:pic>
-        <p:nvPicPr>
-          <p:cNvPr id="6148" name="Picture 4"/>
-          <p:cNvPicPr>
-            <a:picLocks noChangeAspect="1" noChangeArrowheads="1"/>
-          </p:cNvPicPr>
-          <p:nvPr/>
-        </p:nvPicPr>
-        <p:blipFill>
-          <a:blip r:embed="rId4">
-            <a:extLst>
-              <a:ext uri="{28A0092B-C50C-407E-A947-70E740481C1C}">
-                <a14:useLocalDpi xmlns:a14="http://schemas.microsoft.com/office/drawing/2010/main" val="0"/>
-              </a:ext>
-            </a:extLst>
-          </a:blip>
-          <a:srcRect/>
-          <a:stretch>
-            <a:fillRect/>
-          </a:stretch>
-        </p:blipFill>
-        <p:spPr bwMode="auto">
-          <a:xfrm>
-            <a:off x="1414462" y="3393558"/>
-            <a:ext cx="5267325" cy="657225"/>
-          </a:xfrm>
-          <a:prstGeom prst="rect">
-            <a:avLst/>
-          </a:prstGeom>
-          <a:noFill/>
-          <a:ln>
-            <a:noFill/>
-          </a:ln>
-          <a:extLst>
-            <a:ext uri="{909E8E84-426E-40DD-AFC4-6F175D3DCCD1}">
-              <a14:hiddenFill xmlns:a14="http://schemas.microsoft.com/office/drawing/2010/main">
-                <a:solidFill>
-                  <a:schemeClr val="accent1"/>
-                </a:solidFill>
-              </a14:hiddenFill>
-            </a:ext>
-            <a:ext uri="{91240B29-F687-4F45-9708-019B960494DF}">
-              <a14:hiddenLine xmlns:a14="http://schemas.microsoft.com/office/drawing/2010/main" w="9525">
-                <a:solidFill>
-                  <a:schemeClr val="tx1"/>
-                </a:solidFill>
-                <a:miter lim="800000"/>
-                <a:headEnd/>
-                <a:tailEnd/>
-              </a14:hiddenLine>
-            </a:ext>
-          </a:extLst>
-        </p:spPr>
-      </p:pic>
       <p:sp>
         <p:nvSpPr>
-          <p:cNvPr id="4" name="Rectangle 3"/>
-          <p:cNvSpPr/>
+          <p:cNvPr id="3" name="TextBox 2"/>
+          <p:cNvSpPr txBox="1"/>
           <p:nvPr/>
         </p:nvSpPr>
         <p:spPr>
           <a:xfrm>
-            <a:off x="1428639" y="4145961"/>
-            <a:ext cx="5978599" cy="369332"/>
+            <a:off x="2971800" y="3124200"/>
+            <a:ext cx="3505200" cy="369332"/>
           </a:xfrm>
           <a:prstGeom prst="rect">
             <a:avLst/>
           </a:prstGeom>
+          <a:noFill/>
         </p:spPr>
         <p:txBody>
-          <a:bodyPr wrap="square">
+          <a:bodyPr wrap="square" rtlCol="0">
             <a:spAutoFit/>
           </a:bodyPr>
           <a:lstStyle/>
           <a:p>
+            <a:pPr algn="ctr"/>
             <a:r>
               <a:rPr lang="en-US" dirty="0" smtClean="0">
                 <a:solidFill>
-                  <a:schemeClr val="accent6"/>
+                  <a:schemeClr val="accent2">
+                    <a:lumMod val="75000"/>
+                  </a:schemeClr>
                 </a:solidFill>
               </a:rPr>
-              <a:t>Delete from </a:t>
-            </a:r>
-            <a:r>
-              <a:rPr lang="en-US" dirty="0" err="1" smtClean="0">
-                <a:solidFill>
-                  <a:srgbClr val="C00000"/>
-                </a:solidFill>
-              </a:rPr>
-              <a:t>tableName</a:t>
-            </a:r>
-            <a:r>
-              <a:rPr lang="en-US" dirty="0" smtClean="0">
-                <a:solidFill>
-                  <a:srgbClr val="C00000"/>
-                </a:solidFill>
-              </a:rPr>
-              <a:t> </a:t>
-            </a:r>
-            <a:r>
-              <a:rPr lang="en-US" dirty="0" smtClean="0">
-                <a:solidFill>
-                  <a:schemeClr val="accent6"/>
-                </a:solidFill>
-              </a:rPr>
-              <a:t>where </a:t>
-            </a:r>
-            <a:r>
-              <a:rPr lang="en-US" dirty="0" smtClean="0">
-                <a:solidFill>
-                  <a:srgbClr val="C00000"/>
-                </a:solidFill>
-              </a:rPr>
-              <a:t>…</a:t>
+              <a:t>Insert, Update, Delete and Select</a:t>
             </a:r>
             <a:endParaRPr lang="en-US" dirty="0">
               <a:solidFill>
-                <a:srgbClr val="C00000"/>
+                <a:schemeClr val="accent2">
+                  <a:lumMod val="75000"/>
+                </a:schemeClr>
               </a:solidFill>
             </a:endParaRPr>
           </a:p>
         </p:txBody>
       </p:sp>
-      <p:pic>
-        <p:nvPicPr>
-          <p:cNvPr id="6149" name="Picture 5"/>
-          <p:cNvPicPr>
-            <a:picLocks noChangeAspect="1" noChangeArrowheads="1"/>
-          </p:cNvPicPr>
-          <p:nvPr/>
-        </p:nvPicPr>
-        <p:blipFill>
-          <a:blip r:embed="rId5">
-            <a:extLst>
-              <a:ext uri="{28A0092B-C50C-407E-A947-70E740481C1C}">
-                <a14:useLocalDpi xmlns:a14="http://schemas.microsoft.com/office/drawing/2010/main" val="0"/>
-              </a:ext>
-            </a:extLst>
-          </a:blip>
-          <a:srcRect/>
-          <a:stretch>
-            <a:fillRect/>
-          </a:stretch>
-        </p:blipFill>
-        <p:spPr bwMode="auto">
-          <a:xfrm>
-            <a:off x="1524000" y="4515293"/>
-            <a:ext cx="4667250" cy="447675"/>
-          </a:xfrm>
-          <a:prstGeom prst="rect">
-            <a:avLst/>
-          </a:prstGeom>
-          <a:noFill/>
+      <p:cxnSp>
+        <p:nvCxnSpPr>
+          <p:cNvPr id="7" name="Straight Connector 6"/>
+          <p:cNvCxnSpPr/>
+          <p:nvPr/>
+        </p:nvCxnSpPr>
+        <p:spPr>
+          <a:xfrm>
+            <a:off x="1631212" y="3048000"/>
+            <a:ext cx="6598388" cy="0"/>
+          </a:xfrm>
+          <a:prstGeom prst="line">
+            <a:avLst/>
+          </a:prstGeom>
           <a:ln>
-            <a:noFill/>
+            <a:solidFill>
+              <a:schemeClr val="accent2">
+                <a:lumMod val="75000"/>
+              </a:schemeClr>
+            </a:solidFill>
           </a:ln>
-          <a:extLst>
-            <a:ext uri="{909E8E84-426E-40DD-AFC4-6F175D3DCCD1}">
-              <a14:hiddenFill xmlns:a14="http://schemas.microsoft.com/office/drawing/2010/main">
-                <a:solidFill>
-                  <a:schemeClr val="accent1"/>
-                </a:solidFill>
-              </a14:hiddenFill>
-            </a:ext>
-            <a:ext uri="{91240B29-F687-4F45-9708-019B960494DF}">
-              <a14:hiddenLine xmlns:a14="http://schemas.microsoft.com/office/drawing/2010/main" w="9525">
-                <a:solidFill>
-                  <a:schemeClr val="tx1"/>
-                </a:solidFill>
-                <a:miter lim="800000"/>
-                <a:headEnd/>
-                <a:tailEnd/>
-              </a14:hiddenLine>
-            </a:ext>
-          </a:extLst>
-        </p:spPr>
-      </p:pic>
+        </p:spPr>
+        <p:style>
+          <a:lnRef idx="1">
+            <a:schemeClr val="accent3"/>
+          </a:lnRef>
+          <a:fillRef idx="0">
+            <a:schemeClr val="accent3"/>
+          </a:fillRef>
+          <a:effectRef idx="0">
+            <a:schemeClr val="accent3"/>
+          </a:effectRef>
+          <a:fontRef idx="minor">
+            <a:schemeClr val="tx1"/>
+          </a:fontRef>
+        </p:style>
+      </p:cxnSp>
     </p:spTree>
     <p:extLst>
       <p:ext uri="{BB962C8B-B14F-4D97-AF65-F5344CB8AC3E}">
-        <p14:creationId xmlns:p14="http://schemas.microsoft.com/office/powerpoint/2010/main" val="1862305896"/>
+        <p14:creationId xmlns:p14="http://schemas.microsoft.com/office/powerpoint/2010/main" val="368120021"/>
       </p:ext>
     </p:extLst>
   </p:cSld>
@@ -7440,21 +7244,22 @@
       </p:grpSpPr>
       <p:sp>
         <p:nvSpPr>
-          <p:cNvPr id="2" name="Rectangle 1"/>
-          <p:cNvSpPr/>
+          <p:cNvPr id="2" name="TextBox 1"/>
+          <p:cNvSpPr txBox="1"/>
           <p:nvPr/>
         </p:nvSpPr>
         <p:spPr>
           <a:xfrm>
-            <a:off x="1219200" y="457200"/>
-            <a:ext cx="7543800" cy="646331"/>
+            <a:off x="1295400" y="457200"/>
+            <a:ext cx="7239000" cy="646331"/>
           </a:xfrm>
           <a:prstGeom prst="rect">
             <a:avLst/>
           </a:prstGeom>
+          <a:noFill/>
         </p:spPr>
         <p:txBody>
-          <a:bodyPr wrap="square">
+          <a:bodyPr wrap="square" rtlCol="0">
             <a:spAutoFit/>
           </a:bodyPr>
           <a:lstStyle/>
@@ -7477,19 +7282,7 @@
                   <a:schemeClr val="accent6"/>
                 </a:solidFill>
               </a:rPr>
-              <a:t>Select </a:t>
-            </a:r>
-            <a:r>
-              <a:rPr lang="en-US" dirty="0" smtClean="0"/>
-              <a:t>field1,field2,… </a:t>
-            </a:r>
-            <a:r>
-              <a:rPr lang="en-US" dirty="0" smtClean="0">
-                <a:solidFill>
-                  <a:schemeClr val="accent6"/>
-                </a:solidFill>
-              </a:rPr>
-              <a:t>from </a:t>
+              <a:t>Insert into </a:t>
             </a:r>
             <a:r>
               <a:rPr lang="en-US" dirty="0" err="1" smtClean="0">
@@ -7499,17 +7292,31 @@
               </a:rPr>
               <a:t>tableName</a:t>
             </a:r>
-            <a:endParaRPr lang="en-US" dirty="0">
-              <a:solidFill>
-                <a:srgbClr val="C00000"/>
-              </a:solidFill>
-            </a:endParaRPr>
+            <a:r>
+              <a:rPr lang="en-US" dirty="0" smtClean="0"/>
+              <a:t>(field1,field2,…) </a:t>
+            </a:r>
+            <a:r>
+              <a:rPr lang="en-US" dirty="0" smtClean="0">
+                <a:solidFill>
+                  <a:schemeClr val="accent1">
+                    <a:lumMod val="75000"/>
+                  </a:schemeClr>
+                </a:solidFill>
+              </a:rPr>
+              <a:t>VALUES</a:t>
+            </a:r>
+            <a:r>
+              <a:rPr lang="en-US" dirty="0" smtClean="0"/>
+              <a:t>(value1,value2,…)</a:t>
+            </a:r>
+            <a:endParaRPr lang="en-US" dirty="0"/>
           </a:p>
         </p:txBody>
       </p:sp>
       <p:pic>
         <p:nvPicPr>
-          <p:cNvPr id="7170" name="Picture 2"/>
+          <p:cNvPr id="6146" name="Picture 2"/>
           <p:cNvPicPr>
             <a:picLocks noChangeAspect="1" noChangeArrowheads="1"/>
           </p:cNvPicPr>
@@ -7530,8 +7337,8 @@
         </p:blipFill>
         <p:spPr bwMode="auto">
           <a:xfrm>
-            <a:off x="5562600" y="533400"/>
-            <a:ext cx="3276600" cy="2558938"/>
+            <a:off x="1414462" y="1219200"/>
+            <a:ext cx="7000875" cy="361950"/>
           </a:xfrm>
           <a:prstGeom prst="rect">
             <a:avLst/>
@@ -7563,14 +7370,139 @@
       </p:pic>
       <p:pic>
         <p:nvPicPr>
-          <p:cNvPr id="7171" name="Picture 3"/>
+          <p:cNvPr id="6147" name="Picture 3"/>
           <p:cNvPicPr>
             <a:picLocks noChangeAspect="1" noChangeArrowheads="1"/>
           </p:cNvPicPr>
           <p:nvPr/>
         </p:nvPicPr>
+        <p:blipFill rotWithShape="1">
+          <a:blip r:embed="rId3">
+            <a:extLst>
+              <a:ext uri="{28A0092B-C50C-407E-A947-70E740481C1C}">
+                <a14:useLocalDpi xmlns:a14="http://schemas.microsoft.com/office/drawing/2010/main" val="0"/>
+              </a:ext>
+            </a:extLst>
+          </a:blip>
+          <a:srcRect l="7966" t="28180"/>
+          <a:stretch/>
+        </p:blipFill>
+        <p:spPr bwMode="auto">
+          <a:xfrm>
+            <a:off x="1414462" y="1705473"/>
+            <a:ext cx="5978599" cy="786699"/>
+          </a:xfrm>
+          <a:prstGeom prst="rect">
+            <a:avLst/>
+          </a:prstGeom>
+          <a:noFill/>
+          <a:ln>
+            <a:noFill/>
+          </a:ln>
+          <a:extLst>
+            <a:ext uri="{909E8E84-426E-40DD-AFC4-6F175D3DCCD1}">
+              <a14:hiddenFill xmlns:a14="http://schemas.microsoft.com/office/drawing/2010/main">
+                <a:solidFill>
+                  <a:schemeClr val="accent1"/>
+                </a:solidFill>
+              </a14:hiddenFill>
+            </a:ext>
+            <a:ext uri="{91240B29-F687-4F45-9708-019B960494DF}">
+              <a14:hiddenLine xmlns:a14="http://schemas.microsoft.com/office/drawing/2010/main" w="9525">
+                <a:solidFill>
+                  <a:schemeClr val="tx1"/>
+                </a:solidFill>
+                <a:miter lim="800000"/>
+                <a:headEnd/>
+                <a:tailEnd/>
+              </a14:hiddenLine>
+            </a:ext>
+          </a:extLst>
+        </p:spPr>
+      </p:pic>
+      <p:sp>
+        <p:nvSpPr>
+          <p:cNvPr id="3" name="Rectangle 2"/>
+          <p:cNvSpPr/>
+          <p:nvPr/>
+        </p:nvSpPr>
+        <p:spPr>
+          <a:xfrm>
+            <a:off x="1414462" y="2875002"/>
+            <a:ext cx="7196138" cy="369332"/>
+          </a:xfrm>
+          <a:prstGeom prst="rect">
+            <a:avLst/>
+          </a:prstGeom>
+        </p:spPr>
+        <p:txBody>
+          <a:bodyPr wrap="square">
+            <a:spAutoFit/>
+          </a:bodyPr>
+          <a:lstStyle/>
+          <a:p>
+            <a:r>
+              <a:rPr lang="en-US" dirty="0" smtClean="0">
+                <a:solidFill>
+                  <a:schemeClr val="accent6"/>
+                </a:solidFill>
+              </a:rPr>
+              <a:t>Update </a:t>
+            </a:r>
+            <a:r>
+              <a:rPr lang="en-US" dirty="0" err="1" smtClean="0">
+                <a:solidFill>
+                  <a:srgbClr val="C00000"/>
+                </a:solidFill>
+              </a:rPr>
+              <a:t>tableName</a:t>
+            </a:r>
+            <a:r>
+              <a:rPr lang="en-US" dirty="0" smtClean="0">
+                <a:solidFill>
+                  <a:srgbClr val="C00000"/>
+                </a:solidFill>
+              </a:rPr>
+              <a:t> </a:t>
+            </a:r>
+            <a:r>
+              <a:rPr lang="en-US" dirty="0" smtClean="0">
+                <a:solidFill>
+                  <a:schemeClr val="accent6"/>
+                </a:solidFill>
+              </a:rPr>
+              <a:t>set </a:t>
+            </a:r>
+            <a:r>
+              <a:rPr lang="en-US" dirty="0" smtClean="0"/>
+              <a:t>field1=value1,field2=value2,… </a:t>
+            </a:r>
+            <a:r>
+              <a:rPr lang="en-US" dirty="0" smtClean="0">
+                <a:solidFill>
+                  <a:schemeClr val="accent6"/>
+                </a:solidFill>
+              </a:rPr>
+              <a:t>where</a:t>
+            </a:r>
+            <a:r>
+              <a:rPr lang="en-US" dirty="0" smtClean="0"/>
+              <a:t> …</a:t>
+            </a:r>
+            <a:endParaRPr lang="en-US" dirty="0"/>
+          </a:p>
+        </p:txBody>
+      </p:sp>
+      <p:pic>
+        <p:nvPicPr>
+          <p:cNvPr id="6148" name="Picture 4"/>
+          <p:cNvPicPr>
+            <a:picLocks noChangeAspect="1" noChangeArrowheads="1"/>
+          </p:cNvPicPr>
+          <p:nvPr/>
+        </p:nvPicPr>
         <p:blipFill>
-          <a:blip r:embed="rId3">
+          <a:blip r:embed="rId4">
             <a:extLst>
               <a:ext uri="{28A0092B-C50C-407E-A947-70E740481C1C}">
                 <a14:useLocalDpi xmlns:a14="http://schemas.microsoft.com/office/drawing/2010/main" val="0"/>
@@ -7584,8 +7516,8 @@
         </p:blipFill>
         <p:spPr bwMode="auto">
           <a:xfrm>
-            <a:off x="1371601" y="1219201"/>
-            <a:ext cx="4038600" cy="282138"/>
+            <a:off x="1414462" y="3393558"/>
+            <a:ext cx="5267325" cy="657225"/>
           </a:xfrm>
           <a:prstGeom prst="rect">
             <a:avLst/>
@@ -7615,10 +7547,133 @@
           </a:extLst>
         </p:spPr>
       </p:pic>
+      <p:sp>
+        <p:nvSpPr>
+          <p:cNvPr id="4" name="Rectangle 3"/>
+          <p:cNvSpPr/>
+          <p:nvPr/>
+        </p:nvSpPr>
+        <p:spPr>
+          <a:xfrm>
+            <a:off x="1428639" y="4145961"/>
+            <a:ext cx="5978599" cy="369332"/>
+          </a:xfrm>
+          <a:prstGeom prst="rect">
+            <a:avLst/>
+          </a:prstGeom>
+        </p:spPr>
+        <p:txBody>
+          <a:bodyPr wrap="square">
+            <a:spAutoFit/>
+          </a:bodyPr>
+          <a:lstStyle/>
+          <a:p>
+            <a:r>
+              <a:rPr lang="en-US" dirty="0" smtClean="0">
+                <a:solidFill>
+                  <a:schemeClr val="accent6"/>
+                </a:solidFill>
+              </a:rPr>
+              <a:t>Delete from </a:t>
+            </a:r>
+            <a:r>
+              <a:rPr lang="en-US" dirty="0" err="1" smtClean="0">
+                <a:solidFill>
+                  <a:srgbClr val="C00000"/>
+                </a:solidFill>
+              </a:rPr>
+              <a:t>tableName</a:t>
+            </a:r>
+            <a:r>
+              <a:rPr lang="en-US" dirty="0" smtClean="0">
+                <a:solidFill>
+                  <a:srgbClr val="C00000"/>
+                </a:solidFill>
+              </a:rPr>
+              <a:t> </a:t>
+            </a:r>
+            <a:r>
+              <a:rPr lang="en-US" dirty="0" smtClean="0">
+                <a:solidFill>
+                  <a:schemeClr val="accent6"/>
+                </a:solidFill>
+              </a:rPr>
+              <a:t>where </a:t>
+            </a:r>
+            <a:r>
+              <a:rPr lang="en-US" dirty="0" smtClean="0">
+                <a:solidFill>
+                  <a:srgbClr val="C00000"/>
+                </a:solidFill>
+              </a:rPr>
+              <a:t>…</a:t>
+            </a:r>
+            <a:endParaRPr lang="en-US" dirty="0">
+              <a:solidFill>
+                <a:srgbClr val="C00000"/>
+              </a:solidFill>
+            </a:endParaRPr>
+          </a:p>
+        </p:txBody>
+      </p:sp>
+      <p:pic>
+        <p:nvPicPr>
+          <p:cNvPr id="6149" name="Picture 5"/>
+          <p:cNvPicPr>
+            <a:picLocks noChangeAspect="1" noChangeArrowheads="1"/>
+          </p:cNvPicPr>
+          <p:nvPr/>
+        </p:nvPicPr>
+        <p:blipFill>
+          <a:blip r:embed="rId5">
+            <a:extLst>
+              <a:ext uri="{28A0092B-C50C-407E-A947-70E740481C1C}">
+                <a14:useLocalDpi xmlns:a14="http://schemas.microsoft.com/office/drawing/2010/main" val="0"/>
+              </a:ext>
+            </a:extLst>
+          </a:blip>
+          <a:srcRect/>
+          <a:stretch>
+            <a:fillRect/>
+          </a:stretch>
+        </p:blipFill>
+        <p:spPr bwMode="auto">
+          <a:xfrm>
+            <a:off x="1524000" y="4515293"/>
+            <a:ext cx="4667250" cy="447675"/>
+          </a:xfrm>
+          <a:prstGeom prst="rect">
+            <a:avLst/>
+          </a:prstGeom>
+          <a:noFill/>
+          <a:ln>
+            <a:noFill/>
+          </a:ln>
+          <a:extLst>
+            <a:ext uri="{909E8E84-426E-40DD-AFC4-6F175D3DCCD1}">
+              <a14:hiddenFill xmlns:a14="http://schemas.microsoft.com/office/drawing/2010/main">
+                <a:solidFill>
+                  <a:schemeClr val="accent1"/>
+                </a:solidFill>
+              </a14:hiddenFill>
+            </a:ext>
+            <a:ext uri="{91240B29-F687-4F45-9708-019B960494DF}">
+              <a14:hiddenLine xmlns:a14="http://schemas.microsoft.com/office/drawing/2010/main" w="9525">
+                <a:solidFill>
+                  <a:schemeClr val="tx1"/>
+                </a:solidFill>
+                <a:miter lim="800000"/>
+                <a:headEnd/>
+                <a:tailEnd/>
+              </a14:hiddenLine>
+            </a:ext>
+          </a:extLst>
+        </p:spPr>
+      </p:pic>
     </p:spTree>
     <p:extLst>
       <p:ext uri="{BB962C8B-B14F-4D97-AF65-F5344CB8AC3E}">
-        <p14:creationId xmlns:p14="http://schemas.microsoft.com/office/powerpoint/2010/main" val="2565777879"/>
+        <p14:creationId xmlns:p14="http://schemas.microsoft.com/office/powerpoint/2010/main" val="1862305896"/>
       </p:ext>
     </p:extLst>
   </p:cSld>
@@ -7645,80 +7700,70 @@
           <a:chExt cx="0" cy="0"/>
         </a:xfrm>
       </p:grpSpPr>
-      <p:cxnSp>
-        <p:nvCxnSpPr>
-          <p:cNvPr id="4" name="Straight Connector 3"/>
-          <p:cNvCxnSpPr/>
-          <p:nvPr/>
-        </p:nvCxnSpPr>
-        <p:spPr>
-          <a:xfrm>
-            <a:off x="990600" y="533400"/>
-            <a:ext cx="7696200" cy="0"/>
-          </a:xfrm>
-          <a:prstGeom prst="line">
-            <a:avLst/>
-          </a:prstGeom>
-          <a:ln>
-            <a:solidFill>
-              <a:schemeClr val="accent2">
-                <a:lumMod val="75000"/>
-              </a:schemeClr>
-            </a:solidFill>
-          </a:ln>
-        </p:spPr>
-        <p:style>
-          <a:lnRef idx="1">
-            <a:schemeClr val="accent3"/>
-          </a:lnRef>
-          <a:fillRef idx="0">
-            <a:schemeClr val="accent3"/>
-          </a:fillRef>
-          <a:effectRef idx="0">
-            <a:schemeClr val="accent3"/>
-          </a:effectRef>
-          <a:fontRef idx="minor">
-            <a:schemeClr val="tx1"/>
-          </a:fontRef>
-        </p:style>
-      </p:cxnSp>
       <p:sp>
         <p:nvSpPr>
-          <p:cNvPr id="5" name="TextBox 4"/>
-          <p:cNvSpPr txBox="1"/>
+          <p:cNvPr id="2" name="Rectangle 1"/>
+          <p:cNvSpPr/>
           <p:nvPr/>
         </p:nvSpPr>
         <p:spPr>
           <a:xfrm>
-            <a:off x="990600" y="194846"/>
-            <a:ext cx="7772400" cy="338554"/>
+            <a:off x="1219200" y="457200"/>
+            <a:ext cx="7543800" cy="646331"/>
           </a:xfrm>
           <a:prstGeom prst="rect">
             <a:avLst/>
           </a:prstGeom>
-          <a:noFill/>
         </p:spPr>
         <p:txBody>
-          <a:bodyPr wrap="square" rtlCol="0">
+          <a:bodyPr wrap="square">
             <a:spAutoFit/>
           </a:bodyPr>
           <a:lstStyle/>
           <a:p>
             <a:r>
-              <a:rPr lang="en-US" sz="1600" b="1" dirty="0" smtClean="0">
+              <a:rPr lang="en-US" b="1" dirty="0" smtClean="0">
                 <a:solidFill>
                   <a:schemeClr val="accent2">
                     <a:lumMod val="75000"/>
                   </a:schemeClr>
                 </a:solidFill>
               </a:rPr>
-              <a:t>DML</a:t>
-            </a:r>
-            <a:endParaRPr lang="en-US" sz="1600" b="1" dirty="0">
+              <a:t>Data Manipulation Language(DML):</a:t>
+            </a:r>
+          </a:p>
+          <a:p>
+            <a:r>
+              <a:rPr lang="en-US" dirty="0" smtClean="0">
+                <a:solidFill>
+                  <a:schemeClr val="accent6"/>
+                </a:solidFill>
+              </a:rPr>
+              <a:t>Select </a:t>
+            </a:r>
+            <a:r>
+              <a:rPr lang="en-US" dirty="0" smtClean="0"/>
+              <a:t>field1,field2,… </a:t>
+            </a:r>
+            <a:r>
+              <a:rPr lang="en-US" dirty="0" smtClean="0">
+                <a:solidFill>
+                  <a:schemeClr val="accent6"/>
+                </a:solidFill>
+              </a:rPr>
+              <a:t>from </a:t>
+            </a:r>
+            <a:r>
+              <a:rPr lang="en-US" dirty="0" err="1" smtClean="0">
+                <a:solidFill>
+                  <a:srgbClr val="C00000"/>
+                </a:solidFill>
+              </a:rPr>
+              <a:t>tableName</a:t>
+            </a:r>
+            <a:endParaRPr lang="en-US" dirty="0">
               <a:solidFill>
-                <a:schemeClr val="accent2">
-                  <a:lumMod val="75000"/>
-                </a:schemeClr>
+                <a:srgbClr val="C00000"/>
               </a:solidFill>
             </a:endParaRPr>
           </a:p>
@@ -7726,13 +7771,13 @@
       </p:sp>
       <p:pic>
         <p:nvPicPr>
-          <p:cNvPr id="1026" name="Picture 2"/>
+          <p:cNvPr id="7170" name="Picture 2"/>
           <p:cNvPicPr>
             <a:picLocks noChangeAspect="1" noChangeArrowheads="1"/>
           </p:cNvPicPr>
           <p:nvPr/>
         </p:nvPicPr>
-        <p:blipFill rotWithShape="1">
+        <p:blipFill>
           <a:blip r:embed="rId2">
             <a:extLst>
               <a:ext uri="{28A0092B-C50C-407E-A947-70E740481C1C}">
@@ -7740,13 +7785,15 @@
               </a:ext>
             </a:extLst>
           </a:blip>
-          <a:srcRect b="61374"/>
-          <a:stretch/>
+          <a:srcRect/>
+          <a:stretch>
+            <a:fillRect/>
+          </a:stretch>
         </p:blipFill>
         <p:spPr bwMode="auto">
           <a:xfrm>
-            <a:off x="1066801" y="708516"/>
-            <a:ext cx="7696200" cy="671591"/>
+            <a:off x="5562600" y="533400"/>
+            <a:ext cx="3276600" cy="2558938"/>
           </a:xfrm>
           <a:prstGeom prst="rect">
             <a:avLst/>
@@ -7778,7 +7825,7 @@
       </p:pic>
       <p:pic>
         <p:nvPicPr>
-          <p:cNvPr id="1027" name="Picture 3"/>
+          <p:cNvPr id="7171" name="Picture 3"/>
           <p:cNvPicPr>
             <a:picLocks noChangeAspect="1" noChangeArrowheads="1"/>
           </p:cNvPicPr>
@@ -7799,8 +7846,8 @@
         </p:blipFill>
         <p:spPr bwMode="auto">
           <a:xfrm>
-            <a:off x="1143000" y="1476375"/>
-            <a:ext cx="7620001" cy="385126"/>
+            <a:off x="1371601" y="1219201"/>
+            <a:ext cx="4038600" cy="282138"/>
           </a:xfrm>
           <a:prstGeom prst="rect">
             <a:avLst/>
@@ -7830,226 +7877,10 @@
           </a:extLst>
         </p:spPr>
       </p:pic>
-      <p:pic>
-        <p:nvPicPr>
-          <p:cNvPr id="1028" name="Picture 4"/>
-          <p:cNvPicPr>
-            <a:picLocks noChangeAspect="1" noChangeArrowheads="1"/>
-          </p:cNvPicPr>
-          <p:nvPr/>
-        </p:nvPicPr>
-        <p:blipFill>
-          <a:blip r:embed="rId4">
-            <a:extLst>
-              <a:ext uri="{28A0092B-C50C-407E-A947-70E740481C1C}">
-                <a14:useLocalDpi xmlns:a14="http://schemas.microsoft.com/office/drawing/2010/main" val="0"/>
-              </a:ext>
-            </a:extLst>
-          </a:blip>
-          <a:srcRect/>
-          <a:stretch>
-            <a:fillRect/>
-          </a:stretch>
-        </p:blipFill>
-        <p:spPr bwMode="auto">
-          <a:xfrm>
-            <a:off x="1102244" y="2057400"/>
-            <a:ext cx="7660758" cy="527581"/>
-          </a:xfrm>
-          <a:prstGeom prst="rect">
-            <a:avLst/>
-          </a:prstGeom>
-          <a:noFill/>
-          <a:ln>
-            <a:noFill/>
-          </a:ln>
-          <a:extLst>
-            <a:ext uri="{909E8E84-426E-40DD-AFC4-6F175D3DCCD1}">
-              <a14:hiddenFill xmlns:a14="http://schemas.microsoft.com/office/drawing/2010/main">
-                <a:solidFill>
-                  <a:schemeClr val="accent1"/>
-                </a:solidFill>
-              </a14:hiddenFill>
-            </a:ext>
-            <a:ext uri="{91240B29-F687-4F45-9708-019B960494DF}">
-              <a14:hiddenLine xmlns:a14="http://schemas.microsoft.com/office/drawing/2010/main" w="9525">
-                <a:solidFill>
-                  <a:schemeClr val="tx1"/>
-                </a:solidFill>
-                <a:miter lim="800000"/>
-                <a:headEnd/>
-                <a:tailEnd/>
-              </a14:hiddenLine>
-            </a:ext>
-          </a:extLst>
-        </p:spPr>
-      </p:pic>
-      <p:pic>
-        <p:nvPicPr>
-          <p:cNvPr id="1029" name="Picture 5"/>
-          <p:cNvPicPr>
-            <a:picLocks noChangeAspect="1" noChangeArrowheads="1"/>
-          </p:cNvPicPr>
-          <p:nvPr/>
-        </p:nvPicPr>
-        <p:blipFill>
-          <a:blip r:embed="rId5">
-            <a:extLst>
-              <a:ext uri="{28A0092B-C50C-407E-A947-70E740481C1C}">
-                <a14:useLocalDpi xmlns:a14="http://schemas.microsoft.com/office/drawing/2010/main" val="0"/>
-              </a:ext>
-            </a:extLst>
-          </a:blip>
-          <a:srcRect/>
-          <a:stretch>
-            <a:fillRect/>
-          </a:stretch>
-        </p:blipFill>
-        <p:spPr bwMode="auto">
-          <a:xfrm>
-            <a:off x="1143000" y="2819400"/>
-            <a:ext cx="5715000" cy="688239"/>
-          </a:xfrm>
-          <a:prstGeom prst="rect">
-            <a:avLst/>
-          </a:prstGeom>
-          <a:noFill/>
-          <a:ln>
-            <a:noFill/>
-          </a:ln>
-          <a:extLst>
-            <a:ext uri="{909E8E84-426E-40DD-AFC4-6F175D3DCCD1}">
-              <a14:hiddenFill xmlns:a14="http://schemas.microsoft.com/office/drawing/2010/main">
-                <a:solidFill>
-                  <a:schemeClr val="accent1"/>
-                </a:solidFill>
-              </a14:hiddenFill>
-            </a:ext>
-            <a:ext uri="{91240B29-F687-4F45-9708-019B960494DF}">
-              <a14:hiddenLine xmlns:a14="http://schemas.microsoft.com/office/drawing/2010/main" w="9525">
-                <a:solidFill>
-                  <a:schemeClr val="tx1"/>
-                </a:solidFill>
-                <a:miter lim="800000"/>
-                <a:headEnd/>
-                <a:tailEnd/>
-              </a14:hiddenLine>
-            </a:ext>
-          </a:extLst>
-        </p:spPr>
-      </p:pic>
-      <p:pic>
-        <p:nvPicPr>
-          <p:cNvPr id="1030" name="Picture 6"/>
-          <p:cNvPicPr>
-            <a:picLocks noChangeAspect="1" noChangeArrowheads="1"/>
-          </p:cNvPicPr>
-          <p:nvPr/>
-        </p:nvPicPr>
-        <p:blipFill>
-          <a:blip r:embed="rId6">
-            <a:extLst>
-              <a:ext uri="{28A0092B-C50C-407E-A947-70E740481C1C}">
-                <a14:useLocalDpi xmlns:a14="http://schemas.microsoft.com/office/drawing/2010/main" val="0"/>
-              </a:ext>
-            </a:extLst>
-          </a:blip>
-          <a:srcRect/>
-          <a:stretch>
-            <a:fillRect/>
-          </a:stretch>
-        </p:blipFill>
-        <p:spPr bwMode="auto">
-          <a:xfrm>
-            <a:off x="1143000" y="3733800"/>
-            <a:ext cx="7696200" cy="669982"/>
-          </a:xfrm>
-          <a:prstGeom prst="rect">
-            <a:avLst/>
-          </a:prstGeom>
-          <a:noFill/>
-          <a:ln>
-            <a:noFill/>
-          </a:ln>
-          <a:extLst>
-            <a:ext uri="{909E8E84-426E-40DD-AFC4-6F175D3DCCD1}">
-              <a14:hiddenFill xmlns:a14="http://schemas.microsoft.com/office/drawing/2010/main">
-                <a:solidFill>
-                  <a:schemeClr val="accent1"/>
-                </a:solidFill>
-              </a14:hiddenFill>
-            </a:ext>
-            <a:ext uri="{91240B29-F687-4F45-9708-019B960494DF}">
-              <a14:hiddenLine xmlns:a14="http://schemas.microsoft.com/office/drawing/2010/main" w="9525">
-                <a:solidFill>
-                  <a:schemeClr val="tx1"/>
-                </a:solidFill>
-                <a:miter lim="800000"/>
-                <a:headEnd/>
-                <a:tailEnd/>
-              </a14:hiddenLine>
-            </a:ext>
-          </a:extLst>
-        </p:spPr>
-      </p:pic>
-      <p:pic>
-        <p:nvPicPr>
-          <p:cNvPr id="1031" name="Picture 7"/>
-          <p:cNvPicPr>
-            <a:picLocks noChangeAspect="1" noChangeArrowheads="1"/>
-          </p:cNvPicPr>
-          <p:nvPr/>
-        </p:nvPicPr>
-        <p:blipFill>
-          <a:blip r:embed="rId7">
-            <a:extLst>
-              <a:ext uri="{28A0092B-C50C-407E-A947-70E740481C1C}">
-                <a14:useLocalDpi xmlns:a14="http://schemas.microsoft.com/office/drawing/2010/main" val="0"/>
-              </a:ext>
-            </a:extLst>
-          </a:blip>
-          <a:srcRect/>
-          <a:stretch>
-            <a:fillRect/>
-          </a:stretch>
-        </p:blipFill>
-        <p:spPr bwMode="auto">
-          <a:xfrm>
-            <a:off x="848168" y="4724400"/>
-            <a:ext cx="7858125" cy="342900"/>
-          </a:xfrm>
-          <a:prstGeom prst="rect">
-            <a:avLst/>
-          </a:prstGeom>
-          <a:noFill/>
-          <a:ln>
-            <a:noFill/>
-          </a:ln>
-          <a:extLst>
-            <a:ext uri="{909E8E84-426E-40DD-AFC4-6F175D3DCCD1}">
-              <a14:hiddenFill xmlns:a14="http://schemas.microsoft.com/office/drawing/2010/main">
-                <a:solidFill>
-                  <a:schemeClr val="accent1"/>
-                </a:solidFill>
-              </a14:hiddenFill>
-            </a:ext>
-            <a:ext uri="{91240B29-F687-4F45-9708-019B960494DF}">
-              <a14:hiddenLine xmlns:a14="http://schemas.microsoft.com/office/drawing/2010/main" w="9525">
-                <a:solidFill>
-                  <a:schemeClr val="tx1"/>
-                </a:solidFill>
-                <a:miter lim="800000"/>
-                <a:headEnd/>
-                <a:tailEnd/>
-              </a14:hiddenLine>
-            </a:ext>
-          </a:extLst>
-        </p:spPr>
-      </p:pic>
     </p:spTree>
     <p:extLst>
       <p:ext uri="{BB962C8B-B14F-4D97-AF65-F5344CB8AC3E}">
-        <p14:creationId xmlns:p14="http://schemas.microsoft.com/office/powerpoint/2010/main" val="3576409056"/>
+        <p14:creationId xmlns:p14="http://schemas.microsoft.com/office/powerpoint/2010/main" val="2565777879"/>
       </p:ext>
     </p:extLst>
   </p:cSld>
@@ -8157,14 +7988,66 @@
       </p:sp>
       <p:pic>
         <p:nvPicPr>
-          <p:cNvPr id="2050" name="Picture 2"/>
+          <p:cNvPr id="1026" name="Picture 2"/>
           <p:cNvPicPr>
             <a:picLocks noChangeAspect="1" noChangeArrowheads="1"/>
           </p:cNvPicPr>
           <p:nvPr/>
         </p:nvPicPr>
+        <p:blipFill rotWithShape="1">
+          <a:blip r:embed="rId2">
+            <a:extLst>
+              <a:ext uri="{28A0092B-C50C-407E-A947-70E740481C1C}">
+                <a14:useLocalDpi xmlns:a14="http://schemas.microsoft.com/office/drawing/2010/main" val="0"/>
+              </a:ext>
+            </a:extLst>
+          </a:blip>
+          <a:srcRect b="61374"/>
+          <a:stretch/>
+        </p:blipFill>
+        <p:spPr bwMode="auto">
+          <a:xfrm>
+            <a:off x="1066801" y="708516"/>
+            <a:ext cx="7696200" cy="671591"/>
+          </a:xfrm>
+          <a:prstGeom prst="rect">
+            <a:avLst/>
+          </a:prstGeom>
+          <a:noFill/>
+          <a:ln>
+            <a:noFill/>
+          </a:ln>
+          <a:extLst>
+            <a:ext uri="{909E8E84-426E-40DD-AFC4-6F175D3DCCD1}">
+              <a14:hiddenFill xmlns:a14="http://schemas.microsoft.com/office/drawing/2010/main">
+                <a:solidFill>
+                  <a:schemeClr val="accent1"/>
+                </a:solidFill>
+              </a14:hiddenFill>
+            </a:ext>
+            <a:ext uri="{91240B29-F687-4F45-9708-019B960494DF}">
+              <a14:hiddenLine xmlns:a14="http://schemas.microsoft.com/office/drawing/2010/main" w="9525">
+                <a:solidFill>
+                  <a:schemeClr val="tx1"/>
+                </a:solidFill>
+                <a:miter lim="800000"/>
+                <a:headEnd/>
+                <a:tailEnd/>
+              </a14:hiddenLine>
+            </a:ext>
+          </a:extLst>
+        </p:spPr>
+      </p:pic>
+      <p:pic>
+        <p:nvPicPr>
+          <p:cNvPr id="1027" name="Picture 3"/>
+          <p:cNvPicPr>
+            <a:picLocks noChangeAspect="1" noChangeArrowheads="1"/>
+          </p:cNvPicPr>
+          <p:nvPr/>
+        </p:nvPicPr>
         <p:blipFill>
-          <a:blip r:embed="rId2">
+          <a:blip r:embed="rId3">
             <a:extLst>
               <a:ext uri="{28A0092B-C50C-407E-A947-70E740481C1C}">
                 <a14:useLocalDpi xmlns:a14="http://schemas.microsoft.com/office/drawing/2010/main" val="0"/>
@@ -8178,8 +8061,8 @@
         </p:blipFill>
         <p:spPr bwMode="auto">
           <a:xfrm>
-            <a:off x="1207293" y="1524000"/>
-            <a:ext cx="7661153" cy="3124200"/>
+            <a:off x="1143000" y="1476375"/>
+            <a:ext cx="7620001" cy="385126"/>
           </a:xfrm>
           <a:prstGeom prst="rect">
             <a:avLst/>
@@ -8209,10 +8092,226 @@
           </a:extLst>
         </p:spPr>
       </p:pic>
+      <p:pic>
+        <p:nvPicPr>
+          <p:cNvPr id="1028" name="Picture 4"/>
+          <p:cNvPicPr>
+            <a:picLocks noChangeAspect="1" noChangeArrowheads="1"/>
+          </p:cNvPicPr>
+          <p:nvPr/>
+        </p:nvPicPr>
+        <p:blipFill>
+          <a:blip r:embed="rId4">
+            <a:extLst>
+              <a:ext uri="{28A0092B-C50C-407E-A947-70E740481C1C}">
+                <a14:useLocalDpi xmlns:a14="http://schemas.microsoft.com/office/drawing/2010/main" val="0"/>
+              </a:ext>
+            </a:extLst>
+          </a:blip>
+          <a:srcRect/>
+          <a:stretch>
+            <a:fillRect/>
+          </a:stretch>
+        </p:blipFill>
+        <p:spPr bwMode="auto">
+          <a:xfrm>
+            <a:off x="1102244" y="2057400"/>
+            <a:ext cx="7660758" cy="527581"/>
+          </a:xfrm>
+          <a:prstGeom prst="rect">
+            <a:avLst/>
+          </a:prstGeom>
+          <a:noFill/>
+          <a:ln>
+            <a:noFill/>
+          </a:ln>
+          <a:extLst>
+            <a:ext uri="{909E8E84-426E-40DD-AFC4-6F175D3DCCD1}">
+              <a14:hiddenFill xmlns:a14="http://schemas.microsoft.com/office/drawing/2010/main">
+                <a:solidFill>
+                  <a:schemeClr val="accent1"/>
+                </a:solidFill>
+              </a14:hiddenFill>
+            </a:ext>
+            <a:ext uri="{91240B29-F687-4F45-9708-019B960494DF}">
+              <a14:hiddenLine xmlns:a14="http://schemas.microsoft.com/office/drawing/2010/main" w="9525">
+                <a:solidFill>
+                  <a:schemeClr val="tx1"/>
+                </a:solidFill>
+                <a:miter lim="800000"/>
+                <a:headEnd/>
+                <a:tailEnd/>
+              </a14:hiddenLine>
+            </a:ext>
+          </a:extLst>
+        </p:spPr>
+      </p:pic>
+      <p:pic>
+        <p:nvPicPr>
+          <p:cNvPr id="1029" name="Picture 5"/>
+          <p:cNvPicPr>
+            <a:picLocks noChangeAspect="1" noChangeArrowheads="1"/>
+          </p:cNvPicPr>
+          <p:nvPr/>
+        </p:nvPicPr>
+        <p:blipFill>
+          <a:blip r:embed="rId5">
+            <a:extLst>
+              <a:ext uri="{28A0092B-C50C-407E-A947-70E740481C1C}">
+                <a14:useLocalDpi xmlns:a14="http://schemas.microsoft.com/office/drawing/2010/main" val="0"/>
+              </a:ext>
+            </a:extLst>
+          </a:blip>
+          <a:srcRect/>
+          <a:stretch>
+            <a:fillRect/>
+          </a:stretch>
+        </p:blipFill>
+        <p:spPr bwMode="auto">
+          <a:xfrm>
+            <a:off x="1143000" y="2819400"/>
+            <a:ext cx="5715000" cy="688239"/>
+          </a:xfrm>
+          <a:prstGeom prst="rect">
+            <a:avLst/>
+          </a:prstGeom>
+          <a:noFill/>
+          <a:ln>
+            <a:noFill/>
+          </a:ln>
+          <a:extLst>
+            <a:ext uri="{909E8E84-426E-40DD-AFC4-6F175D3DCCD1}">
+              <a14:hiddenFill xmlns:a14="http://schemas.microsoft.com/office/drawing/2010/main">
+                <a:solidFill>
+                  <a:schemeClr val="accent1"/>
+                </a:solidFill>
+              </a14:hiddenFill>
+            </a:ext>
+            <a:ext uri="{91240B29-F687-4F45-9708-019B960494DF}">
+              <a14:hiddenLine xmlns:a14="http://schemas.microsoft.com/office/drawing/2010/main" w="9525">
+                <a:solidFill>
+                  <a:schemeClr val="tx1"/>
+                </a:solidFill>
+                <a:miter lim="800000"/>
+                <a:headEnd/>
+                <a:tailEnd/>
+              </a14:hiddenLine>
+            </a:ext>
+          </a:extLst>
+        </p:spPr>
+      </p:pic>
+      <p:pic>
+        <p:nvPicPr>
+          <p:cNvPr id="1030" name="Picture 6"/>
+          <p:cNvPicPr>
+            <a:picLocks noChangeAspect="1" noChangeArrowheads="1"/>
+          </p:cNvPicPr>
+          <p:nvPr/>
+        </p:nvPicPr>
+        <p:blipFill>
+          <a:blip r:embed="rId6">
+            <a:extLst>
+              <a:ext uri="{28A0092B-C50C-407E-A947-70E740481C1C}">
+                <a14:useLocalDpi xmlns:a14="http://schemas.microsoft.com/office/drawing/2010/main" val="0"/>
+              </a:ext>
+            </a:extLst>
+          </a:blip>
+          <a:srcRect/>
+          <a:stretch>
+            <a:fillRect/>
+          </a:stretch>
+        </p:blipFill>
+        <p:spPr bwMode="auto">
+          <a:xfrm>
+            <a:off x="1143000" y="3733800"/>
+            <a:ext cx="7696200" cy="669982"/>
+          </a:xfrm>
+          <a:prstGeom prst="rect">
+            <a:avLst/>
+          </a:prstGeom>
+          <a:noFill/>
+          <a:ln>
+            <a:noFill/>
+          </a:ln>
+          <a:extLst>
+            <a:ext uri="{909E8E84-426E-40DD-AFC4-6F175D3DCCD1}">
+              <a14:hiddenFill xmlns:a14="http://schemas.microsoft.com/office/drawing/2010/main">
+                <a:solidFill>
+                  <a:schemeClr val="accent1"/>
+                </a:solidFill>
+              </a14:hiddenFill>
+            </a:ext>
+            <a:ext uri="{91240B29-F687-4F45-9708-019B960494DF}">
+              <a14:hiddenLine xmlns:a14="http://schemas.microsoft.com/office/drawing/2010/main" w="9525">
+                <a:solidFill>
+                  <a:schemeClr val="tx1"/>
+                </a:solidFill>
+                <a:miter lim="800000"/>
+                <a:headEnd/>
+                <a:tailEnd/>
+              </a14:hiddenLine>
+            </a:ext>
+          </a:extLst>
+        </p:spPr>
+      </p:pic>
+      <p:pic>
+        <p:nvPicPr>
+          <p:cNvPr id="1031" name="Picture 7"/>
+          <p:cNvPicPr>
+            <a:picLocks noChangeAspect="1" noChangeArrowheads="1"/>
+          </p:cNvPicPr>
+          <p:nvPr/>
+        </p:nvPicPr>
+        <p:blipFill>
+          <a:blip r:embed="rId7">
+            <a:extLst>
+              <a:ext uri="{28A0092B-C50C-407E-A947-70E740481C1C}">
+                <a14:useLocalDpi xmlns:a14="http://schemas.microsoft.com/office/drawing/2010/main" val="0"/>
+              </a:ext>
+            </a:extLst>
+          </a:blip>
+          <a:srcRect/>
+          <a:stretch>
+            <a:fillRect/>
+          </a:stretch>
+        </p:blipFill>
+        <p:spPr bwMode="auto">
+          <a:xfrm>
+            <a:off x="848168" y="4724400"/>
+            <a:ext cx="7858125" cy="342900"/>
+          </a:xfrm>
+          <a:prstGeom prst="rect">
+            <a:avLst/>
+          </a:prstGeom>
+          <a:noFill/>
+          <a:ln>
+            <a:noFill/>
+          </a:ln>
+          <a:extLst>
+            <a:ext uri="{909E8E84-426E-40DD-AFC4-6F175D3DCCD1}">
+              <a14:hiddenFill xmlns:a14="http://schemas.microsoft.com/office/drawing/2010/main">
+                <a:solidFill>
+                  <a:schemeClr val="accent1"/>
+                </a:solidFill>
+              </a14:hiddenFill>
+            </a:ext>
+            <a:ext uri="{91240B29-F687-4F45-9708-019B960494DF}">
+              <a14:hiddenLine xmlns:a14="http://schemas.microsoft.com/office/drawing/2010/main" w="9525">
+                <a:solidFill>
+                  <a:schemeClr val="tx1"/>
+                </a:solidFill>
+                <a:miter lim="800000"/>
+                <a:headEnd/>
+                <a:tailEnd/>
+              </a14:hiddenLine>
+            </a:ext>
+          </a:extLst>
+        </p:spPr>
+      </p:pic>
     </p:spTree>
     <p:extLst>
       <p:ext uri="{BB962C8B-B14F-4D97-AF65-F5344CB8AC3E}">
-        <p14:creationId xmlns:p14="http://schemas.microsoft.com/office/powerpoint/2010/main" val="90231683"/>
+        <p14:creationId xmlns:p14="http://schemas.microsoft.com/office/powerpoint/2010/main" val="3576409056"/>
       </p:ext>
     </p:extLst>
   </p:cSld>
@@ -8320,7 +8419,7 @@
       </p:sp>
       <p:pic>
         <p:nvPicPr>
-          <p:cNvPr id="3074" name="Picture 2"/>
+          <p:cNvPr id="2050" name="Picture 2"/>
           <p:cNvPicPr>
             <a:picLocks noChangeAspect="1" noChangeArrowheads="1"/>
           </p:cNvPicPr>
@@ -8341,8 +8440,8 @@
         </p:blipFill>
         <p:spPr bwMode="auto">
           <a:xfrm>
-            <a:off x="1366089" y="1219200"/>
-            <a:ext cx="6945222" cy="2752725"/>
+            <a:off x="1207293" y="1524000"/>
+            <a:ext cx="7661153" cy="3124200"/>
           </a:xfrm>
           <a:prstGeom prst="rect">
             <a:avLst/>
@@ -8483,7 +8582,7 @@
       </p:sp>
       <p:pic>
         <p:nvPicPr>
-          <p:cNvPr id="4098" name="Picture 2"/>
+          <p:cNvPr id="3074" name="Picture 2"/>
           <p:cNvPicPr>
             <a:picLocks noChangeAspect="1" noChangeArrowheads="1"/>
           </p:cNvPicPr>
@@ -8504,8 +8603,8 @@
         </p:blipFill>
         <p:spPr bwMode="auto">
           <a:xfrm>
-            <a:off x="1178829" y="685800"/>
-            <a:ext cx="7507971" cy="2781935"/>
+            <a:off x="1366089" y="1219200"/>
+            <a:ext cx="6945222" cy="2752725"/>
           </a:xfrm>
           <a:prstGeom prst="rect">
             <a:avLst/>
@@ -8646,7 +8745,7 @@
       </p:sp>
       <p:pic>
         <p:nvPicPr>
-          <p:cNvPr id="5122" name="Picture 2"/>
+          <p:cNvPr id="4098" name="Picture 2"/>
           <p:cNvPicPr>
             <a:picLocks noChangeAspect="1" noChangeArrowheads="1"/>
           </p:cNvPicPr>
@@ -8667,8 +8766,8 @@
         </p:blipFill>
         <p:spPr bwMode="auto">
           <a:xfrm>
-            <a:off x="1154906" y="685799"/>
-            <a:ext cx="7531894" cy="2774479"/>
+            <a:off x="1178829" y="685800"/>
+            <a:ext cx="7507971" cy="2781935"/>
           </a:xfrm>
           <a:prstGeom prst="rect">
             <a:avLst/>
@@ -8701,7 +8800,7 @@
     </p:spTree>
     <p:extLst>
       <p:ext uri="{BB962C8B-B14F-4D97-AF65-F5344CB8AC3E}">
-        <p14:creationId xmlns:p14="http://schemas.microsoft.com/office/powerpoint/2010/main" val="1266989789"/>
+        <p14:creationId xmlns:p14="http://schemas.microsoft.com/office/powerpoint/2010/main" val="90231683"/>
       </p:ext>
     </p:extLst>
   </p:cSld>
@@ -8809,7 +8908,7 @@
       </p:sp>
       <p:pic>
         <p:nvPicPr>
-          <p:cNvPr id="6146" name="Picture 2"/>
+          <p:cNvPr id="5122" name="Picture 2"/>
           <p:cNvPicPr>
             <a:picLocks noChangeAspect="1" noChangeArrowheads="1"/>
           </p:cNvPicPr>
@@ -8830,8 +8929,8 @@
         </p:blipFill>
         <p:spPr bwMode="auto">
           <a:xfrm>
-            <a:off x="1143000" y="685800"/>
-            <a:ext cx="6324600" cy="762000"/>
+            <a:off x="1154906" y="685799"/>
+            <a:ext cx="7531894" cy="2774479"/>
           </a:xfrm>
           <a:prstGeom prst="rect">
             <a:avLst/>
@@ -8891,63 +8990,9 @@
           <a:chExt cx="0" cy="0"/>
         </a:xfrm>
       </p:grpSpPr>
-      <p:pic>
-        <p:nvPicPr>
-          <p:cNvPr id="7170" name="Picture 2"/>
-          <p:cNvPicPr>
-            <a:picLocks noChangeAspect="1" noChangeArrowheads="1"/>
-          </p:cNvPicPr>
-          <p:nvPr/>
-        </p:nvPicPr>
-        <p:blipFill>
-          <a:blip r:embed="rId2">
-            <a:extLst>
-              <a:ext uri="{28A0092B-C50C-407E-A947-70E740481C1C}">
-                <a14:useLocalDpi xmlns:a14="http://schemas.microsoft.com/office/drawing/2010/main" val="0"/>
-              </a:ext>
-            </a:extLst>
-          </a:blip>
-          <a:srcRect/>
-          <a:stretch>
-            <a:fillRect/>
-          </a:stretch>
-        </p:blipFill>
-        <p:spPr bwMode="auto">
-          <a:xfrm>
-            <a:off x="1055551" y="730102"/>
-            <a:ext cx="7725170" cy="3187000"/>
-          </a:xfrm>
-          <a:prstGeom prst="rect">
-            <a:avLst/>
-          </a:prstGeom>
-          <a:noFill/>
-          <a:ln>
-            <a:noFill/>
-          </a:ln>
-          <a:extLst>
-            <a:ext uri="{909E8E84-426E-40DD-AFC4-6F175D3DCCD1}">
-              <a14:hiddenFill xmlns:a14="http://schemas.microsoft.com/office/drawing/2010/main">
-                <a:solidFill>
-                  <a:schemeClr val="accent1"/>
-                </a:solidFill>
-              </a14:hiddenFill>
-            </a:ext>
-            <a:ext uri="{91240B29-F687-4F45-9708-019B960494DF}">
-              <a14:hiddenLine xmlns:a14="http://schemas.microsoft.com/office/drawing/2010/main" w="9525">
-                <a:solidFill>
-                  <a:schemeClr val="tx1"/>
-                </a:solidFill>
-                <a:miter lim="800000"/>
-                <a:headEnd/>
-                <a:tailEnd/>
-              </a14:hiddenLine>
-            </a:ext>
-          </a:extLst>
-        </p:spPr>
-      </p:pic>
       <p:cxnSp>
         <p:nvCxnSpPr>
-          <p:cNvPr id="5" name="Straight Connector 4"/>
+          <p:cNvPr id="4" name="Straight Connector 3"/>
           <p:cNvCxnSpPr/>
           <p:nvPr/>
         </p:nvCxnSpPr>
@@ -8984,7 +9029,7 @@
       </p:cxnSp>
       <p:sp>
         <p:nvSpPr>
-          <p:cNvPr id="6" name="TextBox 5"/>
+          <p:cNvPr id="5" name="TextBox 4"/>
           <p:cNvSpPr txBox="1"/>
           <p:nvPr/>
         </p:nvSpPr>
@@ -9024,10 +9069,64 @@
           </a:p>
         </p:txBody>
       </p:sp>
+      <p:pic>
+        <p:nvPicPr>
+          <p:cNvPr id="6146" name="Picture 2"/>
+          <p:cNvPicPr>
+            <a:picLocks noChangeAspect="1" noChangeArrowheads="1"/>
+          </p:cNvPicPr>
+          <p:nvPr/>
+        </p:nvPicPr>
+        <p:blipFill>
+          <a:blip r:embed="rId2">
+            <a:extLst>
+              <a:ext uri="{28A0092B-C50C-407E-A947-70E740481C1C}">
+                <a14:useLocalDpi xmlns:a14="http://schemas.microsoft.com/office/drawing/2010/main" val="0"/>
+              </a:ext>
+            </a:extLst>
+          </a:blip>
+          <a:srcRect/>
+          <a:stretch>
+            <a:fillRect/>
+          </a:stretch>
+        </p:blipFill>
+        <p:spPr bwMode="auto">
+          <a:xfrm>
+            <a:off x="1143000" y="685800"/>
+            <a:ext cx="6324600" cy="762000"/>
+          </a:xfrm>
+          <a:prstGeom prst="rect">
+            <a:avLst/>
+          </a:prstGeom>
+          <a:noFill/>
+          <a:ln>
+            <a:noFill/>
+          </a:ln>
+          <a:extLst>
+            <a:ext uri="{909E8E84-426E-40DD-AFC4-6F175D3DCCD1}">
+              <a14:hiddenFill xmlns:a14="http://schemas.microsoft.com/office/drawing/2010/main">
+                <a:solidFill>
+                  <a:schemeClr val="accent1"/>
+                </a:solidFill>
+              </a14:hiddenFill>
+            </a:ext>
+            <a:ext uri="{91240B29-F687-4F45-9708-019B960494DF}">
+              <a14:hiddenLine xmlns:a14="http://schemas.microsoft.com/office/drawing/2010/main" w="9525">
+                <a:solidFill>
+                  <a:schemeClr val="tx1"/>
+                </a:solidFill>
+                <a:miter lim="800000"/>
+                <a:headEnd/>
+                <a:tailEnd/>
+              </a14:hiddenLine>
+            </a:ext>
+          </a:extLst>
+        </p:spPr>
+      </p:pic>
     </p:spTree>
     <p:extLst>
       <p:ext uri="{BB962C8B-B14F-4D97-AF65-F5344CB8AC3E}">
-        <p14:creationId xmlns:p14="http://schemas.microsoft.com/office/powerpoint/2010/main" val="717879808"/>
+        <p14:creationId xmlns:p14="http://schemas.microsoft.com/office/powerpoint/2010/main" val="1266989789"/>
       </p:ext>
     </p:extLst>
   </p:cSld>
@@ -9054,9 +9153,63 @@
           <a:chExt cx="0" cy="0"/>
         </a:xfrm>
       </p:grpSpPr>
+      <p:pic>
+        <p:nvPicPr>
+          <p:cNvPr id="7170" name="Picture 2"/>
+          <p:cNvPicPr>
+            <a:picLocks noChangeAspect="1" noChangeArrowheads="1"/>
+          </p:cNvPicPr>
+          <p:nvPr/>
+        </p:nvPicPr>
+        <p:blipFill>
+          <a:blip r:embed="rId2">
+            <a:extLst>
+              <a:ext uri="{28A0092B-C50C-407E-A947-70E740481C1C}">
+                <a14:useLocalDpi xmlns:a14="http://schemas.microsoft.com/office/drawing/2010/main" val="0"/>
+              </a:ext>
+            </a:extLst>
+          </a:blip>
+          <a:srcRect/>
+          <a:stretch>
+            <a:fillRect/>
+          </a:stretch>
+        </p:blipFill>
+        <p:spPr bwMode="auto">
+          <a:xfrm>
+            <a:off x="1055551" y="730102"/>
+            <a:ext cx="7725170" cy="3187000"/>
+          </a:xfrm>
+          <a:prstGeom prst="rect">
+            <a:avLst/>
+          </a:prstGeom>
+          <a:noFill/>
+          <a:ln>
+            <a:noFill/>
+          </a:ln>
+          <a:extLst>
+            <a:ext uri="{909E8E84-426E-40DD-AFC4-6F175D3DCCD1}">
+              <a14:hiddenFill xmlns:a14="http://schemas.microsoft.com/office/drawing/2010/main">
+                <a:solidFill>
+                  <a:schemeClr val="accent1"/>
+                </a:solidFill>
+              </a14:hiddenFill>
+            </a:ext>
+            <a:ext uri="{91240B29-F687-4F45-9708-019B960494DF}">
+              <a14:hiddenLine xmlns:a14="http://schemas.microsoft.com/office/drawing/2010/main" w="9525">
+                <a:solidFill>
+                  <a:schemeClr val="tx1"/>
+                </a:solidFill>
+                <a:miter lim="800000"/>
+                <a:headEnd/>
+                <a:tailEnd/>
+              </a14:hiddenLine>
+            </a:ext>
+          </a:extLst>
+        </p:spPr>
+      </p:pic>
       <p:cxnSp>
         <p:nvCxnSpPr>
-          <p:cNvPr id="4" name="Straight Connector 3"/>
+          <p:cNvPr id="5" name="Straight Connector 4"/>
           <p:cNvCxnSpPr/>
           <p:nvPr/>
         </p:nvCxnSpPr>
@@ -9093,7 +9246,7 @@
       </p:cxnSp>
       <p:sp>
         <p:nvSpPr>
-          <p:cNvPr id="5" name="TextBox 4"/>
+          <p:cNvPr id="6" name="TextBox 5"/>
           <p:cNvSpPr txBox="1"/>
           <p:nvPr/>
         </p:nvSpPr>
@@ -9133,102 +9286,10 @@
           </a:p>
         </p:txBody>
       </p:sp>
-      <p:sp>
-        <p:nvSpPr>
-          <p:cNvPr id="2" name="TextBox 1"/>
-          <p:cNvSpPr txBox="1"/>
-          <p:nvPr/>
-        </p:nvSpPr>
-        <p:spPr>
-          <a:xfrm>
-            <a:off x="1143000" y="685800"/>
-            <a:ext cx="6248400" cy="369332"/>
-          </a:xfrm>
-          <a:prstGeom prst="rect">
-            <a:avLst/>
-          </a:prstGeom>
-          <a:noFill/>
-        </p:spPr>
-        <p:txBody>
-          <a:bodyPr wrap="square" rtlCol="0">
-            <a:spAutoFit/>
-          </a:bodyPr>
-          <a:lstStyle/>
-          <a:p>
-            <a:r>
-              <a:rPr lang="en-US" dirty="0" smtClean="0">
-                <a:solidFill>
-                  <a:srgbClr val="0070C0"/>
-                </a:solidFill>
-              </a:rPr>
-              <a:t>Sort by ASC | DESC</a:t>
-            </a:r>
-            <a:endParaRPr lang="en-US" dirty="0">
-              <a:solidFill>
-                <a:srgbClr val="0070C0"/>
-              </a:solidFill>
-            </a:endParaRPr>
-          </a:p>
-        </p:txBody>
-      </p:sp>
-      <p:pic>
-        <p:nvPicPr>
-          <p:cNvPr id="8195" name="Picture 3"/>
-          <p:cNvPicPr>
-            <a:picLocks noChangeAspect="1" noChangeArrowheads="1"/>
-          </p:cNvPicPr>
-          <p:nvPr/>
-        </p:nvPicPr>
-        <p:blipFill>
-          <a:blip r:embed="rId2">
-            <a:extLst>
-              <a:ext uri="{28A0092B-C50C-407E-A947-70E740481C1C}">
-                <a14:useLocalDpi xmlns:a14="http://schemas.microsoft.com/office/drawing/2010/main" val="0"/>
-              </a:ext>
-            </a:extLst>
-          </a:blip>
-          <a:srcRect/>
-          <a:stretch>
-            <a:fillRect/>
-          </a:stretch>
-        </p:blipFill>
-        <p:spPr bwMode="auto">
-          <a:xfrm>
-            <a:off x="1252537" y="1295400"/>
-            <a:ext cx="7172325" cy="3562350"/>
-          </a:xfrm>
-          <a:prstGeom prst="rect">
-            <a:avLst/>
-          </a:prstGeom>
-          <a:noFill/>
-          <a:ln>
-            <a:noFill/>
-          </a:ln>
-          <a:extLst>
-            <a:ext uri="{909E8E84-426E-40DD-AFC4-6F175D3DCCD1}">
-              <a14:hiddenFill xmlns:a14="http://schemas.microsoft.com/office/drawing/2010/main">
-                <a:solidFill>
-                  <a:schemeClr val="accent1"/>
-                </a:solidFill>
-              </a14:hiddenFill>
-            </a:ext>
-            <a:ext uri="{91240B29-F687-4F45-9708-019B960494DF}">
-              <a14:hiddenLine xmlns:a14="http://schemas.microsoft.com/office/drawing/2010/main" w="9525">
-                <a:solidFill>
-                  <a:schemeClr val="tx1"/>
-                </a:solidFill>
-                <a:miter lim="800000"/>
-                <a:headEnd/>
-                <a:tailEnd/>
-              </a14:hiddenLine>
-            </a:ext>
-          </a:extLst>
-        </p:spPr>
-      </p:pic>
     </p:spTree>
     <p:extLst>
       <p:ext uri="{BB962C8B-B14F-4D97-AF65-F5344CB8AC3E}">
-        <p14:creationId xmlns:p14="http://schemas.microsoft.com/office/powerpoint/2010/main" val="162245030"/>
+        <p14:creationId xmlns:p14="http://schemas.microsoft.com/office/powerpoint/2010/main" val="717879808"/>
       </p:ext>
     </p:extLst>
   </p:cSld>
@@ -9550,9 +9611,47 @@
           </a:p>
         </p:txBody>
       </p:sp>
+      <p:sp>
+        <p:nvSpPr>
+          <p:cNvPr id="2" name="TextBox 1"/>
+          <p:cNvSpPr txBox="1"/>
+          <p:nvPr/>
+        </p:nvSpPr>
+        <p:spPr>
+          <a:xfrm>
+            <a:off x="1143000" y="685800"/>
+            <a:ext cx="6248400" cy="369332"/>
+          </a:xfrm>
+          <a:prstGeom prst="rect">
+            <a:avLst/>
+          </a:prstGeom>
+          <a:noFill/>
+        </p:spPr>
+        <p:txBody>
+          <a:bodyPr wrap="square" rtlCol="0">
+            <a:spAutoFit/>
+          </a:bodyPr>
+          <a:lstStyle/>
+          <a:p>
+            <a:r>
+              <a:rPr lang="en-US" dirty="0" smtClean="0">
+                <a:solidFill>
+                  <a:srgbClr val="0070C0"/>
+                </a:solidFill>
+              </a:rPr>
+              <a:t>Sort by ASC | DESC</a:t>
+            </a:r>
+            <a:endParaRPr lang="en-US" dirty="0">
+              <a:solidFill>
+                <a:srgbClr val="0070C0"/>
+              </a:solidFill>
+            </a:endParaRPr>
+          </a:p>
+        </p:txBody>
+      </p:sp>
       <p:pic>
         <p:nvPicPr>
-          <p:cNvPr id="9218" name="Picture 2"/>
+          <p:cNvPr id="8195" name="Picture 3"/>
           <p:cNvPicPr>
             <a:picLocks noChangeAspect="1" noChangeArrowheads="1"/>
           </p:cNvPicPr>
@@ -9573,8 +9672,8 @@
         </p:blipFill>
         <p:spPr bwMode="auto">
           <a:xfrm>
-            <a:off x="1143000" y="762000"/>
-            <a:ext cx="7772400" cy="2684097"/>
+            <a:off x="1252537" y="1295400"/>
+            <a:ext cx="7172325" cy="3562350"/>
           </a:xfrm>
           <a:prstGeom prst="rect">
             <a:avLst/>
@@ -9607,7 +9706,7 @@
     </p:spTree>
     <p:extLst>
       <p:ext uri="{BB962C8B-B14F-4D97-AF65-F5344CB8AC3E}">
-        <p14:creationId xmlns:p14="http://schemas.microsoft.com/office/powerpoint/2010/main" val="206710386"/>
+        <p14:creationId xmlns:p14="http://schemas.microsoft.com/office/powerpoint/2010/main" val="162245030"/>
       </p:ext>
     </p:extLst>
   </p:cSld>
@@ -9715,7 +9814,7 @@
       </p:sp>
       <p:pic>
         <p:nvPicPr>
-          <p:cNvPr id="1026" name="Picture 2"/>
+          <p:cNvPr id="9218" name="Picture 2"/>
           <p:cNvPicPr>
             <a:picLocks noChangeAspect="1" noChangeArrowheads="1"/>
           </p:cNvPicPr>
@@ -9736,8 +9835,8 @@
         </p:blipFill>
         <p:spPr bwMode="auto">
           <a:xfrm>
-            <a:off x="1219200" y="838200"/>
-            <a:ext cx="6955905" cy="2657475"/>
+            <a:off x="1143000" y="762000"/>
+            <a:ext cx="7772400" cy="2684097"/>
           </a:xfrm>
           <a:prstGeom prst="rect">
             <a:avLst/>
@@ -9878,7 +9977,7 @@
       </p:sp>
       <p:pic>
         <p:nvPicPr>
-          <p:cNvPr id="2050" name="Picture 2"/>
+          <p:cNvPr id="1026" name="Picture 2"/>
           <p:cNvPicPr>
             <a:picLocks noChangeAspect="1" noChangeArrowheads="1"/>
           </p:cNvPicPr>
@@ -9899,8 +9998,8 @@
         </p:blipFill>
         <p:spPr bwMode="auto">
           <a:xfrm>
-            <a:off x="1188825" y="762000"/>
-            <a:ext cx="7631948" cy="2819400"/>
+            <a:off x="1219200" y="838200"/>
+            <a:ext cx="6955905" cy="2657475"/>
           </a:xfrm>
           <a:prstGeom prst="rect">
             <a:avLst/>
@@ -10027,7 +10126,7 @@
                   </a:schemeClr>
                 </a:solidFill>
               </a:rPr>
-              <a:t>Using String Functions</a:t>
+              <a:t>DML</a:t>
             </a:r>
             <a:endParaRPr lang="en-US" sz="1600" b="1" dirty="0">
               <a:solidFill>
@@ -10041,7 +10140,7 @@
       </p:sp>
       <p:pic>
         <p:nvPicPr>
-          <p:cNvPr id="6146" name="Picture 2"/>
+          <p:cNvPr id="2050" name="Picture 2"/>
           <p:cNvPicPr>
             <a:picLocks noChangeAspect="1" noChangeArrowheads="1"/>
           </p:cNvPicPr>
@@ -10062,8 +10161,8 @@
         </p:blipFill>
         <p:spPr bwMode="auto">
           <a:xfrm>
-            <a:off x="1304924" y="762000"/>
-            <a:ext cx="7458075" cy="3760449"/>
+            <a:off x="1188825" y="762000"/>
+            <a:ext cx="7631948" cy="2819400"/>
           </a:xfrm>
           <a:prstGeom prst="rect">
             <a:avLst/>
@@ -10123,115 +10222,9 @@
           <a:chExt cx="0" cy="0"/>
         </a:xfrm>
       </p:grpSpPr>
-      <p:pic>
-        <p:nvPicPr>
-          <p:cNvPr id="7170" name="Picture 2"/>
-          <p:cNvPicPr>
-            <a:picLocks noChangeAspect="1" noChangeArrowheads="1"/>
-          </p:cNvPicPr>
-          <p:nvPr/>
-        </p:nvPicPr>
-        <p:blipFill>
-          <a:blip r:embed="rId2">
-            <a:extLst>
-              <a:ext uri="{28A0092B-C50C-407E-A947-70E740481C1C}">
-                <a14:useLocalDpi xmlns:a14="http://schemas.microsoft.com/office/drawing/2010/main" val="0"/>
-              </a:ext>
-            </a:extLst>
-          </a:blip>
-          <a:srcRect/>
-          <a:stretch>
-            <a:fillRect/>
-          </a:stretch>
-        </p:blipFill>
-        <p:spPr bwMode="auto">
-          <a:xfrm>
-            <a:off x="1082750" y="652130"/>
-            <a:ext cx="2101701" cy="2497071"/>
-          </a:xfrm>
-          <a:prstGeom prst="rect">
-            <a:avLst/>
-          </a:prstGeom>
-          <a:noFill/>
-          <a:ln>
-            <a:noFill/>
-          </a:ln>
-          <a:extLst>
-            <a:ext uri="{909E8E84-426E-40DD-AFC4-6F175D3DCCD1}">
-              <a14:hiddenFill xmlns:a14="http://schemas.microsoft.com/office/drawing/2010/main">
-                <a:solidFill>
-                  <a:schemeClr val="accent1"/>
-                </a:solidFill>
-              </a14:hiddenFill>
-            </a:ext>
-            <a:ext uri="{91240B29-F687-4F45-9708-019B960494DF}">
-              <a14:hiddenLine xmlns:a14="http://schemas.microsoft.com/office/drawing/2010/main" w="9525">
-                <a:solidFill>
-                  <a:schemeClr val="tx1"/>
-                </a:solidFill>
-                <a:miter lim="800000"/>
-                <a:headEnd/>
-                <a:tailEnd/>
-              </a14:hiddenLine>
-            </a:ext>
-          </a:extLst>
-        </p:spPr>
-      </p:pic>
-      <p:pic>
-        <p:nvPicPr>
-          <p:cNvPr id="7173" name="Picture 5"/>
-          <p:cNvPicPr>
-            <a:picLocks noChangeAspect="1" noChangeArrowheads="1"/>
-          </p:cNvPicPr>
-          <p:nvPr/>
-        </p:nvPicPr>
-        <p:blipFill rotWithShape="1">
-          <a:blip r:embed="rId3">
-            <a:extLst>
-              <a:ext uri="{28A0092B-C50C-407E-A947-70E740481C1C}">
-                <a14:useLocalDpi xmlns:a14="http://schemas.microsoft.com/office/drawing/2010/main" val="0"/>
-              </a:ext>
-            </a:extLst>
-          </a:blip>
-          <a:srcRect l="26309"/>
-          <a:stretch/>
-        </p:blipFill>
-        <p:spPr bwMode="auto">
-          <a:xfrm>
-            <a:off x="3241158" y="612461"/>
-            <a:ext cx="5486400" cy="2663623"/>
-          </a:xfrm>
-          <a:prstGeom prst="rect">
-            <a:avLst/>
-          </a:prstGeom>
-          <a:noFill/>
-          <a:ln>
-            <a:noFill/>
-          </a:ln>
-          <a:extLst>
-            <a:ext uri="{909E8E84-426E-40DD-AFC4-6F175D3DCCD1}">
-              <a14:hiddenFill xmlns:a14="http://schemas.microsoft.com/office/drawing/2010/main">
-                <a:solidFill>
-                  <a:schemeClr val="accent1"/>
-                </a:solidFill>
-              </a14:hiddenFill>
-            </a:ext>
-            <a:ext uri="{91240B29-F687-4F45-9708-019B960494DF}">
-              <a14:hiddenLine xmlns:a14="http://schemas.microsoft.com/office/drawing/2010/main" w="9525">
-                <a:solidFill>
-                  <a:schemeClr val="tx1"/>
-                </a:solidFill>
-                <a:miter lim="800000"/>
-                <a:headEnd/>
-                <a:tailEnd/>
-              </a14:hiddenLine>
-            </a:ext>
-          </a:extLst>
-        </p:spPr>
-      </p:pic>
       <p:cxnSp>
         <p:nvCxnSpPr>
-          <p:cNvPr id="8" name="Straight Connector 7"/>
+          <p:cNvPr id="4" name="Straight Connector 3"/>
           <p:cNvCxnSpPr/>
           <p:nvPr/>
         </p:nvCxnSpPr>
@@ -10268,7 +10261,7 @@
       </p:cxnSp>
       <p:sp>
         <p:nvSpPr>
-          <p:cNvPr id="9" name="TextBox 8"/>
+          <p:cNvPr id="5" name="TextBox 4"/>
           <p:cNvSpPr txBox="1"/>
           <p:nvPr/>
         </p:nvSpPr>
@@ -10296,7 +10289,7 @@
                   </a:schemeClr>
                 </a:solidFill>
               </a:rPr>
-              <a:t>Function</a:t>
+              <a:t>Using String Functions</a:t>
             </a:r>
             <a:endParaRPr lang="en-US" sz="1600" b="1" dirty="0">
               <a:solidFill>
@@ -10308,10 +10301,64 @@
           </a:p>
         </p:txBody>
       </p:sp>
+      <p:pic>
+        <p:nvPicPr>
+          <p:cNvPr id="6146" name="Picture 2"/>
+          <p:cNvPicPr>
+            <a:picLocks noChangeAspect="1" noChangeArrowheads="1"/>
+          </p:cNvPicPr>
+          <p:nvPr/>
+        </p:nvPicPr>
+        <p:blipFill>
+          <a:blip r:embed="rId2">
+            <a:extLst>
+              <a:ext uri="{28A0092B-C50C-407E-A947-70E740481C1C}">
+                <a14:useLocalDpi xmlns:a14="http://schemas.microsoft.com/office/drawing/2010/main" val="0"/>
+              </a:ext>
+            </a:extLst>
+          </a:blip>
+          <a:srcRect/>
+          <a:stretch>
+            <a:fillRect/>
+          </a:stretch>
+        </p:blipFill>
+        <p:spPr bwMode="auto">
+          <a:xfrm>
+            <a:off x="1304924" y="762000"/>
+            <a:ext cx="7458075" cy="3760449"/>
+          </a:xfrm>
+          <a:prstGeom prst="rect">
+            <a:avLst/>
+          </a:prstGeom>
+          <a:noFill/>
+          <a:ln>
+            <a:noFill/>
+          </a:ln>
+          <a:extLst>
+            <a:ext uri="{909E8E84-426E-40DD-AFC4-6F175D3DCCD1}">
+              <a14:hiddenFill xmlns:a14="http://schemas.microsoft.com/office/drawing/2010/main">
+                <a:solidFill>
+                  <a:schemeClr val="accent1"/>
+                </a:solidFill>
+              </a14:hiddenFill>
+            </a:ext>
+            <a:ext uri="{91240B29-F687-4F45-9708-019B960494DF}">
+              <a14:hiddenLine xmlns:a14="http://schemas.microsoft.com/office/drawing/2010/main" w="9525">
+                <a:solidFill>
+                  <a:schemeClr val="tx1"/>
+                </a:solidFill>
+                <a:miter lim="800000"/>
+                <a:headEnd/>
+                <a:tailEnd/>
+              </a14:hiddenLine>
+            </a:ext>
+          </a:extLst>
+        </p:spPr>
+      </p:pic>
     </p:spTree>
     <p:extLst>
       <p:ext uri="{BB962C8B-B14F-4D97-AF65-F5344CB8AC3E}">
-        <p14:creationId xmlns:p14="http://schemas.microsoft.com/office/powerpoint/2010/main" val="3059673057"/>
+        <p14:creationId xmlns:p14="http://schemas.microsoft.com/office/powerpoint/2010/main" val="206710386"/>
       </p:ext>
     </p:extLst>
   </p:cSld>
@@ -10338,6 +10385,112 @@
           <a:chExt cx="0" cy="0"/>
         </a:xfrm>
       </p:grpSpPr>
+      <p:pic>
+        <p:nvPicPr>
+          <p:cNvPr id="7170" name="Picture 2"/>
+          <p:cNvPicPr>
+            <a:picLocks noChangeAspect="1" noChangeArrowheads="1"/>
+          </p:cNvPicPr>
+          <p:nvPr/>
+        </p:nvPicPr>
+        <p:blipFill>
+          <a:blip r:embed="rId2">
+            <a:extLst>
+              <a:ext uri="{28A0092B-C50C-407E-A947-70E740481C1C}">
+                <a14:useLocalDpi xmlns:a14="http://schemas.microsoft.com/office/drawing/2010/main" val="0"/>
+              </a:ext>
+            </a:extLst>
+          </a:blip>
+          <a:srcRect/>
+          <a:stretch>
+            <a:fillRect/>
+          </a:stretch>
+        </p:blipFill>
+        <p:spPr bwMode="auto">
+          <a:xfrm>
+            <a:off x="1082750" y="652130"/>
+            <a:ext cx="2101701" cy="2497071"/>
+          </a:xfrm>
+          <a:prstGeom prst="rect">
+            <a:avLst/>
+          </a:prstGeom>
+          <a:noFill/>
+          <a:ln>
+            <a:noFill/>
+          </a:ln>
+          <a:extLst>
+            <a:ext uri="{909E8E84-426E-40DD-AFC4-6F175D3DCCD1}">
+              <a14:hiddenFill xmlns:a14="http://schemas.microsoft.com/office/drawing/2010/main">
+                <a:solidFill>
+                  <a:schemeClr val="accent1"/>
+                </a:solidFill>
+              </a14:hiddenFill>
+            </a:ext>
+            <a:ext uri="{91240B29-F687-4F45-9708-019B960494DF}">
+              <a14:hiddenLine xmlns:a14="http://schemas.microsoft.com/office/drawing/2010/main" w="9525">
+                <a:solidFill>
+                  <a:schemeClr val="tx1"/>
+                </a:solidFill>
+                <a:miter lim="800000"/>
+                <a:headEnd/>
+                <a:tailEnd/>
+              </a14:hiddenLine>
+            </a:ext>
+          </a:extLst>
+        </p:spPr>
+      </p:pic>
+      <p:pic>
+        <p:nvPicPr>
+          <p:cNvPr id="7173" name="Picture 5"/>
+          <p:cNvPicPr>
+            <a:picLocks noChangeAspect="1" noChangeArrowheads="1"/>
+          </p:cNvPicPr>
+          <p:nvPr/>
+        </p:nvPicPr>
+        <p:blipFill rotWithShape="1">
+          <a:blip r:embed="rId3">
+            <a:extLst>
+              <a:ext uri="{28A0092B-C50C-407E-A947-70E740481C1C}">
+                <a14:useLocalDpi xmlns:a14="http://schemas.microsoft.com/office/drawing/2010/main" val="0"/>
+              </a:ext>
+            </a:extLst>
+          </a:blip>
+          <a:srcRect l="26309"/>
+          <a:stretch/>
+        </p:blipFill>
+        <p:spPr bwMode="auto">
+          <a:xfrm>
+            <a:off x="3241158" y="612461"/>
+            <a:ext cx="5486400" cy="2663623"/>
+          </a:xfrm>
+          <a:prstGeom prst="rect">
+            <a:avLst/>
+          </a:prstGeom>
+          <a:noFill/>
+          <a:ln>
+            <a:noFill/>
+          </a:ln>
+          <a:extLst>
+            <a:ext uri="{909E8E84-426E-40DD-AFC4-6F175D3DCCD1}">
+              <a14:hiddenFill xmlns:a14="http://schemas.microsoft.com/office/drawing/2010/main">
+                <a:solidFill>
+                  <a:schemeClr val="accent1"/>
+                </a:solidFill>
+              </a14:hiddenFill>
+            </a:ext>
+            <a:ext uri="{91240B29-F687-4F45-9708-019B960494DF}">
+              <a14:hiddenLine xmlns:a14="http://schemas.microsoft.com/office/drawing/2010/main" w="9525">
+                <a:solidFill>
+                  <a:schemeClr val="tx1"/>
+                </a:solidFill>
+                <a:miter lim="800000"/>
+                <a:headEnd/>
+                <a:tailEnd/>
+              </a14:hiddenLine>
+            </a:ext>
+          </a:extLst>
+        </p:spPr>
+      </p:pic>
       <p:cxnSp>
         <p:nvCxnSpPr>
           <p:cNvPr id="8" name="Straight Connector 7"/>
@@ -10405,7 +10558,7 @@
                   </a:schemeClr>
                 </a:solidFill>
               </a:rPr>
-              <a:t>Created Function Test</a:t>
+              <a:t>Function</a:t>
             </a:r>
             <a:endParaRPr lang="en-US" sz="1600" b="1" dirty="0">
               <a:solidFill>
@@ -10417,64 +10570,10 @@
           </a:p>
         </p:txBody>
       </p:sp>
-      <p:pic>
-        <p:nvPicPr>
-          <p:cNvPr id="8194" name="Picture 2"/>
-          <p:cNvPicPr>
-            <a:picLocks noChangeAspect="1" noChangeArrowheads="1"/>
-          </p:cNvPicPr>
-          <p:nvPr/>
-        </p:nvPicPr>
-        <p:blipFill>
-          <a:blip r:embed="rId2">
-            <a:extLst>
-              <a:ext uri="{28A0092B-C50C-407E-A947-70E740481C1C}">
-                <a14:useLocalDpi xmlns:a14="http://schemas.microsoft.com/office/drawing/2010/main" val="0"/>
-              </a:ext>
-            </a:extLst>
-          </a:blip>
-          <a:srcRect/>
-          <a:stretch>
-            <a:fillRect/>
-          </a:stretch>
-        </p:blipFill>
-        <p:spPr bwMode="auto">
-          <a:xfrm>
-            <a:off x="1163672" y="761999"/>
-            <a:ext cx="7286259" cy="3319463"/>
-          </a:xfrm>
-          <a:prstGeom prst="rect">
-            <a:avLst/>
-          </a:prstGeom>
-          <a:noFill/>
-          <a:ln>
-            <a:noFill/>
-          </a:ln>
-          <a:extLst>
-            <a:ext uri="{909E8E84-426E-40DD-AFC4-6F175D3DCCD1}">
-              <a14:hiddenFill xmlns:a14="http://schemas.microsoft.com/office/drawing/2010/main">
-                <a:solidFill>
-                  <a:schemeClr val="accent1"/>
-                </a:solidFill>
-              </a14:hiddenFill>
-            </a:ext>
-            <a:ext uri="{91240B29-F687-4F45-9708-019B960494DF}">
-              <a14:hiddenLine xmlns:a14="http://schemas.microsoft.com/office/drawing/2010/main" w="9525">
-                <a:solidFill>
-                  <a:schemeClr val="tx1"/>
-                </a:solidFill>
-                <a:miter lim="800000"/>
-                <a:headEnd/>
-                <a:tailEnd/>
-              </a14:hiddenLine>
-            </a:ext>
-          </a:extLst>
-        </p:spPr>
-      </p:pic>
     </p:spTree>
     <p:extLst>
       <p:ext uri="{BB962C8B-B14F-4D97-AF65-F5344CB8AC3E}">
-        <p14:creationId xmlns:p14="http://schemas.microsoft.com/office/powerpoint/2010/main" val="1210394409"/>
+        <p14:creationId xmlns:p14="http://schemas.microsoft.com/office/powerpoint/2010/main" val="3059673057"/>
       </p:ext>
     </p:extLst>
   </p:cSld>
@@ -10568,7 +10667,7 @@
                   </a:schemeClr>
                 </a:solidFill>
               </a:rPr>
-              <a:t>Created Store Procedure</a:t>
+              <a:t>Created Function Test</a:t>
             </a:r>
             <a:endParaRPr lang="en-US" sz="1600" b="1" dirty="0">
               <a:solidFill>
@@ -10582,7 +10681,7 @@
       </p:sp>
       <p:pic>
         <p:nvPicPr>
-          <p:cNvPr id="9218" name="Picture 2"/>
+          <p:cNvPr id="8194" name="Picture 2"/>
           <p:cNvPicPr>
             <a:picLocks noChangeAspect="1" noChangeArrowheads="1"/>
           </p:cNvPicPr>
@@ -10603,8 +10702,8 @@
         </p:blipFill>
         <p:spPr bwMode="auto">
           <a:xfrm>
-            <a:off x="1104901" y="685800"/>
-            <a:ext cx="3733799" cy="1055667"/>
+            <a:off x="1163672" y="761999"/>
+            <a:ext cx="7286259" cy="3319463"/>
           </a:xfrm>
           <a:prstGeom prst="rect">
             <a:avLst/>
@@ -10634,116 +10733,10 @@
           </a:extLst>
         </p:spPr>
       </p:pic>
-      <p:pic>
-        <p:nvPicPr>
-          <p:cNvPr id="9219" name="Picture 3"/>
-          <p:cNvPicPr>
-            <a:picLocks noChangeAspect="1" noChangeArrowheads="1"/>
-          </p:cNvPicPr>
-          <p:nvPr/>
-        </p:nvPicPr>
-        <p:blipFill rotWithShape="1">
-          <a:blip r:embed="rId3">
-            <a:extLst>
-              <a:ext uri="{28A0092B-C50C-407E-A947-70E740481C1C}">
-                <a14:useLocalDpi xmlns:a14="http://schemas.microsoft.com/office/drawing/2010/main" val="0"/>
-              </a:ext>
-            </a:extLst>
-          </a:blip>
-          <a:srcRect b="21761"/>
-          <a:stretch/>
-        </p:blipFill>
-        <p:spPr bwMode="auto">
-          <a:xfrm>
-            <a:off x="1295400" y="2819400"/>
-            <a:ext cx="5410200" cy="2878627"/>
-          </a:xfrm>
-          <a:prstGeom prst="rect">
-            <a:avLst/>
-          </a:prstGeom>
-          <a:noFill/>
-          <a:ln>
-            <a:noFill/>
-          </a:ln>
-          <a:extLst>
-            <a:ext uri="{909E8E84-426E-40DD-AFC4-6F175D3DCCD1}">
-              <a14:hiddenFill xmlns:a14="http://schemas.microsoft.com/office/drawing/2010/main">
-                <a:solidFill>
-                  <a:schemeClr val="accent1"/>
-                </a:solidFill>
-              </a14:hiddenFill>
-            </a:ext>
-            <a:ext uri="{91240B29-F687-4F45-9708-019B960494DF}">
-              <a14:hiddenLine xmlns:a14="http://schemas.microsoft.com/office/drawing/2010/main" w="9525">
-                <a:solidFill>
-                  <a:schemeClr val="tx1"/>
-                </a:solidFill>
-                <a:miter lim="800000"/>
-                <a:headEnd/>
-                <a:tailEnd/>
-              </a14:hiddenLine>
-            </a:ext>
-          </a:extLst>
-        </p:spPr>
-      </p:pic>
-      <p:pic>
-        <p:nvPicPr>
-          <p:cNvPr id="9220" name="Picture 4"/>
-          <p:cNvPicPr>
-            <a:picLocks noChangeAspect="1" noChangeArrowheads="1"/>
-          </p:cNvPicPr>
-          <p:nvPr/>
-        </p:nvPicPr>
-        <p:blipFill>
-          <a:blip r:embed="rId4">
-            <a:extLst>
-              <a:ext uri="{28A0092B-C50C-407E-A947-70E740481C1C}">
-                <a14:useLocalDpi xmlns:a14="http://schemas.microsoft.com/office/drawing/2010/main" val="0"/>
-              </a:ext>
-            </a:extLst>
-          </a:blip>
-          <a:srcRect/>
-          <a:stretch>
-            <a:fillRect/>
-          </a:stretch>
-        </p:blipFill>
-        <p:spPr bwMode="auto">
-          <a:xfrm>
-            <a:off x="5333999" y="838200"/>
-            <a:ext cx="3648075" cy="2105025"/>
-          </a:xfrm>
-          <a:prstGeom prst="rect">
-            <a:avLst/>
-          </a:prstGeom>
-          <a:noFill/>
-          <a:ln>
-            <a:noFill/>
-          </a:ln>
-          <a:extLst>
-            <a:ext uri="{909E8E84-426E-40DD-AFC4-6F175D3DCCD1}">
-              <a14:hiddenFill xmlns:a14="http://schemas.microsoft.com/office/drawing/2010/main">
-                <a:solidFill>
-                  <a:schemeClr val="accent1"/>
-                </a:solidFill>
-              </a14:hiddenFill>
-            </a:ext>
-            <a:ext uri="{91240B29-F687-4F45-9708-019B960494DF}">
-              <a14:hiddenLine xmlns:a14="http://schemas.microsoft.com/office/drawing/2010/main" w="9525">
-                <a:solidFill>
-                  <a:schemeClr val="tx1"/>
-                </a:solidFill>
-                <a:miter lim="800000"/>
-                <a:headEnd/>
-                <a:tailEnd/>
-              </a14:hiddenLine>
-            </a:ext>
-          </a:extLst>
-        </p:spPr>
-      </p:pic>
     </p:spTree>
     <p:extLst>
       <p:ext uri="{BB962C8B-B14F-4D97-AF65-F5344CB8AC3E}">
-        <p14:creationId xmlns:p14="http://schemas.microsoft.com/office/powerpoint/2010/main" val="1428611717"/>
+        <p14:creationId xmlns:p14="http://schemas.microsoft.com/office/powerpoint/2010/main" val="1210394409"/>
       </p:ext>
     </p:extLst>
   </p:cSld>
@@ -10851,7 +10844,7 @@
       </p:sp>
       <p:pic>
         <p:nvPicPr>
-          <p:cNvPr id="10242" name="Picture 2"/>
+          <p:cNvPr id="9218" name="Picture 2"/>
           <p:cNvPicPr>
             <a:picLocks noChangeAspect="1" noChangeArrowheads="1"/>
           </p:cNvPicPr>
@@ -10872,8 +10865,8 @@
         </p:blipFill>
         <p:spPr bwMode="auto">
           <a:xfrm>
-            <a:off x="1143001" y="685800"/>
-            <a:ext cx="5943600" cy="1261263"/>
+            <a:off x="1104901" y="685800"/>
+            <a:ext cx="3733799" cy="1055667"/>
           </a:xfrm>
           <a:prstGeom prst="rect">
             <a:avLst/>
@@ -10905,14 +10898,66 @@
       </p:pic>
       <p:pic>
         <p:nvPicPr>
-          <p:cNvPr id="10243" name="Picture 3"/>
+          <p:cNvPr id="9219" name="Picture 3"/>
           <p:cNvPicPr>
             <a:picLocks noChangeAspect="1" noChangeArrowheads="1"/>
           </p:cNvPicPr>
           <p:nvPr/>
         </p:nvPicPr>
+        <p:blipFill rotWithShape="1">
+          <a:blip r:embed="rId3">
+            <a:extLst>
+              <a:ext uri="{28A0092B-C50C-407E-A947-70E740481C1C}">
+                <a14:useLocalDpi xmlns:a14="http://schemas.microsoft.com/office/drawing/2010/main" val="0"/>
+              </a:ext>
+            </a:extLst>
+          </a:blip>
+          <a:srcRect b="21761"/>
+          <a:stretch/>
+        </p:blipFill>
+        <p:spPr bwMode="auto">
+          <a:xfrm>
+            <a:off x="1295400" y="2819400"/>
+            <a:ext cx="5410200" cy="2878627"/>
+          </a:xfrm>
+          <a:prstGeom prst="rect">
+            <a:avLst/>
+          </a:prstGeom>
+          <a:noFill/>
+          <a:ln>
+            <a:noFill/>
+          </a:ln>
+          <a:extLst>
+            <a:ext uri="{909E8E84-426E-40DD-AFC4-6F175D3DCCD1}">
+              <a14:hiddenFill xmlns:a14="http://schemas.microsoft.com/office/drawing/2010/main">
+                <a:solidFill>
+                  <a:schemeClr val="accent1"/>
+                </a:solidFill>
+              </a14:hiddenFill>
+            </a:ext>
+            <a:ext uri="{91240B29-F687-4F45-9708-019B960494DF}">
+              <a14:hiddenLine xmlns:a14="http://schemas.microsoft.com/office/drawing/2010/main" w="9525">
+                <a:solidFill>
+                  <a:schemeClr val="tx1"/>
+                </a:solidFill>
+                <a:miter lim="800000"/>
+                <a:headEnd/>
+                <a:tailEnd/>
+              </a14:hiddenLine>
+            </a:ext>
+          </a:extLst>
+        </p:spPr>
+      </p:pic>
+      <p:pic>
+        <p:nvPicPr>
+          <p:cNvPr id="9220" name="Picture 4"/>
+          <p:cNvPicPr>
+            <a:picLocks noChangeAspect="1" noChangeArrowheads="1"/>
+          </p:cNvPicPr>
+          <p:nvPr/>
+        </p:nvPicPr>
         <p:blipFill>
-          <a:blip r:embed="rId3">
+          <a:blip r:embed="rId4">
             <a:extLst>
               <a:ext uri="{28A0092B-C50C-407E-A947-70E740481C1C}">
                 <a14:useLocalDpi xmlns:a14="http://schemas.microsoft.com/office/drawing/2010/main" val="0"/>
@@ -10926,8 +10971,8 @@
         </p:blipFill>
         <p:spPr bwMode="auto">
           <a:xfrm>
-            <a:off x="1295400" y="2209800"/>
-            <a:ext cx="4352964" cy="2590800"/>
+            <a:off x="5333999" y="838200"/>
+            <a:ext cx="3648075" cy="2105025"/>
           </a:xfrm>
           <a:prstGeom prst="rect">
             <a:avLst/>
@@ -10960,7 +11005,7 @@
     </p:spTree>
     <p:extLst>
       <p:ext uri="{BB962C8B-B14F-4D97-AF65-F5344CB8AC3E}">
-        <p14:creationId xmlns:p14="http://schemas.microsoft.com/office/powerpoint/2010/main" val="3250386350"/>
+        <p14:creationId xmlns:p14="http://schemas.microsoft.com/office/powerpoint/2010/main" val="1428611717"/>
       </p:ext>
     </p:extLst>
   </p:cSld>
@@ -11068,7 +11113,7 @@
       </p:sp>
       <p:pic>
         <p:nvPicPr>
-          <p:cNvPr id="11266" name="Picture 2"/>
+          <p:cNvPr id="10242" name="Picture 2"/>
           <p:cNvPicPr>
             <a:picLocks noChangeAspect="1" noChangeArrowheads="1"/>
           </p:cNvPicPr>
@@ -11089,8 +11134,8 @@
         </p:blipFill>
         <p:spPr bwMode="auto">
           <a:xfrm>
-            <a:off x="1127051" y="685800"/>
-            <a:ext cx="7543800" cy="1223813"/>
+            <a:off x="1143001" y="685800"/>
+            <a:ext cx="5943600" cy="1261263"/>
           </a:xfrm>
           <a:prstGeom prst="rect">
             <a:avLst/>
@@ -11122,7 +11167,7 @@
       </p:pic>
       <p:pic>
         <p:nvPicPr>
-          <p:cNvPr id="11267" name="Picture 3"/>
+          <p:cNvPr id="10243" name="Picture 3"/>
           <p:cNvPicPr>
             <a:picLocks noChangeAspect="1" noChangeArrowheads="1"/>
           </p:cNvPicPr>
@@ -11143,8 +11188,8 @@
         </p:blipFill>
         <p:spPr bwMode="auto">
           <a:xfrm>
-            <a:off x="1219200" y="1981200"/>
-            <a:ext cx="4686300" cy="381000"/>
+            <a:off x="1295400" y="2209800"/>
+            <a:ext cx="4352964" cy="2590800"/>
           </a:xfrm>
           <a:prstGeom prst="rect">
             <a:avLst/>
@@ -11174,118 +11219,10 @@
           </a:extLst>
         </p:spPr>
       </p:pic>
-      <p:pic>
-        <p:nvPicPr>
-          <p:cNvPr id="11268" name="Picture 4"/>
-          <p:cNvPicPr>
-            <a:picLocks noChangeAspect="1" noChangeArrowheads="1"/>
-          </p:cNvPicPr>
-          <p:nvPr/>
-        </p:nvPicPr>
-        <p:blipFill>
-          <a:blip r:embed="rId4">
-            <a:extLst>
-              <a:ext uri="{28A0092B-C50C-407E-A947-70E740481C1C}">
-                <a14:useLocalDpi xmlns:a14="http://schemas.microsoft.com/office/drawing/2010/main" val="0"/>
-              </a:ext>
-            </a:extLst>
-          </a:blip>
-          <a:srcRect/>
-          <a:stretch>
-            <a:fillRect/>
-          </a:stretch>
-        </p:blipFill>
-        <p:spPr bwMode="auto">
-          <a:xfrm>
-            <a:off x="1190625" y="2533650"/>
-            <a:ext cx="3648075" cy="1790700"/>
-          </a:xfrm>
-          <a:prstGeom prst="rect">
-            <a:avLst/>
-          </a:prstGeom>
-          <a:noFill/>
-          <a:ln>
-            <a:noFill/>
-          </a:ln>
-          <a:extLst>
-            <a:ext uri="{909E8E84-426E-40DD-AFC4-6F175D3DCCD1}">
-              <a14:hiddenFill xmlns:a14="http://schemas.microsoft.com/office/drawing/2010/main">
-                <a:solidFill>
-                  <a:schemeClr val="accent1"/>
-                </a:solidFill>
-              </a14:hiddenFill>
-            </a:ext>
-            <a:ext uri="{91240B29-F687-4F45-9708-019B960494DF}">
-              <a14:hiddenLine xmlns:a14="http://schemas.microsoft.com/office/drawing/2010/main" w="9525">
-                <a:solidFill>
-                  <a:schemeClr val="tx1"/>
-                </a:solidFill>
-                <a:miter lim="800000"/>
-                <a:headEnd/>
-                <a:tailEnd/>
-              </a14:hiddenLine>
-            </a:ext>
-          </a:extLst>
-        </p:spPr>
-      </p:pic>
-      <p:pic>
-        <p:nvPicPr>
-          <p:cNvPr id="11270" name="Picture 6"/>
-          <p:cNvPicPr>
-            <a:picLocks noChangeAspect="1" noChangeArrowheads="1"/>
-          </p:cNvPicPr>
-          <p:nvPr/>
-        </p:nvPicPr>
-        <p:blipFill>
-          <a:blip r:embed="rId5">
-            <a:extLst>
-              <a:ext uri="{28A0092B-C50C-407E-A947-70E740481C1C}">
-                <a14:useLocalDpi xmlns:a14="http://schemas.microsoft.com/office/drawing/2010/main" val="0"/>
-              </a:ext>
-            </a:extLst>
-          </a:blip>
-          <a:srcRect/>
-          <a:stretch>
-            <a:fillRect/>
-          </a:stretch>
-        </p:blipFill>
-        <p:spPr bwMode="auto">
-          <a:xfrm>
-            <a:off x="1219200" y="4353035"/>
-            <a:ext cx="4324350" cy="695325"/>
-          </a:xfrm>
-          <a:prstGeom prst="rect">
-            <a:avLst/>
-          </a:prstGeom>
-          <a:noFill/>
-          <a:ln>
-            <a:noFill/>
-          </a:ln>
-          <a:extLst>
-            <a:ext uri="{909E8E84-426E-40DD-AFC4-6F175D3DCCD1}">
-              <a14:hiddenFill xmlns:a14="http://schemas.microsoft.com/office/drawing/2010/main">
-                <a:solidFill>
-                  <a:schemeClr val="accent1"/>
-                </a:solidFill>
-              </a14:hiddenFill>
-            </a:ext>
-            <a:ext uri="{91240B29-F687-4F45-9708-019B960494DF}">
-              <a14:hiddenLine xmlns:a14="http://schemas.microsoft.com/office/drawing/2010/main" w="9525">
-                <a:solidFill>
-                  <a:schemeClr val="tx1"/>
-                </a:solidFill>
-                <a:miter lim="800000"/>
-                <a:headEnd/>
-                <a:tailEnd/>
-              </a14:hiddenLine>
-            </a:ext>
-          </a:extLst>
-        </p:spPr>
-      </p:pic>
     </p:spTree>
     <p:extLst>
       <p:ext uri="{BB962C8B-B14F-4D97-AF65-F5344CB8AC3E}">
-        <p14:creationId xmlns:p14="http://schemas.microsoft.com/office/powerpoint/2010/main" val="3898713407"/>
+        <p14:creationId xmlns:p14="http://schemas.microsoft.com/office/powerpoint/2010/main" val="3250386350"/>
       </p:ext>
     </p:extLst>
   </p:cSld>
@@ -11379,7 +11316,7 @@
                   </a:schemeClr>
                 </a:solidFill>
               </a:rPr>
-              <a:t>Call Store Procedure at Python</a:t>
+              <a:t>Created Store Procedure</a:t>
             </a:r>
             <a:endParaRPr lang="en-US" sz="1600" b="1" dirty="0">
               <a:solidFill>
@@ -11393,7 +11330,7 @@
       </p:sp>
       <p:pic>
         <p:nvPicPr>
-          <p:cNvPr id="12290" name="Picture 2"/>
+          <p:cNvPr id="11266" name="Picture 2"/>
           <p:cNvPicPr>
             <a:picLocks noChangeAspect="1" noChangeArrowheads="1"/>
           </p:cNvPicPr>
@@ -11414,8 +11351,8 @@
         </p:blipFill>
         <p:spPr bwMode="auto">
           <a:xfrm>
-            <a:off x="1019175" y="609600"/>
-            <a:ext cx="4314825" cy="1924050"/>
+            <a:off x="1127051" y="685800"/>
+            <a:ext cx="7543800" cy="1223813"/>
           </a:xfrm>
           <a:prstGeom prst="rect">
             <a:avLst/>
@@ -11447,7 +11384,7 @@
       </p:pic>
       <p:pic>
         <p:nvPicPr>
-          <p:cNvPr id="12291" name="Picture 3"/>
+          <p:cNvPr id="11267" name="Picture 3"/>
           <p:cNvPicPr>
             <a:picLocks noChangeAspect="1" noChangeArrowheads="1"/>
           </p:cNvPicPr>
@@ -11468,8 +11405,8 @@
         </p:blipFill>
         <p:spPr bwMode="auto">
           <a:xfrm>
-            <a:off x="1143001" y="2590801"/>
-            <a:ext cx="4191000" cy="2170182"/>
+            <a:off x="1219200" y="1981200"/>
+            <a:ext cx="4686300" cy="381000"/>
           </a:xfrm>
           <a:prstGeom prst="rect">
             <a:avLst/>
@@ -11501,7 +11438,7 @@
       </p:pic>
       <p:pic>
         <p:nvPicPr>
-          <p:cNvPr id="12292" name="Picture 4"/>
+          <p:cNvPr id="11268" name="Picture 4"/>
           <p:cNvPicPr>
             <a:picLocks noChangeAspect="1" noChangeArrowheads="1"/>
           </p:cNvPicPr>
@@ -11522,8 +11459,8 @@
         </p:blipFill>
         <p:spPr bwMode="auto">
           <a:xfrm>
-            <a:off x="4953000" y="652089"/>
-            <a:ext cx="3654950" cy="1938712"/>
+            <a:off x="1190625" y="2533650"/>
+            <a:ext cx="3648075" cy="1790700"/>
           </a:xfrm>
           <a:prstGeom prst="rect">
             <a:avLst/>
@@ -11555,7 +11492,7 @@
       </p:pic>
       <p:pic>
         <p:nvPicPr>
-          <p:cNvPr id="12293" name="Picture 5"/>
+          <p:cNvPr id="11270" name="Picture 6"/>
           <p:cNvPicPr>
             <a:picLocks noChangeAspect="1" noChangeArrowheads="1"/>
           </p:cNvPicPr>
@@ -11576,8 +11513,8 @@
         </p:blipFill>
         <p:spPr bwMode="auto">
           <a:xfrm>
-            <a:off x="4953000" y="2667000"/>
-            <a:ext cx="3581400" cy="2654149"/>
+            <a:off x="1219200" y="4353035"/>
+            <a:ext cx="4324350" cy="695325"/>
           </a:xfrm>
           <a:prstGeom prst="rect">
             <a:avLst/>
@@ -12045,6 +11982,1195 @@
     <p:extLst>
       <p:ext uri="{BB962C8B-B14F-4D97-AF65-F5344CB8AC3E}">
         <p14:creationId xmlns:p14="http://schemas.microsoft.com/office/powerpoint/2010/main" val="2790362603"/>
+      </p:ext>
+    </p:extLst>
+  </p:cSld>
+  <p:clrMapOvr>
+    <a:masterClrMapping/>
+  </p:clrMapOvr>
+</p:sld>
+</file>
+
+<file path=ppt/slides/slide40.xml><?xml version="1.0" encoding="utf-8"?>
+<p:sld xmlns:a="http://schemas.openxmlformats.org/drawingml/2006/main" xmlns:r="http://schemas.openxmlformats.org/officeDocument/2006/relationships" xmlns:p="http://schemas.openxmlformats.org/presentationml/2006/main">
+  <p:cSld>
+    <p:spTree>
+      <p:nvGrpSpPr>
+        <p:cNvPr id="1" name=""/>
+        <p:cNvGrpSpPr/>
+        <p:nvPr/>
+      </p:nvGrpSpPr>
+      <p:grpSpPr>
+        <a:xfrm>
+          <a:off x="0" y="0"/>
+          <a:ext cx="0" cy="0"/>
+          <a:chOff x="0" y="0"/>
+          <a:chExt cx="0" cy="0"/>
+        </a:xfrm>
+      </p:grpSpPr>
+      <p:cxnSp>
+        <p:nvCxnSpPr>
+          <p:cNvPr id="8" name="Straight Connector 7"/>
+          <p:cNvCxnSpPr/>
+          <p:nvPr/>
+        </p:nvCxnSpPr>
+        <p:spPr>
+          <a:xfrm>
+            <a:off x="990600" y="533400"/>
+            <a:ext cx="7696200" cy="0"/>
+          </a:xfrm>
+          <a:prstGeom prst="line">
+            <a:avLst/>
+          </a:prstGeom>
+          <a:ln>
+            <a:solidFill>
+              <a:schemeClr val="accent2">
+                <a:lumMod val="75000"/>
+              </a:schemeClr>
+            </a:solidFill>
+          </a:ln>
+        </p:spPr>
+        <p:style>
+          <a:lnRef idx="1">
+            <a:schemeClr val="accent3"/>
+          </a:lnRef>
+          <a:fillRef idx="0">
+            <a:schemeClr val="accent3"/>
+          </a:fillRef>
+          <a:effectRef idx="0">
+            <a:schemeClr val="accent3"/>
+          </a:effectRef>
+          <a:fontRef idx="minor">
+            <a:schemeClr val="tx1"/>
+          </a:fontRef>
+        </p:style>
+      </p:cxnSp>
+      <p:sp>
+        <p:nvSpPr>
+          <p:cNvPr id="9" name="TextBox 8"/>
+          <p:cNvSpPr txBox="1"/>
+          <p:nvPr/>
+        </p:nvSpPr>
+        <p:spPr>
+          <a:xfrm>
+            <a:off x="990600" y="194846"/>
+            <a:ext cx="7772400" cy="338554"/>
+          </a:xfrm>
+          <a:prstGeom prst="rect">
+            <a:avLst/>
+          </a:prstGeom>
+          <a:noFill/>
+        </p:spPr>
+        <p:txBody>
+          <a:bodyPr wrap="square" rtlCol="0">
+            <a:spAutoFit/>
+          </a:bodyPr>
+          <a:lstStyle/>
+          <a:p>
+            <a:r>
+              <a:rPr lang="en-US" sz="1600" b="1" dirty="0" smtClean="0">
+                <a:solidFill>
+                  <a:schemeClr val="accent2">
+                    <a:lumMod val="75000"/>
+                  </a:schemeClr>
+                </a:solidFill>
+              </a:rPr>
+              <a:t>Call Store Procedure at Python</a:t>
+            </a:r>
+            <a:endParaRPr lang="en-US" sz="1600" b="1" dirty="0">
+              <a:solidFill>
+                <a:schemeClr val="accent2">
+                  <a:lumMod val="75000"/>
+                </a:schemeClr>
+              </a:solidFill>
+            </a:endParaRPr>
+          </a:p>
+        </p:txBody>
+      </p:sp>
+      <p:pic>
+        <p:nvPicPr>
+          <p:cNvPr id="12290" name="Picture 2"/>
+          <p:cNvPicPr>
+            <a:picLocks noChangeAspect="1" noChangeArrowheads="1"/>
+          </p:cNvPicPr>
+          <p:nvPr/>
+        </p:nvPicPr>
+        <p:blipFill>
+          <a:blip r:embed="rId2">
+            <a:extLst>
+              <a:ext uri="{28A0092B-C50C-407E-A947-70E740481C1C}">
+                <a14:useLocalDpi xmlns:a14="http://schemas.microsoft.com/office/drawing/2010/main" val="0"/>
+              </a:ext>
+            </a:extLst>
+          </a:blip>
+          <a:srcRect/>
+          <a:stretch>
+            <a:fillRect/>
+          </a:stretch>
+        </p:blipFill>
+        <p:spPr bwMode="auto">
+          <a:xfrm>
+            <a:off x="1019175" y="609600"/>
+            <a:ext cx="4314825" cy="1924050"/>
+          </a:xfrm>
+          <a:prstGeom prst="rect">
+            <a:avLst/>
+          </a:prstGeom>
+          <a:noFill/>
+          <a:ln>
+            <a:noFill/>
+          </a:ln>
+          <a:extLst>
+            <a:ext uri="{909E8E84-426E-40DD-AFC4-6F175D3DCCD1}">
+              <a14:hiddenFill xmlns:a14="http://schemas.microsoft.com/office/drawing/2010/main">
+                <a:solidFill>
+                  <a:schemeClr val="accent1"/>
+                </a:solidFill>
+              </a14:hiddenFill>
+            </a:ext>
+            <a:ext uri="{91240B29-F687-4F45-9708-019B960494DF}">
+              <a14:hiddenLine xmlns:a14="http://schemas.microsoft.com/office/drawing/2010/main" w="9525">
+                <a:solidFill>
+                  <a:schemeClr val="tx1"/>
+                </a:solidFill>
+                <a:miter lim="800000"/>
+                <a:headEnd/>
+                <a:tailEnd/>
+              </a14:hiddenLine>
+            </a:ext>
+          </a:extLst>
+        </p:spPr>
+      </p:pic>
+      <p:pic>
+        <p:nvPicPr>
+          <p:cNvPr id="12291" name="Picture 3"/>
+          <p:cNvPicPr>
+            <a:picLocks noChangeAspect="1" noChangeArrowheads="1"/>
+          </p:cNvPicPr>
+          <p:nvPr/>
+        </p:nvPicPr>
+        <p:blipFill>
+          <a:blip r:embed="rId3">
+            <a:extLst>
+              <a:ext uri="{28A0092B-C50C-407E-A947-70E740481C1C}">
+                <a14:useLocalDpi xmlns:a14="http://schemas.microsoft.com/office/drawing/2010/main" val="0"/>
+              </a:ext>
+            </a:extLst>
+          </a:blip>
+          <a:srcRect/>
+          <a:stretch>
+            <a:fillRect/>
+          </a:stretch>
+        </p:blipFill>
+        <p:spPr bwMode="auto">
+          <a:xfrm>
+            <a:off x="1143001" y="2590801"/>
+            <a:ext cx="4191000" cy="2170182"/>
+          </a:xfrm>
+          <a:prstGeom prst="rect">
+            <a:avLst/>
+          </a:prstGeom>
+          <a:noFill/>
+          <a:ln>
+            <a:noFill/>
+          </a:ln>
+          <a:extLst>
+            <a:ext uri="{909E8E84-426E-40DD-AFC4-6F175D3DCCD1}">
+              <a14:hiddenFill xmlns:a14="http://schemas.microsoft.com/office/drawing/2010/main">
+                <a:solidFill>
+                  <a:schemeClr val="accent1"/>
+                </a:solidFill>
+              </a14:hiddenFill>
+            </a:ext>
+            <a:ext uri="{91240B29-F687-4F45-9708-019B960494DF}">
+              <a14:hiddenLine xmlns:a14="http://schemas.microsoft.com/office/drawing/2010/main" w="9525">
+                <a:solidFill>
+                  <a:schemeClr val="tx1"/>
+                </a:solidFill>
+                <a:miter lim="800000"/>
+                <a:headEnd/>
+                <a:tailEnd/>
+              </a14:hiddenLine>
+            </a:ext>
+          </a:extLst>
+        </p:spPr>
+      </p:pic>
+      <p:pic>
+        <p:nvPicPr>
+          <p:cNvPr id="12292" name="Picture 4"/>
+          <p:cNvPicPr>
+            <a:picLocks noChangeAspect="1" noChangeArrowheads="1"/>
+          </p:cNvPicPr>
+          <p:nvPr/>
+        </p:nvPicPr>
+        <p:blipFill>
+          <a:blip r:embed="rId4">
+            <a:extLst>
+              <a:ext uri="{28A0092B-C50C-407E-A947-70E740481C1C}">
+                <a14:useLocalDpi xmlns:a14="http://schemas.microsoft.com/office/drawing/2010/main" val="0"/>
+              </a:ext>
+            </a:extLst>
+          </a:blip>
+          <a:srcRect/>
+          <a:stretch>
+            <a:fillRect/>
+          </a:stretch>
+        </p:blipFill>
+        <p:spPr bwMode="auto">
+          <a:xfrm>
+            <a:off x="4953000" y="652089"/>
+            <a:ext cx="3654950" cy="1938712"/>
+          </a:xfrm>
+          <a:prstGeom prst="rect">
+            <a:avLst/>
+          </a:prstGeom>
+          <a:noFill/>
+          <a:ln>
+            <a:noFill/>
+          </a:ln>
+          <a:extLst>
+            <a:ext uri="{909E8E84-426E-40DD-AFC4-6F175D3DCCD1}">
+              <a14:hiddenFill xmlns:a14="http://schemas.microsoft.com/office/drawing/2010/main">
+                <a:solidFill>
+                  <a:schemeClr val="accent1"/>
+                </a:solidFill>
+              </a14:hiddenFill>
+            </a:ext>
+            <a:ext uri="{91240B29-F687-4F45-9708-019B960494DF}">
+              <a14:hiddenLine xmlns:a14="http://schemas.microsoft.com/office/drawing/2010/main" w="9525">
+                <a:solidFill>
+                  <a:schemeClr val="tx1"/>
+                </a:solidFill>
+                <a:miter lim="800000"/>
+                <a:headEnd/>
+                <a:tailEnd/>
+              </a14:hiddenLine>
+            </a:ext>
+          </a:extLst>
+        </p:spPr>
+      </p:pic>
+      <p:pic>
+        <p:nvPicPr>
+          <p:cNvPr id="12293" name="Picture 5"/>
+          <p:cNvPicPr>
+            <a:picLocks noChangeAspect="1" noChangeArrowheads="1"/>
+          </p:cNvPicPr>
+          <p:nvPr/>
+        </p:nvPicPr>
+        <p:blipFill>
+          <a:blip r:embed="rId5">
+            <a:extLst>
+              <a:ext uri="{28A0092B-C50C-407E-A947-70E740481C1C}">
+                <a14:useLocalDpi xmlns:a14="http://schemas.microsoft.com/office/drawing/2010/main" val="0"/>
+              </a:ext>
+            </a:extLst>
+          </a:blip>
+          <a:srcRect/>
+          <a:stretch>
+            <a:fillRect/>
+          </a:stretch>
+        </p:blipFill>
+        <p:spPr bwMode="auto">
+          <a:xfrm>
+            <a:off x="4953000" y="2667000"/>
+            <a:ext cx="3581400" cy="2654149"/>
+          </a:xfrm>
+          <a:prstGeom prst="rect">
+            <a:avLst/>
+          </a:prstGeom>
+          <a:noFill/>
+          <a:ln>
+            <a:noFill/>
+          </a:ln>
+          <a:extLst>
+            <a:ext uri="{909E8E84-426E-40DD-AFC4-6F175D3DCCD1}">
+              <a14:hiddenFill xmlns:a14="http://schemas.microsoft.com/office/drawing/2010/main">
+                <a:solidFill>
+                  <a:schemeClr val="accent1"/>
+                </a:solidFill>
+              </a14:hiddenFill>
+            </a:ext>
+            <a:ext uri="{91240B29-F687-4F45-9708-019B960494DF}">
+              <a14:hiddenLine xmlns:a14="http://schemas.microsoft.com/office/drawing/2010/main" w="9525">
+                <a:solidFill>
+                  <a:schemeClr val="tx1"/>
+                </a:solidFill>
+                <a:miter lim="800000"/>
+                <a:headEnd/>
+                <a:tailEnd/>
+              </a14:hiddenLine>
+            </a:ext>
+          </a:extLst>
+        </p:spPr>
+      </p:pic>
+    </p:spTree>
+    <p:extLst>
+      <p:ext uri="{BB962C8B-B14F-4D97-AF65-F5344CB8AC3E}">
+        <p14:creationId xmlns:p14="http://schemas.microsoft.com/office/powerpoint/2010/main" val="3898713407"/>
+      </p:ext>
+    </p:extLst>
+  </p:cSld>
+  <p:clrMapOvr>
+    <a:masterClrMapping/>
+  </p:clrMapOvr>
+</p:sld>
+</file>
+
+<file path=ppt/slides/slide41.xml><?xml version="1.0" encoding="utf-8"?>
+<p:sld xmlns:a="http://schemas.openxmlformats.org/drawingml/2006/main" xmlns:r="http://schemas.openxmlformats.org/officeDocument/2006/relationships" xmlns:p="http://schemas.openxmlformats.org/presentationml/2006/main">
+  <p:cSld>
+    <p:spTree>
+      <p:nvGrpSpPr>
+        <p:cNvPr id="1" name=""/>
+        <p:cNvGrpSpPr/>
+        <p:nvPr/>
+      </p:nvGrpSpPr>
+      <p:grpSpPr>
+        <a:xfrm>
+          <a:off x="0" y="0"/>
+          <a:ext cx="0" cy="0"/>
+          <a:chOff x="0" y="0"/>
+          <a:chExt cx="0" cy="0"/>
+        </a:xfrm>
+      </p:grpSpPr>
+      <p:pic>
+        <p:nvPicPr>
+          <p:cNvPr id="2050" name="Picture 2"/>
+          <p:cNvPicPr>
+            <a:picLocks noChangeAspect="1" noChangeArrowheads="1"/>
+          </p:cNvPicPr>
+          <p:nvPr/>
+        </p:nvPicPr>
+        <p:blipFill>
+          <a:blip r:embed="rId2">
+            <a:extLst>
+              <a:ext uri="{28A0092B-C50C-407E-A947-70E740481C1C}">
+                <a14:useLocalDpi xmlns:a14="http://schemas.microsoft.com/office/drawing/2010/main" val="0"/>
+              </a:ext>
+            </a:extLst>
+          </a:blip>
+          <a:srcRect/>
+          <a:stretch>
+            <a:fillRect/>
+          </a:stretch>
+        </p:blipFill>
+        <p:spPr bwMode="auto">
+          <a:xfrm>
+            <a:off x="1219200" y="762000"/>
+            <a:ext cx="7391400" cy="3058511"/>
+          </a:xfrm>
+          <a:prstGeom prst="rect">
+            <a:avLst/>
+          </a:prstGeom>
+          <a:noFill/>
+          <a:ln>
+            <a:noFill/>
+          </a:ln>
+          <a:extLst>
+            <a:ext uri="{909E8E84-426E-40DD-AFC4-6F175D3DCCD1}">
+              <a14:hiddenFill xmlns:a14="http://schemas.microsoft.com/office/drawing/2010/main">
+                <a:solidFill>
+                  <a:schemeClr val="accent1"/>
+                </a:solidFill>
+              </a14:hiddenFill>
+            </a:ext>
+            <a:ext uri="{91240B29-F687-4F45-9708-019B960494DF}">
+              <a14:hiddenLine xmlns:a14="http://schemas.microsoft.com/office/drawing/2010/main" w="9525">
+                <a:solidFill>
+                  <a:schemeClr val="tx1"/>
+                </a:solidFill>
+                <a:miter lim="800000"/>
+                <a:headEnd/>
+                <a:tailEnd/>
+              </a14:hiddenLine>
+            </a:ext>
+          </a:extLst>
+        </p:spPr>
+      </p:pic>
+      <p:pic>
+        <p:nvPicPr>
+          <p:cNvPr id="2051" name="Picture 3"/>
+          <p:cNvPicPr>
+            <a:picLocks noChangeAspect="1" noChangeArrowheads="1"/>
+          </p:cNvPicPr>
+          <p:nvPr/>
+        </p:nvPicPr>
+        <p:blipFill>
+          <a:blip r:embed="rId3">
+            <a:extLst>
+              <a:ext uri="{28A0092B-C50C-407E-A947-70E740481C1C}">
+                <a14:useLocalDpi xmlns:a14="http://schemas.microsoft.com/office/drawing/2010/main" val="0"/>
+              </a:ext>
+            </a:extLst>
+          </a:blip>
+          <a:srcRect/>
+          <a:stretch>
+            <a:fillRect/>
+          </a:stretch>
+        </p:blipFill>
+        <p:spPr bwMode="auto">
+          <a:xfrm>
+            <a:off x="2493335" y="3785069"/>
+            <a:ext cx="5448300" cy="2469621"/>
+          </a:xfrm>
+          <a:prstGeom prst="rect">
+            <a:avLst/>
+          </a:prstGeom>
+          <a:noFill/>
+          <a:ln>
+            <a:noFill/>
+          </a:ln>
+          <a:extLst>
+            <a:ext uri="{909E8E84-426E-40DD-AFC4-6F175D3DCCD1}">
+              <a14:hiddenFill xmlns:a14="http://schemas.microsoft.com/office/drawing/2010/main">
+                <a:solidFill>
+                  <a:schemeClr val="accent1"/>
+                </a:solidFill>
+              </a14:hiddenFill>
+            </a:ext>
+            <a:ext uri="{91240B29-F687-4F45-9708-019B960494DF}">
+              <a14:hiddenLine xmlns:a14="http://schemas.microsoft.com/office/drawing/2010/main" w="9525">
+                <a:solidFill>
+                  <a:schemeClr val="tx1"/>
+                </a:solidFill>
+                <a:miter lim="800000"/>
+                <a:headEnd/>
+                <a:tailEnd/>
+              </a14:hiddenLine>
+            </a:ext>
+          </a:extLst>
+        </p:spPr>
+      </p:pic>
+    </p:spTree>
+    <p:extLst>
+      <p:ext uri="{BB962C8B-B14F-4D97-AF65-F5344CB8AC3E}">
+        <p14:creationId xmlns:p14="http://schemas.microsoft.com/office/powerpoint/2010/main" val="884707055"/>
+      </p:ext>
+    </p:extLst>
+  </p:cSld>
+  <p:clrMapOvr>
+    <a:masterClrMapping/>
+  </p:clrMapOvr>
+</p:sld>
+</file>
+
+<file path=ppt/slides/slide42.xml><?xml version="1.0" encoding="utf-8"?>
+<p:sld xmlns:a="http://schemas.openxmlformats.org/drawingml/2006/main" xmlns:r="http://schemas.openxmlformats.org/officeDocument/2006/relationships" xmlns:p="http://schemas.openxmlformats.org/presentationml/2006/main">
+  <p:cSld>
+    <p:spTree>
+      <p:nvGrpSpPr>
+        <p:cNvPr id="1" name=""/>
+        <p:cNvGrpSpPr/>
+        <p:nvPr/>
+      </p:nvGrpSpPr>
+      <p:grpSpPr>
+        <a:xfrm>
+          <a:off x="0" y="0"/>
+          <a:ext cx="0" cy="0"/>
+          <a:chOff x="0" y="0"/>
+          <a:chExt cx="0" cy="0"/>
+        </a:xfrm>
+      </p:grpSpPr>
+      <p:pic>
+        <p:nvPicPr>
+          <p:cNvPr id="3074" name="Picture 2"/>
+          <p:cNvPicPr>
+            <a:picLocks noChangeAspect="1" noChangeArrowheads="1"/>
+          </p:cNvPicPr>
+          <p:nvPr/>
+        </p:nvPicPr>
+        <p:blipFill>
+          <a:blip r:embed="rId2">
+            <a:extLst>
+              <a:ext uri="{28A0092B-C50C-407E-A947-70E740481C1C}">
+                <a14:useLocalDpi xmlns:a14="http://schemas.microsoft.com/office/drawing/2010/main" val="0"/>
+              </a:ext>
+            </a:extLst>
+          </a:blip>
+          <a:srcRect/>
+          <a:stretch>
+            <a:fillRect/>
+          </a:stretch>
+        </p:blipFill>
+        <p:spPr bwMode="auto">
+          <a:xfrm>
+            <a:off x="1143000" y="1524000"/>
+            <a:ext cx="7567448" cy="3657600"/>
+          </a:xfrm>
+          <a:prstGeom prst="rect">
+            <a:avLst/>
+          </a:prstGeom>
+          <a:noFill/>
+          <a:ln>
+            <a:noFill/>
+          </a:ln>
+          <a:extLst>
+            <a:ext uri="{909E8E84-426E-40DD-AFC4-6F175D3DCCD1}">
+              <a14:hiddenFill xmlns:a14="http://schemas.microsoft.com/office/drawing/2010/main">
+                <a:solidFill>
+                  <a:schemeClr val="accent1"/>
+                </a:solidFill>
+              </a14:hiddenFill>
+            </a:ext>
+            <a:ext uri="{91240B29-F687-4F45-9708-019B960494DF}">
+              <a14:hiddenLine xmlns:a14="http://schemas.microsoft.com/office/drawing/2010/main" w="9525">
+                <a:solidFill>
+                  <a:schemeClr val="tx1"/>
+                </a:solidFill>
+                <a:miter lim="800000"/>
+                <a:headEnd/>
+                <a:tailEnd/>
+              </a14:hiddenLine>
+            </a:ext>
+          </a:extLst>
+        </p:spPr>
+      </p:pic>
+    </p:spTree>
+    <p:extLst>
+      <p:ext uri="{BB962C8B-B14F-4D97-AF65-F5344CB8AC3E}">
+        <p14:creationId xmlns:p14="http://schemas.microsoft.com/office/powerpoint/2010/main" val="4231566435"/>
+      </p:ext>
+    </p:extLst>
+  </p:cSld>
+  <p:clrMapOvr>
+    <a:masterClrMapping/>
+  </p:clrMapOvr>
+</p:sld>
+</file>
+
+<file path=ppt/slides/slide43.xml><?xml version="1.0" encoding="utf-8"?>
+<p:sld xmlns:a="http://schemas.openxmlformats.org/drawingml/2006/main" xmlns:r="http://schemas.openxmlformats.org/officeDocument/2006/relationships" xmlns:p="http://schemas.openxmlformats.org/presentationml/2006/main">
+  <p:cSld>
+    <p:spTree>
+      <p:nvGrpSpPr>
+        <p:cNvPr id="1" name=""/>
+        <p:cNvGrpSpPr/>
+        <p:nvPr/>
+      </p:nvGrpSpPr>
+      <p:grpSpPr>
+        <a:xfrm>
+          <a:off x="0" y="0"/>
+          <a:ext cx="0" cy="0"/>
+          <a:chOff x="0" y="0"/>
+          <a:chExt cx="0" cy="0"/>
+        </a:xfrm>
+      </p:grpSpPr>
+      <p:pic>
+        <p:nvPicPr>
+          <p:cNvPr id="4098" name="Picture 2"/>
+          <p:cNvPicPr>
+            <a:picLocks noChangeAspect="1" noChangeArrowheads="1"/>
+          </p:cNvPicPr>
+          <p:nvPr/>
+        </p:nvPicPr>
+        <p:blipFill>
+          <a:blip r:embed="rId2">
+            <a:extLst>
+              <a:ext uri="{28A0092B-C50C-407E-A947-70E740481C1C}">
+                <a14:useLocalDpi xmlns:a14="http://schemas.microsoft.com/office/drawing/2010/main" val="0"/>
+              </a:ext>
+            </a:extLst>
+          </a:blip>
+          <a:srcRect/>
+          <a:stretch>
+            <a:fillRect/>
+          </a:stretch>
+        </p:blipFill>
+        <p:spPr bwMode="auto">
+          <a:xfrm>
+            <a:off x="685800" y="838200"/>
+            <a:ext cx="8172450" cy="3619500"/>
+          </a:xfrm>
+          <a:prstGeom prst="rect">
+            <a:avLst/>
+          </a:prstGeom>
+          <a:noFill/>
+          <a:ln>
+            <a:noFill/>
+          </a:ln>
+          <a:extLst>
+            <a:ext uri="{909E8E84-426E-40DD-AFC4-6F175D3DCCD1}">
+              <a14:hiddenFill xmlns:a14="http://schemas.microsoft.com/office/drawing/2010/main">
+                <a:solidFill>
+                  <a:schemeClr val="accent1"/>
+                </a:solidFill>
+              </a14:hiddenFill>
+            </a:ext>
+            <a:ext uri="{91240B29-F687-4F45-9708-019B960494DF}">
+              <a14:hiddenLine xmlns:a14="http://schemas.microsoft.com/office/drawing/2010/main" w="9525">
+                <a:solidFill>
+                  <a:schemeClr val="tx1"/>
+                </a:solidFill>
+                <a:miter lim="800000"/>
+                <a:headEnd/>
+                <a:tailEnd/>
+              </a14:hiddenLine>
+            </a:ext>
+          </a:extLst>
+        </p:spPr>
+      </p:pic>
+    </p:spTree>
+    <p:extLst>
+      <p:ext uri="{BB962C8B-B14F-4D97-AF65-F5344CB8AC3E}">
+        <p14:creationId xmlns:p14="http://schemas.microsoft.com/office/powerpoint/2010/main" val="3540364591"/>
+      </p:ext>
+    </p:extLst>
+  </p:cSld>
+  <p:clrMapOvr>
+    <a:masterClrMapping/>
+  </p:clrMapOvr>
+</p:sld>
+</file>
+
+<file path=ppt/slides/slide44.xml><?xml version="1.0" encoding="utf-8"?>
+<p:sld xmlns:a="http://schemas.openxmlformats.org/drawingml/2006/main" xmlns:r="http://schemas.openxmlformats.org/officeDocument/2006/relationships" xmlns:p="http://schemas.openxmlformats.org/presentationml/2006/main">
+  <p:cSld>
+    <p:spTree>
+      <p:nvGrpSpPr>
+        <p:cNvPr id="1" name=""/>
+        <p:cNvGrpSpPr/>
+        <p:nvPr/>
+      </p:nvGrpSpPr>
+      <p:grpSpPr>
+        <a:xfrm>
+          <a:off x="0" y="0"/>
+          <a:ext cx="0" cy="0"/>
+          <a:chOff x="0" y="0"/>
+          <a:chExt cx="0" cy="0"/>
+        </a:xfrm>
+      </p:grpSpPr>
+      <p:pic>
+        <p:nvPicPr>
+          <p:cNvPr id="5122" name="Picture 2"/>
+          <p:cNvPicPr>
+            <a:picLocks noChangeAspect="1" noChangeArrowheads="1"/>
+          </p:cNvPicPr>
+          <p:nvPr/>
+        </p:nvPicPr>
+        <p:blipFill>
+          <a:blip r:embed="rId2">
+            <a:extLst>
+              <a:ext uri="{28A0092B-C50C-407E-A947-70E740481C1C}">
+                <a14:useLocalDpi xmlns:a14="http://schemas.microsoft.com/office/drawing/2010/main" val="0"/>
+              </a:ext>
+            </a:extLst>
+          </a:blip>
+          <a:srcRect/>
+          <a:stretch>
+            <a:fillRect/>
+          </a:stretch>
+        </p:blipFill>
+        <p:spPr bwMode="auto">
+          <a:xfrm>
+            <a:off x="204788" y="1509713"/>
+            <a:ext cx="8734425" cy="3838575"/>
+          </a:xfrm>
+          <a:prstGeom prst="rect">
+            <a:avLst/>
+          </a:prstGeom>
+          <a:noFill/>
+          <a:ln>
+            <a:noFill/>
+          </a:ln>
+          <a:extLst>
+            <a:ext uri="{909E8E84-426E-40DD-AFC4-6F175D3DCCD1}">
+              <a14:hiddenFill xmlns:a14="http://schemas.microsoft.com/office/drawing/2010/main">
+                <a:solidFill>
+                  <a:schemeClr val="accent1"/>
+                </a:solidFill>
+              </a14:hiddenFill>
+            </a:ext>
+            <a:ext uri="{91240B29-F687-4F45-9708-019B960494DF}">
+              <a14:hiddenLine xmlns:a14="http://schemas.microsoft.com/office/drawing/2010/main" w="9525">
+                <a:solidFill>
+                  <a:schemeClr val="tx1"/>
+                </a:solidFill>
+                <a:miter lim="800000"/>
+                <a:headEnd/>
+                <a:tailEnd/>
+              </a14:hiddenLine>
+            </a:ext>
+          </a:extLst>
+        </p:spPr>
+      </p:pic>
+    </p:spTree>
+    <p:extLst>
+      <p:ext uri="{BB962C8B-B14F-4D97-AF65-F5344CB8AC3E}">
+        <p14:creationId xmlns:p14="http://schemas.microsoft.com/office/powerpoint/2010/main" val="720808280"/>
+      </p:ext>
+    </p:extLst>
+  </p:cSld>
+  <p:clrMapOvr>
+    <a:masterClrMapping/>
+  </p:clrMapOvr>
+</p:sld>
+</file>
+
+<file path=ppt/slides/slide45.xml><?xml version="1.0" encoding="utf-8"?>
+<p:sld xmlns:a="http://schemas.openxmlformats.org/drawingml/2006/main" xmlns:r="http://schemas.openxmlformats.org/officeDocument/2006/relationships" xmlns:p="http://schemas.openxmlformats.org/presentationml/2006/main">
+  <p:cSld>
+    <p:spTree>
+      <p:nvGrpSpPr>
+        <p:cNvPr id="1" name=""/>
+        <p:cNvGrpSpPr/>
+        <p:nvPr/>
+      </p:nvGrpSpPr>
+      <p:grpSpPr>
+        <a:xfrm>
+          <a:off x="0" y="0"/>
+          <a:ext cx="0" cy="0"/>
+          <a:chOff x="0" y="0"/>
+          <a:chExt cx="0" cy="0"/>
+        </a:xfrm>
+      </p:grpSpPr>
+      <p:pic>
+        <p:nvPicPr>
+          <p:cNvPr id="6146" name="Picture 2"/>
+          <p:cNvPicPr>
+            <a:picLocks noChangeAspect="1" noChangeArrowheads="1"/>
+          </p:cNvPicPr>
+          <p:nvPr/>
+        </p:nvPicPr>
+        <p:blipFill>
+          <a:blip r:embed="rId2">
+            <a:extLst>
+              <a:ext uri="{28A0092B-C50C-407E-A947-70E740481C1C}">
+                <a14:useLocalDpi xmlns:a14="http://schemas.microsoft.com/office/drawing/2010/main" val="0"/>
+              </a:ext>
+            </a:extLst>
+          </a:blip>
+          <a:srcRect/>
+          <a:stretch>
+            <a:fillRect/>
+          </a:stretch>
+        </p:blipFill>
+        <p:spPr bwMode="auto">
+          <a:xfrm>
+            <a:off x="1219200" y="1066800"/>
+            <a:ext cx="7286625" cy="3048000"/>
+          </a:xfrm>
+          <a:prstGeom prst="rect">
+            <a:avLst/>
+          </a:prstGeom>
+          <a:noFill/>
+          <a:ln>
+            <a:noFill/>
+          </a:ln>
+          <a:extLst>
+            <a:ext uri="{909E8E84-426E-40DD-AFC4-6F175D3DCCD1}">
+              <a14:hiddenFill xmlns:a14="http://schemas.microsoft.com/office/drawing/2010/main">
+                <a:solidFill>
+                  <a:schemeClr val="accent1"/>
+                </a:solidFill>
+              </a14:hiddenFill>
+            </a:ext>
+            <a:ext uri="{91240B29-F687-4F45-9708-019B960494DF}">
+              <a14:hiddenLine xmlns:a14="http://schemas.microsoft.com/office/drawing/2010/main" w="9525">
+                <a:solidFill>
+                  <a:schemeClr val="tx1"/>
+                </a:solidFill>
+                <a:miter lim="800000"/>
+                <a:headEnd/>
+                <a:tailEnd/>
+              </a14:hiddenLine>
+            </a:ext>
+          </a:extLst>
+        </p:spPr>
+      </p:pic>
+    </p:spTree>
+    <p:extLst>
+      <p:ext uri="{BB962C8B-B14F-4D97-AF65-F5344CB8AC3E}">
+        <p14:creationId xmlns:p14="http://schemas.microsoft.com/office/powerpoint/2010/main" val="720808280"/>
+      </p:ext>
+    </p:extLst>
+  </p:cSld>
+  <p:clrMapOvr>
+    <a:masterClrMapping/>
+  </p:clrMapOvr>
+</p:sld>
+</file>
+
+<file path=ppt/slides/slide46.xml><?xml version="1.0" encoding="utf-8"?>
+<p:sld xmlns:a="http://schemas.openxmlformats.org/drawingml/2006/main" xmlns:r="http://schemas.openxmlformats.org/officeDocument/2006/relationships" xmlns:p="http://schemas.openxmlformats.org/presentationml/2006/main">
+  <p:cSld>
+    <p:spTree>
+      <p:nvGrpSpPr>
+        <p:cNvPr id="1" name=""/>
+        <p:cNvGrpSpPr/>
+        <p:nvPr/>
+      </p:nvGrpSpPr>
+      <p:grpSpPr>
+        <a:xfrm>
+          <a:off x="0" y="0"/>
+          <a:ext cx="0" cy="0"/>
+          <a:chOff x="0" y="0"/>
+          <a:chExt cx="0" cy="0"/>
+        </a:xfrm>
+      </p:grpSpPr>
+      <p:pic>
+        <p:nvPicPr>
+          <p:cNvPr id="7170" name="Picture 2"/>
+          <p:cNvPicPr>
+            <a:picLocks noChangeAspect="1" noChangeArrowheads="1"/>
+          </p:cNvPicPr>
+          <p:nvPr/>
+        </p:nvPicPr>
+        <p:blipFill>
+          <a:blip r:embed="rId2">
+            <a:extLst>
+              <a:ext uri="{28A0092B-C50C-407E-A947-70E740481C1C}">
+                <a14:useLocalDpi xmlns:a14="http://schemas.microsoft.com/office/drawing/2010/main" val="0"/>
+              </a:ext>
+            </a:extLst>
+          </a:blip>
+          <a:srcRect/>
+          <a:stretch>
+            <a:fillRect/>
+          </a:stretch>
+        </p:blipFill>
+        <p:spPr bwMode="auto">
+          <a:xfrm>
+            <a:off x="1263502" y="1002798"/>
+            <a:ext cx="7639050" cy="3072392"/>
+          </a:xfrm>
+          <a:prstGeom prst="rect">
+            <a:avLst/>
+          </a:prstGeom>
+          <a:noFill/>
+          <a:ln>
+            <a:noFill/>
+          </a:ln>
+          <a:extLst>
+            <a:ext uri="{909E8E84-426E-40DD-AFC4-6F175D3DCCD1}">
+              <a14:hiddenFill xmlns:a14="http://schemas.microsoft.com/office/drawing/2010/main">
+                <a:solidFill>
+                  <a:schemeClr val="accent1"/>
+                </a:solidFill>
+              </a14:hiddenFill>
+            </a:ext>
+            <a:ext uri="{91240B29-F687-4F45-9708-019B960494DF}">
+              <a14:hiddenLine xmlns:a14="http://schemas.microsoft.com/office/drawing/2010/main" w="9525">
+                <a:solidFill>
+                  <a:schemeClr val="tx1"/>
+                </a:solidFill>
+                <a:miter lim="800000"/>
+                <a:headEnd/>
+                <a:tailEnd/>
+              </a14:hiddenLine>
+            </a:ext>
+          </a:extLst>
+        </p:spPr>
+      </p:pic>
+    </p:spTree>
+    <p:extLst>
+      <p:ext uri="{BB962C8B-B14F-4D97-AF65-F5344CB8AC3E}">
+        <p14:creationId xmlns:p14="http://schemas.microsoft.com/office/powerpoint/2010/main" val="1230810487"/>
+      </p:ext>
+    </p:extLst>
+  </p:cSld>
+  <p:clrMapOvr>
+    <a:masterClrMapping/>
+  </p:clrMapOvr>
+</p:sld>
+</file>
+
+<file path=ppt/slides/slide47.xml><?xml version="1.0" encoding="utf-8"?>
+<p:sld xmlns:a="http://schemas.openxmlformats.org/drawingml/2006/main" xmlns:r="http://schemas.openxmlformats.org/officeDocument/2006/relationships" xmlns:p="http://schemas.openxmlformats.org/presentationml/2006/main">
+  <p:cSld>
+    <p:spTree>
+      <p:nvGrpSpPr>
+        <p:cNvPr id="1" name=""/>
+        <p:cNvGrpSpPr/>
+        <p:nvPr/>
+      </p:nvGrpSpPr>
+      <p:grpSpPr>
+        <a:xfrm>
+          <a:off x="0" y="0"/>
+          <a:ext cx="0" cy="0"/>
+          <a:chOff x="0" y="0"/>
+          <a:chExt cx="0" cy="0"/>
+        </a:xfrm>
+      </p:grpSpPr>
+      <p:pic>
+        <p:nvPicPr>
+          <p:cNvPr id="8194" name="Picture 2"/>
+          <p:cNvPicPr>
+            <a:picLocks noChangeAspect="1" noChangeArrowheads="1"/>
+          </p:cNvPicPr>
+          <p:nvPr/>
+        </p:nvPicPr>
+        <p:blipFill>
+          <a:blip r:embed="rId2">
+            <a:extLst>
+              <a:ext uri="{28A0092B-C50C-407E-A947-70E740481C1C}">
+                <a14:useLocalDpi xmlns:a14="http://schemas.microsoft.com/office/drawing/2010/main" val="0"/>
+              </a:ext>
+            </a:extLst>
+          </a:blip>
+          <a:srcRect/>
+          <a:stretch>
+            <a:fillRect/>
+          </a:stretch>
+        </p:blipFill>
+        <p:spPr bwMode="auto">
+          <a:xfrm>
+            <a:off x="1219200" y="1066800"/>
+            <a:ext cx="7474015" cy="2900364"/>
+          </a:xfrm>
+          <a:prstGeom prst="rect">
+            <a:avLst/>
+          </a:prstGeom>
+          <a:noFill/>
+          <a:ln>
+            <a:noFill/>
+          </a:ln>
+          <a:extLst>
+            <a:ext uri="{909E8E84-426E-40DD-AFC4-6F175D3DCCD1}">
+              <a14:hiddenFill xmlns:a14="http://schemas.microsoft.com/office/drawing/2010/main">
+                <a:solidFill>
+                  <a:schemeClr val="accent1"/>
+                </a:solidFill>
+              </a14:hiddenFill>
+            </a:ext>
+            <a:ext uri="{91240B29-F687-4F45-9708-019B960494DF}">
+              <a14:hiddenLine xmlns:a14="http://schemas.microsoft.com/office/drawing/2010/main" w="9525">
+                <a:solidFill>
+                  <a:schemeClr val="tx1"/>
+                </a:solidFill>
+                <a:miter lim="800000"/>
+                <a:headEnd/>
+                <a:tailEnd/>
+              </a14:hiddenLine>
+            </a:ext>
+          </a:extLst>
+        </p:spPr>
+      </p:pic>
+    </p:spTree>
+    <p:extLst>
+      <p:ext uri="{BB962C8B-B14F-4D97-AF65-F5344CB8AC3E}">
+        <p14:creationId xmlns:p14="http://schemas.microsoft.com/office/powerpoint/2010/main" val="3747926383"/>
+      </p:ext>
+    </p:extLst>
+  </p:cSld>
+  <p:clrMapOvr>
+    <a:masterClrMapping/>
+  </p:clrMapOvr>
+</p:sld>
+</file>
+
+<file path=ppt/slides/slide48.xml><?xml version="1.0" encoding="utf-8"?>
+<p:sld xmlns:a="http://schemas.openxmlformats.org/drawingml/2006/main" xmlns:r="http://schemas.openxmlformats.org/officeDocument/2006/relationships" xmlns:p="http://schemas.openxmlformats.org/presentationml/2006/main">
+  <p:cSld>
+    <p:spTree>
+      <p:nvGrpSpPr>
+        <p:cNvPr id="1" name=""/>
+        <p:cNvGrpSpPr/>
+        <p:nvPr/>
+      </p:nvGrpSpPr>
+      <p:grpSpPr>
+        <a:xfrm>
+          <a:off x="0" y="0"/>
+          <a:ext cx="0" cy="0"/>
+          <a:chOff x="0" y="0"/>
+          <a:chExt cx="0" cy="0"/>
+        </a:xfrm>
+      </p:grpSpPr>
+      <p:pic>
+        <p:nvPicPr>
+          <p:cNvPr id="9218" name="Picture 2"/>
+          <p:cNvPicPr>
+            <a:picLocks noChangeAspect="1" noChangeArrowheads="1"/>
+          </p:cNvPicPr>
+          <p:nvPr/>
+        </p:nvPicPr>
+        <p:blipFill>
+          <a:blip r:embed="rId2">
+            <a:extLst>
+              <a:ext uri="{28A0092B-C50C-407E-A947-70E740481C1C}">
+                <a14:useLocalDpi xmlns:a14="http://schemas.microsoft.com/office/drawing/2010/main" val="0"/>
+              </a:ext>
+            </a:extLst>
+          </a:blip>
+          <a:srcRect/>
+          <a:stretch>
+            <a:fillRect/>
+          </a:stretch>
+        </p:blipFill>
+        <p:spPr bwMode="auto">
+          <a:xfrm>
+            <a:off x="1295400" y="1371600"/>
+            <a:ext cx="7048500" cy="2971426"/>
+          </a:xfrm>
+          <a:prstGeom prst="rect">
+            <a:avLst/>
+          </a:prstGeom>
+          <a:noFill/>
+          <a:ln>
+            <a:noFill/>
+          </a:ln>
+          <a:extLst>
+            <a:ext uri="{909E8E84-426E-40DD-AFC4-6F175D3DCCD1}">
+              <a14:hiddenFill xmlns:a14="http://schemas.microsoft.com/office/drawing/2010/main">
+                <a:solidFill>
+                  <a:schemeClr val="accent1"/>
+                </a:solidFill>
+              </a14:hiddenFill>
+            </a:ext>
+            <a:ext uri="{91240B29-F687-4F45-9708-019B960494DF}">
+              <a14:hiddenLine xmlns:a14="http://schemas.microsoft.com/office/drawing/2010/main" w="9525">
+                <a:solidFill>
+                  <a:schemeClr val="tx1"/>
+                </a:solidFill>
+                <a:miter lim="800000"/>
+                <a:headEnd/>
+                <a:tailEnd/>
+              </a14:hiddenLine>
+            </a:ext>
+          </a:extLst>
+        </p:spPr>
+      </p:pic>
+    </p:spTree>
+    <p:extLst>
+      <p:ext uri="{BB962C8B-B14F-4D97-AF65-F5344CB8AC3E}">
+        <p14:creationId xmlns:p14="http://schemas.microsoft.com/office/powerpoint/2010/main" val="2992605824"/>
+      </p:ext>
+    </p:extLst>
+  </p:cSld>
+  <p:clrMapOvr>
+    <a:masterClrMapping/>
+  </p:clrMapOvr>
+</p:sld>
+</file>
+
+<file path=ppt/slides/slide49.xml><?xml version="1.0" encoding="utf-8"?>
+<p:sld xmlns:a="http://schemas.openxmlformats.org/drawingml/2006/main" xmlns:r="http://schemas.openxmlformats.org/officeDocument/2006/relationships" xmlns:p="http://schemas.openxmlformats.org/presentationml/2006/main">
+  <p:cSld>
+    <p:spTree>
+      <p:nvGrpSpPr>
+        <p:cNvPr id="1" name=""/>
+        <p:cNvGrpSpPr/>
+        <p:nvPr/>
+      </p:nvGrpSpPr>
+      <p:grpSpPr>
+        <a:xfrm>
+          <a:off x="0" y="0"/>
+          <a:ext cx="0" cy="0"/>
+          <a:chOff x="0" y="0"/>
+          <a:chExt cx="0" cy="0"/>
+        </a:xfrm>
+      </p:grpSpPr>
+      <p:pic>
+        <p:nvPicPr>
+          <p:cNvPr id="1026" name="Picture 2"/>
+          <p:cNvPicPr>
+            <a:picLocks noChangeAspect="1" noChangeArrowheads="1"/>
+          </p:cNvPicPr>
+          <p:nvPr/>
+        </p:nvPicPr>
+        <p:blipFill>
+          <a:blip r:embed="rId2">
+            <a:extLst>
+              <a:ext uri="{28A0092B-C50C-407E-A947-70E740481C1C}">
+                <a14:useLocalDpi xmlns:a14="http://schemas.microsoft.com/office/drawing/2010/main" val="0"/>
+              </a:ext>
+            </a:extLst>
+          </a:blip>
+          <a:srcRect/>
+          <a:stretch>
+            <a:fillRect/>
+          </a:stretch>
+        </p:blipFill>
+        <p:spPr bwMode="auto">
+          <a:xfrm>
+            <a:off x="1219200" y="609600"/>
+            <a:ext cx="7105650" cy="333375"/>
+          </a:xfrm>
+          <a:prstGeom prst="rect">
+            <a:avLst/>
+          </a:prstGeom>
+          <a:noFill/>
+          <a:ln>
+            <a:noFill/>
+          </a:ln>
+          <a:extLst>
+            <a:ext uri="{909E8E84-426E-40DD-AFC4-6F175D3DCCD1}">
+              <a14:hiddenFill xmlns:a14="http://schemas.microsoft.com/office/drawing/2010/main">
+                <a:solidFill>
+                  <a:schemeClr val="accent1"/>
+                </a:solidFill>
+              </a14:hiddenFill>
+            </a:ext>
+            <a:ext uri="{91240B29-F687-4F45-9708-019B960494DF}">
+              <a14:hiddenLine xmlns:a14="http://schemas.microsoft.com/office/drawing/2010/main" w="9525">
+                <a:solidFill>
+                  <a:schemeClr val="tx1"/>
+                </a:solidFill>
+                <a:miter lim="800000"/>
+                <a:headEnd/>
+                <a:tailEnd/>
+              </a14:hiddenLine>
+            </a:ext>
+          </a:extLst>
+        </p:spPr>
+      </p:pic>
+      <p:pic>
+        <p:nvPicPr>
+          <p:cNvPr id="1027" name="Picture 3"/>
+          <p:cNvPicPr>
+            <a:picLocks noChangeAspect="1" noChangeArrowheads="1"/>
+          </p:cNvPicPr>
+          <p:nvPr/>
+        </p:nvPicPr>
+        <p:blipFill>
+          <a:blip r:embed="rId3">
+            <a:extLst>
+              <a:ext uri="{28A0092B-C50C-407E-A947-70E740481C1C}">
+                <a14:useLocalDpi xmlns:a14="http://schemas.microsoft.com/office/drawing/2010/main" val="0"/>
+              </a:ext>
+            </a:extLst>
+          </a:blip>
+          <a:srcRect/>
+          <a:stretch>
+            <a:fillRect/>
+          </a:stretch>
+        </p:blipFill>
+        <p:spPr bwMode="auto">
+          <a:xfrm>
+            <a:off x="595312" y="1371600"/>
+            <a:ext cx="8353425" cy="361950"/>
+          </a:xfrm>
+          <a:prstGeom prst="rect">
+            <a:avLst/>
+          </a:prstGeom>
+          <a:noFill/>
+          <a:ln>
+            <a:noFill/>
+          </a:ln>
+          <a:extLst>
+            <a:ext uri="{909E8E84-426E-40DD-AFC4-6F175D3DCCD1}">
+              <a14:hiddenFill xmlns:a14="http://schemas.microsoft.com/office/drawing/2010/main">
+                <a:solidFill>
+                  <a:schemeClr val="accent1"/>
+                </a:solidFill>
+              </a14:hiddenFill>
+            </a:ext>
+            <a:ext uri="{91240B29-F687-4F45-9708-019B960494DF}">
+              <a14:hiddenLine xmlns:a14="http://schemas.microsoft.com/office/drawing/2010/main" w="9525">
+                <a:solidFill>
+                  <a:schemeClr val="tx1"/>
+                </a:solidFill>
+                <a:miter lim="800000"/>
+                <a:headEnd/>
+                <a:tailEnd/>
+              </a14:hiddenLine>
+            </a:ext>
+          </a:extLst>
+        </p:spPr>
+      </p:pic>
+    </p:spTree>
+    <p:extLst>
+      <p:ext uri="{BB962C8B-B14F-4D97-AF65-F5344CB8AC3E}">
+        <p14:creationId xmlns:p14="http://schemas.microsoft.com/office/powerpoint/2010/main" val="3595433262"/>
       </p:ext>
     </p:extLst>
   </p:cSld>
